--- a/trunk/PM-DOCS/Apresentação_Release1_Bpad.pptx
+++ b/trunk/PM-DOCS/Apresentação_Release1_Bpad.pptx
@@ -4,15 +4,19 @@
   <p:sldMasterIdLst>
     <p:sldMasterId id="2147483672" r:id="rId1"/>
   </p:sldMasterIdLst>
+  <p:notesMasterIdLst>
+    <p:notesMasterId r:id="rId11"/>
+  </p:notesMasterIdLst>
   <p:sldIdLst>
     <p:sldId id="256" r:id="rId2"/>
     <p:sldId id="257" r:id="rId3"/>
     <p:sldId id="262" r:id="rId4"/>
     <p:sldId id="263" r:id="rId5"/>
     <p:sldId id="264" r:id="rId6"/>
-    <p:sldId id="267" r:id="rId7"/>
-    <p:sldId id="268" r:id="rId8"/>
-    <p:sldId id="269" r:id="rId9"/>
+    <p:sldId id="270" r:id="rId7"/>
+    <p:sldId id="267" r:id="rId8"/>
+    <p:sldId id="268" r:id="rId9"/>
+    <p:sldId id="269" r:id="rId10"/>
   </p:sldIdLst>
   <p:sldSz cx="9144000" cy="6858000" type="screen4x3"/>
   <p:notesSz cx="6858000" cy="9144000"/>
@@ -5588,6 +5592,788 @@
 </dgm:colorsDef>
 </file>
 
+<file path=ppt/diagrams/colors8.xml><?xml version="1.0" encoding="utf-8"?>
+<dgm:colorsDef xmlns:dgm="http://schemas.openxmlformats.org/drawingml/2006/diagram" xmlns:a="http://schemas.openxmlformats.org/drawingml/2006/main" uniqueId="urn:microsoft.com/office/officeart/2005/8/colors/colorful4">
+  <dgm:title val=""/>
+  <dgm:desc val=""/>
+  <dgm:catLst>
+    <dgm:cat type="colorful" pri="10400"/>
+  </dgm:catLst>
+  <dgm:styleLbl name="node0">
+    <dgm:fillClrLst meth="repeat">
+      <a:schemeClr val="accent3"/>
+    </dgm:fillClrLst>
+    <dgm:linClrLst meth="repeat">
+      <a:schemeClr val="lt1"/>
+    </dgm:linClrLst>
+    <dgm:effectClrLst/>
+    <dgm:txLinClrLst/>
+    <dgm:txFillClrLst/>
+    <dgm:txEffectClrLst/>
+  </dgm:styleLbl>
+  <dgm:styleLbl name="node1">
+    <dgm:fillClrLst>
+      <a:schemeClr val="accent4"/>
+      <a:schemeClr val="accent5"/>
+    </dgm:fillClrLst>
+    <dgm:linClrLst meth="repeat">
+      <a:schemeClr val="lt1"/>
+    </dgm:linClrLst>
+    <dgm:effectClrLst/>
+    <dgm:txLinClrLst/>
+    <dgm:txFillClrLst/>
+    <dgm:txEffectClrLst/>
+  </dgm:styleLbl>
+  <dgm:styleLbl name="alignNode1">
+    <dgm:fillClrLst>
+      <a:schemeClr val="accent4"/>
+      <a:schemeClr val="accent5"/>
+    </dgm:fillClrLst>
+    <dgm:linClrLst>
+      <a:schemeClr val="accent4"/>
+      <a:schemeClr val="accent5"/>
+    </dgm:linClrLst>
+    <dgm:effectClrLst/>
+    <dgm:txLinClrLst/>
+    <dgm:txFillClrLst/>
+    <dgm:txEffectClrLst/>
+  </dgm:styleLbl>
+  <dgm:styleLbl name="lnNode1">
+    <dgm:fillClrLst>
+      <a:schemeClr val="accent4"/>
+      <a:schemeClr val="accent5"/>
+    </dgm:fillClrLst>
+    <dgm:linClrLst meth="repeat">
+      <a:schemeClr val="lt1"/>
+    </dgm:linClrLst>
+    <dgm:effectClrLst/>
+    <dgm:txLinClrLst/>
+    <dgm:txFillClrLst/>
+    <dgm:txEffectClrLst/>
+  </dgm:styleLbl>
+  <dgm:styleLbl name="vennNode1">
+    <dgm:fillClrLst>
+      <a:schemeClr val="accent4">
+        <a:alpha val="50000"/>
+      </a:schemeClr>
+      <a:schemeClr val="accent5">
+        <a:alpha val="50000"/>
+      </a:schemeClr>
+    </dgm:fillClrLst>
+    <dgm:linClrLst meth="repeat">
+      <a:schemeClr val="lt1"/>
+    </dgm:linClrLst>
+    <dgm:effectClrLst/>
+    <dgm:txLinClrLst/>
+    <dgm:txFillClrLst/>
+    <dgm:txEffectClrLst/>
+  </dgm:styleLbl>
+  <dgm:styleLbl name="node2">
+    <dgm:fillClrLst>
+      <a:schemeClr val="accent5"/>
+    </dgm:fillClrLst>
+    <dgm:linClrLst meth="repeat">
+      <a:schemeClr val="lt1"/>
+    </dgm:linClrLst>
+    <dgm:effectClrLst/>
+    <dgm:txLinClrLst/>
+    <dgm:txFillClrLst/>
+    <dgm:txEffectClrLst/>
+  </dgm:styleLbl>
+  <dgm:styleLbl name="node3">
+    <dgm:fillClrLst>
+      <a:schemeClr val="accent6"/>
+    </dgm:fillClrLst>
+    <dgm:linClrLst meth="repeat">
+      <a:schemeClr val="lt1"/>
+    </dgm:linClrLst>
+    <dgm:effectClrLst/>
+    <dgm:txLinClrLst/>
+    <dgm:txFillClrLst/>
+    <dgm:txEffectClrLst/>
+  </dgm:styleLbl>
+  <dgm:styleLbl name="node4">
+    <dgm:fillClrLst>
+      <a:schemeClr val="accent1"/>
+    </dgm:fillClrLst>
+    <dgm:linClrLst meth="repeat">
+      <a:schemeClr val="lt1"/>
+    </dgm:linClrLst>
+    <dgm:effectClrLst/>
+    <dgm:txLinClrLst/>
+    <dgm:txFillClrLst/>
+    <dgm:txEffectClrLst/>
+  </dgm:styleLbl>
+  <dgm:styleLbl name="fgImgPlace1">
+    <dgm:fillClrLst>
+      <a:schemeClr val="accent4">
+        <a:tint val="50000"/>
+      </a:schemeClr>
+      <a:schemeClr val="accent5">
+        <a:tint val="50000"/>
+      </a:schemeClr>
+    </dgm:fillClrLst>
+    <dgm:linClrLst meth="repeat">
+      <a:schemeClr val="lt1"/>
+    </dgm:linClrLst>
+    <dgm:effectClrLst/>
+    <dgm:txLinClrLst/>
+    <dgm:txFillClrLst meth="repeat">
+      <a:schemeClr val="lt1"/>
+    </dgm:txFillClrLst>
+    <dgm:txEffectClrLst/>
+  </dgm:styleLbl>
+  <dgm:styleLbl name="alignImgPlace1">
+    <dgm:fillClrLst>
+      <a:schemeClr val="accent4">
+        <a:tint val="50000"/>
+      </a:schemeClr>
+      <a:schemeClr val="accent5">
+        <a:tint val="20000"/>
+      </a:schemeClr>
+    </dgm:fillClrLst>
+    <dgm:linClrLst meth="repeat">
+      <a:schemeClr val="lt1"/>
+    </dgm:linClrLst>
+    <dgm:effectClrLst/>
+    <dgm:txLinClrLst/>
+    <dgm:txFillClrLst meth="repeat">
+      <a:schemeClr val="lt1"/>
+    </dgm:txFillClrLst>
+    <dgm:txEffectClrLst/>
+  </dgm:styleLbl>
+  <dgm:styleLbl name="bgImgPlace1">
+    <dgm:fillClrLst>
+      <a:schemeClr val="accent4">
+        <a:tint val="50000"/>
+      </a:schemeClr>
+      <a:schemeClr val="accent5">
+        <a:tint val="20000"/>
+      </a:schemeClr>
+    </dgm:fillClrLst>
+    <dgm:linClrLst meth="repeat">
+      <a:schemeClr val="lt1"/>
+    </dgm:linClrLst>
+    <dgm:effectClrLst/>
+    <dgm:txLinClrLst/>
+    <dgm:txFillClrLst meth="repeat">
+      <a:schemeClr val="lt1"/>
+    </dgm:txFillClrLst>
+    <dgm:txEffectClrLst/>
+  </dgm:styleLbl>
+  <dgm:styleLbl name="sibTrans2D1">
+    <dgm:fillClrLst>
+      <a:schemeClr val="accent4"/>
+      <a:schemeClr val="accent5"/>
+    </dgm:fillClrLst>
+    <dgm:linClrLst meth="repeat">
+      <a:schemeClr val="lt1"/>
+    </dgm:linClrLst>
+    <dgm:effectClrLst/>
+    <dgm:txLinClrLst/>
+    <dgm:txFillClrLst/>
+    <dgm:txEffectClrLst/>
+  </dgm:styleLbl>
+  <dgm:styleLbl name="fgSibTrans2D1">
+    <dgm:fillClrLst>
+      <a:schemeClr val="accent4"/>
+      <a:schemeClr val="accent5"/>
+    </dgm:fillClrLst>
+    <dgm:linClrLst meth="repeat">
+      <a:schemeClr val="lt1"/>
+    </dgm:linClrLst>
+    <dgm:effectClrLst/>
+    <dgm:txLinClrLst/>
+    <dgm:txFillClrLst meth="repeat">
+      <a:schemeClr val="lt1"/>
+    </dgm:txFillClrLst>
+    <dgm:txEffectClrLst/>
+  </dgm:styleLbl>
+  <dgm:styleLbl name="bgSibTrans2D1">
+    <dgm:fillClrLst>
+      <a:schemeClr val="accent4"/>
+      <a:schemeClr val="accent5"/>
+    </dgm:fillClrLst>
+    <dgm:linClrLst meth="repeat">
+      <a:schemeClr val="lt1"/>
+    </dgm:linClrLst>
+    <dgm:effectClrLst/>
+    <dgm:txLinClrLst/>
+    <dgm:txFillClrLst meth="repeat">
+      <a:schemeClr val="lt1"/>
+    </dgm:txFillClrLst>
+    <dgm:txEffectClrLst/>
+  </dgm:styleLbl>
+  <dgm:styleLbl name="sibTrans1D1">
+    <dgm:fillClrLst/>
+    <dgm:linClrLst>
+      <a:schemeClr val="accent4"/>
+      <a:schemeClr val="accent5"/>
+    </dgm:linClrLst>
+    <dgm:effectClrLst/>
+    <dgm:txLinClrLst/>
+    <dgm:txFillClrLst meth="repeat">
+      <a:schemeClr val="tx1"/>
+    </dgm:txFillClrLst>
+    <dgm:txEffectClrLst/>
+  </dgm:styleLbl>
+  <dgm:styleLbl name="callout">
+    <dgm:fillClrLst meth="repeat">
+      <a:schemeClr val="accent4"/>
+    </dgm:fillClrLst>
+    <dgm:linClrLst meth="repeat">
+      <a:schemeClr val="accent4">
+        <a:tint val="50000"/>
+      </a:schemeClr>
+    </dgm:linClrLst>
+    <dgm:effectClrLst/>
+    <dgm:txLinClrLst/>
+    <dgm:txFillClrLst meth="repeat">
+      <a:schemeClr val="tx1"/>
+    </dgm:txFillClrLst>
+    <dgm:txEffectClrLst/>
+  </dgm:styleLbl>
+  <dgm:styleLbl name="asst0">
+    <dgm:fillClrLst meth="repeat">
+      <a:schemeClr val="accent4"/>
+    </dgm:fillClrLst>
+    <dgm:linClrLst meth="repeat">
+      <a:schemeClr val="lt1">
+        <a:shade val="80000"/>
+      </a:schemeClr>
+    </dgm:linClrLst>
+    <dgm:effectClrLst/>
+    <dgm:txLinClrLst/>
+    <dgm:txFillClrLst/>
+    <dgm:txEffectClrLst/>
+  </dgm:styleLbl>
+  <dgm:styleLbl name="asst1">
+    <dgm:fillClrLst meth="repeat">
+      <a:schemeClr val="accent5"/>
+    </dgm:fillClrLst>
+    <dgm:linClrLst meth="repeat">
+      <a:schemeClr val="lt1">
+        <a:shade val="80000"/>
+      </a:schemeClr>
+    </dgm:linClrLst>
+    <dgm:effectClrLst/>
+    <dgm:txLinClrLst/>
+    <dgm:txFillClrLst/>
+    <dgm:txEffectClrLst/>
+  </dgm:styleLbl>
+  <dgm:styleLbl name="asst2">
+    <dgm:fillClrLst>
+      <a:schemeClr val="accent6"/>
+    </dgm:fillClrLst>
+    <dgm:linClrLst meth="repeat">
+      <a:schemeClr val="lt1"/>
+    </dgm:linClrLst>
+    <dgm:effectClrLst/>
+    <dgm:txLinClrLst/>
+    <dgm:txFillClrLst/>
+    <dgm:txEffectClrLst/>
+  </dgm:styleLbl>
+  <dgm:styleLbl name="asst3">
+    <dgm:fillClrLst>
+      <a:schemeClr val="accent1"/>
+    </dgm:fillClrLst>
+    <dgm:linClrLst meth="repeat">
+      <a:schemeClr val="lt1"/>
+    </dgm:linClrLst>
+    <dgm:effectClrLst/>
+    <dgm:txLinClrLst/>
+    <dgm:txFillClrLst/>
+    <dgm:txEffectClrLst/>
+  </dgm:styleLbl>
+  <dgm:styleLbl name="asst4">
+    <dgm:fillClrLst>
+      <a:schemeClr val="accent2"/>
+    </dgm:fillClrLst>
+    <dgm:linClrLst meth="repeat">
+      <a:schemeClr val="lt1"/>
+    </dgm:linClrLst>
+    <dgm:effectClrLst/>
+    <dgm:txLinClrLst/>
+    <dgm:txFillClrLst/>
+    <dgm:txEffectClrLst/>
+  </dgm:styleLbl>
+  <dgm:styleLbl name="parChTrans2D1">
+    <dgm:fillClrLst meth="repeat">
+      <a:schemeClr val="accent4"/>
+    </dgm:fillClrLst>
+    <dgm:linClrLst meth="repeat">
+      <a:schemeClr val="lt1"/>
+    </dgm:linClrLst>
+    <dgm:effectClrLst/>
+    <dgm:txLinClrLst/>
+    <dgm:txFillClrLst meth="repeat">
+      <a:schemeClr val="lt1"/>
+    </dgm:txFillClrLst>
+    <dgm:txEffectClrLst/>
+  </dgm:styleLbl>
+  <dgm:styleLbl name="parChTrans2D2">
+    <dgm:fillClrLst meth="repeat">
+      <a:schemeClr val="accent5"/>
+    </dgm:fillClrLst>
+    <dgm:linClrLst meth="repeat">
+      <a:schemeClr val="lt1"/>
+    </dgm:linClrLst>
+    <dgm:effectClrLst/>
+    <dgm:txLinClrLst/>
+    <dgm:txFillClrLst/>
+    <dgm:txEffectClrLst/>
+  </dgm:styleLbl>
+  <dgm:styleLbl name="parChTrans2D3">
+    <dgm:fillClrLst meth="repeat">
+      <a:schemeClr val="accent5"/>
+    </dgm:fillClrLst>
+    <dgm:linClrLst meth="repeat">
+      <a:schemeClr val="lt1"/>
+    </dgm:linClrLst>
+    <dgm:effectClrLst/>
+    <dgm:txLinClrLst/>
+    <dgm:txFillClrLst/>
+    <dgm:txEffectClrLst/>
+  </dgm:styleLbl>
+  <dgm:styleLbl name="parChTrans2D4">
+    <dgm:fillClrLst meth="repeat">
+      <a:schemeClr val="accent6"/>
+    </dgm:fillClrLst>
+    <dgm:linClrLst meth="repeat">
+      <a:schemeClr val="lt1"/>
+    </dgm:linClrLst>
+    <dgm:effectClrLst/>
+    <dgm:txLinClrLst/>
+    <dgm:txFillClrLst meth="repeat">
+      <a:schemeClr val="lt1"/>
+    </dgm:txFillClrLst>
+    <dgm:txEffectClrLst/>
+  </dgm:styleLbl>
+  <dgm:styleLbl name="parChTrans1D1">
+    <dgm:fillClrLst meth="repeat">
+      <a:schemeClr val="accent4"/>
+    </dgm:fillClrLst>
+    <dgm:linClrLst meth="repeat">
+      <a:schemeClr val="accent4"/>
+    </dgm:linClrLst>
+    <dgm:effectClrLst/>
+    <dgm:txLinClrLst/>
+    <dgm:txFillClrLst meth="repeat">
+      <a:schemeClr val="tx1"/>
+    </dgm:txFillClrLst>
+    <dgm:txEffectClrLst/>
+  </dgm:styleLbl>
+  <dgm:styleLbl name="parChTrans1D2">
+    <dgm:fillClrLst meth="repeat">
+      <a:schemeClr val="accent4">
+        <a:tint val="90000"/>
+      </a:schemeClr>
+    </dgm:fillClrLst>
+    <dgm:linClrLst meth="repeat">
+      <a:schemeClr val="accent5"/>
+    </dgm:linClrLst>
+    <dgm:effectClrLst/>
+    <dgm:txLinClrLst/>
+    <dgm:txFillClrLst meth="repeat">
+      <a:schemeClr val="tx1"/>
+    </dgm:txFillClrLst>
+    <dgm:txEffectClrLst/>
+  </dgm:styleLbl>
+  <dgm:styleLbl name="parChTrans1D3">
+    <dgm:fillClrLst meth="repeat">
+      <a:schemeClr val="accent4">
+        <a:tint val="70000"/>
+      </a:schemeClr>
+    </dgm:fillClrLst>
+    <dgm:linClrLst meth="repeat">
+      <a:schemeClr val="accent6"/>
+    </dgm:linClrLst>
+    <dgm:effectClrLst/>
+    <dgm:txLinClrLst/>
+    <dgm:txFillClrLst meth="repeat">
+      <a:schemeClr val="tx1"/>
+    </dgm:txFillClrLst>
+    <dgm:txEffectClrLst/>
+  </dgm:styleLbl>
+  <dgm:styleLbl name="parChTrans1D4">
+    <dgm:fillClrLst meth="repeat">
+      <a:schemeClr val="accent4">
+        <a:tint val="50000"/>
+      </a:schemeClr>
+    </dgm:fillClrLst>
+    <dgm:linClrLst meth="repeat">
+      <a:schemeClr val="accent1"/>
+    </dgm:linClrLst>
+    <dgm:effectClrLst/>
+    <dgm:txLinClrLst/>
+    <dgm:txFillClrLst meth="repeat">
+      <a:schemeClr val="tx1"/>
+    </dgm:txFillClrLst>
+    <dgm:txEffectClrLst/>
+  </dgm:styleLbl>
+  <dgm:styleLbl name="fgAcc1">
+    <dgm:fillClrLst meth="repeat">
+      <a:schemeClr val="lt1">
+        <a:alpha val="90000"/>
+      </a:schemeClr>
+    </dgm:fillClrLst>
+    <dgm:linClrLst>
+      <a:schemeClr val="accent4"/>
+      <a:schemeClr val="accent5"/>
+    </dgm:linClrLst>
+    <dgm:effectClrLst/>
+    <dgm:txLinClrLst/>
+    <dgm:txFillClrLst meth="repeat">
+      <a:schemeClr val="dk1"/>
+    </dgm:txFillClrLst>
+    <dgm:txEffectClrLst/>
+  </dgm:styleLbl>
+  <dgm:styleLbl name="conFgAcc1">
+    <dgm:fillClrLst meth="repeat">
+      <a:schemeClr val="lt1">
+        <a:alpha val="90000"/>
+      </a:schemeClr>
+    </dgm:fillClrLst>
+    <dgm:linClrLst>
+      <a:schemeClr val="accent4"/>
+      <a:schemeClr val="accent5"/>
+    </dgm:linClrLst>
+    <dgm:effectClrLst/>
+    <dgm:txLinClrLst/>
+    <dgm:txFillClrLst meth="repeat">
+      <a:schemeClr val="dk1"/>
+    </dgm:txFillClrLst>
+    <dgm:txEffectClrLst/>
+  </dgm:styleLbl>
+  <dgm:styleLbl name="alignAcc1">
+    <dgm:fillClrLst meth="repeat">
+      <a:schemeClr val="lt1">
+        <a:alpha val="90000"/>
+      </a:schemeClr>
+    </dgm:fillClrLst>
+    <dgm:linClrLst>
+      <a:schemeClr val="accent4"/>
+      <a:schemeClr val="accent5"/>
+    </dgm:linClrLst>
+    <dgm:effectClrLst/>
+    <dgm:txLinClrLst/>
+    <dgm:txFillClrLst meth="repeat">
+      <a:schemeClr val="dk1"/>
+    </dgm:txFillClrLst>
+    <dgm:txEffectClrLst/>
+  </dgm:styleLbl>
+  <dgm:styleLbl name="trAlignAcc1">
+    <dgm:fillClrLst meth="repeat">
+      <a:schemeClr val="lt1">
+        <a:alpha val="40000"/>
+      </a:schemeClr>
+    </dgm:fillClrLst>
+    <dgm:linClrLst meth="repeat">
+      <a:schemeClr val="accent4"/>
+    </dgm:linClrLst>
+    <dgm:effectClrLst/>
+    <dgm:txLinClrLst/>
+    <dgm:txFillClrLst meth="repeat">
+      <a:schemeClr val="dk1"/>
+    </dgm:txFillClrLst>
+    <dgm:txEffectClrLst/>
+  </dgm:styleLbl>
+  <dgm:styleLbl name="bgAcc1">
+    <dgm:fillClrLst meth="repeat">
+      <a:schemeClr val="lt1">
+        <a:alpha val="90000"/>
+      </a:schemeClr>
+    </dgm:fillClrLst>
+    <dgm:linClrLst>
+      <a:schemeClr val="accent4"/>
+      <a:schemeClr val="accent5"/>
+    </dgm:linClrLst>
+    <dgm:effectClrLst/>
+    <dgm:txLinClrLst/>
+    <dgm:txFillClrLst meth="repeat">
+      <a:schemeClr val="dk1"/>
+    </dgm:txFillClrLst>
+    <dgm:txEffectClrLst/>
+  </dgm:styleLbl>
+  <dgm:styleLbl name="solidFgAcc1">
+    <dgm:fillClrLst meth="repeat">
+      <a:schemeClr val="lt1"/>
+    </dgm:fillClrLst>
+    <dgm:linClrLst>
+      <a:schemeClr val="accent4"/>
+      <a:schemeClr val="accent5"/>
+    </dgm:linClrLst>
+    <dgm:effectClrLst/>
+    <dgm:txLinClrLst/>
+    <dgm:txFillClrLst meth="repeat">
+      <a:schemeClr val="dk1"/>
+    </dgm:txFillClrLst>
+    <dgm:txEffectClrLst/>
+  </dgm:styleLbl>
+  <dgm:styleLbl name="solidAlignAcc1">
+    <dgm:fillClrLst meth="repeat">
+      <a:schemeClr val="lt1"/>
+    </dgm:fillClrLst>
+    <dgm:linClrLst>
+      <a:schemeClr val="accent4"/>
+      <a:schemeClr val="accent5"/>
+    </dgm:linClrLst>
+    <dgm:effectClrLst/>
+    <dgm:txLinClrLst/>
+    <dgm:txFillClrLst meth="repeat">
+      <a:schemeClr val="dk1"/>
+    </dgm:txFillClrLst>
+    <dgm:txEffectClrLst/>
+  </dgm:styleLbl>
+  <dgm:styleLbl name="solidBgAcc1">
+    <dgm:fillClrLst meth="repeat">
+      <a:schemeClr val="lt1"/>
+    </dgm:fillClrLst>
+    <dgm:linClrLst>
+      <a:schemeClr val="accent4"/>
+      <a:schemeClr val="accent5"/>
+    </dgm:linClrLst>
+    <dgm:effectClrLst/>
+    <dgm:txLinClrLst/>
+    <dgm:txFillClrLst meth="repeat">
+      <a:schemeClr val="dk1"/>
+    </dgm:txFillClrLst>
+    <dgm:txEffectClrLst/>
+  </dgm:styleLbl>
+  <dgm:styleLbl name="fgAccFollowNode1">
+    <dgm:fillClrLst>
+      <a:schemeClr val="accent4">
+        <a:tint val="40000"/>
+        <a:alpha val="90000"/>
+      </a:schemeClr>
+      <a:schemeClr val="accent5">
+        <a:tint val="40000"/>
+        <a:alpha val="90000"/>
+      </a:schemeClr>
+    </dgm:fillClrLst>
+    <dgm:linClrLst>
+      <a:schemeClr val="accent4">
+        <a:tint val="40000"/>
+        <a:alpha val="90000"/>
+      </a:schemeClr>
+      <a:schemeClr val="accent5">
+        <a:tint val="40000"/>
+        <a:alpha val="90000"/>
+      </a:schemeClr>
+    </dgm:linClrLst>
+    <dgm:effectClrLst/>
+    <dgm:txLinClrLst/>
+    <dgm:txFillClrLst meth="repeat">
+      <a:schemeClr val="dk1"/>
+    </dgm:txFillClrLst>
+    <dgm:txEffectClrLst/>
+  </dgm:styleLbl>
+  <dgm:styleLbl name="alignAccFollowNode1">
+    <dgm:fillClrLst>
+      <a:schemeClr val="accent4">
+        <a:tint val="40000"/>
+        <a:alpha val="90000"/>
+      </a:schemeClr>
+      <a:schemeClr val="accent5">
+        <a:tint val="40000"/>
+        <a:alpha val="90000"/>
+      </a:schemeClr>
+    </dgm:fillClrLst>
+    <dgm:linClrLst>
+      <a:schemeClr val="accent4">
+        <a:tint val="40000"/>
+        <a:alpha val="90000"/>
+      </a:schemeClr>
+      <a:schemeClr val="accent5">
+        <a:tint val="40000"/>
+        <a:alpha val="90000"/>
+      </a:schemeClr>
+    </dgm:linClrLst>
+    <dgm:effectClrLst/>
+    <dgm:txLinClrLst/>
+    <dgm:txFillClrLst meth="repeat">
+      <a:schemeClr val="dk1"/>
+    </dgm:txFillClrLst>
+    <dgm:txEffectClrLst/>
+  </dgm:styleLbl>
+  <dgm:styleLbl name="bgAccFollowNode1">
+    <dgm:fillClrLst>
+      <a:schemeClr val="accent4">
+        <a:tint val="40000"/>
+        <a:alpha val="90000"/>
+      </a:schemeClr>
+      <a:schemeClr val="accent5">
+        <a:tint val="40000"/>
+        <a:alpha val="90000"/>
+      </a:schemeClr>
+    </dgm:fillClrLst>
+    <dgm:linClrLst>
+      <a:schemeClr val="accent4">
+        <a:tint val="40000"/>
+        <a:alpha val="90000"/>
+      </a:schemeClr>
+      <a:schemeClr val="accent5">
+        <a:tint val="40000"/>
+        <a:alpha val="90000"/>
+      </a:schemeClr>
+    </dgm:linClrLst>
+    <dgm:effectClrLst/>
+    <dgm:txLinClrLst/>
+    <dgm:txFillClrLst meth="repeat">
+      <a:schemeClr val="dk1"/>
+    </dgm:txFillClrLst>
+    <dgm:txEffectClrLst/>
+  </dgm:styleLbl>
+  <dgm:styleLbl name="fgAcc0">
+    <dgm:fillClrLst meth="repeat">
+      <a:schemeClr val="lt1">
+        <a:alpha val="90000"/>
+      </a:schemeClr>
+    </dgm:fillClrLst>
+    <dgm:linClrLst>
+      <a:schemeClr val="accent3"/>
+    </dgm:linClrLst>
+    <dgm:effectClrLst/>
+    <dgm:txLinClrLst/>
+    <dgm:txFillClrLst meth="repeat">
+      <a:schemeClr val="dk1"/>
+    </dgm:txFillClrLst>
+    <dgm:txEffectClrLst/>
+  </dgm:styleLbl>
+  <dgm:styleLbl name="fgAcc2">
+    <dgm:fillClrLst meth="repeat">
+      <a:schemeClr val="lt1">
+        <a:alpha val="90000"/>
+      </a:schemeClr>
+    </dgm:fillClrLst>
+    <dgm:linClrLst>
+      <a:schemeClr val="accent5"/>
+    </dgm:linClrLst>
+    <dgm:effectClrLst/>
+    <dgm:txLinClrLst/>
+    <dgm:txFillClrLst meth="repeat">
+      <a:schemeClr val="dk1"/>
+    </dgm:txFillClrLst>
+    <dgm:txEffectClrLst/>
+  </dgm:styleLbl>
+  <dgm:styleLbl name="fgAcc3">
+    <dgm:fillClrLst meth="repeat">
+      <a:schemeClr val="lt1">
+        <a:alpha val="90000"/>
+      </a:schemeClr>
+    </dgm:fillClrLst>
+    <dgm:linClrLst>
+      <a:schemeClr val="accent6"/>
+    </dgm:linClrLst>
+    <dgm:effectClrLst/>
+    <dgm:txLinClrLst/>
+    <dgm:txFillClrLst meth="repeat">
+      <a:schemeClr val="dk1"/>
+    </dgm:txFillClrLst>
+    <dgm:txEffectClrLst/>
+  </dgm:styleLbl>
+  <dgm:styleLbl name="fgAcc4">
+    <dgm:fillClrLst meth="repeat">
+      <a:schemeClr val="lt1">
+        <a:alpha val="90000"/>
+      </a:schemeClr>
+    </dgm:fillClrLst>
+    <dgm:linClrLst>
+      <a:schemeClr val="accent1"/>
+    </dgm:linClrLst>
+    <dgm:effectClrLst/>
+    <dgm:txLinClrLst/>
+    <dgm:txFillClrLst meth="repeat">
+      <a:schemeClr val="dk1"/>
+    </dgm:txFillClrLst>
+    <dgm:txEffectClrLst/>
+  </dgm:styleLbl>
+  <dgm:styleLbl name="bgShp">
+    <dgm:fillClrLst meth="repeat">
+      <a:schemeClr val="accent4">
+        <a:tint val="40000"/>
+      </a:schemeClr>
+    </dgm:fillClrLst>
+    <dgm:linClrLst meth="repeat">
+      <a:schemeClr val="dk1"/>
+    </dgm:linClrLst>
+    <dgm:effectClrLst/>
+    <dgm:txLinClrLst/>
+    <dgm:txFillClrLst meth="repeat">
+      <a:schemeClr val="dk1"/>
+    </dgm:txFillClrLst>
+    <dgm:txEffectClrLst/>
+  </dgm:styleLbl>
+  <dgm:styleLbl name="dkBgShp">
+    <dgm:fillClrLst meth="repeat">
+      <a:schemeClr val="accent4">
+        <a:shade val="90000"/>
+      </a:schemeClr>
+    </dgm:fillClrLst>
+    <dgm:linClrLst meth="repeat">
+      <a:schemeClr val="dk1"/>
+    </dgm:linClrLst>
+    <dgm:effectClrLst/>
+    <dgm:txLinClrLst/>
+    <dgm:txFillClrLst meth="repeat">
+      <a:schemeClr val="lt1"/>
+    </dgm:txFillClrLst>
+    <dgm:txEffectClrLst/>
+  </dgm:styleLbl>
+  <dgm:styleLbl name="trBgShp">
+    <dgm:fillClrLst meth="repeat">
+      <a:schemeClr val="accent4">
+        <a:tint val="50000"/>
+        <a:alpha val="40000"/>
+      </a:schemeClr>
+    </dgm:fillClrLst>
+    <dgm:linClrLst meth="repeat">
+      <a:schemeClr val="accent4"/>
+    </dgm:linClrLst>
+    <dgm:effectClrLst/>
+    <dgm:txLinClrLst/>
+    <dgm:txFillClrLst meth="repeat">
+      <a:schemeClr val="lt1"/>
+    </dgm:txFillClrLst>
+    <dgm:txEffectClrLst/>
+  </dgm:styleLbl>
+  <dgm:styleLbl name="fgShp">
+    <dgm:fillClrLst meth="repeat">
+      <a:schemeClr val="accent4">
+        <a:tint val="40000"/>
+      </a:schemeClr>
+    </dgm:fillClrLst>
+    <dgm:linClrLst meth="repeat">
+      <a:schemeClr val="lt1"/>
+    </dgm:linClrLst>
+    <dgm:effectClrLst/>
+    <dgm:txLinClrLst/>
+    <dgm:txFillClrLst meth="repeat">
+      <a:schemeClr val="dk1"/>
+    </dgm:txFillClrLst>
+    <dgm:txEffectClrLst/>
+  </dgm:styleLbl>
+  <dgm:styleLbl name="revTx">
+    <dgm:fillClrLst meth="repeat">
+      <a:schemeClr val="lt1">
+        <a:alpha val="0"/>
+      </a:schemeClr>
+    </dgm:fillClrLst>
+    <dgm:linClrLst meth="repeat">
+      <a:schemeClr val="dk1">
+        <a:alpha val="0"/>
+      </a:schemeClr>
+    </dgm:linClrLst>
+    <dgm:effectClrLst/>
+    <dgm:txLinClrLst/>
+    <dgm:txFillClrLst meth="repeat">
+      <a:schemeClr val="tx1"/>
+    </dgm:txFillClrLst>
+    <dgm:txEffectClrLst/>
+  </dgm:styleLbl>
+</dgm:colorsDef>
+</file>
+
 <file path=ppt/diagrams/data1.xml><?xml version="1.0" encoding="utf-8"?>
 <dgm:dataModel xmlns:dgm="http://schemas.openxmlformats.org/drawingml/2006/diagram" xmlns:a="http://schemas.openxmlformats.org/drawingml/2006/main">
   <dgm:ptLst>
@@ -5731,9 +6517,10 @@
         <a:lstStyle/>
         <a:p>
           <a:r>
-            <a:rPr lang="pt-BR" sz="1600" b="1" i="1" u="none" dirty="0" smtClean="0"/>
+            <a:rPr lang="pt-BR" sz="1600" b="1" i="1" u="none" smtClean="0"/>
             <a:t>Entregas</a:t>
           </a:r>
+          <a:endParaRPr lang="pt-BR" sz="1600" b="1" i="1" u="none" dirty="0" smtClean="0"/>
         </a:p>
       </dgm:t>
     </dgm:pt>
@@ -5771,19 +6558,10 @@
         <a:lstStyle/>
         <a:p>
           <a:r>
-            <a:rPr lang="pt-BR" sz="1600" b="1" i="1" u="none" dirty="0" err="1" smtClean="0"/>
-            <a:t>Knowledge</a:t>
+            <a:rPr lang="pt-BR" sz="1600" b="1" i="1" u="none" dirty="0" smtClean="0"/>
+            <a:t>Tecnologias Empregadas</a:t>
           </a:r>
-          <a:r>
-            <a:rPr lang="pt-BR" sz="1600" b="1" i="1" dirty="0" smtClean="0">
-              <a:latin typeface="+mj-lt"/>
-            </a:rPr>
-            <a:t> </a:t>
-          </a:r>
-          <a:r>
-            <a:rPr lang="pt-BR" sz="1600" b="1" i="1" u="none" dirty="0" smtClean="0"/>
-            <a:t>Base</a:t>
-          </a:r>
+          <a:endParaRPr lang="pt-BR" sz="1600" b="1" i="1" u="none" dirty="0" smtClean="0"/>
         </a:p>
       </dgm:t>
     </dgm:pt>
@@ -5822,10 +6600,24 @@
         </dgm:presLayoutVars>
       </dgm:prSet>
       <dgm:spPr/>
+      <dgm:t>
+        <a:bodyPr/>
+        <a:lstStyle/>
+        <a:p>
+          <a:endParaRPr lang="pt-BR"/>
+        </a:p>
+      </dgm:t>
     </dgm:pt>
     <dgm:pt modelId="{B2867352-014C-483D-9BD5-64325426E6D6}" type="pres">
       <dgm:prSet presAssocID="{08CBE1EF-291F-49FF-9216-BF8D24382816}" presName="arrow" presStyleLbl="bgShp" presStyleIdx="0" presStyleCnt="1" custLinFactNeighborX="-417" custLinFactNeighborY="-667"/>
       <dgm:spPr/>
+      <dgm:t>
+        <a:bodyPr/>
+        <a:lstStyle/>
+        <a:p>
+          <a:endParaRPr lang="pt-BR"/>
+        </a:p>
+      </dgm:t>
     </dgm:pt>
     <dgm:pt modelId="{4D5B342F-D205-4BF5-BEA8-594D781B3EF4}" type="pres">
       <dgm:prSet presAssocID="{08CBE1EF-291F-49FF-9216-BF8D24382816}" presName="arrowDiagram5" presStyleCnt="0"/>
@@ -5889,8 +6681,15 @@
       </dgm:t>
     </dgm:pt>
     <dgm:pt modelId="{DEB20979-B6E9-47D3-9B07-354788EC08B5}" type="pres">
-      <dgm:prSet presAssocID="{E4F8A640-EBEE-4399-B1F0-BE1B6F65C80D}" presName="bullet5d" presStyleLbl="node1" presStyleIdx="3" presStyleCnt="5" custLinFactNeighborX="-3763" custLinFactNeighborY="6317"/>
-      <dgm:spPr/>
+      <dgm:prSet presAssocID="{E4F8A640-EBEE-4399-B1F0-BE1B6F65C80D}" presName="bullet5d" presStyleLbl="node1" presStyleIdx="3" presStyleCnt="5" custLinFactNeighborX="-10484" custLinFactNeighborY="403"/>
+      <dgm:spPr/>
+      <dgm:t>
+        <a:bodyPr/>
+        <a:lstStyle/>
+        <a:p>
+          <a:endParaRPr lang="pt-BR"/>
+        </a:p>
+      </dgm:t>
     </dgm:pt>
     <dgm:pt modelId="{9E287FCD-AF05-45AE-BAD9-D9F9FB6F3A74}" type="pres">
       <dgm:prSet presAssocID="{E4F8A640-EBEE-4399-B1F0-BE1B6F65C80D}" presName="textBox5d" presStyleLbl="revTx" presStyleIdx="3" presStyleCnt="5" custScaleX="108332" custScaleY="72139" custLinFactNeighborX="4166" custLinFactNeighborY="-12438">
@@ -5908,8 +6707,22 @@
       </dgm:t>
     </dgm:pt>
     <dgm:pt modelId="{A3AAD308-3DBE-482E-ACBE-12C18DF4DB43}" type="pres">
-      <dgm:prSet presAssocID="{67FCDB02-D8F3-47C1-93F7-A611BE4DE533}" presName="bullet5e" presStyleLbl="node1" presStyleIdx="4" presStyleCnt="5"/>
-      <dgm:spPr/>
+      <dgm:prSet presAssocID="{67FCDB02-D8F3-47C1-93F7-A611BE4DE533}" presName="bullet5e" presStyleLbl="node1" presStyleIdx="4" presStyleCnt="5" custLinFactNeighborX="2531" custLinFactNeighborY="-27004"/>
+      <dgm:spPr>
+        <a:blipFill rotWithShape="0">
+          <a:blip xmlns:r="http://schemas.openxmlformats.org/officeDocument/2006/relationships" r:embed="rId1"/>
+          <a:stretch>
+            <a:fillRect/>
+          </a:stretch>
+        </a:blipFill>
+      </dgm:spPr>
+      <dgm:t>
+        <a:bodyPr/>
+        <a:lstStyle/>
+        <a:p>
+          <a:endParaRPr lang="pt-BR"/>
+        </a:p>
+      </dgm:t>
     </dgm:pt>
     <dgm:pt modelId="{2599CD41-B61D-42E8-B0CA-CAA542B94E25}" type="pres">
       <dgm:prSet presAssocID="{67FCDB02-D8F3-47C1-93F7-A611BE4DE533}" presName="textBox5e" presStyleLbl="revTx" presStyleIdx="4" presStyleCnt="5" custScaleX="108333" custScaleY="52899" custLinFactNeighborY="-17210">
@@ -5928,17 +6741,17 @@
     </dgm:pt>
   </dgm:ptLst>
   <dgm:cxnLst>
-    <dgm:cxn modelId="{40785007-BDC0-4144-A5A5-F8514309A61E}" type="presOf" srcId="{7FA5D023-37F5-41EE-AF51-EABC453F5AEB}" destId="{19E18522-A7B8-42BA-B19C-7B510F9E2865}" srcOrd="0" destOrd="0" presId="urn:microsoft.com/office/officeart/2005/8/layout/arrow2"/>
-    <dgm:cxn modelId="{855611CE-D9F7-4FD1-A15F-91A6A5C38303}" type="presOf" srcId="{67FCDB02-D8F3-47C1-93F7-A611BE4DE533}" destId="{2599CD41-B61D-42E8-B0CA-CAA542B94E25}" srcOrd="0" destOrd="0" presId="urn:microsoft.com/office/officeart/2005/8/layout/arrow2"/>
     <dgm:cxn modelId="{5904362C-9552-4596-B972-E56882DE77B4}" srcId="{08CBE1EF-291F-49FF-9216-BF8D24382816}" destId="{E4F8A640-EBEE-4399-B1F0-BE1B6F65C80D}" srcOrd="3" destOrd="0" parTransId="{2F1B3F8F-8655-46B8-8741-39C9C0212623}" sibTransId="{3208DB70-E7F5-4917-A976-876A0FD676D5}"/>
     <dgm:cxn modelId="{4FDC97AF-E2EC-43B8-AF61-0657DC8B71B0}" srcId="{08CBE1EF-291F-49FF-9216-BF8D24382816}" destId="{7FA5D023-37F5-41EE-AF51-EABC453F5AEB}" srcOrd="0" destOrd="0" parTransId="{48A6FEA6-8B45-418B-BD7E-610CEFD72942}" sibTransId="{AC705A28-D43E-4D36-8EE9-1129412E98AA}"/>
+    <dgm:cxn modelId="{81B9F88B-EE83-4664-A7C3-3432D45D2562}" srcId="{08CBE1EF-291F-49FF-9216-BF8D24382816}" destId="{5E3071CD-FEF5-47BD-BEBC-71DF2D1D861B}" srcOrd="2" destOrd="0" parTransId="{44513885-91BF-436A-888E-C86296B5F72B}" sibTransId="{06B523C0-ADCA-4F55-A7C5-61D5D3C96D42}"/>
+    <dgm:cxn modelId="{6DA15E8E-F897-4E5A-8050-DD51A6EA5467}" srcId="{08CBE1EF-291F-49FF-9216-BF8D24382816}" destId="{1626BC9A-5DBD-4704-B269-A285FCB64C85}" srcOrd="1" destOrd="0" parTransId="{910E9767-17CD-473E-A4B7-A81EAF4B09B2}" sibTransId="{D9DBCB4E-E4A3-4D15-8987-2E5B82A8CC87}"/>
+    <dgm:cxn modelId="{FE9553A4-9478-46B8-964D-0F311A1EACBD}" type="presOf" srcId="{E4F8A640-EBEE-4399-B1F0-BE1B6F65C80D}" destId="{9E287FCD-AF05-45AE-BAD9-D9F9FB6F3A74}" srcOrd="0" destOrd="0" presId="urn:microsoft.com/office/officeart/2005/8/layout/arrow2"/>
     <dgm:cxn modelId="{AE77EFC5-7161-4021-B21D-34F254A3CC8C}" srcId="{08CBE1EF-291F-49FF-9216-BF8D24382816}" destId="{67FCDB02-D8F3-47C1-93F7-A611BE4DE533}" srcOrd="4" destOrd="0" parTransId="{E9E6D7E0-E02C-4CA6-BA3E-7A487E854B1C}" sibTransId="{A1FB50F8-C517-4996-8AC7-2B7EF5A6FFA0}"/>
     <dgm:cxn modelId="{3B6C230D-8BAC-49B7-8946-C866672CDA80}" type="presOf" srcId="{1626BC9A-5DBD-4704-B269-A285FCB64C85}" destId="{1C265FB0-3ED5-4848-86C8-F96FF564235B}" srcOrd="0" destOrd="0" presId="urn:microsoft.com/office/officeart/2005/8/layout/arrow2"/>
     <dgm:cxn modelId="{407DD936-8645-4B3B-A9C4-01D80B4731D2}" type="presOf" srcId="{5E3071CD-FEF5-47BD-BEBC-71DF2D1D861B}" destId="{B209CBD2-A69F-4F8A-8F81-AE0DD2A5DC01}" srcOrd="0" destOrd="0" presId="urn:microsoft.com/office/officeart/2005/8/layout/arrow2"/>
-    <dgm:cxn modelId="{81B9F88B-EE83-4664-A7C3-3432D45D2562}" srcId="{08CBE1EF-291F-49FF-9216-BF8D24382816}" destId="{5E3071CD-FEF5-47BD-BEBC-71DF2D1D861B}" srcOrd="2" destOrd="0" parTransId="{44513885-91BF-436A-888E-C86296B5F72B}" sibTransId="{06B523C0-ADCA-4F55-A7C5-61D5D3C96D42}"/>
     <dgm:cxn modelId="{0DC438F2-C520-49FB-A6D5-FD67EE9AA385}" type="presOf" srcId="{08CBE1EF-291F-49FF-9216-BF8D24382816}" destId="{D7A12196-27E6-4B8B-AE4A-F1A4326F866F}" srcOrd="0" destOrd="0" presId="urn:microsoft.com/office/officeart/2005/8/layout/arrow2"/>
-    <dgm:cxn modelId="{6DA15E8E-F897-4E5A-8050-DD51A6EA5467}" srcId="{08CBE1EF-291F-49FF-9216-BF8D24382816}" destId="{1626BC9A-5DBD-4704-B269-A285FCB64C85}" srcOrd="1" destOrd="0" parTransId="{910E9767-17CD-473E-A4B7-A81EAF4B09B2}" sibTransId="{D9DBCB4E-E4A3-4D15-8987-2E5B82A8CC87}"/>
-    <dgm:cxn modelId="{FE9553A4-9478-46B8-964D-0F311A1EACBD}" type="presOf" srcId="{E4F8A640-EBEE-4399-B1F0-BE1B6F65C80D}" destId="{9E287FCD-AF05-45AE-BAD9-D9F9FB6F3A74}" srcOrd="0" destOrd="0" presId="urn:microsoft.com/office/officeart/2005/8/layout/arrow2"/>
+    <dgm:cxn modelId="{40785007-BDC0-4144-A5A5-F8514309A61E}" type="presOf" srcId="{7FA5D023-37F5-41EE-AF51-EABC453F5AEB}" destId="{19E18522-A7B8-42BA-B19C-7B510F9E2865}" srcOrd="0" destOrd="0" presId="urn:microsoft.com/office/officeart/2005/8/layout/arrow2"/>
+    <dgm:cxn modelId="{855611CE-D9F7-4FD1-A15F-91A6A5C38303}" type="presOf" srcId="{67FCDB02-D8F3-47C1-93F7-A611BE4DE533}" destId="{2599CD41-B61D-42E8-B0CA-CAA542B94E25}" srcOrd="0" destOrd="0" presId="urn:microsoft.com/office/officeart/2005/8/layout/arrow2"/>
     <dgm:cxn modelId="{78BD5F3D-DF0D-4E94-A288-14F52FDD69A0}" type="presParOf" srcId="{D7A12196-27E6-4B8B-AE4A-F1A4326F866F}" destId="{B2867352-014C-483D-9BD5-64325426E6D6}" srcOrd="0" destOrd="0" presId="urn:microsoft.com/office/officeart/2005/8/layout/arrow2"/>
     <dgm:cxn modelId="{9E48CA18-ADD8-4A66-8AFD-08D9D5A15F36}" type="presParOf" srcId="{D7A12196-27E6-4B8B-AE4A-F1A4326F866F}" destId="{4D5B342F-D205-4BF5-BEA8-594D781B3EF4}" srcOrd="1" destOrd="0" presId="urn:microsoft.com/office/officeart/2005/8/layout/arrow2"/>
     <dgm:cxn modelId="{D0CCE41D-766B-4BAF-A1B4-B1771E1894D6}" type="presParOf" srcId="{4D5B342F-D205-4BF5-BEA8-594D781B3EF4}" destId="{DF8C3DFF-785B-45E3-92D8-0B0856007626}" srcOrd="0" destOrd="0" presId="urn:microsoft.com/office/officeart/2005/8/layout/arrow2"/>
@@ -6403,6 +7216,13 @@
         </dgm:presLayoutVars>
       </dgm:prSet>
       <dgm:spPr/>
+      <dgm:t>
+        <a:bodyPr/>
+        <a:lstStyle/>
+        <a:p>
+          <a:endParaRPr lang="pt-BR"/>
+        </a:p>
+      </dgm:t>
     </dgm:pt>
     <dgm:pt modelId="{EC8FA111-7096-4E7A-9B50-9516AAD9154F}" type="pres">
       <dgm:prSet presAssocID="{7FA5D023-37F5-41EE-AF51-EABC453F5AEB}" presName="vertFlow" presStyleCnt="0"/>
@@ -6411,10 +7231,24 @@
     <dgm:pt modelId="{A513658F-21AA-449D-A2EA-811AD5495845}" type="pres">
       <dgm:prSet presAssocID="{7FA5D023-37F5-41EE-AF51-EABC453F5AEB}" presName="header" presStyleLbl="node1" presStyleIdx="0" presStyleCnt="4"/>
       <dgm:spPr/>
+      <dgm:t>
+        <a:bodyPr/>
+        <a:lstStyle/>
+        <a:p>
+          <a:endParaRPr lang="pt-BR"/>
+        </a:p>
+      </dgm:t>
     </dgm:pt>
     <dgm:pt modelId="{0234F2EC-CDE9-4692-A034-13639A8CFD8E}" type="pres">
       <dgm:prSet presAssocID="{B4A793D0-89DD-4CC0-9C86-345A1D809499}" presName="parTrans" presStyleLbl="sibTrans2D1" presStyleIdx="0" presStyleCnt="7"/>
       <dgm:spPr/>
+      <dgm:t>
+        <a:bodyPr/>
+        <a:lstStyle/>
+        <a:p>
+          <a:endParaRPr lang="pt-BR"/>
+        </a:p>
+      </dgm:t>
     </dgm:pt>
     <dgm:pt modelId="{70DE9777-DAE8-491C-AF02-71BB2FD3BE61}" type="pres">
       <dgm:prSet presAssocID="{77774809-0C93-4381-8350-C30644688CED}" presName="child" presStyleLbl="alignAccFollowNode1" presStyleIdx="0" presStyleCnt="7">
@@ -6424,6 +7258,13 @@
         </dgm:presLayoutVars>
       </dgm:prSet>
       <dgm:spPr/>
+      <dgm:t>
+        <a:bodyPr/>
+        <a:lstStyle/>
+        <a:p>
+          <a:endParaRPr lang="pt-BR"/>
+        </a:p>
+      </dgm:t>
     </dgm:pt>
     <dgm:pt modelId="{E7CF7A28-CE59-47D0-B062-8DA56E58E487}" type="pres">
       <dgm:prSet presAssocID="{7FA5D023-37F5-41EE-AF51-EABC453F5AEB}" presName="hSp" presStyleCnt="0"/>
@@ -6436,10 +7277,24 @@
     <dgm:pt modelId="{8F2F23F2-C8FE-44A5-9B05-6DCFC0134675}" type="pres">
       <dgm:prSet presAssocID="{BC2FD89B-17B9-4899-BE42-6112369D295A}" presName="header" presStyleLbl="node1" presStyleIdx="1" presStyleCnt="4"/>
       <dgm:spPr/>
+      <dgm:t>
+        <a:bodyPr/>
+        <a:lstStyle/>
+        <a:p>
+          <a:endParaRPr lang="pt-BR"/>
+        </a:p>
+      </dgm:t>
     </dgm:pt>
     <dgm:pt modelId="{F21921E5-A706-46F9-8AF9-D3D6DF97BC47}" type="pres">
       <dgm:prSet presAssocID="{7FF314A5-F3DE-4A6B-A380-50C7CF3A4B52}" presName="parTrans" presStyleLbl="sibTrans2D1" presStyleIdx="1" presStyleCnt="7"/>
       <dgm:spPr/>
+      <dgm:t>
+        <a:bodyPr/>
+        <a:lstStyle/>
+        <a:p>
+          <a:endParaRPr lang="pt-BR"/>
+        </a:p>
+      </dgm:t>
     </dgm:pt>
     <dgm:pt modelId="{67C6F7BD-BA6D-48A7-8C32-A176742AA092}" type="pres">
       <dgm:prSet presAssocID="{E14D537B-1445-4239-947B-82991AC02CC2}" presName="child" presStyleLbl="alignAccFollowNode1" presStyleIdx="1" presStyleCnt="7">
@@ -6449,6 +7304,13 @@
         </dgm:presLayoutVars>
       </dgm:prSet>
       <dgm:spPr/>
+      <dgm:t>
+        <a:bodyPr/>
+        <a:lstStyle/>
+        <a:p>
+          <a:endParaRPr lang="pt-BR"/>
+        </a:p>
+      </dgm:t>
     </dgm:pt>
     <dgm:pt modelId="{14FF88E6-C781-4565-9D91-951697C6E643}" type="pres">
       <dgm:prSet presAssocID="{BC2FD89B-17B9-4899-BE42-6112369D295A}" presName="hSp" presStyleCnt="0"/>
@@ -6461,10 +7323,24 @@
     <dgm:pt modelId="{DFF758D4-F6A0-4407-B068-77D67667F514}" type="pres">
       <dgm:prSet presAssocID="{4FE1DD99-B441-4023-8D7D-F4816AD38645}" presName="header" presStyleLbl="node1" presStyleIdx="2" presStyleCnt="4"/>
       <dgm:spPr/>
+      <dgm:t>
+        <a:bodyPr/>
+        <a:lstStyle/>
+        <a:p>
+          <a:endParaRPr lang="pt-BR"/>
+        </a:p>
+      </dgm:t>
     </dgm:pt>
     <dgm:pt modelId="{6E7C4F53-F195-401E-9A9F-C2144155056E}" type="pres">
       <dgm:prSet presAssocID="{AB1CC3C4-9DF8-41EA-8F85-2B33DD06F0EE}" presName="parTrans" presStyleLbl="sibTrans2D1" presStyleIdx="2" presStyleCnt="7"/>
       <dgm:spPr/>
+      <dgm:t>
+        <a:bodyPr/>
+        <a:lstStyle/>
+        <a:p>
+          <a:endParaRPr lang="pt-BR"/>
+        </a:p>
+      </dgm:t>
     </dgm:pt>
     <dgm:pt modelId="{18E6207C-EF06-4E10-99FB-CC0A958DBF6B}" type="pres">
       <dgm:prSet presAssocID="{DEE2AEA9-E729-4C27-BB38-EB5D7EE53317}" presName="child" presStyleLbl="alignAccFollowNode1" presStyleIdx="2" presStyleCnt="7">
@@ -6474,10 +7350,24 @@
         </dgm:presLayoutVars>
       </dgm:prSet>
       <dgm:spPr/>
+      <dgm:t>
+        <a:bodyPr/>
+        <a:lstStyle/>
+        <a:p>
+          <a:endParaRPr lang="pt-BR"/>
+        </a:p>
+      </dgm:t>
     </dgm:pt>
     <dgm:pt modelId="{A70B6EDC-22F6-45BC-970C-1FCD91C73A9C}" type="pres">
       <dgm:prSet presAssocID="{9BDFA5D5-564A-4199-A120-17CFA2B575CB}" presName="sibTrans" presStyleLbl="sibTrans2D1" presStyleIdx="3" presStyleCnt="7"/>
       <dgm:spPr/>
+      <dgm:t>
+        <a:bodyPr/>
+        <a:lstStyle/>
+        <a:p>
+          <a:endParaRPr lang="pt-BR"/>
+        </a:p>
+      </dgm:t>
     </dgm:pt>
     <dgm:pt modelId="{04E4EA95-55F7-4D9B-9676-4F32E3E03938}" type="pres">
       <dgm:prSet presAssocID="{C327678E-6E68-440F-A6E7-0172419B721E}" presName="child" presStyleLbl="alignAccFollowNode1" presStyleIdx="3" presStyleCnt="7">
@@ -6487,10 +7377,24 @@
         </dgm:presLayoutVars>
       </dgm:prSet>
       <dgm:spPr/>
+      <dgm:t>
+        <a:bodyPr/>
+        <a:lstStyle/>
+        <a:p>
+          <a:endParaRPr lang="pt-BR"/>
+        </a:p>
+      </dgm:t>
     </dgm:pt>
     <dgm:pt modelId="{4487EDD6-1BA2-4C02-89DF-2A363DCB6115}" type="pres">
       <dgm:prSet presAssocID="{E5226F2C-53F3-4A18-9A92-7C3225A0C875}" presName="sibTrans" presStyleLbl="sibTrans2D1" presStyleIdx="4" presStyleCnt="7"/>
       <dgm:spPr/>
+      <dgm:t>
+        <a:bodyPr/>
+        <a:lstStyle/>
+        <a:p>
+          <a:endParaRPr lang="pt-BR"/>
+        </a:p>
+      </dgm:t>
     </dgm:pt>
     <dgm:pt modelId="{8BC6E432-84DF-400F-A2A1-3C7B57AFAFF9}" type="pres">
       <dgm:prSet presAssocID="{B419A5F6-0658-4693-8E04-97CB1E4BCD7D}" presName="child" presStyleLbl="alignAccFollowNode1" presStyleIdx="4" presStyleCnt="7">
@@ -6500,10 +7404,24 @@
         </dgm:presLayoutVars>
       </dgm:prSet>
       <dgm:spPr/>
+      <dgm:t>
+        <a:bodyPr/>
+        <a:lstStyle/>
+        <a:p>
+          <a:endParaRPr lang="pt-BR"/>
+        </a:p>
+      </dgm:t>
     </dgm:pt>
     <dgm:pt modelId="{60389767-E0EC-4D33-920D-AE6F504E7276}" type="pres">
       <dgm:prSet presAssocID="{20B2594C-F2B6-4F68-8B78-D8448A5E8240}" presName="sibTrans" presStyleLbl="sibTrans2D1" presStyleIdx="5" presStyleCnt="7"/>
       <dgm:spPr/>
+      <dgm:t>
+        <a:bodyPr/>
+        <a:lstStyle/>
+        <a:p>
+          <a:endParaRPr lang="pt-BR"/>
+        </a:p>
+      </dgm:t>
     </dgm:pt>
     <dgm:pt modelId="{93FC8A33-72A6-4C52-9418-B8F8D37DC94F}" type="pres">
       <dgm:prSet presAssocID="{5B4AC045-9ABD-48C4-9476-F1EC948AE6C5}" presName="child" presStyleLbl="alignAccFollowNode1" presStyleIdx="5" presStyleCnt="7">
@@ -6513,6 +7431,13 @@
         </dgm:presLayoutVars>
       </dgm:prSet>
       <dgm:spPr/>
+      <dgm:t>
+        <a:bodyPr/>
+        <a:lstStyle/>
+        <a:p>
+          <a:endParaRPr lang="pt-BR"/>
+        </a:p>
+      </dgm:t>
     </dgm:pt>
     <dgm:pt modelId="{DF87559A-C305-4FAF-AE45-89A81C2F8CBF}" type="pres">
       <dgm:prSet presAssocID="{4FE1DD99-B441-4023-8D7D-F4816AD38645}" presName="hSp" presStyleCnt="0"/>
@@ -6536,6 +7461,13 @@
     <dgm:pt modelId="{102BE9CF-23F6-44AE-82A1-8B234E1AF4C1}" type="pres">
       <dgm:prSet presAssocID="{54D63EAD-BE61-46A2-9733-C66FC6C65734}" presName="parTrans" presStyleLbl="sibTrans2D1" presStyleIdx="6" presStyleCnt="7"/>
       <dgm:spPr/>
+      <dgm:t>
+        <a:bodyPr/>
+        <a:lstStyle/>
+        <a:p>
+          <a:endParaRPr lang="pt-BR"/>
+        </a:p>
+      </dgm:t>
     </dgm:pt>
     <dgm:pt modelId="{6D456397-400B-4379-9416-5490EE83713C}" type="pres">
       <dgm:prSet presAssocID="{B43966CE-1623-4DBB-957A-DEE8604AAB86}" presName="child" presStyleLbl="alignAccFollowNode1" presStyleIdx="6" presStyleCnt="7">
@@ -6545,39 +7477,46 @@
         </dgm:presLayoutVars>
       </dgm:prSet>
       <dgm:spPr/>
+      <dgm:t>
+        <a:bodyPr/>
+        <a:lstStyle/>
+        <a:p>
+          <a:endParaRPr lang="pt-BR"/>
+        </a:p>
+      </dgm:t>
     </dgm:pt>
   </dgm:ptLst>
   <dgm:cxnLst>
+    <dgm:cxn modelId="{6B04CC4B-E98C-4DA7-AA96-A19F5C508A39}" srcId="{08CBE1EF-291F-49FF-9216-BF8D24382816}" destId="{BECD8AB4-5B2B-440E-9B1B-692E7B6F02EC}" srcOrd="3" destOrd="0" parTransId="{FA0D5033-2582-40A9-B000-41B28983C8E9}" sibTransId="{88B94AC5-0351-46E0-A3B4-0F12FC40922C}"/>
+    <dgm:cxn modelId="{00883AC4-E6E9-47F5-8251-AAB84DBE8D27}" type="presOf" srcId="{DEE2AEA9-E729-4C27-BB38-EB5D7EE53317}" destId="{18E6207C-EF06-4E10-99FB-CC0A958DBF6B}" srcOrd="0" destOrd="0" presId="urn:microsoft.com/office/officeart/2005/8/layout/lProcess1"/>
+    <dgm:cxn modelId="{25A646E9-064C-405E-B5FC-F00AED8FE239}" srcId="{4FE1DD99-B441-4023-8D7D-F4816AD38645}" destId="{B419A5F6-0658-4693-8E04-97CB1E4BCD7D}" srcOrd="2" destOrd="0" parTransId="{8BC83B63-AD71-48C6-9B12-D4EAF339BAC3}" sibTransId="{20B2594C-F2B6-4F68-8B78-D8448A5E8240}"/>
+    <dgm:cxn modelId="{966E393B-BACC-4702-BA3E-A2333F86CA10}" type="presOf" srcId="{E14D537B-1445-4239-947B-82991AC02CC2}" destId="{67C6F7BD-BA6D-48A7-8C32-A176742AA092}" srcOrd="0" destOrd="0" presId="urn:microsoft.com/office/officeart/2005/8/layout/lProcess1"/>
+    <dgm:cxn modelId="{5C1B133B-BC47-4F96-9613-5F0F3F3986A3}" type="presOf" srcId="{7FA5D023-37F5-41EE-AF51-EABC453F5AEB}" destId="{A513658F-21AA-449D-A2EA-811AD5495845}" srcOrd="0" destOrd="0" presId="urn:microsoft.com/office/officeart/2005/8/layout/lProcess1"/>
+    <dgm:cxn modelId="{BD3841FC-BC0B-41B3-B93D-8F9EAE3C226C}" type="presOf" srcId="{B43966CE-1623-4DBB-957A-DEE8604AAB86}" destId="{6D456397-400B-4379-9416-5490EE83713C}" srcOrd="0" destOrd="0" presId="urn:microsoft.com/office/officeart/2005/8/layout/lProcess1"/>
+    <dgm:cxn modelId="{920B9430-0CA4-4EBC-B88D-61854B32E66D}" type="presOf" srcId="{77774809-0C93-4381-8350-C30644688CED}" destId="{70DE9777-DAE8-491C-AF02-71BB2FD3BE61}" srcOrd="0" destOrd="0" presId="urn:microsoft.com/office/officeart/2005/8/layout/lProcess1"/>
+    <dgm:cxn modelId="{151DC164-63D5-4C07-A6D8-8DFFE4375B34}" type="presOf" srcId="{BECD8AB4-5B2B-440E-9B1B-692E7B6F02EC}" destId="{2E5BF738-A4CB-4E63-A78E-18DEC3CF0A09}" srcOrd="0" destOrd="0" presId="urn:microsoft.com/office/officeart/2005/8/layout/lProcess1"/>
+    <dgm:cxn modelId="{AF5F3EC8-B9BF-4A41-B422-BC5AAF7DB67A}" type="presOf" srcId="{54D63EAD-BE61-46A2-9733-C66FC6C65734}" destId="{102BE9CF-23F6-44AE-82A1-8B234E1AF4C1}" srcOrd="0" destOrd="0" presId="urn:microsoft.com/office/officeart/2005/8/layout/lProcess1"/>
+    <dgm:cxn modelId="{75D92B43-703D-4420-AE5D-37124BE082C1}" type="presOf" srcId="{08CBE1EF-291F-49FF-9216-BF8D24382816}" destId="{9F2717B7-3380-4165-890D-62CC02ECD9AA}" srcOrd="0" destOrd="0" presId="urn:microsoft.com/office/officeart/2005/8/layout/lProcess1"/>
+    <dgm:cxn modelId="{20E015D2-9E92-45E0-9123-ED22CB665A32}" type="presOf" srcId="{20B2594C-F2B6-4F68-8B78-D8448A5E8240}" destId="{60389767-E0EC-4D33-920D-AE6F504E7276}" srcOrd="0" destOrd="0" presId="urn:microsoft.com/office/officeart/2005/8/layout/lProcess1"/>
+    <dgm:cxn modelId="{F75D8D94-C876-46F9-BC4D-2E8634EBAF07}" srcId="{BECD8AB4-5B2B-440E-9B1B-692E7B6F02EC}" destId="{B43966CE-1623-4DBB-957A-DEE8604AAB86}" srcOrd="0" destOrd="0" parTransId="{54D63EAD-BE61-46A2-9733-C66FC6C65734}" sibTransId="{0239DD97-85BD-4494-AEF6-635EE1C71B0A}"/>
+    <dgm:cxn modelId="{61010167-4EE6-4520-8BD7-E75EACFD842D}" type="presOf" srcId="{5B4AC045-9ABD-48C4-9476-F1EC948AE6C5}" destId="{93FC8A33-72A6-4C52-9418-B8F8D37DC94F}" srcOrd="0" destOrd="0" presId="urn:microsoft.com/office/officeart/2005/8/layout/lProcess1"/>
+    <dgm:cxn modelId="{F12ACB35-27FE-4B59-AB5A-3B5D398D8FAB}" srcId="{08CBE1EF-291F-49FF-9216-BF8D24382816}" destId="{4FE1DD99-B441-4023-8D7D-F4816AD38645}" srcOrd="2" destOrd="0" parTransId="{104AEFA1-D9DD-42E8-B310-970F49C788CA}" sibTransId="{6C2F3216-542B-442B-B550-01D9034DE146}"/>
+    <dgm:cxn modelId="{BA42AEDA-6F46-4591-88E6-F358F18D0C36}" srcId="{4FE1DD99-B441-4023-8D7D-F4816AD38645}" destId="{5B4AC045-9ABD-48C4-9476-F1EC948AE6C5}" srcOrd="3" destOrd="0" parTransId="{551B4D45-4EFB-4125-9E8C-33A22447BCA8}" sibTransId="{6728E1DD-DC01-484A-8C7F-262CC79D0788}"/>
     <dgm:cxn modelId="{70CA4D56-A7F0-4167-9B28-74519D546D2A}" srcId="{4FE1DD99-B441-4023-8D7D-F4816AD38645}" destId="{DEE2AEA9-E729-4C27-BB38-EB5D7EE53317}" srcOrd="0" destOrd="0" parTransId="{AB1CC3C4-9DF8-41EA-8F85-2B33DD06F0EE}" sibTransId="{9BDFA5D5-564A-4199-A120-17CFA2B575CB}"/>
-    <dgm:cxn modelId="{F12ACB35-27FE-4B59-AB5A-3B5D398D8FAB}" srcId="{08CBE1EF-291F-49FF-9216-BF8D24382816}" destId="{4FE1DD99-B441-4023-8D7D-F4816AD38645}" srcOrd="2" destOrd="0" parTransId="{104AEFA1-D9DD-42E8-B310-970F49C788CA}" sibTransId="{6C2F3216-542B-442B-B550-01D9034DE146}"/>
-    <dgm:cxn modelId="{75D92B43-703D-4420-AE5D-37124BE082C1}" type="presOf" srcId="{08CBE1EF-291F-49FF-9216-BF8D24382816}" destId="{9F2717B7-3380-4165-890D-62CC02ECD9AA}" srcOrd="0" destOrd="0" presId="urn:microsoft.com/office/officeart/2005/8/layout/lProcess1"/>
-    <dgm:cxn modelId="{920B9430-0CA4-4EBC-B88D-61854B32E66D}" type="presOf" srcId="{77774809-0C93-4381-8350-C30644688CED}" destId="{70DE9777-DAE8-491C-AF02-71BB2FD3BE61}" srcOrd="0" destOrd="0" presId="urn:microsoft.com/office/officeart/2005/8/layout/lProcess1"/>
+    <dgm:cxn modelId="{6523D02E-7BBB-4082-8E15-F4D7CCD35A98}" srcId="{7FA5D023-37F5-41EE-AF51-EABC453F5AEB}" destId="{77774809-0C93-4381-8350-C30644688CED}" srcOrd="0" destOrd="0" parTransId="{B4A793D0-89DD-4CC0-9C86-345A1D809499}" sibTransId="{E4A74C8F-5525-4FE2-94FF-B5AC5EAFA80C}"/>
+    <dgm:cxn modelId="{4FDC97AF-E2EC-43B8-AF61-0657DC8B71B0}" srcId="{08CBE1EF-291F-49FF-9216-BF8D24382816}" destId="{7FA5D023-37F5-41EE-AF51-EABC453F5AEB}" srcOrd="0" destOrd="0" parTransId="{48A6FEA6-8B45-418B-BD7E-610CEFD72942}" sibTransId="{AC705A28-D43E-4D36-8EE9-1129412E98AA}"/>
     <dgm:cxn modelId="{4DF701AE-0963-44A9-B6C7-275588D9E054}" type="presOf" srcId="{BC2FD89B-17B9-4899-BE42-6112369D295A}" destId="{8F2F23F2-C8FE-44A5-9B05-6DCFC0134675}" srcOrd="0" destOrd="0" presId="urn:microsoft.com/office/officeart/2005/8/layout/lProcess1"/>
-    <dgm:cxn modelId="{B1547FF3-980C-4C75-8A2D-C5D1269A3587}" type="presOf" srcId="{E5226F2C-53F3-4A18-9A92-7C3225A0C875}" destId="{4487EDD6-1BA2-4C02-89DF-2A363DCB6115}" srcOrd="0" destOrd="0" presId="urn:microsoft.com/office/officeart/2005/8/layout/lProcess1"/>
-    <dgm:cxn modelId="{966E393B-BACC-4702-BA3E-A2333F86CA10}" type="presOf" srcId="{E14D537B-1445-4239-947B-82991AC02CC2}" destId="{67C6F7BD-BA6D-48A7-8C32-A176742AA092}" srcOrd="0" destOrd="0" presId="urn:microsoft.com/office/officeart/2005/8/layout/lProcess1"/>
-    <dgm:cxn modelId="{F75D8D94-C876-46F9-BC4D-2E8634EBAF07}" srcId="{BECD8AB4-5B2B-440E-9B1B-692E7B6F02EC}" destId="{B43966CE-1623-4DBB-957A-DEE8604AAB86}" srcOrd="0" destOrd="0" parTransId="{54D63EAD-BE61-46A2-9733-C66FC6C65734}" sibTransId="{0239DD97-85BD-4494-AEF6-635EE1C71B0A}"/>
-    <dgm:cxn modelId="{25A646E9-064C-405E-B5FC-F00AED8FE239}" srcId="{4FE1DD99-B441-4023-8D7D-F4816AD38645}" destId="{B419A5F6-0658-4693-8E04-97CB1E4BCD7D}" srcOrd="2" destOrd="0" parTransId="{8BC83B63-AD71-48C6-9B12-D4EAF339BAC3}" sibTransId="{20B2594C-F2B6-4F68-8B78-D8448A5E8240}"/>
-    <dgm:cxn modelId="{20E015D2-9E92-45E0-9123-ED22CB665A32}" type="presOf" srcId="{20B2594C-F2B6-4F68-8B78-D8448A5E8240}" destId="{60389767-E0EC-4D33-920D-AE6F504E7276}" srcOrd="0" destOrd="0" presId="urn:microsoft.com/office/officeart/2005/8/layout/lProcess1"/>
-    <dgm:cxn modelId="{6B04CC4B-E98C-4DA7-AA96-A19F5C508A39}" srcId="{08CBE1EF-291F-49FF-9216-BF8D24382816}" destId="{BECD8AB4-5B2B-440E-9B1B-692E7B6F02EC}" srcOrd="3" destOrd="0" parTransId="{FA0D5033-2582-40A9-B000-41B28983C8E9}" sibTransId="{88B94AC5-0351-46E0-A3B4-0F12FC40922C}"/>
+    <dgm:cxn modelId="{66D5E079-C3ED-4289-A10B-59C2A3A5FD94}" type="presOf" srcId="{4FE1DD99-B441-4023-8D7D-F4816AD38645}" destId="{DFF758D4-F6A0-4407-B068-77D67667F514}" srcOrd="0" destOrd="0" presId="urn:microsoft.com/office/officeart/2005/8/layout/lProcess1"/>
     <dgm:cxn modelId="{CAAB57E8-A226-45CB-A39E-6CCE8A3A0084}" type="presOf" srcId="{7FF314A5-F3DE-4A6B-A380-50C7CF3A4B52}" destId="{F21921E5-A706-46F9-8AF9-D3D6DF97BC47}" srcOrd="0" destOrd="0" presId="urn:microsoft.com/office/officeart/2005/8/layout/lProcess1"/>
     <dgm:cxn modelId="{AAC9A7CA-47A9-467F-AA19-CB5C54158A50}" type="presOf" srcId="{AB1CC3C4-9DF8-41EA-8F85-2B33DD06F0EE}" destId="{6E7C4F53-F195-401E-9A9F-C2144155056E}" srcOrd="0" destOrd="0" presId="urn:microsoft.com/office/officeart/2005/8/layout/lProcess1"/>
-    <dgm:cxn modelId="{AF5F3EC8-B9BF-4A41-B422-BC5AAF7DB67A}" type="presOf" srcId="{54D63EAD-BE61-46A2-9733-C66FC6C65734}" destId="{102BE9CF-23F6-44AE-82A1-8B234E1AF4C1}" srcOrd="0" destOrd="0" presId="urn:microsoft.com/office/officeart/2005/8/layout/lProcess1"/>
+    <dgm:cxn modelId="{098D89AB-2495-4D2E-A053-0BD4929C40A1}" type="presOf" srcId="{B4A793D0-89DD-4CC0-9C86-345A1D809499}" destId="{0234F2EC-CDE9-4692-A034-13639A8CFD8E}" srcOrd="0" destOrd="0" presId="urn:microsoft.com/office/officeart/2005/8/layout/lProcess1"/>
+    <dgm:cxn modelId="{B1547FF3-980C-4C75-8A2D-C5D1269A3587}" type="presOf" srcId="{E5226F2C-53F3-4A18-9A92-7C3225A0C875}" destId="{4487EDD6-1BA2-4C02-89DF-2A363DCB6115}" srcOrd="0" destOrd="0" presId="urn:microsoft.com/office/officeart/2005/8/layout/lProcess1"/>
+    <dgm:cxn modelId="{4A61E64A-379C-47A2-A728-7E9E60E43633}" type="presOf" srcId="{B419A5F6-0658-4693-8E04-97CB1E4BCD7D}" destId="{8BC6E432-84DF-400F-A2A1-3C7B57AFAFF9}" srcOrd="0" destOrd="0" presId="urn:microsoft.com/office/officeart/2005/8/layout/lProcess1"/>
+    <dgm:cxn modelId="{227EA6F1-29A8-4CAE-B54D-E1EA6599D5B4}" srcId="{08CBE1EF-291F-49FF-9216-BF8D24382816}" destId="{BC2FD89B-17B9-4899-BE42-6112369D295A}" srcOrd="1" destOrd="0" parTransId="{BA3654F2-8B65-4F31-95FF-BFB9D7302EBE}" sibTransId="{2BE59A6E-86C8-4F80-9160-4432315D6DA6}"/>
+    <dgm:cxn modelId="{1C7A4F86-9333-42D1-9F3D-A5B7D405E061}" type="presOf" srcId="{C327678E-6E68-440F-A6E7-0172419B721E}" destId="{04E4EA95-55F7-4D9B-9676-4F32E3E03938}" srcOrd="0" destOrd="0" presId="urn:microsoft.com/office/officeart/2005/8/layout/lProcess1"/>
+    <dgm:cxn modelId="{6C5D9A00-F160-41C8-AA52-829BCF17815A}" type="presOf" srcId="{9BDFA5D5-564A-4199-A120-17CFA2B575CB}" destId="{A70B6EDC-22F6-45BC-970C-1FCD91C73A9C}" srcOrd="0" destOrd="0" presId="urn:microsoft.com/office/officeart/2005/8/layout/lProcess1"/>
     <dgm:cxn modelId="{7B8B782E-FF71-48E4-8B69-6EE3518EF984}" srcId="{BC2FD89B-17B9-4899-BE42-6112369D295A}" destId="{E14D537B-1445-4239-947B-82991AC02CC2}" srcOrd="0" destOrd="0" parTransId="{7FF314A5-F3DE-4A6B-A380-50C7CF3A4B52}" sibTransId="{E951B437-330E-4421-A2BB-5C966C6229A5}"/>
-    <dgm:cxn modelId="{151DC164-63D5-4C07-A6D8-8DFFE4375B34}" type="presOf" srcId="{BECD8AB4-5B2B-440E-9B1B-692E7B6F02EC}" destId="{2E5BF738-A4CB-4E63-A78E-18DEC3CF0A09}" srcOrd="0" destOrd="0" presId="urn:microsoft.com/office/officeart/2005/8/layout/lProcess1"/>
-    <dgm:cxn modelId="{5C1B133B-BC47-4F96-9613-5F0F3F3986A3}" type="presOf" srcId="{7FA5D023-37F5-41EE-AF51-EABC453F5AEB}" destId="{A513658F-21AA-449D-A2EA-811AD5495845}" srcOrd="0" destOrd="0" presId="urn:microsoft.com/office/officeart/2005/8/layout/lProcess1"/>
     <dgm:cxn modelId="{50574A99-A738-442E-8A85-EDB08969F778}" srcId="{4FE1DD99-B441-4023-8D7D-F4816AD38645}" destId="{C327678E-6E68-440F-A6E7-0172419B721E}" srcOrd="1" destOrd="0" parTransId="{994842C0-84EC-4B98-BBBD-D661FEF38800}" sibTransId="{E5226F2C-53F3-4A18-9A92-7C3225A0C875}"/>
-    <dgm:cxn modelId="{6523D02E-7BBB-4082-8E15-F4D7CCD35A98}" srcId="{7FA5D023-37F5-41EE-AF51-EABC453F5AEB}" destId="{77774809-0C93-4381-8350-C30644688CED}" srcOrd="0" destOrd="0" parTransId="{B4A793D0-89DD-4CC0-9C86-345A1D809499}" sibTransId="{E4A74C8F-5525-4FE2-94FF-B5AC5EAFA80C}"/>
-    <dgm:cxn modelId="{227EA6F1-29A8-4CAE-B54D-E1EA6599D5B4}" srcId="{08CBE1EF-291F-49FF-9216-BF8D24382816}" destId="{BC2FD89B-17B9-4899-BE42-6112369D295A}" srcOrd="1" destOrd="0" parTransId="{BA3654F2-8B65-4F31-95FF-BFB9D7302EBE}" sibTransId="{2BE59A6E-86C8-4F80-9160-4432315D6DA6}"/>
-    <dgm:cxn modelId="{61010167-4EE6-4520-8BD7-E75EACFD842D}" type="presOf" srcId="{5B4AC045-9ABD-48C4-9476-F1EC948AE6C5}" destId="{93FC8A33-72A6-4C52-9418-B8F8D37DC94F}" srcOrd="0" destOrd="0" presId="urn:microsoft.com/office/officeart/2005/8/layout/lProcess1"/>
-    <dgm:cxn modelId="{66D5E079-C3ED-4289-A10B-59C2A3A5FD94}" type="presOf" srcId="{4FE1DD99-B441-4023-8D7D-F4816AD38645}" destId="{DFF758D4-F6A0-4407-B068-77D67667F514}" srcOrd="0" destOrd="0" presId="urn:microsoft.com/office/officeart/2005/8/layout/lProcess1"/>
-    <dgm:cxn modelId="{BA42AEDA-6F46-4591-88E6-F358F18D0C36}" srcId="{4FE1DD99-B441-4023-8D7D-F4816AD38645}" destId="{5B4AC045-9ABD-48C4-9476-F1EC948AE6C5}" srcOrd="3" destOrd="0" parTransId="{551B4D45-4EFB-4125-9E8C-33A22447BCA8}" sibTransId="{6728E1DD-DC01-484A-8C7F-262CC79D0788}"/>
-    <dgm:cxn modelId="{00883AC4-E6E9-47F5-8251-AAB84DBE8D27}" type="presOf" srcId="{DEE2AEA9-E729-4C27-BB38-EB5D7EE53317}" destId="{18E6207C-EF06-4E10-99FB-CC0A958DBF6B}" srcOrd="0" destOrd="0" presId="urn:microsoft.com/office/officeart/2005/8/layout/lProcess1"/>
-    <dgm:cxn modelId="{4A61E64A-379C-47A2-A728-7E9E60E43633}" type="presOf" srcId="{B419A5F6-0658-4693-8E04-97CB1E4BCD7D}" destId="{8BC6E432-84DF-400F-A2A1-3C7B57AFAFF9}" srcOrd="0" destOrd="0" presId="urn:microsoft.com/office/officeart/2005/8/layout/lProcess1"/>
-    <dgm:cxn modelId="{6C5D9A00-F160-41C8-AA52-829BCF17815A}" type="presOf" srcId="{9BDFA5D5-564A-4199-A120-17CFA2B575CB}" destId="{A70B6EDC-22F6-45BC-970C-1FCD91C73A9C}" srcOrd="0" destOrd="0" presId="urn:microsoft.com/office/officeart/2005/8/layout/lProcess1"/>
-    <dgm:cxn modelId="{1C7A4F86-9333-42D1-9F3D-A5B7D405E061}" type="presOf" srcId="{C327678E-6E68-440F-A6E7-0172419B721E}" destId="{04E4EA95-55F7-4D9B-9676-4F32E3E03938}" srcOrd="0" destOrd="0" presId="urn:microsoft.com/office/officeart/2005/8/layout/lProcess1"/>
-    <dgm:cxn modelId="{4FDC97AF-E2EC-43B8-AF61-0657DC8B71B0}" srcId="{08CBE1EF-291F-49FF-9216-BF8D24382816}" destId="{7FA5D023-37F5-41EE-AF51-EABC453F5AEB}" srcOrd="0" destOrd="0" parTransId="{48A6FEA6-8B45-418B-BD7E-610CEFD72942}" sibTransId="{AC705A28-D43E-4D36-8EE9-1129412E98AA}"/>
-    <dgm:cxn modelId="{098D89AB-2495-4D2E-A053-0BD4929C40A1}" type="presOf" srcId="{B4A793D0-89DD-4CC0-9C86-345A1D809499}" destId="{0234F2EC-CDE9-4692-A034-13639A8CFD8E}" srcOrd="0" destOrd="0" presId="urn:microsoft.com/office/officeart/2005/8/layout/lProcess1"/>
-    <dgm:cxn modelId="{BD3841FC-BC0B-41B3-B93D-8F9EAE3C226C}" type="presOf" srcId="{B43966CE-1623-4DBB-957A-DEE8604AAB86}" destId="{6D456397-400B-4379-9416-5490EE83713C}" srcOrd="0" destOrd="0" presId="urn:microsoft.com/office/officeart/2005/8/layout/lProcess1"/>
     <dgm:cxn modelId="{ED5DB9F5-5A2C-4CFA-B5D5-1D4EB09433B7}" type="presParOf" srcId="{9F2717B7-3380-4165-890D-62CC02ECD9AA}" destId="{EC8FA111-7096-4E7A-9B50-9516AAD9154F}" srcOrd="0" destOrd="0" presId="urn:microsoft.com/office/officeart/2005/8/layout/lProcess1"/>
     <dgm:cxn modelId="{A9CCDD47-1586-46F6-B1EA-724FD4F9F960}" type="presParOf" srcId="{EC8FA111-7096-4E7A-9B50-9516AAD9154F}" destId="{A513658F-21AA-449D-A2EA-811AD5495845}" srcOrd="0" destOrd="0" presId="urn:microsoft.com/office/officeart/2005/8/layout/lProcess1"/>
     <dgm:cxn modelId="{1074CF97-7FB4-4AAE-8F09-AC984141206C}" type="presParOf" srcId="{EC8FA111-7096-4E7A-9B50-9516AAD9154F}" destId="{0234F2EC-CDE9-4692-A034-13639A8CFD8E}" srcOrd="1" destOrd="0" presId="urn:microsoft.com/office/officeart/2005/8/layout/lProcess1"/>
@@ -7148,6 +8087,13 @@
         </dgm:presLayoutVars>
       </dgm:prSet>
       <dgm:spPr/>
+      <dgm:t>
+        <a:bodyPr/>
+        <a:lstStyle/>
+        <a:p>
+          <a:endParaRPr lang="pt-BR"/>
+        </a:p>
+      </dgm:t>
     </dgm:pt>
     <dgm:pt modelId="{C3FBB71A-BB96-4D6D-865B-29EF8030F87F}" type="pres">
       <dgm:prSet presAssocID="{43329A8B-63C6-441F-B1E3-F6E8FCD1EC1A}" presName="vertFlow" presStyleCnt="0"/>
@@ -7167,6 +8113,13 @@
     <dgm:pt modelId="{FB43B1B1-C1F1-4D66-B1D6-C43081F08774}" type="pres">
       <dgm:prSet presAssocID="{48A6FEA6-8B45-418B-BD7E-610CEFD72942}" presName="parTrans" presStyleLbl="sibTrans2D1" presStyleIdx="0" presStyleCnt="10"/>
       <dgm:spPr/>
+      <dgm:t>
+        <a:bodyPr/>
+        <a:lstStyle/>
+        <a:p>
+          <a:endParaRPr lang="pt-BR"/>
+        </a:p>
+      </dgm:t>
     </dgm:pt>
     <dgm:pt modelId="{109CC597-E928-4D5A-B889-FC092017E204}" type="pres">
       <dgm:prSet presAssocID="{7FA5D023-37F5-41EE-AF51-EABC453F5AEB}" presName="child" presStyleLbl="alignAccFollowNode1" presStyleIdx="0" presStyleCnt="10">
@@ -7176,10 +8129,24 @@
         </dgm:presLayoutVars>
       </dgm:prSet>
       <dgm:spPr/>
+      <dgm:t>
+        <a:bodyPr/>
+        <a:lstStyle/>
+        <a:p>
+          <a:endParaRPr lang="pt-BR"/>
+        </a:p>
+      </dgm:t>
     </dgm:pt>
     <dgm:pt modelId="{88DC38D1-D4A3-41CD-85E7-6B19FDF73E27}" type="pres">
       <dgm:prSet presAssocID="{AC705A28-D43E-4D36-8EE9-1129412E98AA}" presName="sibTrans" presStyleLbl="sibTrans2D1" presStyleIdx="1" presStyleCnt="10"/>
       <dgm:spPr/>
+      <dgm:t>
+        <a:bodyPr/>
+        <a:lstStyle/>
+        <a:p>
+          <a:endParaRPr lang="pt-BR"/>
+        </a:p>
+      </dgm:t>
     </dgm:pt>
     <dgm:pt modelId="{7765B2D4-180D-4C86-B1A9-CB05D2745676}" type="pres">
       <dgm:prSet presAssocID="{DA9DC32E-3CD5-43A7-B1D0-6745FCA80328}" presName="child" presStyleLbl="alignAccFollowNode1" presStyleIdx="1" presStyleCnt="10">
@@ -7189,6 +8156,13 @@
         </dgm:presLayoutVars>
       </dgm:prSet>
       <dgm:spPr/>
+      <dgm:t>
+        <a:bodyPr/>
+        <a:lstStyle/>
+        <a:p>
+          <a:endParaRPr lang="pt-BR"/>
+        </a:p>
+      </dgm:t>
     </dgm:pt>
     <dgm:pt modelId="{B5BD2078-B2C6-41B8-B66C-C04434038FAC}" type="pres">
       <dgm:prSet presAssocID="{43329A8B-63C6-441F-B1E3-F6E8FCD1EC1A}" presName="hSp" presStyleCnt="0"/>
@@ -7212,6 +8186,13 @@
     <dgm:pt modelId="{DF4D5972-759B-434D-A516-A8869C0CCD0F}" type="pres">
       <dgm:prSet presAssocID="{84DCCAFB-508A-4F37-9F66-9289D55F5192}" presName="parTrans" presStyleLbl="sibTrans2D1" presStyleIdx="2" presStyleCnt="10"/>
       <dgm:spPr/>
+      <dgm:t>
+        <a:bodyPr/>
+        <a:lstStyle/>
+        <a:p>
+          <a:endParaRPr lang="pt-BR"/>
+        </a:p>
+      </dgm:t>
     </dgm:pt>
     <dgm:pt modelId="{590F16EF-03E3-4FC2-A83A-D10DEC04E02A}" type="pres">
       <dgm:prSet presAssocID="{380BF19E-94CC-4D45-8AC1-65ED7BD042E7}" presName="child" presStyleLbl="alignAccFollowNode1" presStyleIdx="2" presStyleCnt="10">
@@ -7232,6 +8213,13 @@
     <dgm:pt modelId="{C48B3558-AB32-4887-B3ED-3EBDE5C6340D}" type="pres">
       <dgm:prSet presAssocID="{3B3C2433-2B73-48A9-B77A-241BDF4A8A8E}" presName="sibTrans" presStyleLbl="sibTrans2D1" presStyleIdx="3" presStyleCnt="10"/>
       <dgm:spPr/>
+      <dgm:t>
+        <a:bodyPr/>
+        <a:lstStyle/>
+        <a:p>
+          <a:endParaRPr lang="pt-BR"/>
+        </a:p>
+      </dgm:t>
     </dgm:pt>
     <dgm:pt modelId="{7879651E-4952-4215-A6C0-D13AFF70FE36}" type="pres">
       <dgm:prSet presAssocID="{1304BBDA-CD73-4A29-81D2-D721D48C2BEA}" presName="child" presStyleLbl="alignAccFollowNode1" presStyleIdx="3" presStyleCnt="10">
@@ -7241,6 +8229,13 @@
         </dgm:presLayoutVars>
       </dgm:prSet>
       <dgm:spPr/>
+      <dgm:t>
+        <a:bodyPr/>
+        <a:lstStyle/>
+        <a:p>
+          <a:endParaRPr lang="pt-BR"/>
+        </a:p>
+      </dgm:t>
     </dgm:pt>
     <dgm:pt modelId="{E9D7C227-9E79-4A92-BE10-9B82927CFDAE}" type="pres">
       <dgm:prSet presAssocID="{B2744AA8-EAB4-445B-BEEA-DDE0E68FAE16}" presName="hSp" presStyleCnt="0"/>
@@ -7253,10 +8248,24 @@
     <dgm:pt modelId="{08999249-763A-4D13-91DE-8813220A34A0}" type="pres">
       <dgm:prSet presAssocID="{D7FF62D9-C972-483F-BB6D-0B07D2E74B11}" presName="header" presStyleLbl="node1" presStyleIdx="2" presStyleCnt="4"/>
       <dgm:spPr/>
+      <dgm:t>
+        <a:bodyPr/>
+        <a:lstStyle/>
+        <a:p>
+          <a:endParaRPr lang="pt-BR"/>
+        </a:p>
+      </dgm:t>
     </dgm:pt>
     <dgm:pt modelId="{E753C6E7-36A7-4759-BA4E-00472F9081E1}" type="pres">
       <dgm:prSet presAssocID="{DC7E85AF-C88C-44CE-8CBB-AF1444B90FA7}" presName="parTrans" presStyleLbl="sibTrans2D1" presStyleIdx="4" presStyleCnt="10"/>
       <dgm:spPr/>
+      <dgm:t>
+        <a:bodyPr/>
+        <a:lstStyle/>
+        <a:p>
+          <a:endParaRPr lang="pt-BR"/>
+        </a:p>
+      </dgm:t>
     </dgm:pt>
     <dgm:pt modelId="{82131D3C-D401-4BDD-9B47-253DBCD4E2B0}" type="pres">
       <dgm:prSet presAssocID="{9D9742A0-8DCF-41FD-A335-B51883EF69F5}" presName="child" presStyleLbl="alignAccFollowNode1" presStyleIdx="4" presStyleCnt="10">
@@ -7266,10 +8275,24 @@
         </dgm:presLayoutVars>
       </dgm:prSet>
       <dgm:spPr/>
+      <dgm:t>
+        <a:bodyPr/>
+        <a:lstStyle/>
+        <a:p>
+          <a:endParaRPr lang="pt-BR"/>
+        </a:p>
+      </dgm:t>
     </dgm:pt>
     <dgm:pt modelId="{29535A9E-AF07-4DF9-8633-CC83462D4BB8}" type="pres">
       <dgm:prSet presAssocID="{1341ACC0-2DDA-4FAB-8D88-246D484F3CC1}" presName="sibTrans" presStyleLbl="sibTrans2D1" presStyleIdx="5" presStyleCnt="10"/>
       <dgm:spPr/>
+      <dgm:t>
+        <a:bodyPr/>
+        <a:lstStyle/>
+        <a:p>
+          <a:endParaRPr lang="pt-BR"/>
+        </a:p>
+      </dgm:t>
     </dgm:pt>
     <dgm:pt modelId="{77F25A47-C763-489D-8334-695E04B21E44}" type="pres">
       <dgm:prSet presAssocID="{AE3EFEC4-C7DB-4952-8260-83CEED4D204F}" presName="child" presStyleLbl="alignAccFollowNode1" presStyleIdx="5" presStyleCnt="10">
@@ -7279,6 +8302,13 @@
         </dgm:presLayoutVars>
       </dgm:prSet>
       <dgm:spPr/>
+      <dgm:t>
+        <a:bodyPr/>
+        <a:lstStyle/>
+        <a:p>
+          <a:endParaRPr lang="pt-BR"/>
+        </a:p>
+      </dgm:t>
     </dgm:pt>
     <dgm:pt modelId="{7E1DFAD0-B214-446D-ACB0-FB6293D45E09}" type="pres">
       <dgm:prSet presAssocID="{D7FF62D9-C972-483F-BB6D-0B07D2E74B11}" presName="hSp" presStyleCnt="0"/>
@@ -7302,6 +8332,13 @@
     <dgm:pt modelId="{18037566-23D6-4602-8CB2-D479CB9ECC23}" type="pres">
       <dgm:prSet presAssocID="{ABD1CAEA-28AA-44E1-A09E-A9B9AA075A3F}" presName="parTrans" presStyleLbl="sibTrans2D1" presStyleIdx="6" presStyleCnt="10"/>
       <dgm:spPr/>
+      <dgm:t>
+        <a:bodyPr/>
+        <a:lstStyle/>
+        <a:p>
+          <a:endParaRPr lang="pt-BR"/>
+        </a:p>
+      </dgm:t>
     </dgm:pt>
     <dgm:pt modelId="{07BE273B-9C2C-4629-8771-8DB393E3D64F}" type="pres">
       <dgm:prSet presAssocID="{AB846E81-67AE-4C1C-B623-E31B9FCA390B}" presName="child" presStyleLbl="alignAccFollowNode1" presStyleIdx="6" presStyleCnt="10">
@@ -7322,6 +8359,13 @@
     <dgm:pt modelId="{9BF031B3-C89C-421B-A5CA-125474514C10}" type="pres">
       <dgm:prSet presAssocID="{DEC05889-4CAC-447A-9CEC-11FD9B559C19}" presName="sibTrans" presStyleLbl="sibTrans2D1" presStyleIdx="7" presStyleCnt="10"/>
       <dgm:spPr/>
+      <dgm:t>
+        <a:bodyPr/>
+        <a:lstStyle/>
+        <a:p>
+          <a:endParaRPr lang="pt-BR"/>
+        </a:p>
+      </dgm:t>
     </dgm:pt>
     <dgm:pt modelId="{E007A2BD-DCC8-4FE7-B240-6C5DE2296D6F}" type="pres">
       <dgm:prSet presAssocID="{54F44171-99E6-43CB-889D-8F51B6DA532A}" presName="child" presStyleLbl="alignAccFollowNode1" presStyleIdx="7" presStyleCnt="10">
@@ -7331,10 +8375,24 @@
         </dgm:presLayoutVars>
       </dgm:prSet>
       <dgm:spPr/>
+      <dgm:t>
+        <a:bodyPr/>
+        <a:lstStyle/>
+        <a:p>
+          <a:endParaRPr lang="pt-BR"/>
+        </a:p>
+      </dgm:t>
     </dgm:pt>
     <dgm:pt modelId="{3F89DD75-F3CD-4143-9126-A37CAF4829A6}" type="pres">
       <dgm:prSet presAssocID="{4A1888B5-B68E-4F70-AE98-3EFAA8F4AB1E}" presName="sibTrans" presStyleLbl="sibTrans2D1" presStyleIdx="8" presStyleCnt="10"/>
       <dgm:spPr/>
+      <dgm:t>
+        <a:bodyPr/>
+        <a:lstStyle/>
+        <a:p>
+          <a:endParaRPr lang="pt-BR"/>
+        </a:p>
+      </dgm:t>
     </dgm:pt>
     <dgm:pt modelId="{41CABF22-83B2-496A-8D08-7874DE2F6BB4}" type="pres">
       <dgm:prSet presAssocID="{F9BEEB21-CE07-41D1-A8DA-91B7B71FFC2F}" presName="child" presStyleLbl="alignAccFollowNode1" presStyleIdx="8" presStyleCnt="10">
@@ -7344,10 +8402,24 @@
         </dgm:presLayoutVars>
       </dgm:prSet>
       <dgm:spPr/>
+      <dgm:t>
+        <a:bodyPr/>
+        <a:lstStyle/>
+        <a:p>
+          <a:endParaRPr lang="pt-BR"/>
+        </a:p>
+      </dgm:t>
     </dgm:pt>
     <dgm:pt modelId="{FF3A6AF3-493A-4A4A-9F82-B5D65B76EE4E}" type="pres">
       <dgm:prSet presAssocID="{833DE756-B537-4808-BCD6-C8BF33AFEBAF}" presName="sibTrans" presStyleLbl="sibTrans2D1" presStyleIdx="9" presStyleCnt="10"/>
       <dgm:spPr/>
+      <dgm:t>
+        <a:bodyPr/>
+        <a:lstStyle/>
+        <a:p>
+          <a:endParaRPr lang="pt-BR"/>
+        </a:p>
+      </dgm:t>
     </dgm:pt>
     <dgm:pt modelId="{C30CEDC9-4639-4D96-9208-485CB3EECF09}" type="pres">
       <dgm:prSet presAssocID="{5CFE1529-73A6-4F70-B907-C4B6AC169F0A}" presName="child" presStyleLbl="alignAccFollowNode1" presStyleIdx="9" presStyleCnt="10">
@@ -7357,48 +8429,55 @@
         </dgm:presLayoutVars>
       </dgm:prSet>
       <dgm:spPr/>
+      <dgm:t>
+        <a:bodyPr/>
+        <a:lstStyle/>
+        <a:p>
+          <a:endParaRPr lang="pt-BR"/>
+        </a:p>
+      </dgm:t>
     </dgm:pt>
   </dgm:ptLst>
   <dgm:cxnLst>
+    <dgm:cxn modelId="{BC013954-A7BB-4A3F-A8D1-2DAA3BB839C7}" type="presOf" srcId="{1341ACC0-2DDA-4FAB-8D88-246D484F3CC1}" destId="{29535A9E-AF07-4DF9-8633-CC83462D4BB8}" srcOrd="0" destOrd="0" presId="urn:microsoft.com/office/officeart/2005/8/layout/lProcess1"/>
+    <dgm:cxn modelId="{1EFB856D-ECBF-4DBC-936C-64E10937FBCB}" srcId="{AC06B4AD-C17C-48D5-A922-0509F6F92AAD}" destId="{AB846E81-67AE-4C1C-B623-E31B9FCA390B}" srcOrd="0" destOrd="0" parTransId="{ABD1CAEA-28AA-44E1-A09E-A9B9AA075A3F}" sibTransId="{DEC05889-4CAC-447A-9CEC-11FD9B559C19}"/>
+    <dgm:cxn modelId="{334D41CC-AA9B-412C-BEBC-BCEF41E11D4B}" srcId="{B2744AA8-EAB4-445B-BEEA-DDE0E68FAE16}" destId="{380BF19E-94CC-4D45-8AC1-65ED7BD042E7}" srcOrd="0" destOrd="0" parTransId="{84DCCAFB-508A-4F37-9F66-9289D55F5192}" sibTransId="{3B3C2433-2B73-48A9-B77A-241BDF4A8A8E}"/>
+    <dgm:cxn modelId="{83C704A1-B45B-460F-90CE-658636F62D91}" type="presOf" srcId="{43329A8B-63C6-441F-B1E3-F6E8FCD1EC1A}" destId="{8A37306F-A061-4A09-8F33-E88AF0E2EE9F}" srcOrd="0" destOrd="0" presId="urn:microsoft.com/office/officeart/2005/8/layout/lProcess1"/>
+    <dgm:cxn modelId="{14E25BA6-7EE1-4F57-BB9E-463840E5EE27}" type="presOf" srcId="{9D9742A0-8DCF-41FD-A335-B51883EF69F5}" destId="{82131D3C-D401-4BDD-9B47-253DBCD4E2B0}" srcOrd="0" destOrd="0" presId="urn:microsoft.com/office/officeart/2005/8/layout/lProcess1"/>
+    <dgm:cxn modelId="{D6F4F6EA-5D10-414A-AB0C-0A491152F351}" type="presOf" srcId="{F9BEEB21-CE07-41D1-A8DA-91B7B71FFC2F}" destId="{41CABF22-83B2-496A-8D08-7874DE2F6BB4}" srcOrd="0" destOrd="0" presId="urn:microsoft.com/office/officeart/2005/8/layout/lProcess1"/>
     <dgm:cxn modelId="{9300911D-F211-431A-9431-092BCEEA482B}" type="presOf" srcId="{380BF19E-94CC-4D45-8AC1-65ED7BD042E7}" destId="{590F16EF-03E3-4FC2-A83A-D10DEC04E02A}" srcOrd="0" destOrd="0" presId="urn:microsoft.com/office/officeart/2005/8/layout/lProcess1"/>
+    <dgm:cxn modelId="{0E12C77C-6C30-4345-B99C-9F28BED938E1}" srcId="{08CBE1EF-291F-49FF-9216-BF8D24382816}" destId="{B2744AA8-EAB4-445B-BEEA-DDE0E68FAE16}" srcOrd="1" destOrd="0" parTransId="{C5154C6C-A097-406C-BCBD-4F02C107268F}" sibTransId="{30D9C8CB-2EB3-4095-A5FA-AEB3820144C1}"/>
+    <dgm:cxn modelId="{D8527A24-065F-4DC2-A8DE-E2B793575B85}" type="presOf" srcId="{833DE756-B537-4808-BCD6-C8BF33AFEBAF}" destId="{FF3A6AF3-493A-4A4A-9F82-B5D65B76EE4E}" srcOrd="0" destOrd="0" presId="urn:microsoft.com/office/officeart/2005/8/layout/lProcess1"/>
+    <dgm:cxn modelId="{712896C2-EAE3-4811-95B2-E27107291A9E}" type="presOf" srcId="{AE3EFEC4-C7DB-4952-8260-83CEED4D204F}" destId="{77F25A47-C763-489D-8334-695E04B21E44}" srcOrd="0" destOrd="0" presId="urn:microsoft.com/office/officeart/2005/8/layout/lProcess1"/>
+    <dgm:cxn modelId="{1D33B055-1BF4-4B76-8DD5-E926AD058C91}" srcId="{08CBE1EF-291F-49FF-9216-BF8D24382816}" destId="{43329A8B-63C6-441F-B1E3-F6E8FCD1EC1A}" srcOrd="0" destOrd="0" parTransId="{E74B7A14-BFAE-4A83-90ED-42D4A4A23220}" sibTransId="{DD92D6D8-0371-4BDE-9D96-40965A36D424}"/>
+    <dgm:cxn modelId="{7E3DE2CC-2F1E-483A-BE8E-8E3D3D574967}" type="presOf" srcId="{ABD1CAEA-28AA-44E1-A09E-A9B9AA075A3F}" destId="{18037566-23D6-4602-8CB2-D479CB9ECC23}" srcOrd="0" destOrd="0" presId="urn:microsoft.com/office/officeart/2005/8/layout/lProcess1"/>
+    <dgm:cxn modelId="{D245F209-7C62-4B54-A9B2-F6B58EFF38E4}" type="presOf" srcId="{DA9DC32E-3CD5-43A7-B1D0-6745FCA80328}" destId="{7765B2D4-180D-4C86-B1A9-CB05D2745676}" srcOrd="0" destOrd="0" presId="urn:microsoft.com/office/officeart/2005/8/layout/lProcess1"/>
+    <dgm:cxn modelId="{F0CEBB32-A8A1-4B5D-8CC0-F06C18E152BC}" type="presOf" srcId="{B2744AA8-EAB4-445B-BEEA-DDE0E68FAE16}" destId="{B7705C41-0495-4017-8751-9BF4D345DF42}" srcOrd="0" destOrd="0" presId="urn:microsoft.com/office/officeart/2005/8/layout/lProcess1"/>
+    <dgm:cxn modelId="{DC9C00CB-6103-4F8A-901F-D40105CD2F15}" srcId="{B2744AA8-EAB4-445B-BEEA-DDE0E68FAE16}" destId="{1304BBDA-CD73-4A29-81D2-D721D48C2BEA}" srcOrd="1" destOrd="0" parTransId="{C52B4BEB-3CAE-4037-B0D8-F8765EDECC1C}" sibTransId="{04051159-F0F2-4F8A-9284-70ED183A8066}"/>
+    <dgm:cxn modelId="{5D1A759E-F619-45F5-81DC-AAACD62A2662}" srcId="{AC06B4AD-C17C-48D5-A922-0509F6F92AAD}" destId="{5CFE1529-73A6-4F70-B907-C4B6AC169F0A}" srcOrd="3" destOrd="0" parTransId="{10EB5BAA-FA6B-4138-AAEF-0889B0029EF9}" sibTransId="{AB1FB102-2F86-48C7-8B15-D078FD2BAA75}"/>
+    <dgm:cxn modelId="{5B5D0EBA-E1F4-489F-8D98-0B871964D666}" type="presOf" srcId="{84DCCAFB-508A-4F37-9F66-9289D55F5192}" destId="{DF4D5972-759B-434D-A516-A8869C0CCD0F}" srcOrd="0" destOrd="0" presId="urn:microsoft.com/office/officeart/2005/8/layout/lProcess1"/>
+    <dgm:cxn modelId="{4CD534AF-2ADC-49E2-A1DD-F9E6E4624138}" type="presOf" srcId="{AB846E81-67AE-4C1C-B623-E31B9FCA390B}" destId="{07BE273B-9C2C-4629-8771-8DB393E3D64F}" srcOrd="0" destOrd="0" presId="urn:microsoft.com/office/officeart/2005/8/layout/lProcess1"/>
+    <dgm:cxn modelId="{7301191F-C9C4-4DA3-8EE9-E60D6E5E5EF4}" srcId="{08CBE1EF-291F-49FF-9216-BF8D24382816}" destId="{AC06B4AD-C17C-48D5-A922-0509F6F92AAD}" srcOrd="3" destOrd="0" parTransId="{D4C4D746-236D-4907-9C2C-76D9A173CF1C}" sibTransId="{0F4C518D-2A66-47BA-85BD-575DECDE0E2A}"/>
+    <dgm:cxn modelId="{D7809F7C-367F-4693-9F91-16F95D1DA5BD}" srcId="{D7FF62D9-C972-483F-BB6D-0B07D2E74B11}" destId="{AE3EFEC4-C7DB-4952-8260-83CEED4D204F}" srcOrd="1" destOrd="0" parTransId="{9500847C-2923-427C-AD52-F7EA5EFBEC70}" sibTransId="{9D63D2A3-D3D4-452E-8B83-0C64FEA88FE1}"/>
+    <dgm:cxn modelId="{242B0B94-0181-4D50-A96A-B5160BC97503}" type="presOf" srcId="{1304BBDA-CD73-4A29-81D2-D721D48C2BEA}" destId="{7879651E-4952-4215-A6C0-D13AFF70FE36}" srcOrd="0" destOrd="0" presId="urn:microsoft.com/office/officeart/2005/8/layout/lProcess1"/>
+    <dgm:cxn modelId="{D822C7D4-477E-474F-9FAD-D9BBB6C0444B}" srcId="{D7FF62D9-C972-483F-BB6D-0B07D2E74B11}" destId="{9D9742A0-8DCF-41FD-A335-B51883EF69F5}" srcOrd="0" destOrd="0" parTransId="{DC7E85AF-C88C-44CE-8CBB-AF1444B90FA7}" sibTransId="{1341ACC0-2DDA-4FAB-8D88-246D484F3CC1}"/>
+    <dgm:cxn modelId="{AC08A7C3-75D4-4E49-9A43-070B6AC66735}" srcId="{08CBE1EF-291F-49FF-9216-BF8D24382816}" destId="{D7FF62D9-C972-483F-BB6D-0B07D2E74B11}" srcOrd="2" destOrd="0" parTransId="{8DFCEB1C-B0B6-4BC2-938C-20FABDDF074D}" sibTransId="{81603F53-0AD5-4D94-9201-28734F2784F0}"/>
+    <dgm:cxn modelId="{4A813EC4-BF6F-4119-BA96-E1C8D7990248}" type="presOf" srcId="{AC705A28-D43E-4D36-8EE9-1129412E98AA}" destId="{88DC38D1-D4A3-41CD-85E7-6B19FDF73E27}" srcOrd="0" destOrd="0" presId="urn:microsoft.com/office/officeart/2005/8/layout/lProcess1"/>
+    <dgm:cxn modelId="{E357C3C8-26D7-4478-8C56-529F58AA5473}" type="presOf" srcId="{7FA5D023-37F5-41EE-AF51-EABC453F5AEB}" destId="{109CC597-E928-4D5A-B889-FC092017E204}" srcOrd="0" destOrd="0" presId="urn:microsoft.com/office/officeart/2005/8/layout/lProcess1"/>
+    <dgm:cxn modelId="{99D5CEA0-2EDE-413C-9114-64A05EAF0EEA}" type="presOf" srcId="{AC06B4AD-C17C-48D5-A922-0509F6F92AAD}" destId="{C0026CA4-146C-4879-A451-E17DBDAC2627}" srcOrd="0" destOrd="0" presId="urn:microsoft.com/office/officeart/2005/8/layout/lProcess1"/>
+    <dgm:cxn modelId="{2413DDAE-A8B6-4E97-B65B-684D66CDE9C7}" type="presOf" srcId="{5CFE1529-73A6-4F70-B907-C4B6AC169F0A}" destId="{C30CEDC9-4639-4D96-9208-485CB3EECF09}" srcOrd="0" destOrd="0" presId="urn:microsoft.com/office/officeart/2005/8/layout/lProcess1"/>
     <dgm:cxn modelId="{43A9DEEE-B4D2-408D-9BD3-22F6C1178EA5}" type="presOf" srcId="{DC7E85AF-C88C-44CE-8CBB-AF1444B90FA7}" destId="{E753C6E7-36A7-4759-BA4E-00472F9081E1}" srcOrd="0" destOrd="0" presId="urn:microsoft.com/office/officeart/2005/8/layout/lProcess1"/>
+    <dgm:cxn modelId="{1EDFFFDC-4C0F-45C5-951A-6C914A0608FF}" type="presOf" srcId="{54F44171-99E6-43CB-889D-8F51B6DA532A}" destId="{E007A2BD-DCC8-4FE7-B240-6C5DE2296D6F}" srcOrd="0" destOrd="0" presId="urn:microsoft.com/office/officeart/2005/8/layout/lProcess1"/>
+    <dgm:cxn modelId="{4FDC97AF-E2EC-43B8-AF61-0657DC8B71B0}" srcId="{43329A8B-63C6-441F-B1E3-F6E8FCD1EC1A}" destId="{7FA5D023-37F5-41EE-AF51-EABC453F5AEB}" srcOrd="0" destOrd="0" parTransId="{48A6FEA6-8B45-418B-BD7E-610CEFD72942}" sibTransId="{AC705A28-D43E-4D36-8EE9-1129412E98AA}"/>
+    <dgm:cxn modelId="{20349D5B-1085-4A28-B580-02588331E9FE}" type="presOf" srcId="{D7FF62D9-C972-483F-BB6D-0B07D2E74B11}" destId="{08999249-763A-4D13-91DE-8813220A34A0}" srcOrd="0" destOrd="0" presId="urn:microsoft.com/office/officeart/2005/8/layout/lProcess1"/>
+    <dgm:cxn modelId="{F7EF58B8-37B4-4365-BD82-14E7C6C9ADB4}" type="presOf" srcId="{DEC05889-4CAC-447A-9CEC-11FD9B559C19}" destId="{9BF031B3-C89C-421B-A5CA-125474514C10}" srcOrd="0" destOrd="0" presId="urn:microsoft.com/office/officeart/2005/8/layout/lProcess1"/>
+    <dgm:cxn modelId="{2150F387-BDC8-438C-8271-012858E23DD4}" type="presOf" srcId="{4A1888B5-B68E-4F70-AE98-3EFAA8F4AB1E}" destId="{3F89DD75-F3CD-4143-9126-A37CAF4829A6}" srcOrd="0" destOrd="0" presId="urn:microsoft.com/office/officeart/2005/8/layout/lProcess1"/>
+    <dgm:cxn modelId="{2A755EA4-672B-4AAC-8602-FF6AFE25C623}" srcId="{43329A8B-63C6-441F-B1E3-F6E8FCD1EC1A}" destId="{DA9DC32E-3CD5-43A7-B1D0-6745FCA80328}" srcOrd="1" destOrd="0" parTransId="{DCC94FE2-728D-4A08-82C1-CF53B8F83FE2}" sibTransId="{D4FFB151-6FE9-476F-9DEB-1A4E51E42286}"/>
+    <dgm:cxn modelId="{935BF5FC-9A5D-4A04-A24B-5B0F145F1630}" type="presOf" srcId="{08CBE1EF-291F-49FF-9216-BF8D24382816}" destId="{9F2717B7-3380-4165-890D-62CC02ECD9AA}" srcOrd="0" destOrd="0" presId="urn:microsoft.com/office/officeart/2005/8/layout/lProcess1"/>
     <dgm:cxn modelId="{8D32961C-4386-467A-B551-67C8C8D68633}" type="presOf" srcId="{3B3C2433-2B73-48A9-B77A-241BDF4A8A8E}" destId="{C48B3558-AB32-4887-B3ED-3EBDE5C6340D}" srcOrd="0" destOrd="0" presId="urn:microsoft.com/office/officeart/2005/8/layout/lProcess1"/>
-    <dgm:cxn modelId="{2413DDAE-A8B6-4E97-B65B-684D66CDE9C7}" type="presOf" srcId="{5CFE1529-73A6-4F70-B907-C4B6AC169F0A}" destId="{C30CEDC9-4639-4D96-9208-485CB3EECF09}" srcOrd="0" destOrd="0" presId="urn:microsoft.com/office/officeart/2005/8/layout/lProcess1"/>
-    <dgm:cxn modelId="{712896C2-EAE3-4811-95B2-E27107291A9E}" type="presOf" srcId="{AE3EFEC4-C7DB-4952-8260-83CEED4D204F}" destId="{77F25A47-C763-489D-8334-695E04B21E44}" srcOrd="0" destOrd="0" presId="urn:microsoft.com/office/officeart/2005/8/layout/lProcess1"/>
-    <dgm:cxn modelId="{AC08A7C3-75D4-4E49-9A43-070B6AC66735}" srcId="{08CBE1EF-291F-49FF-9216-BF8D24382816}" destId="{D7FF62D9-C972-483F-BB6D-0B07D2E74B11}" srcOrd="2" destOrd="0" parTransId="{8DFCEB1C-B0B6-4BC2-938C-20FABDDF074D}" sibTransId="{81603F53-0AD5-4D94-9201-28734F2784F0}"/>
-    <dgm:cxn modelId="{2A755EA4-672B-4AAC-8602-FF6AFE25C623}" srcId="{43329A8B-63C6-441F-B1E3-F6E8FCD1EC1A}" destId="{DA9DC32E-3CD5-43A7-B1D0-6745FCA80328}" srcOrd="1" destOrd="0" parTransId="{DCC94FE2-728D-4A08-82C1-CF53B8F83FE2}" sibTransId="{D4FFB151-6FE9-476F-9DEB-1A4E51E42286}"/>
-    <dgm:cxn modelId="{F7EF58B8-37B4-4365-BD82-14E7C6C9ADB4}" type="presOf" srcId="{DEC05889-4CAC-447A-9CEC-11FD9B559C19}" destId="{9BF031B3-C89C-421B-A5CA-125474514C10}" srcOrd="0" destOrd="0" presId="urn:microsoft.com/office/officeart/2005/8/layout/lProcess1"/>
-    <dgm:cxn modelId="{334D41CC-AA9B-412C-BEBC-BCEF41E11D4B}" srcId="{B2744AA8-EAB4-445B-BEEA-DDE0E68FAE16}" destId="{380BF19E-94CC-4D45-8AC1-65ED7BD042E7}" srcOrd="0" destOrd="0" parTransId="{84DCCAFB-508A-4F37-9F66-9289D55F5192}" sibTransId="{3B3C2433-2B73-48A9-B77A-241BDF4A8A8E}"/>
-    <dgm:cxn modelId="{4A813EC4-BF6F-4119-BA96-E1C8D7990248}" type="presOf" srcId="{AC705A28-D43E-4D36-8EE9-1129412E98AA}" destId="{88DC38D1-D4A3-41CD-85E7-6B19FDF73E27}" srcOrd="0" destOrd="0" presId="urn:microsoft.com/office/officeart/2005/8/layout/lProcess1"/>
-    <dgm:cxn modelId="{DC9C00CB-6103-4F8A-901F-D40105CD2F15}" srcId="{B2744AA8-EAB4-445B-BEEA-DDE0E68FAE16}" destId="{1304BBDA-CD73-4A29-81D2-D721D48C2BEA}" srcOrd="1" destOrd="0" parTransId="{C52B4BEB-3CAE-4037-B0D8-F8765EDECC1C}" sibTransId="{04051159-F0F2-4F8A-9284-70ED183A8066}"/>
-    <dgm:cxn modelId="{F0CEBB32-A8A1-4B5D-8CC0-F06C18E152BC}" type="presOf" srcId="{B2744AA8-EAB4-445B-BEEA-DDE0E68FAE16}" destId="{B7705C41-0495-4017-8751-9BF4D345DF42}" srcOrd="0" destOrd="0" presId="urn:microsoft.com/office/officeart/2005/8/layout/lProcess1"/>
-    <dgm:cxn modelId="{1EFB856D-ECBF-4DBC-936C-64E10937FBCB}" srcId="{AC06B4AD-C17C-48D5-A922-0509F6F92AAD}" destId="{AB846E81-67AE-4C1C-B623-E31B9FCA390B}" srcOrd="0" destOrd="0" parTransId="{ABD1CAEA-28AA-44E1-A09E-A9B9AA075A3F}" sibTransId="{DEC05889-4CAC-447A-9CEC-11FD9B559C19}"/>
-    <dgm:cxn modelId="{242B0B94-0181-4D50-A96A-B5160BC97503}" type="presOf" srcId="{1304BBDA-CD73-4A29-81D2-D721D48C2BEA}" destId="{7879651E-4952-4215-A6C0-D13AFF70FE36}" srcOrd="0" destOrd="0" presId="urn:microsoft.com/office/officeart/2005/8/layout/lProcess1"/>
-    <dgm:cxn modelId="{D7809F7C-367F-4693-9F91-16F95D1DA5BD}" srcId="{D7FF62D9-C972-483F-BB6D-0B07D2E74B11}" destId="{AE3EFEC4-C7DB-4952-8260-83CEED4D204F}" srcOrd="1" destOrd="0" parTransId="{9500847C-2923-427C-AD52-F7EA5EFBEC70}" sibTransId="{9D63D2A3-D3D4-452E-8B83-0C64FEA88FE1}"/>
-    <dgm:cxn modelId="{D245F209-7C62-4B54-A9B2-F6B58EFF38E4}" type="presOf" srcId="{DA9DC32E-3CD5-43A7-B1D0-6745FCA80328}" destId="{7765B2D4-180D-4C86-B1A9-CB05D2745676}" srcOrd="0" destOrd="0" presId="urn:microsoft.com/office/officeart/2005/8/layout/lProcess1"/>
-    <dgm:cxn modelId="{1EDFFFDC-4C0F-45C5-951A-6C914A0608FF}" type="presOf" srcId="{54F44171-99E6-43CB-889D-8F51B6DA532A}" destId="{E007A2BD-DCC8-4FE7-B240-6C5DE2296D6F}" srcOrd="0" destOrd="0" presId="urn:microsoft.com/office/officeart/2005/8/layout/lProcess1"/>
-    <dgm:cxn modelId="{D8527A24-065F-4DC2-A8DE-E2B793575B85}" type="presOf" srcId="{833DE756-B537-4808-BCD6-C8BF33AFEBAF}" destId="{FF3A6AF3-493A-4A4A-9F82-B5D65B76EE4E}" srcOrd="0" destOrd="0" presId="urn:microsoft.com/office/officeart/2005/8/layout/lProcess1"/>
-    <dgm:cxn modelId="{4CD534AF-2ADC-49E2-A1DD-F9E6E4624138}" type="presOf" srcId="{AB846E81-67AE-4C1C-B623-E31B9FCA390B}" destId="{07BE273B-9C2C-4629-8771-8DB393E3D64F}" srcOrd="0" destOrd="0" presId="urn:microsoft.com/office/officeart/2005/8/layout/lProcess1"/>
-    <dgm:cxn modelId="{D6F4F6EA-5D10-414A-AB0C-0A491152F351}" type="presOf" srcId="{F9BEEB21-CE07-41D1-A8DA-91B7B71FFC2F}" destId="{41CABF22-83B2-496A-8D08-7874DE2F6BB4}" srcOrd="0" destOrd="0" presId="urn:microsoft.com/office/officeart/2005/8/layout/lProcess1"/>
     <dgm:cxn modelId="{B4EE37F2-F9B9-4D98-8A0B-84A2AE0257EA}" srcId="{AC06B4AD-C17C-48D5-A922-0509F6F92AAD}" destId="{54F44171-99E6-43CB-889D-8F51B6DA532A}" srcOrd="1" destOrd="0" parTransId="{C469A985-3799-4321-B5A4-763832CD2BFC}" sibTransId="{4A1888B5-B68E-4F70-AE98-3EFAA8F4AB1E}"/>
-    <dgm:cxn modelId="{E357C3C8-26D7-4478-8C56-529F58AA5473}" type="presOf" srcId="{7FA5D023-37F5-41EE-AF51-EABC453F5AEB}" destId="{109CC597-E928-4D5A-B889-FC092017E204}" srcOrd="0" destOrd="0" presId="urn:microsoft.com/office/officeart/2005/8/layout/lProcess1"/>
-    <dgm:cxn modelId="{BC013954-A7BB-4A3F-A8D1-2DAA3BB839C7}" type="presOf" srcId="{1341ACC0-2DDA-4FAB-8D88-246D484F3CC1}" destId="{29535A9E-AF07-4DF9-8633-CC83462D4BB8}" srcOrd="0" destOrd="0" presId="urn:microsoft.com/office/officeart/2005/8/layout/lProcess1"/>
-    <dgm:cxn modelId="{D822C7D4-477E-474F-9FAD-D9BBB6C0444B}" srcId="{D7FF62D9-C972-483F-BB6D-0B07D2E74B11}" destId="{9D9742A0-8DCF-41FD-A335-B51883EF69F5}" srcOrd="0" destOrd="0" parTransId="{DC7E85AF-C88C-44CE-8CBB-AF1444B90FA7}" sibTransId="{1341ACC0-2DDA-4FAB-8D88-246D484F3CC1}"/>
-    <dgm:cxn modelId="{2150F387-BDC8-438C-8271-012858E23DD4}" type="presOf" srcId="{4A1888B5-B68E-4F70-AE98-3EFAA8F4AB1E}" destId="{3F89DD75-F3CD-4143-9126-A37CAF4829A6}" srcOrd="0" destOrd="0" presId="urn:microsoft.com/office/officeart/2005/8/layout/lProcess1"/>
+    <dgm:cxn modelId="{7C05C7B1-88E2-4023-8C6C-76D933B4EFE6}" srcId="{AC06B4AD-C17C-48D5-A922-0509F6F92AAD}" destId="{F9BEEB21-CE07-41D1-A8DA-91B7B71FFC2F}" srcOrd="2" destOrd="0" parTransId="{8601E442-CBA5-4CC7-99E0-5218A8AD1343}" sibTransId="{833DE756-B537-4808-BCD6-C8BF33AFEBAF}"/>
     <dgm:cxn modelId="{009BE5CE-BCC0-4A16-97E3-8D11D7B073D3}" type="presOf" srcId="{48A6FEA6-8B45-418B-BD7E-610CEFD72942}" destId="{FB43B1B1-C1F1-4D66-B1D6-C43081F08774}" srcOrd="0" destOrd="0" presId="urn:microsoft.com/office/officeart/2005/8/layout/lProcess1"/>
-    <dgm:cxn modelId="{83C704A1-B45B-460F-90CE-658636F62D91}" type="presOf" srcId="{43329A8B-63C6-441F-B1E3-F6E8FCD1EC1A}" destId="{8A37306F-A061-4A09-8F33-E88AF0E2EE9F}" srcOrd="0" destOrd="0" presId="urn:microsoft.com/office/officeart/2005/8/layout/lProcess1"/>
-    <dgm:cxn modelId="{20349D5B-1085-4A28-B580-02588331E9FE}" type="presOf" srcId="{D7FF62D9-C972-483F-BB6D-0B07D2E74B11}" destId="{08999249-763A-4D13-91DE-8813220A34A0}" srcOrd="0" destOrd="0" presId="urn:microsoft.com/office/officeart/2005/8/layout/lProcess1"/>
-    <dgm:cxn modelId="{7C05C7B1-88E2-4023-8C6C-76D933B4EFE6}" srcId="{AC06B4AD-C17C-48D5-A922-0509F6F92AAD}" destId="{F9BEEB21-CE07-41D1-A8DA-91B7B71FFC2F}" srcOrd="2" destOrd="0" parTransId="{8601E442-CBA5-4CC7-99E0-5218A8AD1343}" sibTransId="{833DE756-B537-4808-BCD6-C8BF33AFEBAF}"/>
-    <dgm:cxn modelId="{14E25BA6-7EE1-4F57-BB9E-463840E5EE27}" type="presOf" srcId="{9D9742A0-8DCF-41FD-A335-B51883EF69F5}" destId="{82131D3C-D401-4BDD-9B47-253DBCD4E2B0}" srcOrd="0" destOrd="0" presId="urn:microsoft.com/office/officeart/2005/8/layout/lProcess1"/>
-    <dgm:cxn modelId="{7301191F-C9C4-4DA3-8EE9-E60D6E5E5EF4}" srcId="{08CBE1EF-291F-49FF-9216-BF8D24382816}" destId="{AC06B4AD-C17C-48D5-A922-0509F6F92AAD}" srcOrd="3" destOrd="0" parTransId="{D4C4D746-236D-4907-9C2C-76D9A173CF1C}" sibTransId="{0F4C518D-2A66-47BA-85BD-575DECDE0E2A}"/>
-    <dgm:cxn modelId="{99D5CEA0-2EDE-413C-9114-64A05EAF0EEA}" type="presOf" srcId="{AC06B4AD-C17C-48D5-A922-0509F6F92AAD}" destId="{C0026CA4-146C-4879-A451-E17DBDAC2627}" srcOrd="0" destOrd="0" presId="urn:microsoft.com/office/officeart/2005/8/layout/lProcess1"/>
-    <dgm:cxn modelId="{1D33B055-1BF4-4B76-8DD5-E926AD058C91}" srcId="{08CBE1EF-291F-49FF-9216-BF8D24382816}" destId="{43329A8B-63C6-441F-B1E3-F6E8FCD1EC1A}" srcOrd="0" destOrd="0" parTransId="{E74B7A14-BFAE-4A83-90ED-42D4A4A23220}" sibTransId="{DD92D6D8-0371-4BDE-9D96-40965A36D424}"/>
-    <dgm:cxn modelId="{5D1A759E-F619-45F5-81DC-AAACD62A2662}" srcId="{AC06B4AD-C17C-48D5-A922-0509F6F92AAD}" destId="{5CFE1529-73A6-4F70-B907-C4B6AC169F0A}" srcOrd="3" destOrd="0" parTransId="{10EB5BAA-FA6B-4138-AAEF-0889B0029EF9}" sibTransId="{AB1FB102-2F86-48C7-8B15-D078FD2BAA75}"/>
-    <dgm:cxn modelId="{935BF5FC-9A5D-4A04-A24B-5B0F145F1630}" type="presOf" srcId="{08CBE1EF-291F-49FF-9216-BF8D24382816}" destId="{9F2717B7-3380-4165-890D-62CC02ECD9AA}" srcOrd="0" destOrd="0" presId="urn:microsoft.com/office/officeart/2005/8/layout/lProcess1"/>
-    <dgm:cxn modelId="{5B5D0EBA-E1F4-489F-8D98-0B871964D666}" type="presOf" srcId="{84DCCAFB-508A-4F37-9F66-9289D55F5192}" destId="{DF4D5972-759B-434D-A516-A8869C0CCD0F}" srcOrd="0" destOrd="0" presId="urn:microsoft.com/office/officeart/2005/8/layout/lProcess1"/>
-    <dgm:cxn modelId="{0E12C77C-6C30-4345-B99C-9F28BED938E1}" srcId="{08CBE1EF-291F-49FF-9216-BF8D24382816}" destId="{B2744AA8-EAB4-445B-BEEA-DDE0E68FAE16}" srcOrd="1" destOrd="0" parTransId="{C5154C6C-A097-406C-BCBD-4F02C107268F}" sibTransId="{30D9C8CB-2EB3-4095-A5FA-AEB3820144C1}"/>
-    <dgm:cxn modelId="{7E3DE2CC-2F1E-483A-BE8E-8E3D3D574967}" type="presOf" srcId="{ABD1CAEA-28AA-44E1-A09E-A9B9AA075A3F}" destId="{18037566-23D6-4602-8CB2-D479CB9ECC23}" srcOrd="0" destOrd="0" presId="urn:microsoft.com/office/officeart/2005/8/layout/lProcess1"/>
-    <dgm:cxn modelId="{4FDC97AF-E2EC-43B8-AF61-0657DC8B71B0}" srcId="{43329A8B-63C6-441F-B1E3-F6E8FCD1EC1A}" destId="{7FA5D023-37F5-41EE-AF51-EABC453F5AEB}" srcOrd="0" destOrd="0" parTransId="{48A6FEA6-8B45-418B-BD7E-610CEFD72942}" sibTransId="{AC705A28-D43E-4D36-8EE9-1129412E98AA}"/>
     <dgm:cxn modelId="{C58F5FBF-6668-4366-9669-D65936FEEC2E}" type="presParOf" srcId="{9F2717B7-3380-4165-890D-62CC02ECD9AA}" destId="{C3FBB71A-BB96-4D6D-865B-29EF8030F87F}" srcOrd="0" destOrd="0" presId="urn:microsoft.com/office/officeart/2005/8/layout/lProcess1"/>
     <dgm:cxn modelId="{8E0EB324-47E5-442E-9115-143DB8BBD65E}" type="presParOf" srcId="{C3FBB71A-BB96-4D6D-865B-29EF8030F87F}" destId="{8A37306F-A061-4A09-8F33-E88AF0E2EE9F}" srcOrd="0" destOrd="0" presId="urn:microsoft.com/office/officeart/2005/8/layout/lProcess1"/>
     <dgm:cxn modelId="{E2282C93-3495-4583-B2AA-22EA16ED9254}" type="presParOf" srcId="{C3FBB71A-BB96-4D6D-865B-29EF8030F87F}" destId="{FB43B1B1-C1F1-4D66-B1D6-C43081F08774}" srcOrd="1" destOrd="0" presId="urn:microsoft.com/office/officeart/2005/8/layout/lProcess1"/>
@@ -7687,6 +8766,13 @@
         </dgm:presLayoutVars>
       </dgm:prSet>
       <dgm:spPr/>
+      <dgm:t>
+        <a:bodyPr/>
+        <a:lstStyle/>
+        <a:p>
+          <a:endParaRPr lang="pt-BR"/>
+        </a:p>
+      </dgm:t>
     </dgm:pt>
     <dgm:pt modelId="{C3FBB71A-BB96-4D6D-865B-29EF8030F87F}" type="pres">
       <dgm:prSet presAssocID="{43329A8B-63C6-441F-B1E3-F6E8FCD1EC1A}" presName="vertFlow" presStyleCnt="0"/>
@@ -7706,6 +8792,13 @@
     <dgm:pt modelId="{81E410F3-F7AE-428A-AF09-29999B55B810}" type="pres">
       <dgm:prSet presAssocID="{8B885CDF-E871-49AB-AA23-044DC90F2DA6}" presName="parTrans" presStyleLbl="sibTrans2D1" presStyleIdx="0" presStyleCnt="3"/>
       <dgm:spPr/>
+      <dgm:t>
+        <a:bodyPr/>
+        <a:lstStyle/>
+        <a:p>
+          <a:endParaRPr lang="pt-BR"/>
+        </a:p>
+      </dgm:t>
     </dgm:pt>
     <dgm:pt modelId="{48A7EADF-AB2D-476C-8961-CF203A1D6215}" type="pres">
       <dgm:prSet presAssocID="{06E70670-5994-452D-96FD-E1A0A1D3B75C}" presName="child" presStyleLbl="alignAccFollowNode1" presStyleIdx="0" presStyleCnt="3">
@@ -7715,6 +8808,13 @@
         </dgm:presLayoutVars>
       </dgm:prSet>
       <dgm:spPr/>
+      <dgm:t>
+        <a:bodyPr/>
+        <a:lstStyle/>
+        <a:p>
+          <a:endParaRPr lang="pt-BR"/>
+        </a:p>
+      </dgm:t>
     </dgm:pt>
     <dgm:pt modelId="{B5BD2078-B2C6-41B8-B66C-C04434038FAC}" type="pres">
       <dgm:prSet presAssocID="{43329A8B-63C6-441F-B1E3-F6E8FCD1EC1A}" presName="hSp" presStyleCnt="0"/>
@@ -7727,10 +8827,24 @@
     <dgm:pt modelId="{1F241B8F-BA71-4BFD-B88B-4BC1616C0ACE}" type="pres">
       <dgm:prSet presAssocID="{2A8238E0-D0F5-4822-9E96-3D196BCB2AA0}" presName="header" presStyleLbl="node1" presStyleIdx="1" presStyleCnt="3"/>
       <dgm:spPr/>
+      <dgm:t>
+        <a:bodyPr/>
+        <a:lstStyle/>
+        <a:p>
+          <a:endParaRPr lang="pt-BR"/>
+        </a:p>
+      </dgm:t>
     </dgm:pt>
     <dgm:pt modelId="{7EB2BB18-DF09-42DB-BA81-E96125247DC4}" type="pres">
       <dgm:prSet presAssocID="{D0683170-1F20-4812-9815-B4308EF55F18}" presName="parTrans" presStyleLbl="sibTrans2D1" presStyleIdx="1" presStyleCnt="3"/>
       <dgm:spPr/>
+      <dgm:t>
+        <a:bodyPr/>
+        <a:lstStyle/>
+        <a:p>
+          <a:endParaRPr lang="pt-BR"/>
+        </a:p>
+      </dgm:t>
     </dgm:pt>
     <dgm:pt modelId="{AE8D68C8-7070-4F4C-9175-7A6F4E43ED2D}" type="pres">
       <dgm:prSet presAssocID="{8FAAF316-1420-4723-B316-91827A14C513}" presName="child" presStyleLbl="alignAccFollowNode1" presStyleIdx="1" presStyleCnt="3">
@@ -7740,6 +8854,13 @@
         </dgm:presLayoutVars>
       </dgm:prSet>
       <dgm:spPr/>
+      <dgm:t>
+        <a:bodyPr/>
+        <a:lstStyle/>
+        <a:p>
+          <a:endParaRPr lang="pt-BR"/>
+        </a:p>
+      </dgm:t>
     </dgm:pt>
     <dgm:pt modelId="{15AEFC95-724D-4F7F-99AD-776F700F4869}" type="pres">
       <dgm:prSet presAssocID="{2A8238E0-D0F5-4822-9E96-3D196BCB2AA0}" presName="hSp" presStyleCnt="0"/>
@@ -7752,10 +8873,24 @@
     <dgm:pt modelId="{3367EF1A-3D1B-4940-9C90-8F19A0CD9307}" type="pres">
       <dgm:prSet presAssocID="{F2FE1856-A29E-41A7-961E-389164855364}" presName="header" presStyleLbl="node1" presStyleIdx="2" presStyleCnt="3"/>
       <dgm:spPr/>
+      <dgm:t>
+        <a:bodyPr/>
+        <a:lstStyle/>
+        <a:p>
+          <a:endParaRPr lang="pt-BR"/>
+        </a:p>
+      </dgm:t>
     </dgm:pt>
     <dgm:pt modelId="{EE554095-6E49-4AE1-B120-1C6458590288}" type="pres">
       <dgm:prSet presAssocID="{6BA20334-8347-43F5-BEEE-435286F98E02}" presName="parTrans" presStyleLbl="sibTrans2D1" presStyleIdx="2" presStyleCnt="3"/>
       <dgm:spPr/>
+      <dgm:t>
+        <a:bodyPr/>
+        <a:lstStyle/>
+        <a:p>
+          <a:endParaRPr lang="pt-BR"/>
+        </a:p>
+      </dgm:t>
     </dgm:pt>
     <dgm:pt modelId="{106533EE-EBEC-4A0D-984C-DA75FF17FFD0}" type="pres">
       <dgm:prSet presAssocID="{2DE62E34-C08E-4949-9CDD-70FA0CDB43EA}" presName="child" presStyleLbl="alignAccFollowNode1" presStyleIdx="2" presStyleCnt="3">
@@ -7775,22 +8910,22 @@
     </dgm:pt>
   </dgm:ptLst>
   <dgm:cxnLst>
+    <dgm:cxn modelId="{4C6914E0-BCFC-463B-B678-D6DF5881B233}" type="presOf" srcId="{43329A8B-63C6-441F-B1E3-F6E8FCD1EC1A}" destId="{8A37306F-A061-4A09-8F33-E88AF0E2EE9F}" srcOrd="0" destOrd="0" presId="urn:microsoft.com/office/officeart/2005/8/layout/lProcess1"/>
+    <dgm:cxn modelId="{9E332D5F-C6FE-488E-A8A5-309309CA9B52}" srcId="{F2FE1856-A29E-41A7-961E-389164855364}" destId="{2DE62E34-C08E-4949-9CDD-70FA0CDB43EA}" srcOrd="0" destOrd="0" parTransId="{6BA20334-8347-43F5-BEEE-435286F98E02}" sibTransId="{87E467B2-7055-4D3F-BE77-2275896BFECF}"/>
+    <dgm:cxn modelId="{BB06F1CC-C2A6-48A8-A690-4BB3A1D5D144}" srcId="{2A8238E0-D0F5-4822-9E96-3D196BCB2AA0}" destId="{8FAAF316-1420-4723-B316-91827A14C513}" srcOrd="0" destOrd="0" parTransId="{D0683170-1F20-4812-9815-B4308EF55F18}" sibTransId="{4977033B-8426-40BD-B345-C187E768910D}"/>
+    <dgm:cxn modelId="{CB4AF311-A718-4CF7-B6CD-AC04E722A157}" type="presOf" srcId="{8FAAF316-1420-4723-B316-91827A14C513}" destId="{AE8D68C8-7070-4F4C-9175-7A6F4E43ED2D}" srcOrd="0" destOrd="0" presId="urn:microsoft.com/office/officeart/2005/8/layout/lProcess1"/>
+    <dgm:cxn modelId="{AA9E4DF3-85DF-4656-9E74-92951FD7556F}" srcId="{08CBE1EF-291F-49FF-9216-BF8D24382816}" destId="{F2FE1856-A29E-41A7-961E-389164855364}" srcOrd="2" destOrd="0" parTransId="{9912CE70-AA05-46A8-8810-3379BE323BD6}" sibTransId="{B69A4584-2A25-4BA5-82AC-BB3C4FC6E1EF}"/>
+    <dgm:cxn modelId="{87825AC2-F13B-4362-A853-0082540FC866}" type="presOf" srcId="{6BA20334-8347-43F5-BEEE-435286F98E02}" destId="{EE554095-6E49-4AE1-B120-1C6458590288}" srcOrd="0" destOrd="0" presId="urn:microsoft.com/office/officeart/2005/8/layout/lProcess1"/>
+    <dgm:cxn modelId="{8E0D076D-693A-48D7-A590-1969F75188D4}" type="presOf" srcId="{2DE62E34-C08E-4949-9CDD-70FA0CDB43EA}" destId="{106533EE-EBEC-4A0D-984C-DA75FF17FFD0}" srcOrd="0" destOrd="0" presId="urn:microsoft.com/office/officeart/2005/8/layout/lProcess1"/>
+    <dgm:cxn modelId="{A841D566-AE8F-4D76-9AD4-D279725C5CF5}" srcId="{43329A8B-63C6-441F-B1E3-F6E8FCD1EC1A}" destId="{06E70670-5994-452D-96FD-E1A0A1D3B75C}" srcOrd="0" destOrd="0" parTransId="{8B885CDF-E871-49AB-AA23-044DC90F2DA6}" sibTransId="{5C87FAE0-3B6C-40FA-8BE9-4108D4E94FBB}"/>
+    <dgm:cxn modelId="{5E9CE307-4B5A-431C-AE2F-F91531405610}" type="presOf" srcId="{06E70670-5994-452D-96FD-E1A0A1D3B75C}" destId="{48A7EADF-AB2D-476C-8961-CF203A1D6215}" srcOrd="0" destOrd="0" presId="urn:microsoft.com/office/officeart/2005/8/layout/lProcess1"/>
+    <dgm:cxn modelId="{25F22C87-D529-43C6-85DD-F89FF5DAF29D}" srcId="{08CBE1EF-291F-49FF-9216-BF8D24382816}" destId="{2A8238E0-D0F5-4822-9E96-3D196BCB2AA0}" srcOrd="1" destOrd="0" parTransId="{364E0C65-8F8F-4356-BB4B-18B40F385F94}" sibTransId="{7DAE2CB1-B1BB-4DE9-B028-0FFCA43F59D8}"/>
+    <dgm:cxn modelId="{1D33B055-1BF4-4B76-8DD5-E926AD058C91}" srcId="{08CBE1EF-291F-49FF-9216-BF8D24382816}" destId="{43329A8B-63C6-441F-B1E3-F6E8FCD1EC1A}" srcOrd="0" destOrd="0" parTransId="{E74B7A14-BFAE-4A83-90ED-42D4A4A23220}" sibTransId="{DD92D6D8-0371-4BDE-9D96-40965A36D424}"/>
+    <dgm:cxn modelId="{97BC0CDD-7DA7-42AD-8C66-057C94E7BC09}" type="presOf" srcId="{8B885CDF-E871-49AB-AA23-044DC90F2DA6}" destId="{81E410F3-F7AE-428A-AF09-29999B55B810}" srcOrd="0" destOrd="0" presId="urn:microsoft.com/office/officeart/2005/8/layout/lProcess1"/>
+    <dgm:cxn modelId="{08B74F02-AC6E-4023-AD87-956D5CD3B2E0}" type="presOf" srcId="{2A8238E0-D0F5-4822-9E96-3D196BCB2AA0}" destId="{1F241B8F-BA71-4BFD-B88B-4BC1616C0ACE}" srcOrd="0" destOrd="0" presId="urn:microsoft.com/office/officeart/2005/8/layout/lProcess1"/>
+    <dgm:cxn modelId="{DF1561F2-3C01-4BA1-A078-92B0CE40D1D1}" type="presOf" srcId="{F2FE1856-A29E-41A7-961E-389164855364}" destId="{3367EF1A-3D1B-4940-9C90-8F19A0CD9307}" srcOrd="0" destOrd="0" presId="urn:microsoft.com/office/officeart/2005/8/layout/lProcess1"/>
+    <dgm:cxn modelId="{50E00860-F749-416C-80E3-62FEB8A92610}" type="presOf" srcId="{D0683170-1F20-4812-9815-B4308EF55F18}" destId="{7EB2BB18-DF09-42DB-BA81-E96125247DC4}" srcOrd="0" destOrd="0" presId="urn:microsoft.com/office/officeart/2005/8/layout/lProcess1"/>
     <dgm:cxn modelId="{63FF5F09-E6B1-43C1-AFFB-25327347F420}" type="presOf" srcId="{08CBE1EF-291F-49FF-9216-BF8D24382816}" destId="{9F2717B7-3380-4165-890D-62CC02ECD9AA}" srcOrd="0" destOrd="0" presId="urn:microsoft.com/office/officeart/2005/8/layout/lProcess1"/>
-    <dgm:cxn modelId="{4C6914E0-BCFC-463B-B678-D6DF5881B233}" type="presOf" srcId="{43329A8B-63C6-441F-B1E3-F6E8FCD1EC1A}" destId="{8A37306F-A061-4A09-8F33-E88AF0E2EE9F}" srcOrd="0" destOrd="0" presId="urn:microsoft.com/office/officeart/2005/8/layout/lProcess1"/>
-    <dgm:cxn modelId="{50E00860-F749-416C-80E3-62FEB8A92610}" type="presOf" srcId="{D0683170-1F20-4812-9815-B4308EF55F18}" destId="{7EB2BB18-DF09-42DB-BA81-E96125247DC4}" srcOrd="0" destOrd="0" presId="urn:microsoft.com/office/officeart/2005/8/layout/lProcess1"/>
-    <dgm:cxn modelId="{25F22C87-D529-43C6-85DD-F89FF5DAF29D}" srcId="{08CBE1EF-291F-49FF-9216-BF8D24382816}" destId="{2A8238E0-D0F5-4822-9E96-3D196BCB2AA0}" srcOrd="1" destOrd="0" parTransId="{364E0C65-8F8F-4356-BB4B-18B40F385F94}" sibTransId="{7DAE2CB1-B1BB-4DE9-B028-0FFCA43F59D8}"/>
-    <dgm:cxn modelId="{87825AC2-F13B-4362-A853-0082540FC866}" type="presOf" srcId="{6BA20334-8347-43F5-BEEE-435286F98E02}" destId="{EE554095-6E49-4AE1-B120-1C6458590288}" srcOrd="0" destOrd="0" presId="urn:microsoft.com/office/officeart/2005/8/layout/lProcess1"/>
-    <dgm:cxn modelId="{5E9CE307-4B5A-431C-AE2F-F91531405610}" type="presOf" srcId="{06E70670-5994-452D-96FD-E1A0A1D3B75C}" destId="{48A7EADF-AB2D-476C-8961-CF203A1D6215}" srcOrd="0" destOrd="0" presId="urn:microsoft.com/office/officeart/2005/8/layout/lProcess1"/>
-    <dgm:cxn modelId="{9E332D5F-C6FE-488E-A8A5-309309CA9B52}" srcId="{F2FE1856-A29E-41A7-961E-389164855364}" destId="{2DE62E34-C08E-4949-9CDD-70FA0CDB43EA}" srcOrd="0" destOrd="0" parTransId="{6BA20334-8347-43F5-BEEE-435286F98E02}" sibTransId="{87E467B2-7055-4D3F-BE77-2275896BFECF}"/>
-    <dgm:cxn modelId="{CB4AF311-A718-4CF7-B6CD-AC04E722A157}" type="presOf" srcId="{8FAAF316-1420-4723-B316-91827A14C513}" destId="{AE8D68C8-7070-4F4C-9175-7A6F4E43ED2D}" srcOrd="0" destOrd="0" presId="urn:microsoft.com/office/officeart/2005/8/layout/lProcess1"/>
-    <dgm:cxn modelId="{DF1561F2-3C01-4BA1-A078-92B0CE40D1D1}" type="presOf" srcId="{F2FE1856-A29E-41A7-961E-389164855364}" destId="{3367EF1A-3D1B-4940-9C90-8F19A0CD9307}" srcOrd="0" destOrd="0" presId="urn:microsoft.com/office/officeart/2005/8/layout/lProcess1"/>
-    <dgm:cxn modelId="{1D33B055-1BF4-4B76-8DD5-E926AD058C91}" srcId="{08CBE1EF-291F-49FF-9216-BF8D24382816}" destId="{43329A8B-63C6-441F-B1E3-F6E8FCD1EC1A}" srcOrd="0" destOrd="0" parTransId="{E74B7A14-BFAE-4A83-90ED-42D4A4A23220}" sibTransId="{DD92D6D8-0371-4BDE-9D96-40965A36D424}"/>
-    <dgm:cxn modelId="{AA9E4DF3-85DF-4656-9E74-92951FD7556F}" srcId="{08CBE1EF-291F-49FF-9216-BF8D24382816}" destId="{F2FE1856-A29E-41A7-961E-389164855364}" srcOrd="2" destOrd="0" parTransId="{9912CE70-AA05-46A8-8810-3379BE323BD6}" sibTransId="{B69A4584-2A25-4BA5-82AC-BB3C4FC6E1EF}"/>
-    <dgm:cxn modelId="{BB06F1CC-C2A6-48A8-A690-4BB3A1D5D144}" srcId="{2A8238E0-D0F5-4822-9E96-3D196BCB2AA0}" destId="{8FAAF316-1420-4723-B316-91827A14C513}" srcOrd="0" destOrd="0" parTransId="{D0683170-1F20-4812-9815-B4308EF55F18}" sibTransId="{4977033B-8426-40BD-B345-C187E768910D}"/>
-    <dgm:cxn modelId="{A841D566-AE8F-4D76-9AD4-D279725C5CF5}" srcId="{43329A8B-63C6-441F-B1E3-F6E8FCD1EC1A}" destId="{06E70670-5994-452D-96FD-E1A0A1D3B75C}" srcOrd="0" destOrd="0" parTransId="{8B885CDF-E871-49AB-AA23-044DC90F2DA6}" sibTransId="{5C87FAE0-3B6C-40FA-8BE9-4108D4E94FBB}"/>
-    <dgm:cxn modelId="{8E0D076D-693A-48D7-A590-1969F75188D4}" type="presOf" srcId="{2DE62E34-C08E-4949-9CDD-70FA0CDB43EA}" destId="{106533EE-EBEC-4A0D-984C-DA75FF17FFD0}" srcOrd="0" destOrd="0" presId="urn:microsoft.com/office/officeart/2005/8/layout/lProcess1"/>
-    <dgm:cxn modelId="{08B74F02-AC6E-4023-AD87-956D5CD3B2E0}" type="presOf" srcId="{2A8238E0-D0F5-4822-9E96-3D196BCB2AA0}" destId="{1F241B8F-BA71-4BFD-B88B-4BC1616C0ACE}" srcOrd="0" destOrd="0" presId="urn:microsoft.com/office/officeart/2005/8/layout/lProcess1"/>
-    <dgm:cxn modelId="{97BC0CDD-7DA7-42AD-8C66-057C94E7BC09}" type="presOf" srcId="{8B885CDF-E871-49AB-AA23-044DC90F2DA6}" destId="{81E410F3-F7AE-428A-AF09-29999B55B810}" srcOrd="0" destOrd="0" presId="urn:microsoft.com/office/officeart/2005/8/layout/lProcess1"/>
     <dgm:cxn modelId="{AA857E45-AB59-4921-98B7-04BFB254FE26}" type="presParOf" srcId="{9F2717B7-3380-4165-890D-62CC02ECD9AA}" destId="{C3FBB71A-BB96-4D6D-865B-29EF8030F87F}" srcOrd="0" destOrd="0" presId="urn:microsoft.com/office/officeart/2005/8/layout/lProcess1"/>
     <dgm:cxn modelId="{C6CFCACB-F4F9-4987-8891-6F715985F5A5}" type="presParOf" srcId="{C3FBB71A-BB96-4D6D-865B-29EF8030F87F}" destId="{8A37306F-A061-4A09-8F33-E88AF0E2EE9F}" srcOrd="0" destOrd="0" presId="urn:microsoft.com/office/officeart/2005/8/layout/lProcess1"/>
     <dgm:cxn modelId="{4EF9FAE6-FAC5-4595-80F3-7AFCBD3FEB98}" type="presParOf" srcId="{C3FBB71A-BB96-4D6D-865B-29EF8030F87F}" destId="{81E410F3-F7AE-428A-AF09-29999B55B810}" srcOrd="1" destOrd="0" presId="urn:microsoft.com/office/officeart/2005/8/layout/lProcess1"/>
@@ -7908,43 +9043,6 @@
         </a:p>
       </dgm:t>
     </dgm:pt>
-    <dgm:pt modelId="{1E7671A8-DEFB-44C3-BB37-72BB7DA50358}">
-      <dgm:prSet phldrT="[Texto]"/>
-      <dgm:spPr/>
-      <dgm:t>
-        <a:bodyPr/>
-        <a:lstStyle/>
-        <a:p>
-          <a:r>
-            <a:rPr lang="pt-BR" dirty="0" smtClean="0"/>
-            <a:t>Conciliação com outras atividades</a:t>
-          </a:r>
-          <a:endParaRPr lang="pt-BR" dirty="0"/>
-        </a:p>
-      </dgm:t>
-    </dgm:pt>
-    <dgm:pt modelId="{D9796DB1-50D7-49C5-91D3-816F4DB5FE66}" type="parTrans" cxnId="{FEB07587-DDE9-407E-ABB3-FF0E3C05EA8A}">
-      <dgm:prSet/>
-      <dgm:spPr/>
-      <dgm:t>
-        <a:bodyPr/>
-        <a:lstStyle/>
-        <a:p>
-          <a:endParaRPr lang="pt-BR"/>
-        </a:p>
-      </dgm:t>
-    </dgm:pt>
-    <dgm:pt modelId="{A54FF8AA-CEA8-402D-97E0-3ED5191A7A8B}" type="sibTrans" cxnId="{FEB07587-DDE9-407E-ABB3-FF0E3C05EA8A}">
-      <dgm:prSet/>
-      <dgm:spPr/>
-      <dgm:t>
-        <a:bodyPr/>
-        <a:lstStyle/>
-        <a:p>
-          <a:endParaRPr lang="pt-BR"/>
-        </a:p>
-      </dgm:t>
-    </dgm:pt>
     <dgm:pt modelId="{744FF24C-69D0-4EB4-984D-AF4738F5E9C8}">
       <dgm:prSet phldrT="[Texto]" custT="1"/>
       <dgm:spPr/>
@@ -8174,214 +9272,6 @@
       <dgm:spPr/>
     </dgm:pt>
     <dgm:pt modelId="{AF57101F-F387-4933-98A2-FB3BA1CFA155}" type="sibTrans" cxnId="{5743B76D-15EB-459E-9094-D81A8418CE0D}">
-      <dgm:prSet/>
-      <dgm:spPr/>
-    </dgm:pt>
-    <dgm:pt modelId="{078C498F-CC31-4DF3-89FF-1B49A339A623}">
-      <dgm:prSet phldrT="[Texto]" custT="1"/>
-      <dgm:spPr/>
-      <dgm:t>
-        <a:bodyPr/>
-        <a:lstStyle/>
-        <a:p>
-          <a:r>
-            <a:rPr lang="pt-BR" sz="1600" b="1" i="1" u="none" dirty="0" smtClean="0"/>
-            <a:t>Emprego</a:t>
-          </a:r>
-        </a:p>
-      </dgm:t>
-    </dgm:pt>
-    <dgm:pt modelId="{BC63F1BE-CA1F-4803-89E5-2ACBF48196E0}" type="parTrans" cxnId="{96730DF4-8C66-4F5E-A150-F4CE35983344}">
-      <dgm:prSet/>
-      <dgm:spPr/>
-    </dgm:pt>
-    <dgm:pt modelId="{9DC37CBB-0D2F-4923-B104-D76444EFCC30}" type="sibTrans" cxnId="{96730DF4-8C66-4F5E-A150-F4CE35983344}">
-      <dgm:prSet/>
-      <dgm:spPr/>
-    </dgm:pt>
-    <dgm:pt modelId="{A4734768-227F-4FEA-BA47-7333D736A21A}">
-      <dgm:prSet phldrT="[Texto]" custT="1"/>
-      <dgm:spPr/>
-      <dgm:t>
-        <a:bodyPr/>
-        <a:lstStyle/>
-        <a:p>
-          <a:r>
-            <a:rPr lang="pt-BR" sz="1600" b="1" i="1" u="none" dirty="0" smtClean="0"/>
-            <a:t>Carga Escolar</a:t>
-          </a:r>
-        </a:p>
-      </dgm:t>
-    </dgm:pt>
-    <dgm:pt modelId="{7DA0E48B-7BA8-4113-922B-BADC848880AB}" type="parTrans" cxnId="{BBE337C6-1D12-4637-9C5B-1E6C7A82C56E}">
-      <dgm:prSet/>
-      <dgm:spPr/>
-    </dgm:pt>
-    <dgm:pt modelId="{2623C5C0-D06F-4612-A3ED-B9D3CB7C27BE}" type="sibTrans" cxnId="{BBE337C6-1D12-4637-9C5B-1E6C7A82C56E}">
-      <dgm:prSet/>
-      <dgm:spPr/>
-    </dgm:pt>
-    <dgm:pt modelId="{15BF3576-2715-45A8-A4D6-36763E655A9E}">
-      <dgm:prSet phldrT="[Texto]" custT="1"/>
-      <dgm:spPr/>
-      <dgm:t>
-        <a:bodyPr/>
-        <a:lstStyle/>
-        <a:p>
-          <a:r>
-            <a:rPr lang="pt-BR" sz="1600" b="1" i="1" u="none" dirty="0" smtClean="0"/>
-            <a:t>Presença Familiar</a:t>
-          </a:r>
-        </a:p>
-      </dgm:t>
-    </dgm:pt>
-    <dgm:pt modelId="{69F6723D-E506-456B-A1FB-1291A8390B34}" type="parTrans" cxnId="{7B459972-491F-4F81-A4B6-F7C58B52B884}">
-      <dgm:prSet/>
-      <dgm:spPr/>
-    </dgm:pt>
-    <dgm:pt modelId="{12C8FDF1-482D-4E26-ABCD-DACC720A1D24}" type="sibTrans" cxnId="{7B459972-491F-4F81-A4B6-F7C58B52B884}">
-      <dgm:prSet/>
-      <dgm:spPr/>
-    </dgm:pt>
-    <dgm:pt modelId="{A57DDAD3-353D-49E0-8CBF-24AAEFE54850}">
-      <dgm:prSet phldrT="[Texto]" custT="1"/>
-      <dgm:spPr/>
-      <dgm:t>
-        <a:bodyPr/>
-        <a:lstStyle/>
-        <a:p>
-          <a:r>
-            <a:rPr lang="pt-BR" sz="1600" b="1" i="1" u="none" dirty="0" smtClean="0"/>
-            <a:t>Recursos</a:t>
-          </a:r>
-        </a:p>
-      </dgm:t>
-    </dgm:pt>
-    <dgm:pt modelId="{9F0318C2-3CD9-484D-A465-F592FEE2F9D7}" type="parTrans" cxnId="{A81361A6-9E5A-493F-A7CB-1468292DC246}">
-      <dgm:prSet/>
-      <dgm:spPr/>
-    </dgm:pt>
-    <dgm:pt modelId="{8E44B0D5-C38D-405A-9DF1-34F9405B4D3B}" type="sibTrans" cxnId="{A81361A6-9E5A-493F-A7CB-1468292DC246}">
-      <dgm:prSet/>
-      <dgm:spPr/>
-    </dgm:pt>
-    <dgm:pt modelId="{67803441-095A-4219-9521-C083ECB2A307}">
-      <dgm:prSet phldrT="[Texto]"/>
-      <dgm:spPr/>
-      <dgm:t>
-        <a:bodyPr/>
-        <a:lstStyle/>
-        <a:p>
-          <a:r>
-            <a:rPr lang="pt-BR" dirty="0" smtClean="0"/>
-            <a:t>Disponibilidade</a:t>
-          </a:r>
-          <a:endParaRPr lang="pt-BR" dirty="0"/>
-        </a:p>
-      </dgm:t>
-    </dgm:pt>
-    <dgm:pt modelId="{AABE3241-2DAC-4477-AD40-5F1419E6CD15}" type="parTrans" cxnId="{72B67FDB-9C48-43EF-B41F-9334A274F141}">
-      <dgm:prSet/>
-      <dgm:spPr/>
-    </dgm:pt>
-    <dgm:pt modelId="{08F592E4-4F02-4383-AAAD-A632C2A9AA3A}" type="sibTrans" cxnId="{72B67FDB-9C48-43EF-B41F-9334A274F141}">
-      <dgm:prSet/>
-      <dgm:spPr/>
-    </dgm:pt>
-    <dgm:pt modelId="{64D25E82-ECA6-4E6F-BD6F-F7B017B32F6A}">
-      <dgm:prSet phldrT="[Texto]" custT="1"/>
-      <dgm:spPr/>
-      <dgm:t>
-        <a:bodyPr/>
-        <a:lstStyle/>
-        <a:p>
-          <a:r>
-            <a:rPr lang="pt-BR" sz="1600" b="1" i="1" u="none" dirty="0" smtClean="0"/>
-            <a:t>Projeto</a:t>
-          </a:r>
-          <a:r>
-            <a:rPr lang="pt-BR" sz="2100" b="1" i="1" u="none" dirty="0" smtClean="0"/>
-            <a:t> </a:t>
-          </a:r>
-          <a:r>
-            <a:rPr lang="pt-BR" sz="1600" b="1" i="1" u="none" dirty="0" err="1" smtClean="0"/>
-            <a:t>Mobile</a:t>
-          </a:r>
-          <a:endParaRPr lang="pt-BR" sz="1600" b="1" i="1" u="none" dirty="0" smtClean="0"/>
-        </a:p>
-      </dgm:t>
-    </dgm:pt>
-    <dgm:pt modelId="{18F2C8EF-39C5-42BA-BC41-E79D7D30D3B7}" type="parTrans" cxnId="{BD59245D-4C8C-49CF-B754-199567952606}">
-      <dgm:prSet/>
-      <dgm:spPr/>
-    </dgm:pt>
-    <dgm:pt modelId="{2D026CFE-B9F6-4A68-AAB2-101C8EA52939}" type="sibTrans" cxnId="{BD59245D-4C8C-49CF-B754-199567952606}">
-      <dgm:prSet/>
-      <dgm:spPr/>
-    </dgm:pt>
-    <dgm:pt modelId="{DF2D29CD-2E82-4277-A698-98E3F472DE67}">
-      <dgm:prSet phldrT="[Texto]" custT="1"/>
-      <dgm:spPr/>
-      <dgm:t>
-        <a:bodyPr/>
-        <a:lstStyle/>
-        <a:p>
-          <a:r>
-            <a:rPr lang="pt-BR" sz="1600" b="1" i="1" u="none" dirty="0" smtClean="0"/>
-            <a:t>Projeto JEE</a:t>
-          </a:r>
-        </a:p>
-      </dgm:t>
-    </dgm:pt>
-    <dgm:pt modelId="{67B61313-F308-4B3A-B789-81B090CDF672}" type="parTrans" cxnId="{68E96288-CBEB-4BF3-BB67-EAC14DD5B51F}">
-      <dgm:prSet/>
-      <dgm:spPr/>
-    </dgm:pt>
-    <dgm:pt modelId="{F9E46572-C898-4BDF-8AD0-240AEEF4949B}" type="sibTrans" cxnId="{68E96288-CBEB-4BF3-BB67-EAC14DD5B51F}">
-      <dgm:prSet/>
-      <dgm:spPr/>
-    </dgm:pt>
-    <dgm:pt modelId="{34581B2A-0B7C-4F61-803F-975C74029AE8}">
-      <dgm:prSet phldrT="[Texto]" custT="1"/>
-      <dgm:spPr/>
-      <dgm:t>
-        <a:bodyPr/>
-        <a:lstStyle/>
-        <a:p>
-          <a:r>
-            <a:rPr lang="pt-BR" sz="1600" b="1" i="1" u="none" dirty="0" smtClean="0"/>
-            <a:t>Projeto IA</a:t>
-          </a:r>
-        </a:p>
-      </dgm:t>
-    </dgm:pt>
-    <dgm:pt modelId="{50F90D98-9A9D-41FA-A0A3-8B5D7D8B97C5}" type="parTrans" cxnId="{8FF5DEAB-49D4-42C7-B279-38232F0C75E6}">
-      <dgm:prSet/>
-      <dgm:spPr/>
-    </dgm:pt>
-    <dgm:pt modelId="{DB9DEAA3-1BFF-4A90-A4F3-EF54422B94EF}" type="sibTrans" cxnId="{8FF5DEAB-49D4-42C7-B279-38232F0C75E6}">
-      <dgm:prSet/>
-      <dgm:spPr/>
-    </dgm:pt>
-    <dgm:pt modelId="{DD8CF5BE-636D-4714-93F5-91F5CD941BDF}">
-      <dgm:prSet phldrT="[Texto]" custT="1"/>
-      <dgm:spPr/>
-      <dgm:t>
-        <a:bodyPr/>
-        <a:lstStyle/>
-        <a:p>
-          <a:r>
-            <a:rPr lang="pt-BR" sz="1600" b="1" i="1" u="none" dirty="0" smtClean="0"/>
-            <a:t>Projeto PSP</a:t>
-          </a:r>
-        </a:p>
-      </dgm:t>
-    </dgm:pt>
-    <dgm:pt modelId="{55DFAD49-E9C0-4912-B6A2-EB9F1A28C4FF}" type="parTrans" cxnId="{758AB1E5-B492-4FAC-A43B-C774DFF2B047}">
-      <dgm:prSet/>
-      <dgm:spPr/>
-    </dgm:pt>
-    <dgm:pt modelId="{8B1CEE3E-A4D7-47E9-9BDD-58DF228E800F}" type="sibTrans" cxnId="{758AB1E5-B492-4FAC-A43B-C774DFF2B047}">
       <dgm:prSet/>
       <dgm:spPr/>
     </dgm:pt>
@@ -8394,13 +9284,20 @@
         </dgm:presLayoutVars>
       </dgm:prSet>
       <dgm:spPr/>
+      <dgm:t>
+        <a:bodyPr/>
+        <a:lstStyle/>
+        <a:p>
+          <a:endParaRPr lang="pt-BR"/>
+        </a:p>
+      </dgm:t>
     </dgm:pt>
     <dgm:pt modelId="{C3FBB71A-BB96-4D6D-865B-29EF8030F87F}" type="pres">
       <dgm:prSet presAssocID="{43329A8B-63C6-441F-B1E3-F6E8FCD1EC1A}" presName="vertFlow" presStyleCnt="0"/>
       <dgm:spPr/>
     </dgm:pt>
     <dgm:pt modelId="{8A37306F-A061-4A09-8F33-E88AF0E2EE9F}" type="pres">
-      <dgm:prSet presAssocID="{43329A8B-63C6-441F-B1E3-F6E8FCD1EC1A}" presName="header" presStyleLbl="node1" presStyleIdx="0" presStyleCnt="4"/>
+      <dgm:prSet presAssocID="{43329A8B-63C6-441F-B1E3-F6E8FCD1EC1A}" presName="header" presStyleLbl="node1" presStyleIdx="0" presStyleCnt="2"/>
       <dgm:spPr/>
       <dgm:t>
         <a:bodyPr/>
@@ -8411,11 +9308,11 @@
       </dgm:t>
     </dgm:pt>
     <dgm:pt modelId="{81B043A6-1673-42C4-9536-85A29608B541}" type="pres">
-      <dgm:prSet presAssocID="{C8EB748E-9265-43C0-A346-5F47BC87917D}" presName="parTrans" presStyleLbl="sibTrans2D1" presStyleIdx="0" presStyleCnt="18"/>
+      <dgm:prSet presAssocID="{C8EB748E-9265-43C0-A346-5F47BC87917D}" presName="parTrans" presStyleLbl="sibTrans2D1" presStyleIdx="0" presStyleCnt="10"/>
       <dgm:spPr/>
     </dgm:pt>
     <dgm:pt modelId="{0809B1D5-6061-4412-86D9-3D2B96F46388}" type="pres">
-      <dgm:prSet presAssocID="{744FF24C-69D0-4EB4-984D-AF4738F5E9C8}" presName="child" presStyleLbl="alignAccFollowNode1" presStyleIdx="0" presStyleCnt="18">
+      <dgm:prSet presAssocID="{744FF24C-69D0-4EB4-984D-AF4738F5E9C8}" presName="child" presStyleLbl="alignAccFollowNode1" presStyleIdx="0" presStyleCnt="10">
         <dgm:presLayoutVars>
           <dgm:chMax val="0"/>
           <dgm:bulletEnabled val="1"/>
@@ -8431,37 +9328,51 @@
       </dgm:t>
     </dgm:pt>
     <dgm:pt modelId="{B6A55B43-9E3B-4C8D-A577-B2BAD5C9A5C1}" type="pres">
-      <dgm:prSet presAssocID="{5F026416-2235-49D3-BE9D-A374D00BC487}" presName="sibTrans" presStyleLbl="sibTrans2D1" presStyleIdx="1" presStyleCnt="18"/>
+      <dgm:prSet presAssocID="{5F026416-2235-49D3-BE9D-A374D00BC487}" presName="sibTrans" presStyleLbl="sibTrans2D1" presStyleIdx="1" presStyleCnt="10"/>
       <dgm:spPr/>
     </dgm:pt>
     <dgm:pt modelId="{F9743E05-9636-451A-B637-329C9E4B5400}" type="pres">
-      <dgm:prSet presAssocID="{A2CBC3B7-75D9-469D-BDA3-6411BB1BC7DB}" presName="child" presStyleLbl="alignAccFollowNode1" presStyleIdx="1" presStyleCnt="18">
+      <dgm:prSet presAssocID="{A2CBC3B7-75D9-469D-BDA3-6411BB1BC7DB}" presName="child" presStyleLbl="alignAccFollowNode1" presStyleIdx="1" presStyleCnt="10">
         <dgm:presLayoutVars>
           <dgm:chMax val="0"/>
           <dgm:bulletEnabled val="1"/>
         </dgm:presLayoutVars>
       </dgm:prSet>
       <dgm:spPr/>
+      <dgm:t>
+        <a:bodyPr/>
+        <a:lstStyle/>
+        <a:p>
+          <a:endParaRPr lang="pt-BR"/>
+        </a:p>
+      </dgm:t>
     </dgm:pt>
     <dgm:pt modelId="{AF30F932-037C-469C-8ACA-377B56DB57DA}" type="pres">
-      <dgm:prSet presAssocID="{6BE1AAEB-4927-4191-86E1-4DAAA175B91A}" presName="sibTrans" presStyleLbl="sibTrans2D1" presStyleIdx="2" presStyleCnt="18"/>
+      <dgm:prSet presAssocID="{6BE1AAEB-4927-4191-86E1-4DAAA175B91A}" presName="sibTrans" presStyleLbl="sibTrans2D1" presStyleIdx="2" presStyleCnt="10"/>
       <dgm:spPr/>
     </dgm:pt>
     <dgm:pt modelId="{943F080E-13B7-4E2E-8435-F47A0F93C646}" type="pres">
-      <dgm:prSet presAssocID="{A5333483-E781-4A00-9E98-7DF80E3FACA8}" presName="child" presStyleLbl="alignAccFollowNode1" presStyleIdx="2" presStyleCnt="18">
+      <dgm:prSet presAssocID="{A5333483-E781-4A00-9E98-7DF80E3FACA8}" presName="child" presStyleLbl="alignAccFollowNode1" presStyleIdx="2" presStyleCnt="10">
         <dgm:presLayoutVars>
           <dgm:chMax val="0"/>
           <dgm:bulletEnabled val="1"/>
         </dgm:presLayoutVars>
       </dgm:prSet>
       <dgm:spPr/>
+      <dgm:t>
+        <a:bodyPr/>
+        <a:lstStyle/>
+        <a:p>
+          <a:endParaRPr lang="pt-BR"/>
+        </a:p>
+      </dgm:t>
     </dgm:pt>
     <dgm:pt modelId="{59C80538-021E-455B-AD37-CF58DCF2878B}" type="pres">
-      <dgm:prSet presAssocID="{EC295865-BC50-4F6C-A82F-5E86EBA6E3C2}" presName="sibTrans" presStyleLbl="sibTrans2D1" presStyleIdx="3" presStyleCnt="18"/>
+      <dgm:prSet presAssocID="{EC295865-BC50-4F6C-A82F-5E86EBA6E3C2}" presName="sibTrans" presStyleLbl="sibTrans2D1" presStyleIdx="3" presStyleCnt="10"/>
       <dgm:spPr/>
     </dgm:pt>
     <dgm:pt modelId="{FD306544-9309-4E7B-94E5-8D8111C1B759}" type="pres">
-      <dgm:prSet presAssocID="{C1AD0736-C4E2-4A1C-B08E-B751070EF4DA}" presName="child" presStyleLbl="alignAccFollowNode1" presStyleIdx="3" presStyleCnt="18">
+      <dgm:prSet presAssocID="{C1AD0736-C4E2-4A1C-B08E-B751070EF4DA}" presName="child" presStyleLbl="alignAccFollowNode1" presStyleIdx="3" presStyleCnt="10">
         <dgm:presLayoutVars>
           <dgm:chMax val="0"/>
           <dgm:bulletEnabled val="1"/>
@@ -8477,17 +9388,24 @@
       </dgm:t>
     </dgm:pt>
     <dgm:pt modelId="{79CCCF74-A79E-42B5-B249-E3DEBCE5BCB6}" type="pres">
-      <dgm:prSet presAssocID="{6FBBBDB6-0057-4CFB-B651-CB37005DD6D9}" presName="sibTrans" presStyleLbl="sibTrans2D1" presStyleIdx="4" presStyleCnt="18"/>
+      <dgm:prSet presAssocID="{6FBBBDB6-0057-4CFB-B651-CB37005DD6D9}" presName="sibTrans" presStyleLbl="sibTrans2D1" presStyleIdx="4" presStyleCnt="10"/>
       <dgm:spPr/>
     </dgm:pt>
     <dgm:pt modelId="{F0C72BBD-20AA-4D45-8649-323DC4CE0D88}" type="pres">
-      <dgm:prSet presAssocID="{F76BA0AF-FB5D-4D9B-BBB0-9E8EF27FB30C}" presName="child" presStyleLbl="alignAccFollowNode1" presStyleIdx="4" presStyleCnt="18">
+      <dgm:prSet presAssocID="{F76BA0AF-FB5D-4D9B-BBB0-9E8EF27FB30C}" presName="child" presStyleLbl="alignAccFollowNode1" presStyleIdx="4" presStyleCnt="10">
         <dgm:presLayoutVars>
           <dgm:chMax val="0"/>
           <dgm:bulletEnabled val="1"/>
         </dgm:presLayoutVars>
       </dgm:prSet>
       <dgm:spPr/>
+      <dgm:t>
+        <a:bodyPr/>
+        <a:lstStyle/>
+        <a:p>
+          <a:endParaRPr lang="pt-BR"/>
+        </a:p>
+      </dgm:t>
     </dgm:pt>
     <dgm:pt modelId="{B5BD2078-B2C6-41B8-B66C-C04434038FAC}" type="pres">
       <dgm:prSet presAssocID="{43329A8B-63C6-441F-B1E3-F6E8FCD1EC1A}" presName="hSp" presStyleCnt="0"/>
@@ -8498,67 +9416,102 @@
       <dgm:spPr/>
     </dgm:pt>
     <dgm:pt modelId="{375797D6-D620-4E97-80FF-04EE67405215}" type="pres">
-      <dgm:prSet presAssocID="{DA6BC04C-228A-4159-A77D-BB4F59E9CCE6}" presName="header" presStyleLbl="node1" presStyleIdx="1" presStyleCnt="4"/>
-      <dgm:spPr/>
+      <dgm:prSet presAssocID="{DA6BC04C-228A-4159-A77D-BB4F59E9CCE6}" presName="header" presStyleLbl="node1" presStyleIdx="1" presStyleCnt="2"/>
+      <dgm:spPr/>
+      <dgm:t>
+        <a:bodyPr/>
+        <a:lstStyle/>
+        <a:p>
+          <a:endParaRPr lang="pt-BR"/>
+        </a:p>
+      </dgm:t>
     </dgm:pt>
     <dgm:pt modelId="{A75328D5-85C1-4B41-AE4C-400452AA44A4}" type="pres">
-      <dgm:prSet presAssocID="{53D48196-0A33-4427-A226-EA30E1EA166F}" presName="parTrans" presStyleLbl="sibTrans2D1" presStyleIdx="5" presStyleCnt="18"/>
+      <dgm:prSet presAssocID="{53D48196-0A33-4427-A226-EA30E1EA166F}" presName="parTrans" presStyleLbl="sibTrans2D1" presStyleIdx="5" presStyleCnt="10"/>
       <dgm:spPr/>
     </dgm:pt>
     <dgm:pt modelId="{B2AD0D42-2C7C-49EE-9B3E-4709248FF5EC}" type="pres">
-      <dgm:prSet presAssocID="{D406D93D-EB5D-4FF4-BB9C-96D359DA59FB}" presName="child" presStyleLbl="alignAccFollowNode1" presStyleIdx="5" presStyleCnt="18">
+      <dgm:prSet presAssocID="{D406D93D-EB5D-4FF4-BB9C-96D359DA59FB}" presName="child" presStyleLbl="alignAccFollowNode1" presStyleIdx="5" presStyleCnt="10">
         <dgm:presLayoutVars>
           <dgm:chMax val="0"/>
           <dgm:bulletEnabled val="1"/>
         </dgm:presLayoutVars>
       </dgm:prSet>
       <dgm:spPr/>
+      <dgm:t>
+        <a:bodyPr/>
+        <a:lstStyle/>
+        <a:p>
+          <a:endParaRPr lang="pt-BR"/>
+        </a:p>
+      </dgm:t>
     </dgm:pt>
     <dgm:pt modelId="{CE178B5C-DF24-4210-B01D-609AD15457F0}" type="pres">
-      <dgm:prSet presAssocID="{E4788B84-E296-466C-83A3-F2BB7DD0D403}" presName="sibTrans" presStyleLbl="sibTrans2D1" presStyleIdx="6" presStyleCnt="18"/>
+      <dgm:prSet presAssocID="{E4788B84-E296-466C-83A3-F2BB7DD0D403}" presName="sibTrans" presStyleLbl="sibTrans2D1" presStyleIdx="6" presStyleCnt="10"/>
       <dgm:spPr/>
     </dgm:pt>
     <dgm:pt modelId="{EF79205E-C96B-4362-8022-B258523566EB}" type="pres">
-      <dgm:prSet presAssocID="{C2081552-0648-4982-B5C2-AF730DD84A07}" presName="child" presStyleLbl="alignAccFollowNode1" presStyleIdx="6" presStyleCnt="18">
+      <dgm:prSet presAssocID="{C2081552-0648-4982-B5C2-AF730DD84A07}" presName="child" presStyleLbl="alignAccFollowNode1" presStyleIdx="6" presStyleCnt="10">
         <dgm:presLayoutVars>
           <dgm:chMax val="0"/>
           <dgm:bulletEnabled val="1"/>
         </dgm:presLayoutVars>
       </dgm:prSet>
       <dgm:spPr/>
+      <dgm:t>
+        <a:bodyPr/>
+        <a:lstStyle/>
+        <a:p>
+          <a:endParaRPr lang="pt-BR"/>
+        </a:p>
+      </dgm:t>
     </dgm:pt>
     <dgm:pt modelId="{9B10AAA0-1BF8-4B18-8F01-6944BECC5C79}" type="pres">
-      <dgm:prSet presAssocID="{ADE81A9A-A77D-4EA6-8234-12AC5ED4133C}" presName="sibTrans" presStyleLbl="sibTrans2D1" presStyleIdx="7" presStyleCnt="18"/>
+      <dgm:prSet presAssocID="{ADE81A9A-A77D-4EA6-8234-12AC5ED4133C}" presName="sibTrans" presStyleLbl="sibTrans2D1" presStyleIdx="7" presStyleCnt="10"/>
       <dgm:spPr/>
     </dgm:pt>
     <dgm:pt modelId="{E25635D2-FEE1-41E4-9467-C1BD23A3C882}" type="pres">
-      <dgm:prSet presAssocID="{02ACBD4B-8551-4FC4-8194-E04E9EFB668E}" presName="child" presStyleLbl="alignAccFollowNode1" presStyleIdx="7" presStyleCnt="18">
+      <dgm:prSet presAssocID="{02ACBD4B-8551-4FC4-8194-E04E9EFB668E}" presName="child" presStyleLbl="alignAccFollowNode1" presStyleIdx="7" presStyleCnt="10">
         <dgm:presLayoutVars>
           <dgm:chMax val="0"/>
           <dgm:bulletEnabled val="1"/>
         </dgm:presLayoutVars>
       </dgm:prSet>
       <dgm:spPr/>
+      <dgm:t>
+        <a:bodyPr/>
+        <a:lstStyle/>
+        <a:p>
+          <a:endParaRPr lang="pt-BR"/>
+        </a:p>
+      </dgm:t>
     </dgm:pt>
     <dgm:pt modelId="{9E7C66F0-B336-433F-87B6-3063ACB3F7CC}" type="pres">
-      <dgm:prSet presAssocID="{CF3DD5E4-60DC-4775-A52D-D11BAFF8308E}" presName="sibTrans" presStyleLbl="sibTrans2D1" presStyleIdx="8" presStyleCnt="18"/>
+      <dgm:prSet presAssocID="{CF3DD5E4-60DC-4775-A52D-D11BAFF8308E}" presName="sibTrans" presStyleLbl="sibTrans2D1" presStyleIdx="8" presStyleCnt="10"/>
       <dgm:spPr/>
     </dgm:pt>
     <dgm:pt modelId="{68B831C1-C62C-44BB-939B-9EF920716D64}" type="pres">
-      <dgm:prSet presAssocID="{CF8E56F4-5666-4C5B-A235-15A0E9B842DB}" presName="child" presStyleLbl="alignAccFollowNode1" presStyleIdx="8" presStyleCnt="18">
+      <dgm:prSet presAssocID="{CF8E56F4-5666-4C5B-A235-15A0E9B842DB}" presName="child" presStyleLbl="alignAccFollowNode1" presStyleIdx="8" presStyleCnt="10">
         <dgm:presLayoutVars>
           <dgm:chMax val="0"/>
           <dgm:bulletEnabled val="1"/>
         </dgm:presLayoutVars>
       </dgm:prSet>
       <dgm:spPr/>
+      <dgm:t>
+        <a:bodyPr/>
+        <a:lstStyle/>
+        <a:p>
+          <a:endParaRPr lang="pt-BR"/>
+        </a:p>
+      </dgm:t>
     </dgm:pt>
     <dgm:pt modelId="{7B856C74-1D07-4318-9F38-1C2EE27F583D}" type="pres">
-      <dgm:prSet presAssocID="{A2305EDF-264A-4C6C-A5E8-0B66B8062856}" presName="sibTrans" presStyleLbl="sibTrans2D1" presStyleIdx="9" presStyleCnt="18"/>
+      <dgm:prSet presAssocID="{A2305EDF-264A-4C6C-A5E8-0B66B8062856}" presName="sibTrans" presStyleLbl="sibTrans2D1" presStyleIdx="9" presStyleCnt="10"/>
       <dgm:spPr/>
     </dgm:pt>
     <dgm:pt modelId="{8030D03D-4C9A-4E3E-9183-60FE003E913D}" type="pres">
-      <dgm:prSet presAssocID="{D409CEB0-8F1E-4170-98D5-A149A362F25D}" presName="child" presStyleLbl="alignAccFollowNode1" presStyleIdx="9" presStyleCnt="18">
+      <dgm:prSet presAssocID="{D409CEB0-8F1E-4170-98D5-A149A362F25D}" presName="child" presStyleLbl="alignAccFollowNode1" presStyleIdx="9" presStyleCnt="10">
         <dgm:presLayoutVars>
           <dgm:chMax val="0"/>
           <dgm:bulletEnabled val="1"/>
@@ -8573,262 +9526,43 @@
         </a:p>
       </dgm:t>
     </dgm:pt>
-    <dgm:pt modelId="{6389BC76-63B9-456F-A0F2-DAE7BE6B4F14}" type="pres">
-      <dgm:prSet presAssocID="{DA6BC04C-228A-4159-A77D-BB4F59E9CCE6}" presName="hSp" presStyleCnt="0"/>
-      <dgm:spPr/>
-    </dgm:pt>
-    <dgm:pt modelId="{6834CCB9-B4DA-4E25-ADD9-2F4A1F4F764B}" type="pres">
-      <dgm:prSet presAssocID="{67803441-095A-4219-9521-C083ECB2A307}" presName="vertFlow" presStyleCnt="0"/>
-      <dgm:spPr/>
-    </dgm:pt>
-    <dgm:pt modelId="{EDA59078-A20F-42DC-B2F6-2D57D9093969}" type="pres">
-      <dgm:prSet presAssocID="{67803441-095A-4219-9521-C083ECB2A307}" presName="header" presStyleLbl="node1" presStyleIdx="2" presStyleCnt="4"/>
-      <dgm:spPr/>
-      <dgm:t>
-        <a:bodyPr/>
-        <a:lstStyle/>
-        <a:p>
-          <a:endParaRPr lang="pt-BR"/>
-        </a:p>
-      </dgm:t>
-    </dgm:pt>
-    <dgm:pt modelId="{38B6DF9E-E4CF-4651-8105-A519F7F86C82}" type="pres">
-      <dgm:prSet presAssocID="{BC63F1BE-CA1F-4803-89E5-2ACBF48196E0}" presName="parTrans" presStyleLbl="sibTrans2D1" presStyleIdx="10" presStyleCnt="18"/>
-      <dgm:spPr/>
-    </dgm:pt>
-    <dgm:pt modelId="{B9B1C88F-7813-4DE0-B0C1-55C4CE50F29D}" type="pres">
-      <dgm:prSet presAssocID="{078C498F-CC31-4DF3-89FF-1B49A339A623}" presName="child" presStyleLbl="alignAccFollowNode1" presStyleIdx="10" presStyleCnt="18">
-        <dgm:presLayoutVars>
-          <dgm:chMax val="0"/>
-          <dgm:bulletEnabled val="1"/>
-        </dgm:presLayoutVars>
-      </dgm:prSet>
-      <dgm:spPr/>
-      <dgm:t>
-        <a:bodyPr/>
-        <a:lstStyle/>
-        <a:p>
-          <a:endParaRPr lang="pt-BR"/>
-        </a:p>
-      </dgm:t>
-    </dgm:pt>
-    <dgm:pt modelId="{82D65C2F-6E79-4A95-8923-7B116C0F4D55}" type="pres">
-      <dgm:prSet presAssocID="{9DC37CBB-0D2F-4923-B104-D76444EFCC30}" presName="sibTrans" presStyleLbl="sibTrans2D1" presStyleIdx="11" presStyleCnt="18"/>
-      <dgm:spPr/>
-    </dgm:pt>
-    <dgm:pt modelId="{D2FF078E-4C6A-48F8-9400-4BE15253C3C2}" type="pres">
-      <dgm:prSet presAssocID="{A4734768-227F-4FEA-BA47-7333D736A21A}" presName="child" presStyleLbl="alignAccFollowNode1" presStyleIdx="11" presStyleCnt="18">
-        <dgm:presLayoutVars>
-          <dgm:chMax val="0"/>
-          <dgm:bulletEnabled val="1"/>
-        </dgm:presLayoutVars>
-      </dgm:prSet>
-      <dgm:spPr/>
-      <dgm:t>
-        <a:bodyPr/>
-        <a:lstStyle/>
-        <a:p>
-          <a:endParaRPr lang="pt-BR"/>
-        </a:p>
-      </dgm:t>
-    </dgm:pt>
-    <dgm:pt modelId="{2328E423-4F58-4A70-8B7F-F3A8C770CEAB}" type="pres">
-      <dgm:prSet presAssocID="{2623C5C0-D06F-4612-A3ED-B9D3CB7C27BE}" presName="sibTrans" presStyleLbl="sibTrans2D1" presStyleIdx="12" presStyleCnt="18"/>
-      <dgm:spPr/>
-    </dgm:pt>
-    <dgm:pt modelId="{0B5EB4B9-7E1F-4934-A9C8-8DD9E3E81138}" type="pres">
-      <dgm:prSet presAssocID="{15BF3576-2715-45A8-A4D6-36763E655A9E}" presName="child" presStyleLbl="alignAccFollowNode1" presStyleIdx="12" presStyleCnt="18">
-        <dgm:presLayoutVars>
-          <dgm:chMax val="0"/>
-          <dgm:bulletEnabled val="1"/>
-        </dgm:presLayoutVars>
-      </dgm:prSet>
-      <dgm:spPr/>
-      <dgm:t>
-        <a:bodyPr/>
-        <a:lstStyle/>
-        <a:p>
-          <a:endParaRPr lang="pt-BR"/>
-        </a:p>
-      </dgm:t>
-    </dgm:pt>
-    <dgm:pt modelId="{3D0603E4-6771-4789-9042-2C2C98A3A67B}" type="pres">
-      <dgm:prSet presAssocID="{12C8FDF1-482D-4E26-ABCD-DACC720A1D24}" presName="sibTrans" presStyleLbl="sibTrans2D1" presStyleIdx="13" presStyleCnt="18"/>
-      <dgm:spPr/>
-    </dgm:pt>
-    <dgm:pt modelId="{C8547011-52BF-4E75-8869-0B3A0F815824}" type="pres">
-      <dgm:prSet presAssocID="{A57DDAD3-353D-49E0-8CBF-24AAEFE54850}" presName="child" presStyleLbl="alignAccFollowNode1" presStyleIdx="13" presStyleCnt="18">
-        <dgm:presLayoutVars>
-          <dgm:chMax val="0"/>
-          <dgm:bulletEnabled val="1"/>
-        </dgm:presLayoutVars>
-      </dgm:prSet>
-      <dgm:spPr/>
-      <dgm:t>
-        <a:bodyPr/>
-        <a:lstStyle/>
-        <a:p>
-          <a:endParaRPr lang="pt-BR"/>
-        </a:p>
-      </dgm:t>
-    </dgm:pt>
-    <dgm:pt modelId="{06BA45BF-BDCD-45FC-9341-B6B7ED931429}" type="pres">
-      <dgm:prSet presAssocID="{67803441-095A-4219-9521-C083ECB2A307}" presName="hSp" presStyleCnt="0"/>
-      <dgm:spPr/>
-    </dgm:pt>
-    <dgm:pt modelId="{07B5B438-C0EA-4FF5-9340-417674A7198E}" type="pres">
-      <dgm:prSet presAssocID="{1E7671A8-DEFB-44C3-BB37-72BB7DA50358}" presName="vertFlow" presStyleCnt="0"/>
-      <dgm:spPr/>
-    </dgm:pt>
-    <dgm:pt modelId="{1CB6FA08-4080-461B-88A4-A536623C1D5D}" type="pres">
-      <dgm:prSet presAssocID="{1E7671A8-DEFB-44C3-BB37-72BB7DA50358}" presName="header" presStyleLbl="node1" presStyleIdx="3" presStyleCnt="4"/>
-      <dgm:spPr/>
-    </dgm:pt>
-    <dgm:pt modelId="{A1FE92B6-CC0D-458E-9860-A5F7DE95B26C}" type="pres">
-      <dgm:prSet presAssocID="{18F2C8EF-39C5-42BA-BC41-E79D7D30D3B7}" presName="parTrans" presStyleLbl="sibTrans2D1" presStyleIdx="14" presStyleCnt="18"/>
-      <dgm:spPr/>
-    </dgm:pt>
-    <dgm:pt modelId="{04276CDE-B937-4D9B-9495-81E1F21D23DE}" type="pres">
-      <dgm:prSet presAssocID="{64D25E82-ECA6-4E6F-BD6F-F7B017B32F6A}" presName="child" presStyleLbl="alignAccFollowNode1" presStyleIdx="14" presStyleCnt="18">
-        <dgm:presLayoutVars>
-          <dgm:chMax val="0"/>
-          <dgm:bulletEnabled val="1"/>
-        </dgm:presLayoutVars>
-      </dgm:prSet>
-      <dgm:spPr/>
-      <dgm:t>
-        <a:bodyPr/>
-        <a:lstStyle/>
-        <a:p>
-          <a:endParaRPr lang="pt-BR"/>
-        </a:p>
-      </dgm:t>
-    </dgm:pt>
-    <dgm:pt modelId="{82EA66B9-32B7-418E-A2C0-8C1C759881AB}" type="pres">
-      <dgm:prSet presAssocID="{2D026CFE-B9F6-4A68-AAB2-101C8EA52939}" presName="sibTrans" presStyleLbl="sibTrans2D1" presStyleIdx="15" presStyleCnt="18"/>
-      <dgm:spPr/>
-    </dgm:pt>
-    <dgm:pt modelId="{53812AAD-EACC-4E6E-83F4-020A9F2D57AC}" type="pres">
-      <dgm:prSet presAssocID="{DF2D29CD-2E82-4277-A698-98E3F472DE67}" presName="child" presStyleLbl="alignAccFollowNode1" presStyleIdx="15" presStyleCnt="18">
-        <dgm:presLayoutVars>
-          <dgm:chMax val="0"/>
-          <dgm:bulletEnabled val="1"/>
-        </dgm:presLayoutVars>
-      </dgm:prSet>
-      <dgm:spPr/>
-      <dgm:t>
-        <a:bodyPr/>
-        <a:lstStyle/>
-        <a:p>
-          <a:endParaRPr lang="pt-BR"/>
-        </a:p>
-      </dgm:t>
-    </dgm:pt>
-    <dgm:pt modelId="{7353F1F0-C9B6-4FA7-8A51-F5CC5A6C03A9}" type="pres">
-      <dgm:prSet presAssocID="{F9E46572-C898-4BDF-8AD0-240AEEF4949B}" presName="sibTrans" presStyleLbl="sibTrans2D1" presStyleIdx="16" presStyleCnt="18"/>
-      <dgm:spPr/>
-    </dgm:pt>
-    <dgm:pt modelId="{8433B15C-CC25-4EE4-A65C-6705504E61E1}" type="pres">
-      <dgm:prSet presAssocID="{34581B2A-0B7C-4F61-803F-975C74029AE8}" presName="child" presStyleLbl="alignAccFollowNode1" presStyleIdx="16" presStyleCnt="18">
-        <dgm:presLayoutVars>
-          <dgm:chMax val="0"/>
-          <dgm:bulletEnabled val="1"/>
-        </dgm:presLayoutVars>
-      </dgm:prSet>
-      <dgm:spPr/>
-      <dgm:t>
-        <a:bodyPr/>
-        <a:lstStyle/>
-        <a:p>
-          <a:endParaRPr lang="pt-BR"/>
-        </a:p>
-      </dgm:t>
-    </dgm:pt>
-    <dgm:pt modelId="{489D78D4-20AE-43BB-89D2-8990A0E16879}" type="pres">
-      <dgm:prSet presAssocID="{DB9DEAA3-1BFF-4A90-A4F3-EF54422B94EF}" presName="sibTrans" presStyleLbl="sibTrans2D1" presStyleIdx="17" presStyleCnt="18"/>
-      <dgm:spPr/>
-    </dgm:pt>
-    <dgm:pt modelId="{6E8F658E-B0AE-430E-866A-8C375E0BB469}" type="pres">
-      <dgm:prSet presAssocID="{DD8CF5BE-636D-4714-93F5-91F5CD941BDF}" presName="child" presStyleLbl="alignAccFollowNode1" presStyleIdx="17" presStyleCnt="18">
-        <dgm:presLayoutVars>
-          <dgm:chMax val="0"/>
-          <dgm:bulletEnabled val="1"/>
-        </dgm:presLayoutVars>
-      </dgm:prSet>
-      <dgm:spPr/>
-      <dgm:t>
-        <a:bodyPr/>
-        <a:lstStyle/>
-        <a:p>
-          <a:endParaRPr lang="pt-BR"/>
-        </a:p>
-      </dgm:t>
-    </dgm:pt>
   </dgm:ptLst>
   <dgm:cxnLst>
+    <dgm:cxn modelId="{4AF9EEFC-0CC7-4A43-9684-9279C847F0E1}" srcId="{43329A8B-63C6-441F-B1E3-F6E8FCD1EC1A}" destId="{A2CBC3B7-75D9-469D-BDA3-6411BB1BC7DB}" srcOrd="1" destOrd="0" parTransId="{E7542E70-A21E-43B1-ABFA-1B970AD53B1A}" sibTransId="{6BE1AAEB-4927-4191-86E1-4DAAA175B91A}"/>
+    <dgm:cxn modelId="{ED905EB2-40AC-4E10-B8A7-E92603EA979F}" type="presOf" srcId="{5F026416-2235-49D3-BE9D-A374D00BC487}" destId="{B6A55B43-9E3B-4C8D-A577-B2BAD5C9A5C1}" srcOrd="0" destOrd="0" presId="urn:microsoft.com/office/officeart/2005/8/layout/lProcess1"/>
+    <dgm:cxn modelId="{6438E89B-CB19-4475-8F65-CF917B153BC3}" srcId="{DA6BC04C-228A-4159-A77D-BB4F59E9CCE6}" destId="{D406D93D-EB5D-4FF4-BB9C-96D359DA59FB}" srcOrd="0" destOrd="0" parTransId="{53D48196-0A33-4427-A226-EA30E1EA166F}" sibTransId="{E4788B84-E296-466C-83A3-F2BB7DD0D403}"/>
+    <dgm:cxn modelId="{DCE81D65-57B3-4F63-9D1E-C746BDC39864}" type="presOf" srcId="{53D48196-0A33-4427-A226-EA30E1EA166F}" destId="{A75328D5-85C1-4B41-AE4C-400452AA44A4}" srcOrd="0" destOrd="0" presId="urn:microsoft.com/office/officeart/2005/8/layout/lProcess1"/>
+    <dgm:cxn modelId="{350C7C43-6D3D-4C34-96D3-B4F1676F82A9}" type="presOf" srcId="{C1AD0736-C4E2-4A1C-B08E-B751070EF4DA}" destId="{FD306544-9309-4E7B-94E5-8D8111C1B759}" srcOrd="0" destOrd="0" presId="urn:microsoft.com/office/officeart/2005/8/layout/lProcess1"/>
+    <dgm:cxn modelId="{17246719-C70E-4310-B324-61EDAB355C44}" type="presOf" srcId="{6BE1AAEB-4927-4191-86E1-4DAAA175B91A}" destId="{AF30F932-037C-469C-8ACA-377B56DB57DA}" srcOrd="0" destOrd="0" presId="urn:microsoft.com/office/officeart/2005/8/layout/lProcess1"/>
+    <dgm:cxn modelId="{9628A1B2-3092-4452-97C1-EA634462AD90}" srcId="{08CBE1EF-291F-49FF-9216-BF8D24382816}" destId="{DA6BC04C-228A-4159-A77D-BB4F59E9CCE6}" srcOrd="1" destOrd="0" parTransId="{371D2D1F-4036-4127-B081-3BC6C82075D6}" sibTransId="{02290E08-10AE-4490-9FCC-1A4B4DA6193C}"/>
+    <dgm:cxn modelId="{B71834CD-942D-4B6A-86E8-4284B670B2AF}" type="presOf" srcId="{E4788B84-E296-466C-83A3-F2BB7DD0D403}" destId="{CE178B5C-DF24-4210-B01D-609AD15457F0}" srcOrd="0" destOrd="0" presId="urn:microsoft.com/office/officeart/2005/8/layout/lProcess1"/>
+    <dgm:cxn modelId="{5B31B8D9-4877-4357-B7E4-DFB0F65EA755}" type="presOf" srcId="{6FBBBDB6-0057-4CFB-B651-CB37005DD6D9}" destId="{79CCCF74-A79E-42B5-B249-E3DEBCE5BCB6}" srcOrd="0" destOrd="0" presId="urn:microsoft.com/office/officeart/2005/8/layout/lProcess1"/>
+    <dgm:cxn modelId="{89ADE482-8AD5-49B1-9B34-281AAD6F88D8}" type="presOf" srcId="{D409CEB0-8F1E-4170-98D5-A149A362F25D}" destId="{8030D03D-4C9A-4E3E-9183-60FE003E913D}" srcOrd="0" destOrd="0" presId="urn:microsoft.com/office/officeart/2005/8/layout/lProcess1"/>
+    <dgm:cxn modelId="{816E443E-DA7C-40F6-8265-4EAF990D6C38}" type="presOf" srcId="{43329A8B-63C6-441F-B1E3-F6E8FCD1EC1A}" destId="{8A37306F-A061-4A09-8F33-E88AF0E2EE9F}" srcOrd="0" destOrd="0" presId="urn:microsoft.com/office/officeart/2005/8/layout/lProcess1"/>
+    <dgm:cxn modelId="{F42E439E-C245-4ECB-9827-FE8B63CACA69}" type="presOf" srcId="{744FF24C-69D0-4EB4-984D-AF4738F5E9C8}" destId="{0809B1D5-6061-4412-86D9-3D2B96F46388}" srcOrd="0" destOrd="0" presId="urn:microsoft.com/office/officeart/2005/8/layout/lProcess1"/>
+    <dgm:cxn modelId="{754BDC68-5ACB-4DCA-A4C1-17B380433353}" type="presOf" srcId="{A2305EDF-264A-4C6C-A5E8-0B66B8062856}" destId="{7B856C74-1D07-4318-9F38-1C2EE27F583D}" srcOrd="0" destOrd="0" presId="urn:microsoft.com/office/officeart/2005/8/layout/lProcess1"/>
+    <dgm:cxn modelId="{95B35A8C-C562-4152-A40C-C6FFFC2C81D0}" type="presOf" srcId="{EC295865-BC50-4F6C-A82F-5E86EBA6E3C2}" destId="{59C80538-021E-455B-AD37-CF58DCF2878B}" srcOrd="0" destOrd="0" presId="urn:microsoft.com/office/officeart/2005/8/layout/lProcess1"/>
+    <dgm:cxn modelId="{5743B76D-15EB-459E-9094-D81A8418CE0D}" srcId="{DA6BC04C-228A-4159-A77D-BB4F59E9CCE6}" destId="{D409CEB0-8F1E-4170-98D5-A149A362F25D}" srcOrd="4" destOrd="0" parTransId="{35EEF564-30A6-4C4E-B8FC-91046E5834A8}" sibTransId="{AF57101F-F387-4933-98A2-FB3BA1CFA155}"/>
+    <dgm:cxn modelId="{10748604-0B9E-488F-9C6D-42E89FCD194F}" type="presOf" srcId="{DA6BC04C-228A-4159-A77D-BB4F59E9CCE6}" destId="{375797D6-D620-4E97-80FF-04EE67405215}" srcOrd="0" destOrd="0" presId="urn:microsoft.com/office/officeart/2005/8/layout/lProcess1"/>
+    <dgm:cxn modelId="{4D7B0908-4BC9-49F1-A69D-27DED28BDA9D}" type="presOf" srcId="{C2081552-0648-4982-B5C2-AF730DD84A07}" destId="{EF79205E-C96B-4362-8022-B258523566EB}" srcOrd="0" destOrd="0" presId="urn:microsoft.com/office/officeart/2005/8/layout/lProcess1"/>
+    <dgm:cxn modelId="{789CEC1E-6534-4DD9-A98D-88C8AFFD9ADA}" type="presOf" srcId="{F76BA0AF-FB5D-4D9B-BBB0-9E8EF27FB30C}" destId="{F0C72BBD-20AA-4D45-8649-323DC4CE0D88}" srcOrd="0" destOrd="0" presId="urn:microsoft.com/office/officeart/2005/8/layout/lProcess1"/>
+    <dgm:cxn modelId="{E5049475-3663-460B-9E81-3DC57E038770}" srcId="{DA6BC04C-228A-4159-A77D-BB4F59E9CCE6}" destId="{C2081552-0648-4982-B5C2-AF730DD84A07}" srcOrd="1" destOrd="0" parTransId="{67668C3A-4BA9-4CAB-8454-600D725DC56B}" sibTransId="{ADE81A9A-A77D-4EA6-8234-12AC5ED4133C}"/>
+    <dgm:cxn modelId="{4069F374-957B-4DCA-8073-D1DB3BEA3CA1}" type="presOf" srcId="{CF3DD5E4-60DC-4775-A52D-D11BAFF8308E}" destId="{9E7C66F0-B336-433F-87B6-3063ACB3F7CC}" srcOrd="0" destOrd="0" presId="urn:microsoft.com/office/officeart/2005/8/layout/lProcess1"/>
+    <dgm:cxn modelId="{F43A074E-8DF4-40F9-8F09-4F141235F3C5}" srcId="{43329A8B-63C6-441F-B1E3-F6E8FCD1EC1A}" destId="{F76BA0AF-FB5D-4D9B-BBB0-9E8EF27FB30C}" srcOrd="4" destOrd="0" parTransId="{13902ABD-FA09-48E8-9AAE-FF1DFAA74548}" sibTransId="{1D186217-1389-4076-90E3-A1AA6F9EA51F}"/>
+    <dgm:cxn modelId="{0CC1A284-B74A-407D-AC4D-C276A5E39AA9}" type="presOf" srcId="{02ACBD4B-8551-4FC4-8194-E04E9EFB668E}" destId="{E25635D2-FEE1-41E4-9467-C1BD23A3C882}" srcOrd="0" destOrd="0" presId="urn:microsoft.com/office/officeart/2005/8/layout/lProcess1"/>
+    <dgm:cxn modelId="{F21C0A4C-05B5-4FE3-BDA1-5307FA9657A2}" type="presOf" srcId="{D406D93D-EB5D-4FF4-BB9C-96D359DA59FB}" destId="{B2AD0D42-2C7C-49EE-9B3E-4709248FF5EC}" srcOrd="0" destOrd="0" presId="urn:microsoft.com/office/officeart/2005/8/layout/lProcess1"/>
     <dgm:cxn modelId="{36F4EB6E-A430-400E-94A6-49B9FC0A0069}" srcId="{43329A8B-63C6-441F-B1E3-F6E8FCD1EC1A}" destId="{744FF24C-69D0-4EB4-984D-AF4738F5E9C8}" srcOrd="0" destOrd="0" parTransId="{C8EB748E-9265-43C0-A346-5F47BC87917D}" sibTransId="{5F026416-2235-49D3-BE9D-A374D00BC487}"/>
-    <dgm:cxn modelId="{350C7C43-6D3D-4C34-96D3-B4F1676F82A9}" type="presOf" srcId="{C1AD0736-C4E2-4A1C-B08E-B751070EF4DA}" destId="{FD306544-9309-4E7B-94E5-8D8111C1B759}" srcOrd="0" destOrd="0" presId="urn:microsoft.com/office/officeart/2005/8/layout/lProcess1"/>
+    <dgm:cxn modelId="{AD1C37BD-795D-4A7D-84C4-CD1ABD464E71}" type="presOf" srcId="{ADE81A9A-A77D-4EA6-8234-12AC5ED4133C}" destId="{9B10AAA0-1BF8-4B18-8F01-6944BECC5C79}" srcOrd="0" destOrd="0" presId="urn:microsoft.com/office/officeart/2005/8/layout/lProcess1"/>
+    <dgm:cxn modelId="{3B7AB4B8-1CC6-4477-8E8A-693F840A4222}" type="presOf" srcId="{08CBE1EF-291F-49FF-9216-BF8D24382816}" destId="{9F2717B7-3380-4165-890D-62CC02ECD9AA}" srcOrd="0" destOrd="0" presId="urn:microsoft.com/office/officeart/2005/8/layout/lProcess1"/>
+    <dgm:cxn modelId="{CF858F32-4B96-4A51-B604-EE342B9793D5}" type="presOf" srcId="{A5333483-E781-4A00-9E98-7DF80E3FACA8}" destId="{943F080E-13B7-4E2E-8435-F47A0F93C646}" srcOrd="0" destOrd="0" presId="urn:microsoft.com/office/officeart/2005/8/layout/lProcess1"/>
+    <dgm:cxn modelId="{0B12E7C6-6E52-494A-BFA7-A7DCC7C50177}" type="presOf" srcId="{A2CBC3B7-75D9-469D-BDA3-6411BB1BC7DB}" destId="{F9743E05-9636-451A-B637-329C9E4B5400}" srcOrd="0" destOrd="0" presId="urn:microsoft.com/office/officeart/2005/8/layout/lProcess1"/>
+    <dgm:cxn modelId="{ED9F2A5A-F32E-4432-A94F-F8E0D21D07F6}" srcId="{DA6BC04C-228A-4159-A77D-BB4F59E9CCE6}" destId="{CF8E56F4-5666-4C5B-A235-15A0E9B842DB}" srcOrd="3" destOrd="0" parTransId="{D369105F-B494-4BD5-8AFC-5F277671F9C1}" sibTransId="{A2305EDF-264A-4C6C-A5E8-0B66B8062856}"/>
     <dgm:cxn modelId="{2724B10D-736C-404D-94C9-07772F0A4A78}" type="presOf" srcId="{C8EB748E-9265-43C0-A346-5F47BC87917D}" destId="{81B043A6-1673-42C4-9536-85A29608B541}" srcOrd="0" destOrd="0" presId="urn:microsoft.com/office/officeart/2005/8/layout/lProcess1"/>
-    <dgm:cxn modelId="{BD59245D-4C8C-49CF-B754-199567952606}" srcId="{1E7671A8-DEFB-44C3-BB37-72BB7DA50358}" destId="{64D25E82-ECA6-4E6F-BD6F-F7B017B32F6A}" srcOrd="0" destOrd="0" parTransId="{18F2C8EF-39C5-42BA-BC41-E79D7D30D3B7}" sibTransId="{2D026CFE-B9F6-4A68-AAB2-101C8EA52939}"/>
-    <dgm:cxn modelId="{CF858F32-4B96-4A51-B604-EE342B9793D5}" type="presOf" srcId="{A5333483-E781-4A00-9E98-7DF80E3FACA8}" destId="{943F080E-13B7-4E2E-8435-F47A0F93C646}" srcOrd="0" destOrd="0" presId="urn:microsoft.com/office/officeart/2005/8/layout/lProcess1"/>
+    <dgm:cxn modelId="{F56F0838-D9A9-40E0-9AD3-EBBEBCE77754}" srcId="{43329A8B-63C6-441F-B1E3-F6E8FCD1EC1A}" destId="{A5333483-E781-4A00-9E98-7DF80E3FACA8}" srcOrd="2" destOrd="0" parTransId="{F0120162-D28D-41B6-A5C8-623FD98EA1E4}" sibTransId="{EC295865-BC50-4F6C-A82F-5E86EBA6E3C2}"/>
     <dgm:cxn modelId="{056C2F3F-8121-4684-8301-C8F9109969A7}" srcId="{43329A8B-63C6-441F-B1E3-F6E8FCD1EC1A}" destId="{C1AD0736-C4E2-4A1C-B08E-B751070EF4DA}" srcOrd="3" destOrd="0" parTransId="{6CD5712A-DF21-4E1F-9397-44D7DE7D34D7}" sibTransId="{6FBBBDB6-0057-4CFB-B651-CB37005DD6D9}"/>
-    <dgm:cxn modelId="{E5049475-3663-460B-9E81-3DC57E038770}" srcId="{DA6BC04C-228A-4159-A77D-BB4F59E9CCE6}" destId="{C2081552-0648-4982-B5C2-AF730DD84A07}" srcOrd="1" destOrd="0" parTransId="{67668C3A-4BA9-4CAB-8454-600D725DC56B}" sibTransId="{ADE81A9A-A77D-4EA6-8234-12AC5ED4133C}"/>
-    <dgm:cxn modelId="{9628A1B2-3092-4452-97C1-EA634462AD90}" srcId="{08CBE1EF-291F-49FF-9216-BF8D24382816}" destId="{DA6BC04C-228A-4159-A77D-BB4F59E9CCE6}" srcOrd="1" destOrd="0" parTransId="{371D2D1F-4036-4127-B081-3BC6C82075D6}" sibTransId="{02290E08-10AE-4490-9FCC-1A4B4DA6193C}"/>
-    <dgm:cxn modelId="{F43A074E-8DF4-40F9-8F09-4F141235F3C5}" srcId="{43329A8B-63C6-441F-B1E3-F6E8FCD1EC1A}" destId="{F76BA0AF-FB5D-4D9B-BBB0-9E8EF27FB30C}" srcOrd="4" destOrd="0" parTransId="{13902ABD-FA09-48E8-9AAE-FF1DFAA74548}" sibTransId="{1D186217-1389-4076-90E3-A1AA6F9EA51F}"/>
-    <dgm:cxn modelId="{B3C1F63B-2F6C-44B1-A8FF-C12BEE5356FB}" type="presOf" srcId="{18F2C8EF-39C5-42BA-BC41-E79D7D30D3B7}" destId="{A1FE92B6-CC0D-458E-9860-A5F7DE95B26C}" srcOrd="0" destOrd="0" presId="urn:microsoft.com/office/officeart/2005/8/layout/lProcess1"/>
-    <dgm:cxn modelId="{7B459972-491F-4F81-A4B6-F7C58B52B884}" srcId="{67803441-095A-4219-9521-C083ECB2A307}" destId="{15BF3576-2715-45A8-A4D6-36763E655A9E}" srcOrd="2" destOrd="0" parTransId="{69F6723D-E506-456B-A1FB-1291A8390B34}" sibTransId="{12C8FDF1-482D-4E26-ABCD-DACC720A1D24}"/>
-    <dgm:cxn modelId="{1C89CEE7-F926-4A2E-9E58-405EAD760F95}" type="presOf" srcId="{64D25E82-ECA6-4E6F-BD6F-F7B017B32F6A}" destId="{04276CDE-B937-4D9B-9495-81E1F21D23DE}" srcOrd="0" destOrd="0" presId="urn:microsoft.com/office/officeart/2005/8/layout/lProcess1"/>
-    <dgm:cxn modelId="{816E443E-DA7C-40F6-8265-4EAF990D6C38}" type="presOf" srcId="{43329A8B-63C6-441F-B1E3-F6E8FCD1EC1A}" destId="{8A37306F-A061-4A09-8F33-E88AF0E2EE9F}" srcOrd="0" destOrd="0" presId="urn:microsoft.com/office/officeart/2005/8/layout/lProcess1"/>
-    <dgm:cxn modelId="{ED905EB2-40AC-4E10-B8A7-E92603EA979F}" type="presOf" srcId="{5F026416-2235-49D3-BE9D-A374D00BC487}" destId="{B6A55B43-9E3B-4C8D-A577-B2BAD5C9A5C1}" srcOrd="0" destOrd="0" presId="urn:microsoft.com/office/officeart/2005/8/layout/lProcess1"/>
-    <dgm:cxn modelId="{AD1C37BD-795D-4A7D-84C4-CD1ABD464E71}" type="presOf" srcId="{ADE81A9A-A77D-4EA6-8234-12AC5ED4133C}" destId="{9B10AAA0-1BF8-4B18-8F01-6944BECC5C79}" srcOrd="0" destOrd="0" presId="urn:microsoft.com/office/officeart/2005/8/layout/lProcess1"/>
-    <dgm:cxn modelId="{ACFBE4D9-4FDF-44AF-B85C-68E4FE7D5605}" type="presOf" srcId="{DD8CF5BE-636D-4714-93F5-91F5CD941BDF}" destId="{6E8F658E-B0AE-430E-866A-8C375E0BB469}" srcOrd="0" destOrd="0" presId="urn:microsoft.com/office/officeart/2005/8/layout/lProcess1"/>
-    <dgm:cxn modelId="{3B7AB4B8-1CC6-4477-8E8A-693F840A4222}" type="presOf" srcId="{08CBE1EF-291F-49FF-9216-BF8D24382816}" destId="{9F2717B7-3380-4165-890D-62CC02ECD9AA}" srcOrd="0" destOrd="0" presId="urn:microsoft.com/office/officeart/2005/8/layout/lProcess1"/>
-    <dgm:cxn modelId="{72B67FDB-9C48-43EF-B41F-9334A274F141}" srcId="{08CBE1EF-291F-49FF-9216-BF8D24382816}" destId="{67803441-095A-4219-9521-C083ECB2A307}" srcOrd="2" destOrd="0" parTransId="{AABE3241-2DAC-4477-AD40-5F1419E6CD15}" sibTransId="{08F592E4-4F02-4383-AAAD-A632C2A9AA3A}"/>
-    <dgm:cxn modelId="{6438E89B-CB19-4475-8F65-CF917B153BC3}" srcId="{DA6BC04C-228A-4159-A77D-BB4F59E9CCE6}" destId="{D406D93D-EB5D-4FF4-BB9C-96D359DA59FB}" srcOrd="0" destOrd="0" parTransId="{53D48196-0A33-4427-A226-EA30E1EA166F}" sibTransId="{E4788B84-E296-466C-83A3-F2BB7DD0D403}"/>
-    <dgm:cxn modelId="{789CEC1E-6534-4DD9-A98D-88C8AFFD9ADA}" type="presOf" srcId="{F76BA0AF-FB5D-4D9B-BBB0-9E8EF27FB30C}" destId="{F0C72BBD-20AA-4D45-8649-323DC4CE0D88}" srcOrd="0" destOrd="0" presId="urn:microsoft.com/office/officeart/2005/8/layout/lProcess1"/>
-    <dgm:cxn modelId="{4AF9EEFC-0CC7-4A43-9684-9279C847F0E1}" srcId="{43329A8B-63C6-441F-B1E3-F6E8FCD1EC1A}" destId="{A2CBC3B7-75D9-469D-BDA3-6411BB1BC7DB}" srcOrd="1" destOrd="0" parTransId="{E7542E70-A21E-43B1-ABFA-1B970AD53B1A}" sibTransId="{6BE1AAEB-4927-4191-86E1-4DAAA175B91A}"/>
-    <dgm:cxn modelId="{A81361A6-9E5A-493F-A7CB-1468292DC246}" srcId="{67803441-095A-4219-9521-C083ECB2A307}" destId="{A57DDAD3-353D-49E0-8CBF-24AAEFE54850}" srcOrd="3" destOrd="0" parTransId="{9F0318C2-3CD9-484D-A465-F592FEE2F9D7}" sibTransId="{8E44B0D5-C38D-405A-9DF1-34F9405B4D3B}"/>
-    <dgm:cxn modelId="{BBE337C6-1D12-4637-9C5B-1E6C7A82C56E}" srcId="{67803441-095A-4219-9521-C083ECB2A307}" destId="{A4734768-227F-4FEA-BA47-7333D736A21A}" srcOrd="1" destOrd="0" parTransId="{7DA0E48B-7BA8-4113-922B-BADC848880AB}" sibTransId="{2623C5C0-D06F-4612-A3ED-B9D3CB7C27BE}"/>
-    <dgm:cxn modelId="{6F618585-6DA8-4E31-801F-870CBD462F84}" type="presOf" srcId="{DF2D29CD-2E82-4277-A698-98E3F472DE67}" destId="{53812AAD-EACC-4E6E-83F4-020A9F2D57AC}" srcOrd="0" destOrd="0" presId="urn:microsoft.com/office/officeart/2005/8/layout/lProcess1"/>
-    <dgm:cxn modelId="{82D73653-D465-4BA9-B0E0-C089CB384841}" type="presOf" srcId="{DB9DEAA3-1BFF-4A90-A4F3-EF54422B94EF}" destId="{489D78D4-20AE-43BB-89D2-8990A0E16879}" srcOrd="0" destOrd="0" presId="urn:microsoft.com/office/officeart/2005/8/layout/lProcess1"/>
-    <dgm:cxn modelId="{AE8E5FEC-FBFF-4B39-A25D-3C944E5406D6}" type="presOf" srcId="{A4734768-227F-4FEA-BA47-7333D736A21A}" destId="{D2FF078E-4C6A-48F8-9400-4BE15253C3C2}" srcOrd="0" destOrd="0" presId="urn:microsoft.com/office/officeart/2005/8/layout/lProcess1"/>
-    <dgm:cxn modelId="{F21C0A4C-05B5-4FE3-BDA1-5307FA9657A2}" type="presOf" srcId="{D406D93D-EB5D-4FF4-BB9C-96D359DA59FB}" destId="{B2AD0D42-2C7C-49EE-9B3E-4709248FF5EC}" srcOrd="0" destOrd="0" presId="urn:microsoft.com/office/officeart/2005/8/layout/lProcess1"/>
-    <dgm:cxn modelId="{DCE81D65-57B3-4F63-9D1E-C746BDC39864}" type="presOf" srcId="{53D48196-0A33-4427-A226-EA30E1EA166F}" destId="{A75328D5-85C1-4B41-AE4C-400452AA44A4}" srcOrd="0" destOrd="0" presId="urn:microsoft.com/office/officeart/2005/8/layout/lProcess1"/>
-    <dgm:cxn modelId="{F42E439E-C245-4ECB-9827-FE8B63CACA69}" type="presOf" srcId="{744FF24C-69D0-4EB4-984D-AF4738F5E9C8}" destId="{0809B1D5-6061-4412-86D9-3D2B96F46388}" srcOrd="0" destOrd="0" presId="urn:microsoft.com/office/officeart/2005/8/layout/lProcess1"/>
-    <dgm:cxn modelId="{10748604-0B9E-488F-9C6D-42E89FCD194F}" type="presOf" srcId="{DA6BC04C-228A-4159-A77D-BB4F59E9CCE6}" destId="{375797D6-D620-4E97-80FF-04EE67405215}" srcOrd="0" destOrd="0" presId="urn:microsoft.com/office/officeart/2005/8/layout/lProcess1"/>
     <dgm:cxn modelId="{28F09BA5-5638-4EF5-A50B-524D22FDE534}" type="presOf" srcId="{CF8E56F4-5666-4C5B-A235-15A0E9B842DB}" destId="{68B831C1-C62C-44BB-939B-9EF920716D64}" srcOrd="0" destOrd="0" presId="urn:microsoft.com/office/officeart/2005/8/layout/lProcess1"/>
-    <dgm:cxn modelId="{5743B76D-15EB-459E-9094-D81A8418CE0D}" srcId="{DA6BC04C-228A-4159-A77D-BB4F59E9CCE6}" destId="{D409CEB0-8F1E-4170-98D5-A149A362F25D}" srcOrd="4" destOrd="0" parTransId="{35EEF564-30A6-4C4E-B8FC-91046E5834A8}" sibTransId="{AF57101F-F387-4933-98A2-FB3BA1CFA155}"/>
-    <dgm:cxn modelId="{ED9F2A5A-F32E-4432-A94F-F8E0D21D07F6}" srcId="{DA6BC04C-228A-4159-A77D-BB4F59E9CCE6}" destId="{CF8E56F4-5666-4C5B-A235-15A0E9B842DB}" srcOrd="3" destOrd="0" parTransId="{D369105F-B494-4BD5-8AFC-5F277671F9C1}" sibTransId="{A2305EDF-264A-4C6C-A5E8-0B66B8062856}"/>
-    <dgm:cxn modelId="{35B7E11B-5634-4311-AD72-223F7ED72BED}" type="presOf" srcId="{12C8FDF1-482D-4E26-ABCD-DACC720A1D24}" destId="{3D0603E4-6771-4789-9042-2C2C98A3A67B}" srcOrd="0" destOrd="0" presId="urn:microsoft.com/office/officeart/2005/8/layout/lProcess1"/>
-    <dgm:cxn modelId="{F56F0838-D9A9-40E0-9AD3-EBBEBCE77754}" srcId="{43329A8B-63C6-441F-B1E3-F6E8FCD1EC1A}" destId="{A5333483-E781-4A00-9E98-7DF80E3FACA8}" srcOrd="2" destOrd="0" parTransId="{F0120162-D28D-41B6-A5C8-623FD98EA1E4}" sibTransId="{EC295865-BC50-4F6C-A82F-5E86EBA6E3C2}"/>
-    <dgm:cxn modelId="{0CC1A284-B74A-407D-AC4D-C276A5E39AA9}" type="presOf" srcId="{02ACBD4B-8551-4FC4-8194-E04E9EFB668E}" destId="{E25635D2-FEE1-41E4-9467-C1BD23A3C882}" srcOrd="0" destOrd="0" presId="urn:microsoft.com/office/officeart/2005/8/layout/lProcess1"/>
-    <dgm:cxn modelId="{0B12E7C6-6E52-494A-BFA7-A7DCC7C50177}" type="presOf" srcId="{A2CBC3B7-75D9-469D-BDA3-6411BB1BC7DB}" destId="{F9743E05-9636-451A-B637-329C9E4B5400}" srcOrd="0" destOrd="0" presId="urn:microsoft.com/office/officeart/2005/8/layout/lProcess1"/>
-    <dgm:cxn modelId="{89ADE482-8AD5-49B1-9B34-281AAD6F88D8}" type="presOf" srcId="{D409CEB0-8F1E-4170-98D5-A149A362F25D}" destId="{8030D03D-4C9A-4E3E-9183-60FE003E913D}" srcOrd="0" destOrd="0" presId="urn:microsoft.com/office/officeart/2005/8/layout/lProcess1"/>
-    <dgm:cxn modelId="{5B31B8D9-4877-4357-B7E4-DFB0F65EA755}" type="presOf" srcId="{6FBBBDB6-0057-4CFB-B651-CB37005DD6D9}" destId="{79CCCF74-A79E-42B5-B249-E3DEBCE5BCB6}" srcOrd="0" destOrd="0" presId="urn:microsoft.com/office/officeart/2005/8/layout/lProcess1"/>
-    <dgm:cxn modelId="{822C2FB8-A596-483C-A94F-604955344043}" type="presOf" srcId="{67803441-095A-4219-9521-C083ECB2A307}" destId="{EDA59078-A20F-42DC-B2F6-2D57D9093969}" srcOrd="0" destOrd="0" presId="urn:microsoft.com/office/officeart/2005/8/layout/lProcess1"/>
-    <dgm:cxn modelId="{4069F374-957B-4DCA-8073-D1DB3BEA3CA1}" type="presOf" srcId="{CF3DD5E4-60DC-4775-A52D-D11BAFF8308E}" destId="{9E7C66F0-B336-433F-87B6-3063ACB3F7CC}" srcOrd="0" destOrd="0" presId="urn:microsoft.com/office/officeart/2005/8/layout/lProcess1"/>
+    <dgm:cxn modelId="{1D33B055-1BF4-4B76-8DD5-E926AD058C91}" srcId="{08CBE1EF-291F-49FF-9216-BF8D24382816}" destId="{43329A8B-63C6-441F-B1E3-F6E8FCD1EC1A}" srcOrd="0" destOrd="0" parTransId="{E74B7A14-BFAE-4A83-90ED-42D4A4A23220}" sibTransId="{DD92D6D8-0371-4BDE-9D96-40965A36D424}"/>
     <dgm:cxn modelId="{383A54FF-547A-4498-B161-9EC101A019B6}" srcId="{DA6BC04C-228A-4159-A77D-BB4F59E9CCE6}" destId="{02ACBD4B-8551-4FC4-8194-E04E9EFB668E}" srcOrd="2" destOrd="0" parTransId="{8DB2CE7A-DF8E-4025-A3F9-4FDB90C84DF2}" sibTransId="{CF3DD5E4-60DC-4775-A52D-D11BAFF8308E}"/>
-    <dgm:cxn modelId="{5821A52B-175A-4414-A9CE-8079294D91E4}" type="presOf" srcId="{34581B2A-0B7C-4F61-803F-975C74029AE8}" destId="{8433B15C-CC25-4EE4-A65C-6705504E61E1}" srcOrd="0" destOrd="0" presId="urn:microsoft.com/office/officeart/2005/8/layout/lProcess1"/>
-    <dgm:cxn modelId="{315A2BC5-6E3A-4B70-89AB-D5E61A6C154A}" type="presOf" srcId="{2623C5C0-D06F-4612-A3ED-B9D3CB7C27BE}" destId="{2328E423-4F58-4A70-8B7F-F3A8C770CEAB}" srcOrd="0" destOrd="0" presId="urn:microsoft.com/office/officeart/2005/8/layout/lProcess1"/>
-    <dgm:cxn modelId="{C2A395FC-9886-41FF-98D2-31FD51128920}" type="presOf" srcId="{BC63F1BE-CA1F-4803-89E5-2ACBF48196E0}" destId="{38B6DF9E-E4CF-4651-8105-A519F7F86C82}" srcOrd="0" destOrd="0" presId="urn:microsoft.com/office/officeart/2005/8/layout/lProcess1"/>
-    <dgm:cxn modelId="{754BDC68-5ACB-4DCA-A4C1-17B380433353}" type="presOf" srcId="{A2305EDF-264A-4C6C-A5E8-0B66B8062856}" destId="{7B856C74-1D07-4318-9F38-1C2EE27F583D}" srcOrd="0" destOrd="0" presId="urn:microsoft.com/office/officeart/2005/8/layout/lProcess1"/>
-    <dgm:cxn modelId="{B71834CD-942D-4B6A-86E8-4284B670B2AF}" type="presOf" srcId="{E4788B84-E296-466C-83A3-F2BB7DD0D403}" destId="{CE178B5C-DF24-4210-B01D-609AD15457F0}" srcOrd="0" destOrd="0" presId="urn:microsoft.com/office/officeart/2005/8/layout/lProcess1"/>
-    <dgm:cxn modelId="{FEB07587-DDE9-407E-ABB3-FF0E3C05EA8A}" srcId="{08CBE1EF-291F-49FF-9216-BF8D24382816}" destId="{1E7671A8-DEFB-44C3-BB37-72BB7DA50358}" srcOrd="3" destOrd="0" parTransId="{D9796DB1-50D7-49C5-91D3-816F4DB5FE66}" sibTransId="{A54FF8AA-CEA8-402D-97E0-3ED5191A7A8B}"/>
-    <dgm:cxn modelId="{1D33B055-1BF4-4B76-8DD5-E926AD058C91}" srcId="{08CBE1EF-291F-49FF-9216-BF8D24382816}" destId="{43329A8B-63C6-441F-B1E3-F6E8FCD1EC1A}" srcOrd="0" destOrd="0" parTransId="{E74B7A14-BFAE-4A83-90ED-42D4A4A23220}" sibTransId="{DD92D6D8-0371-4BDE-9D96-40965A36D424}"/>
-    <dgm:cxn modelId="{17246719-C70E-4310-B324-61EDAB355C44}" type="presOf" srcId="{6BE1AAEB-4927-4191-86E1-4DAAA175B91A}" destId="{AF30F932-037C-469C-8ACA-377B56DB57DA}" srcOrd="0" destOrd="0" presId="urn:microsoft.com/office/officeart/2005/8/layout/lProcess1"/>
-    <dgm:cxn modelId="{95B35A8C-C562-4152-A40C-C6FFFC2C81D0}" type="presOf" srcId="{EC295865-BC50-4F6C-A82F-5E86EBA6E3C2}" destId="{59C80538-021E-455B-AD37-CF58DCF2878B}" srcOrd="0" destOrd="0" presId="urn:microsoft.com/office/officeart/2005/8/layout/lProcess1"/>
-    <dgm:cxn modelId="{4C3A7A85-983D-4D23-A443-386FFAC0C4A9}" type="presOf" srcId="{F9E46572-C898-4BDF-8AD0-240AEEF4949B}" destId="{7353F1F0-C9B6-4FA7-8A51-F5CC5A6C03A9}" srcOrd="0" destOrd="0" presId="urn:microsoft.com/office/officeart/2005/8/layout/lProcess1"/>
-    <dgm:cxn modelId="{6BD2F07F-A85C-455E-96BD-6639C14AC040}" type="presOf" srcId="{A57DDAD3-353D-49E0-8CBF-24AAEFE54850}" destId="{C8547011-52BF-4E75-8869-0B3A0F815824}" srcOrd="0" destOrd="0" presId="urn:microsoft.com/office/officeart/2005/8/layout/lProcess1"/>
-    <dgm:cxn modelId="{95CA9160-2708-47B2-B62C-92F8FE1E0DB6}" type="presOf" srcId="{15BF3576-2715-45A8-A4D6-36763E655A9E}" destId="{0B5EB4B9-7E1F-4934-A9C8-8DD9E3E81138}" srcOrd="0" destOrd="0" presId="urn:microsoft.com/office/officeart/2005/8/layout/lProcess1"/>
-    <dgm:cxn modelId="{ECCC5C7E-453A-434C-B740-32D20668B06E}" type="presOf" srcId="{9DC37CBB-0D2F-4923-B104-D76444EFCC30}" destId="{82D65C2F-6E79-4A95-8923-7B116C0F4D55}" srcOrd="0" destOrd="0" presId="urn:microsoft.com/office/officeart/2005/8/layout/lProcess1"/>
-    <dgm:cxn modelId="{4D7B0908-4BC9-49F1-A69D-27DED28BDA9D}" type="presOf" srcId="{C2081552-0648-4982-B5C2-AF730DD84A07}" destId="{EF79205E-C96B-4362-8022-B258523566EB}" srcOrd="0" destOrd="0" presId="urn:microsoft.com/office/officeart/2005/8/layout/lProcess1"/>
-    <dgm:cxn modelId="{6A2B0075-AEBB-4FE3-B02E-B8D9A742D9AD}" type="presOf" srcId="{078C498F-CC31-4DF3-89FF-1B49A339A623}" destId="{B9B1C88F-7813-4DE0-B0C1-55C4CE50F29D}" srcOrd="0" destOrd="0" presId="urn:microsoft.com/office/officeart/2005/8/layout/lProcess1"/>
-    <dgm:cxn modelId="{68E96288-CBEB-4BF3-BB67-EAC14DD5B51F}" srcId="{1E7671A8-DEFB-44C3-BB37-72BB7DA50358}" destId="{DF2D29CD-2E82-4277-A698-98E3F472DE67}" srcOrd="1" destOrd="0" parTransId="{67B61313-F308-4B3A-B789-81B090CDF672}" sibTransId="{F9E46572-C898-4BDF-8AD0-240AEEF4949B}"/>
-    <dgm:cxn modelId="{B6CA68E8-5778-49F0-8F1E-BB54D8A88168}" type="presOf" srcId="{2D026CFE-B9F6-4A68-AAB2-101C8EA52939}" destId="{82EA66B9-32B7-418E-A2C0-8C1C759881AB}" srcOrd="0" destOrd="0" presId="urn:microsoft.com/office/officeart/2005/8/layout/lProcess1"/>
-    <dgm:cxn modelId="{03189122-8273-44A7-A9ED-B05AE3FE4737}" type="presOf" srcId="{1E7671A8-DEFB-44C3-BB37-72BB7DA50358}" destId="{1CB6FA08-4080-461B-88A4-A536623C1D5D}" srcOrd="0" destOrd="0" presId="urn:microsoft.com/office/officeart/2005/8/layout/lProcess1"/>
-    <dgm:cxn modelId="{8FF5DEAB-49D4-42C7-B279-38232F0C75E6}" srcId="{1E7671A8-DEFB-44C3-BB37-72BB7DA50358}" destId="{34581B2A-0B7C-4F61-803F-975C74029AE8}" srcOrd="2" destOrd="0" parTransId="{50F90D98-9A9D-41FA-A0A3-8B5D7D8B97C5}" sibTransId="{DB9DEAA3-1BFF-4A90-A4F3-EF54422B94EF}"/>
-    <dgm:cxn modelId="{758AB1E5-B492-4FAC-A43B-C774DFF2B047}" srcId="{1E7671A8-DEFB-44C3-BB37-72BB7DA50358}" destId="{DD8CF5BE-636D-4714-93F5-91F5CD941BDF}" srcOrd="3" destOrd="0" parTransId="{55DFAD49-E9C0-4912-B6A2-EB9F1A28C4FF}" sibTransId="{8B1CEE3E-A4D7-47E9-9BDD-58DF228E800F}"/>
-    <dgm:cxn modelId="{96730DF4-8C66-4F5E-A150-F4CE35983344}" srcId="{67803441-095A-4219-9521-C083ECB2A307}" destId="{078C498F-CC31-4DF3-89FF-1B49A339A623}" srcOrd="0" destOrd="0" parTransId="{BC63F1BE-CA1F-4803-89E5-2ACBF48196E0}" sibTransId="{9DC37CBB-0D2F-4923-B104-D76444EFCC30}"/>
     <dgm:cxn modelId="{E978737B-3940-48AF-B55C-44B032BCA680}" type="presParOf" srcId="{9F2717B7-3380-4165-890D-62CC02ECD9AA}" destId="{C3FBB71A-BB96-4D6D-865B-29EF8030F87F}" srcOrd="0" destOrd="0" presId="urn:microsoft.com/office/officeart/2005/8/layout/lProcess1"/>
     <dgm:cxn modelId="{756172EB-6D48-4DC6-B91E-17B0F2C31826}" type="presParOf" srcId="{C3FBB71A-BB96-4D6D-865B-29EF8030F87F}" destId="{8A37306F-A061-4A09-8F33-E88AF0E2EE9F}" srcOrd="0" destOrd="0" presId="urn:microsoft.com/office/officeart/2005/8/layout/lProcess1"/>
     <dgm:cxn modelId="{567296BC-D0B8-4E6E-8868-B030427B6ADC}" type="presParOf" srcId="{C3FBB71A-BB96-4D6D-865B-29EF8030F87F}" destId="{81B043A6-1673-42C4-9536-85A29608B541}" srcOrd="1" destOrd="0" presId="urn:microsoft.com/office/officeart/2005/8/layout/lProcess1"/>
@@ -8854,28 +9588,6 @@
     <dgm:cxn modelId="{48CAB2F3-11AA-4B24-809B-F7F16139FCB7}" type="presParOf" srcId="{AF0E56FC-7D5A-42CA-98EE-636543A7C972}" destId="{68B831C1-C62C-44BB-939B-9EF920716D64}" srcOrd="8" destOrd="0" presId="urn:microsoft.com/office/officeart/2005/8/layout/lProcess1"/>
     <dgm:cxn modelId="{E49641CF-24E9-4B4F-98AC-A6D64334D0BE}" type="presParOf" srcId="{AF0E56FC-7D5A-42CA-98EE-636543A7C972}" destId="{7B856C74-1D07-4318-9F38-1C2EE27F583D}" srcOrd="9" destOrd="0" presId="urn:microsoft.com/office/officeart/2005/8/layout/lProcess1"/>
     <dgm:cxn modelId="{E61B6718-4630-47EA-B608-0043E5A9BB6B}" type="presParOf" srcId="{AF0E56FC-7D5A-42CA-98EE-636543A7C972}" destId="{8030D03D-4C9A-4E3E-9183-60FE003E913D}" srcOrd="10" destOrd="0" presId="urn:microsoft.com/office/officeart/2005/8/layout/lProcess1"/>
-    <dgm:cxn modelId="{7E9F5B89-D4B2-4DF6-8DA1-5414060414EE}" type="presParOf" srcId="{9F2717B7-3380-4165-890D-62CC02ECD9AA}" destId="{6389BC76-63B9-456F-A0F2-DAE7BE6B4F14}" srcOrd="3" destOrd="0" presId="urn:microsoft.com/office/officeart/2005/8/layout/lProcess1"/>
-    <dgm:cxn modelId="{4656DC79-2CD1-4E99-AFC5-9003EEB52533}" type="presParOf" srcId="{9F2717B7-3380-4165-890D-62CC02ECD9AA}" destId="{6834CCB9-B4DA-4E25-ADD9-2F4A1F4F764B}" srcOrd="4" destOrd="0" presId="urn:microsoft.com/office/officeart/2005/8/layout/lProcess1"/>
-    <dgm:cxn modelId="{40AD9619-595E-4EDF-B91B-CBE32D54EB23}" type="presParOf" srcId="{6834CCB9-B4DA-4E25-ADD9-2F4A1F4F764B}" destId="{EDA59078-A20F-42DC-B2F6-2D57D9093969}" srcOrd="0" destOrd="0" presId="urn:microsoft.com/office/officeart/2005/8/layout/lProcess1"/>
-    <dgm:cxn modelId="{0CBD9C35-A0F0-4B37-96FE-DAAAE00850DD}" type="presParOf" srcId="{6834CCB9-B4DA-4E25-ADD9-2F4A1F4F764B}" destId="{38B6DF9E-E4CF-4651-8105-A519F7F86C82}" srcOrd="1" destOrd="0" presId="urn:microsoft.com/office/officeart/2005/8/layout/lProcess1"/>
-    <dgm:cxn modelId="{588FCA45-83F0-4C8C-9EA3-7494200240CB}" type="presParOf" srcId="{6834CCB9-B4DA-4E25-ADD9-2F4A1F4F764B}" destId="{B9B1C88F-7813-4DE0-B0C1-55C4CE50F29D}" srcOrd="2" destOrd="0" presId="urn:microsoft.com/office/officeart/2005/8/layout/lProcess1"/>
-    <dgm:cxn modelId="{5F8F98C6-114D-45EF-A04D-D1A8066421D7}" type="presParOf" srcId="{6834CCB9-B4DA-4E25-ADD9-2F4A1F4F764B}" destId="{82D65C2F-6E79-4A95-8923-7B116C0F4D55}" srcOrd="3" destOrd="0" presId="urn:microsoft.com/office/officeart/2005/8/layout/lProcess1"/>
-    <dgm:cxn modelId="{EE30CA18-9896-43DD-B4A3-BCA14119B37B}" type="presParOf" srcId="{6834CCB9-B4DA-4E25-ADD9-2F4A1F4F764B}" destId="{D2FF078E-4C6A-48F8-9400-4BE15253C3C2}" srcOrd="4" destOrd="0" presId="urn:microsoft.com/office/officeart/2005/8/layout/lProcess1"/>
-    <dgm:cxn modelId="{A479C80E-3942-4A2B-B58D-8F331B77AB96}" type="presParOf" srcId="{6834CCB9-B4DA-4E25-ADD9-2F4A1F4F764B}" destId="{2328E423-4F58-4A70-8B7F-F3A8C770CEAB}" srcOrd="5" destOrd="0" presId="urn:microsoft.com/office/officeart/2005/8/layout/lProcess1"/>
-    <dgm:cxn modelId="{AB74C69D-4B50-456E-A6FA-11CE57FB15BB}" type="presParOf" srcId="{6834CCB9-B4DA-4E25-ADD9-2F4A1F4F764B}" destId="{0B5EB4B9-7E1F-4934-A9C8-8DD9E3E81138}" srcOrd="6" destOrd="0" presId="urn:microsoft.com/office/officeart/2005/8/layout/lProcess1"/>
-    <dgm:cxn modelId="{0D3ED303-916A-40DD-AA70-FBBA55A54ABD}" type="presParOf" srcId="{6834CCB9-B4DA-4E25-ADD9-2F4A1F4F764B}" destId="{3D0603E4-6771-4789-9042-2C2C98A3A67B}" srcOrd="7" destOrd="0" presId="urn:microsoft.com/office/officeart/2005/8/layout/lProcess1"/>
-    <dgm:cxn modelId="{D7FEB1EC-80DF-4EC1-B6E5-DDAAFFB97C0B}" type="presParOf" srcId="{6834CCB9-B4DA-4E25-ADD9-2F4A1F4F764B}" destId="{C8547011-52BF-4E75-8869-0B3A0F815824}" srcOrd="8" destOrd="0" presId="urn:microsoft.com/office/officeart/2005/8/layout/lProcess1"/>
-    <dgm:cxn modelId="{D82ABAC5-1B95-4388-9C8A-8EC91279E5E7}" type="presParOf" srcId="{9F2717B7-3380-4165-890D-62CC02ECD9AA}" destId="{06BA45BF-BDCD-45FC-9341-B6B7ED931429}" srcOrd="5" destOrd="0" presId="urn:microsoft.com/office/officeart/2005/8/layout/lProcess1"/>
-    <dgm:cxn modelId="{42D86FF9-88A6-4E7E-965F-86C430D33FA7}" type="presParOf" srcId="{9F2717B7-3380-4165-890D-62CC02ECD9AA}" destId="{07B5B438-C0EA-4FF5-9340-417674A7198E}" srcOrd="6" destOrd="0" presId="urn:microsoft.com/office/officeart/2005/8/layout/lProcess1"/>
-    <dgm:cxn modelId="{44955E5B-247F-4456-82D7-F8E9F2841F29}" type="presParOf" srcId="{07B5B438-C0EA-4FF5-9340-417674A7198E}" destId="{1CB6FA08-4080-461B-88A4-A536623C1D5D}" srcOrd="0" destOrd="0" presId="urn:microsoft.com/office/officeart/2005/8/layout/lProcess1"/>
-    <dgm:cxn modelId="{0F9D30E1-C452-41A4-9B90-8DE8A24E0A48}" type="presParOf" srcId="{07B5B438-C0EA-4FF5-9340-417674A7198E}" destId="{A1FE92B6-CC0D-458E-9860-A5F7DE95B26C}" srcOrd="1" destOrd="0" presId="urn:microsoft.com/office/officeart/2005/8/layout/lProcess1"/>
-    <dgm:cxn modelId="{85C9F1C8-5E36-4E14-832B-D4F4F43C0809}" type="presParOf" srcId="{07B5B438-C0EA-4FF5-9340-417674A7198E}" destId="{04276CDE-B937-4D9B-9495-81E1F21D23DE}" srcOrd="2" destOrd="0" presId="urn:microsoft.com/office/officeart/2005/8/layout/lProcess1"/>
-    <dgm:cxn modelId="{49F30484-8732-4AA4-AD3D-878D417095C2}" type="presParOf" srcId="{07B5B438-C0EA-4FF5-9340-417674A7198E}" destId="{82EA66B9-32B7-418E-A2C0-8C1C759881AB}" srcOrd="3" destOrd="0" presId="urn:microsoft.com/office/officeart/2005/8/layout/lProcess1"/>
-    <dgm:cxn modelId="{4857B780-2534-47F3-B937-5D67B733BB98}" type="presParOf" srcId="{07B5B438-C0EA-4FF5-9340-417674A7198E}" destId="{53812AAD-EACC-4E6E-83F4-020A9F2D57AC}" srcOrd="4" destOrd="0" presId="urn:microsoft.com/office/officeart/2005/8/layout/lProcess1"/>
-    <dgm:cxn modelId="{FB6A1A8D-971D-47D0-958D-5FEABDE7FD1B}" type="presParOf" srcId="{07B5B438-C0EA-4FF5-9340-417674A7198E}" destId="{7353F1F0-C9B6-4FA7-8A51-F5CC5A6C03A9}" srcOrd="5" destOrd="0" presId="urn:microsoft.com/office/officeart/2005/8/layout/lProcess1"/>
-    <dgm:cxn modelId="{EF161244-59E6-4E41-8368-6CBD0422D5E6}" type="presParOf" srcId="{07B5B438-C0EA-4FF5-9340-417674A7198E}" destId="{8433B15C-CC25-4EE4-A65C-6705504E61E1}" srcOrd="6" destOrd="0" presId="urn:microsoft.com/office/officeart/2005/8/layout/lProcess1"/>
-    <dgm:cxn modelId="{CAF4CFB0-B315-4ABD-8A1D-A304731C461C}" type="presParOf" srcId="{07B5B438-C0EA-4FF5-9340-417674A7198E}" destId="{489D78D4-20AE-43BB-89D2-8990A0E16879}" srcOrd="7" destOrd="0" presId="urn:microsoft.com/office/officeart/2005/8/layout/lProcess1"/>
-    <dgm:cxn modelId="{DC51DE92-94BA-440C-BAC0-135381C13AE0}" type="presParOf" srcId="{07B5B438-C0EA-4FF5-9340-417674A7198E}" destId="{6E8F658E-B0AE-430E-866A-8C375E0BB469}" srcOrd="8" destOrd="0" presId="urn:microsoft.com/office/officeart/2005/8/layout/lProcess1"/>
   </dgm:cxnLst>
   <dgm:bg>
     <a:effectLst>
@@ -8913,6 +9625,665 @@
         <a:p>
           <a:pPr algn="ctr"/>
           <a:r>
+            <a:rPr lang="pt-BR" sz="2000" dirty="0" smtClean="0"/>
+            <a:t>Disponibilidade</a:t>
+          </a:r>
+          <a:endParaRPr lang="pt-BR" sz="1600" b="1" i="1" u="none" dirty="0"/>
+        </a:p>
+      </dgm:t>
+    </dgm:pt>
+    <dgm:pt modelId="{E74B7A14-BFAE-4A83-90ED-42D4A4A23220}" type="parTrans" cxnId="{1D33B055-1BF4-4B76-8DD5-E926AD058C91}">
+      <dgm:prSet/>
+      <dgm:spPr/>
+      <dgm:t>
+        <a:bodyPr/>
+        <a:lstStyle/>
+        <a:p>
+          <a:endParaRPr lang="pt-BR"/>
+        </a:p>
+      </dgm:t>
+    </dgm:pt>
+    <dgm:pt modelId="{DD92D6D8-0371-4BDE-9D96-40965A36D424}" type="sibTrans" cxnId="{1D33B055-1BF4-4B76-8DD5-E926AD058C91}">
+      <dgm:prSet/>
+      <dgm:spPr/>
+      <dgm:t>
+        <a:bodyPr/>
+        <a:lstStyle/>
+        <a:p>
+          <a:endParaRPr lang="pt-BR"/>
+        </a:p>
+      </dgm:t>
+    </dgm:pt>
+    <dgm:pt modelId="{F44EA5C5-25C1-45A0-92EB-93132EC62890}">
+      <dgm:prSet phldrT="[Texto]" custT="1"/>
+      <dgm:spPr/>
+      <dgm:t>
+        <a:bodyPr/>
+        <a:lstStyle/>
+        <a:p>
+          <a:r>
+            <a:rPr lang="pt-BR" sz="2000" b="1" i="1" u="none" dirty="0" smtClean="0"/>
+            <a:t>Emprego</a:t>
+          </a:r>
+        </a:p>
+      </dgm:t>
+    </dgm:pt>
+    <dgm:pt modelId="{46EB8D28-3B3A-487C-8EE4-41612BB2EDF7}" type="parTrans" cxnId="{5A3EF93C-07EF-45DE-B501-100E6B971DE5}">
+      <dgm:prSet/>
+      <dgm:spPr/>
+      <dgm:t>
+        <a:bodyPr/>
+        <a:lstStyle/>
+        <a:p>
+          <a:endParaRPr lang="pt-BR"/>
+        </a:p>
+      </dgm:t>
+    </dgm:pt>
+    <dgm:pt modelId="{1C471375-47A6-4259-A8F0-7565C4E89DE1}" type="sibTrans" cxnId="{5A3EF93C-07EF-45DE-B501-100E6B971DE5}">
+      <dgm:prSet/>
+      <dgm:spPr/>
+      <dgm:t>
+        <a:bodyPr/>
+        <a:lstStyle/>
+        <a:p>
+          <a:endParaRPr lang="pt-BR"/>
+        </a:p>
+      </dgm:t>
+    </dgm:pt>
+    <dgm:pt modelId="{E7E826FF-50B9-4B81-B7D8-F1CE96E1C0CD}">
+      <dgm:prSet phldrT="[Texto]" custT="1"/>
+      <dgm:spPr/>
+      <dgm:t>
+        <a:bodyPr/>
+        <a:lstStyle/>
+        <a:p>
+          <a:r>
+            <a:rPr lang="pt-BR" sz="2000" b="1" i="1" u="none" dirty="0" smtClean="0"/>
+            <a:t>Carga Escolar</a:t>
+          </a:r>
+        </a:p>
+      </dgm:t>
+    </dgm:pt>
+    <dgm:pt modelId="{379562AC-787A-4479-A913-1E9D6900C776}" type="parTrans" cxnId="{ABE0448D-FDDC-4618-BB95-43615F171BAF}">
+      <dgm:prSet/>
+      <dgm:spPr/>
+      <dgm:t>
+        <a:bodyPr/>
+        <a:lstStyle/>
+        <a:p>
+          <a:endParaRPr lang="pt-BR"/>
+        </a:p>
+      </dgm:t>
+    </dgm:pt>
+    <dgm:pt modelId="{F2E66BA7-0AAD-4C29-939B-23D4ECB3456B}" type="sibTrans" cxnId="{ABE0448D-FDDC-4618-BB95-43615F171BAF}">
+      <dgm:prSet/>
+      <dgm:spPr/>
+      <dgm:t>
+        <a:bodyPr/>
+        <a:lstStyle/>
+        <a:p>
+          <a:endParaRPr lang="pt-BR"/>
+        </a:p>
+      </dgm:t>
+    </dgm:pt>
+    <dgm:pt modelId="{708FA8A1-AA7B-438F-9398-C17DFEFEE604}">
+      <dgm:prSet phldrT="[Texto]" custT="1"/>
+      <dgm:spPr/>
+      <dgm:t>
+        <a:bodyPr/>
+        <a:lstStyle/>
+        <a:p>
+          <a:r>
+            <a:rPr lang="pt-BR" sz="2000" b="1" i="1" u="none" dirty="0" smtClean="0"/>
+            <a:t>Presença Familiar</a:t>
+          </a:r>
+        </a:p>
+      </dgm:t>
+    </dgm:pt>
+    <dgm:pt modelId="{E6C8A4BD-32E8-4303-9A4E-85B5A26A5306}" type="parTrans" cxnId="{54AB107E-84AE-4BE2-B37D-0CE9E30EF230}">
+      <dgm:prSet/>
+      <dgm:spPr/>
+      <dgm:t>
+        <a:bodyPr/>
+        <a:lstStyle/>
+        <a:p>
+          <a:endParaRPr lang="pt-BR"/>
+        </a:p>
+      </dgm:t>
+    </dgm:pt>
+    <dgm:pt modelId="{A836BDE3-C82E-483C-A787-DA3D67672402}" type="sibTrans" cxnId="{54AB107E-84AE-4BE2-B37D-0CE9E30EF230}">
+      <dgm:prSet/>
+      <dgm:spPr/>
+      <dgm:t>
+        <a:bodyPr/>
+        <a:lstStyle/>
+        <a:p>
+          <a:endParaRPr lang="pt-BR"/>
+        </a:p>
+      </dgm:t>
+    </dgm:pt>
+    <dgm:pt modelId="{B0E81785-8565-4450-A3D2-1EAB3CE74B86}">
+      <dgm:prSet phldrT="[Texto]" custT="1"/>
+      <dgm:spPr/>
+      <dgm:t>
+        <a:bodyPr/>
+        <a:lstStyle/>
+        <a:p>
+          <a:r>
+            <a:rPr lang="pt-BR" sz="2000" b="1" i="1" u="none" dirty="0" smtClean="0"/>
+            <a:t>Recursos</a:t>
+          </a:r>
+        </a:p>
+      </dgm:t>
+    </dgm:pt>
+    <dgm:pt modelId="{44D89BFC-4E8A-41BF-B9C6-37B13425A654}" type="parTrans" cxnId="{36B0EE48-46EA-4728-82C9-0493388BBD14}">
+      <dgm:prSet/>
+      <dgm:spPr/>
+      <dgm:t>
+        <a:bodyPr/>
+        <a:lstStyle/>
+        <a:p>
+          <a:endParaRPr lang="pt-BR"/>
+        </a:p>
+      </dgm:t>
+    </dgm:pt>
+    <dgm:pt modelId="{BC2C6D29-FFE8-4884-BC2E-E34CF68A5A0A}" type="sibTrans" cxnId="{36B0EE48-46EA-4728-82C9-0493388BBD14}">
+      <dgm:prSet/>
+      <dgm:spPr/>
+      <dgm:t>
+        <a:bodyPr/>
+        <a:lstStyle/>
+        <a:p>
+          <a:endParaRPr lang="pt-BR"/>
+        </a:p>
+      </dgm:t>
+    </dgm:pt>
+    <dgm:pt modelId="{6B4DAAA9-845D-4644-A427-408668200732}">
+      <dgm:prSet phldrT="[Texto]"/>
+      <dgm:spPr/>
+      <dgm:t>
+        <a:bodyPr/>
+        <a:lstStyle/>
+        <a:p>
+          <a:r>
+            <a:rPr lang="pt-BR" dirty="0" smtClean="0"/>
+            <a:t>Conciliação com outras atividades</a:t>
+          </a:r>
+          <a:endParaRPr lang="pt-BR" dirty="0"/>
+        </a:p>
+      </dgm:t>
+    </dgm:pt>
+    <dgm:pt modelId="{3C350C4A-706A-4916-A5C2-56E969C98563}" type="parTrans" cxnId="{6F037319-268E-47D9-9BB0-D63998FFCAFD}">
+      <dgm:prSet/>
+      <dgm:spPr/>
+      <dgm:t>
+        <a:bodyPr/>
+        <a:lstStyle/>
+        <a:p>
+          <a:endParaRPr lang="pt-BR"/>
+        </a:p>
+      </dgm:t>
+    </dgm:pt>
+    <dgm:pt modelId="{331D5DC8-0DCA-4857-BBB7-B4AB744EDA8C}" type="sibTrans" cxnId="{6F037319-268E-47D9-9BB0-D63998FFCAFD}">
+      <dgm:prSet/>
+      <dgm:spPr/>
+      <dgm:t>
+        <a:bodyPr/>
+        <a:lstStyle/>
+        <a:p>
+          <a:endParaRPr lang="pt-BR"/>
+        </a:p>
+      </dgm:t>
+    </dgm:pt>
+    <dgm:pt modelId="{11A335D1-3501-4BB2-BFF4-28AF98744FE5}">
+      <dgm:prSet phldrT="[Texto]" custT="1"/>
+      <dgm:spPr/>
+      <dgm:t>
+        <a:bodyPr/>
+        <a:lstStyle/>
+        <a:p>
+          <a:r>
+            <a:rPr lang="pt-BR" sz="2000" b="1" i="1" u="none" dirty="0" smtClean="0"/>
+            <a:t>Projeto </a:t>
+          </a:r>
+          <a:r>
+            <a:rPr lang="pt-BR" sz="2000" b="1" i="1" u="none" dirty="0" err="1" smtClean="0"/>
+            <a:t>Mobile</a:t>
+          </a:r>
+          <a:endParaRPr lang="pt-BR" sz="2000" b="1" i="1" u="none" dirty="0" smtClean="0"/>
+        </a:p>
+      </dgm:t>
+    </dgm:pt>
+    <dgm:pt modelId="{745977E7-9818-4702-AD20-7ACEE032D72D}" type="parTrans" cxnId="{496739E9-FFEE-4C35-82AE-0383D4A7A2E4}">
+      <dgm:prSet/>
+      <dgm:spPr/>
+      <dgm:t>
+        <a:bodyPr/>
+        <a:lstStyle/>
+        <a:p>
+          <a:endParaRPr lang="pt-BR"/>
+        </a:p>
+      </dgm:t>
+    </dgm:pt>
+    <dgm:pt modelId="{F97DBA86-0182-4621-905A-95725171634D}" type="sibTrans" cxnId="{496739E9-FFEE-4C35-82AE-0383D4A7A2E4}">
+      <dgm:prSet/>
+      <dgm:spPr/>
+      <dgm:t>
+        <a:bodyPr/>
+        <a:lstStyle/>
+        <a:p>
+          <a:endParaRPr lang="pt-BR"/>
+        </a:p>
+      </dgm:t>
+    </dgm:pt>
+    <dgm:pt modelId="{54AA7BE5-EADB-4BC0-A843-E4C9D9D0F62C}">
+      <dgm:prSet phldrT="[Texto]" custT="1"/>
+      <dgm:spPr/>
+      <dgm:t>
+        <a:bodyPr/>
+        <a:lstStyle/>
+        <a:p>
+          <a:r>
+            <a:rPr lang="pt-BR" sz="2000" b="1" i="1" u="none" dirty="0" smtClean="0"/>
+            <a:t>Projeto JEE</a:t>
+          </a:r>
+        </a:p>
+      </dgm:t>
+    </dgm:pt>
+    <dgm:pt modelId="{76999992-1168-404B-B796-89636DE5FFD7}" type="parTrans" cxnId="{53DAC3BB-ABE3-45A0-B732-18A5E09E19E9}">
+      <dgm:prSet/>
+      <dgm:spPr/>
+      <dgm:t>
+        <a:bodyPr/>
+        <a:lstStyle/>
+        <a:p>
+          <a:endParaRPr lang="pt-BR"/>
+        </a:p>
+      </dgm:t>
+    </dgm:pt>
+    <dgm:pt modelId="{26EABD0F-B663-4D2A-9F3D-E8686973F635}" type="sibTrans" cxnId="{53DAC3BB-ABE3-45A0-B732-18A5E09E19E9}">
+      <dgm:prSet/>
+      <dgm:spPr/>
+      <dgm:t>
+        <a:bodyPr/>
+        <a:lstStyle/>
+        <a:p>
+          <a:endParaRPr lang="pt-BR"/>
+        </a:p>
+      </dgm:t>
+    </dgm:pt>
+    <dgm:pt modelId="{1BCFAF3C-4E31-4874-9908-DFC5DBF15CA3}">
+      <dgm:prSet phldrT="[Texto]" custT="1"/>
+      <dgm:spPr/>
+      <dgm:t>
+        <a:bodyPr/>
+        <a:lstStyle/>
+        <a:p>
+          <a:r>
+            <a:rPr lang="pt-BR" sz="2000" b="1" i="1" u="none" dirty="0" smtClean="0"/>
+            <a:t>Projeto IA</a:t>
+          </a:r>
+        </a:p>
+      </dgm:t>
+    </dgm:pt>
+    <dgm:pt modelId="{5A39F900-C640-4D33-A1D0-5F819FDE151D}" type="parTrans" cxnId="{BEE2420D-3853-4223-AB1C-03ABE5A06AFA}">
+      <dgm:prSet/>
+      <dgm:spPr/>
+      <dgm:t>
+        <a:bodyPr/>
+        <a:lstStyle/>
+        <a:p>
+          <a:endParaRPr lang="pt-BR"/>
+        </a:p>
+      </dgm:t>
+    </dgm:pt>
+    <dgm:pt modelId="{9B8BBA53-2521-48E5-84F1-D8842481005F}" type="sibTrans" cxnId="{BEE2420D-3853-4223-AB1C-03ABE5A06AFA}">
+      <dgm:prSet/>
+      <dgm:spPr/>
+      <dgm:t>
+        <a:bodyPr/>
+        <a:lstStyle/>
+        <a:p>
+          <a:endParaRPr lang="pt-BR"/>
+        </a:p>
+      </dgm:t>
+    </dgm:pt>
+    <dgm:pt modelId="{B828F596-42F3-43D2-A297-7EDA6DCAB987}">
+      <dgm:prSet phldrT="[Texto]" custT="1"/>
+      <dgm:spPr/>
+      <dgm:t>
+        <a:bodyPr/>
+        <a:lstStyle/>
+        <a:p>
+          <a:r>
+            <a:rPr lang="pt-BR" sz="2000" b="1" i="1" u="none" dirty="0" smtClean="0"/>
+            <a:t>Projeto PSP</a:t>
+          </a:r>
+        </a:p>
+      </dgm:t>
+    </dgm:pt>
+    <dgm:pt modelId="{F200FC10-0F45-4575-BD01-0F67D05FB0A7}" type="parTrans" cxnId="{5ED5C52A-13DC-407A-8C04-16D3D9831050}">
+      <dgm:prSet/>
+      <dgm:spPr/>
+      <dgm:t>
+        <a:bodyPr/>
+        <a:lstStyle/>
+        <a:p>
+          <a:endParaRPr lang="pt-BR"/>
+        </a:p>
+      </dgm:t>
+    </dgm:pt>
+    <dgm:pt modelId="{E3FA57E8-82A1-489B-A3BD-8AB5451B74A3}" type="sibTrans" cxnId="{5ED5C52A-13DC-407A-8C04-16D3D9831050}">
+      <dgm:prSet/>
+      <dgm:spPr/>
+      <dgm:t>
+        <a:bodyPr/>
+        <a:lstStyle/>
+        <a:p>
+          <a:endParaRPr lang="pt-BR"/>
+        </a:p>
+      </dgm:t>
+    </dgm:pt>
+    <dgm:pt modelId="{9F2717B7-3380-4165-890D-62CC02ECD9AA}" type="pres">
+      <dgm:prSet presAssocID="{08CBE1EF-291F-49FF-9216-BF8D24382816}" presName="Name0" presStyleCnt="0">
+        <dgm:presLayoutVars>
+          <dgm:dir/>
+          <dgm:animLvl val="lvl"/>
+          <dgm:resizeHandles val="exact"/>
+        </dgm:presLayoutVars>
+      </dgm:prSet>
+      <dgm:spPr/>
+      <dgm:t>
+        <a:bodyPr/>
+        <a:lstStyle/>
+        <a:p>
+          <a:endParaRPr lang="pt-BR"/>
+        </a:p>
+      </dgm:t>
+    </dgm:pt>
+    <dgm:pt modelId="{C3FBB71A-BB96-4D6D-865B-29EF8030F87F}" type="pres">
+      <dgm:prSet presAssocID="{43329A8B-63C6-441F-B1E3-F6E8FCD1EC1A}" presName="vertFlow" presStyleCnt="0"/>
+      <dgm:spPr/>
+    </dgm:pt>
+    <dgm:pt modelId="{8A37306F-A061-4A09-8F33-E88AF0E2EE9F}" type="pres">
+      <dgm:prSet presAssocID="{43329A8B-63C6-441F-B1E3-F6E8FCD1EC1A}" presName="header" presStyleLbl="node1" presStyleIdx="0" presStyleCnt="2"/>
+      <dgm:spPr/>
+      <dgm:t>
+        <a:bodyPr/>
+        <a:lstStyle/>
+        <a:p>
+          <a:endParaRPr lang="pt-BR"/>
+        </a:p>
+      </dgm:t>
+    </dgm:pt>
+    <dgm:pt modelId="{EB346F6E-073C-4711-B080-19C9D517FCD5}" type="pres">
+      <dgm:prSet presAssocID="{46EB8D28-3B3A-487C-8EE4-41612BB2EDF7}" presName="parTrans" presStyleLbl="sibTrans2D1" presStyleIdx="0" presStyleCnt="8"/>
+      <dgm:spPr/>
+    </dgm:pt>
+    <dgm:pt modelId="{7AD39B0E-3A28-448D-BBC1-18828EDF3B58}" type="pres">
+      <dgm:prSet presAssocID="{F44EA5C5-25C1-45A0-92EB-93132EC62890}" presName="child" presStyleLbl="alignAccFollowNode1" presStyleIdx="0" presStyleCnt="8">
+        <dgm:presLayoutVars>
+          <dgm:chMax val="0"/>
+          <dgm:bulletEnabled val="1"/>
+        </dgm:presLayoutVars>
+      </dgm:prSet>
+      <dgm:spPr/>
+      <dgm:t>
+        <a:bodyPr/>
+        <a:lstStyle/>
+        <a:p>
+          <a:endParaRPr lang="pt-BR"/>
+        </a:p>
+      </dgm:t>
+    </dgm:pt>
+    <dgm:pt modelId="{66ABFDD4-9BE7-48A4-92DD-70A11C4983E0}" type="pres">
+      <dgm:prSet presAssocID="{1C471375-47A6-4259-A8F0-7565C4E89DE1}" presName="sibTrans" presStyleLbl="sibTrans2D1" presStyleIdx="1" presStyleCnt="8"/>
+      <dgm:spPr/>
+    </dgm:pt>
+    <dgm:pt modelId="{8FF414BD-7C31-4FC9-9341-0D8062979814}" type="pres">
+      <dgm:prSet presAssocID="{E7E826FF-50B9-4B81-B7D8-F1CE96E1C0CD}" presName="child" presStyleLbl="alignAccFollowNode1" presStyleIdx="1" presStyleCnt="8">
+        <dgm:presLayoutVars>
+          <dgm:chMax val="0"/>
+          <dgm:bulletEnabled val="1"/>
+        </dgm:presLayoutVars>
+      </dgm:prSet>
+      <dgm:spPr/>
+      <dgm:t>
+        <a:bodyPr/>
+        <a:lstStyle/>
+        <a:p>
+          <a:endParaRPr lang="pt-BR"/>
+        </a:p>
+      </dgm:t>
+    </dgm:pt>
+    <dgm:pt modelId="{D9552F57-97F9-4C41-89AA-F8DADC43E49E}" type="pres">
+      <dgm:prSet presAssocID="{F2E66BA7-0AAD-4C29-939B-23D4ECB3456B}" presName="sibTrans" presStyleLbl="sibTrans2D1" presStyleIdx="2" presStyleCnt="8"/>
+      <dgm:spPr/>
+    </dgm:pt>
+    <dgm:pt modelId="{98272109-4C91-4FD0-920B-7A34009054A0}" type="pres">
+      <dgm:prSet presAssocID="{708FA8A1-AA7B-438F-9398-C17DFEFEE604}" presName="child" presStyleLbl="alignAccFollowNode1" presStyleIdx="2" presStyleCnt="8">
+        <dgm:presLayoutVars>
+          <dgm:chMax val="0"/>
+          <dgm:bulletEnabled val="1"/>
+        </dgm:presLayoutVars>
+      </dgm:prSet>
+      <dgm:spPr/>
+      <dgm:t>
+        <a:bodyPr/>
+        <a:lstStyle/>
+        <a:p>
+          <a:endParaRPr lang="pt-BR"/>
+        </a:p>
+      </dgm:t>
+    </dgm:pt>
+    <dgm:pt modelId="{48F3A7AD-E76E-4BF2-9BDC-12EB7DDCF419}" type="pres">
+      <dgm:prSet presAssocID="{A836BDE3-C82E-483C-A787-DA3D67672402}" presName="sibTrans" presStyleLbl="sibTrans2D1" presStyleIdx="3" presStyleCnt="8"/>
+      <dgm:spPr/>
+    </dgm:pt>
+    <dgm:pt modelId="{BF8ADBA3-1B47-41F1-8570-2480BD817452}" type="pres">
+      <dgm:prSet presAssocID="{B0E81785-8565-4450-A3D2-1EAB3CE74B86}" presName="child" presStyleLbl="alignAccFollowNode1" presStyleIdx="3" presStyleCnt="8">
+        <dgm:presLayoutVars>
+          <dgm:chMax val="0"/>
+          <dgm:bulletEnabled val="1"/>
+        </dgm:presLayoutVars>
+      </dgm:prSet>
+      <dgm:spPr/>
+      <dgm:t>
+        <a:bodyPr/>
+        <a:lstStyle/>
+        <a:p>
+          <a:endParaRPr lang="pt-BR"/>
+        </a:p>
+      </dgm:t>
+    </dgm:pt>
+    <dgm:pt modelId="{B5BD2078-B2C6-41B8-B66C-C04434038FAC}" type="pres">
+      <dgm:prSet presAssocID="{43329A8B-63C6-441F-B1E3-F6E8FCD1EC1A}" presName="hSp" presStyleCnt="0"/>
+      <dgm:spPr/>
+    </dgm:pt>
+    <dgm:pt modelId="{89587F93-689F-46D3-AB39-967263F85ABD}" type="pres">
+      <dgm:prSet presAssocID="{6B4DAAA9-845D-4644-A427-408668200732}" presName="vertFlow" presStyleCnt="0"/>
+      <dgm:spPr/>
+    </dgm:pt>
+    <dgm:pt modelId="{4BC6E0E7-8026-4D09-BB0F-88A6C7F93518}" type="pres">
+      <dgm:prSet presAssocID="{6B4DAAA9-845D-4644-A427-408668200732}" presName="header" presStyleLbl="node1" presStyleIdx="1" presStyleCnt="2"/>
+      <dgm:spPr/>
+      <dgm:t>
+        <a:bodyPr/>
+        <a:lstStyle/>
+        <a:p>
+          <a:endParaRPr lang="pt-BR"/>
+        </a:p>
+      </dgm:t>
+    </dgm:pt>
+    <dgm:pt modelId="{E8E10B6A-D5AD-49A5-989A-5F447CD06E0B}" type="pres">
+      <dgm:prSet presAssocID="{745977E7-9818-4702-AD20-7ACEE032D72D}" presName="parTrans" presStyleLbl="sibTrans2D1" presStyleIdx="4" presStyleCnt="8"/>
+      <dgm:spPr/>
+    </dgm:pt>
+    <dgm:pt modelId="{B63D4747-32C5-4078-8878-D43DB91220BE}" type="pres">
+      <dgm:prSet presAssocID="{11A335D1-3501-4BB2-BFF4-28AF98744FE5}" presName="child" presStyleLbl="alignAccFollowNode1" presStyleIdx="4" presStyleCnt="8">
+        <dgm:presLayoutVars>
+          <dgm:chMax val="0"/>
+          <dgm:bulletEnabled val="1"/>
+        </dgm:presLayoutVars>
+      </dgm:prSet>
+      <dgm:spPr/>
+      <dgm:t>
+        <a:bodyPr/>
+        <a:lstStyle/>
+        <a:p>
+          <a:endParaRPr lang="pt-BR"/>
+        </a:p>
+      </dgm:t>
+    </dgm:pt>
+    <dgm:pt modelId="{681729CB-94B7-48B2-9C0E-8630256798B7}" type="pres">
+      <dgm:prSet presAssocID="{F97DBA86-0182-4621-905A-95725171634D}" presName="sibTrans" presStyleLbl="sibTrans2D1" presStyleIdx="5" presStyleCnt="8"/>
+      <dgm:spPr/>
+    </dgm:pt>
+    <dgm:pt modelId="{7EB3E8EB-066D-4CDC-A05D-4FACC6ABFD5D}" type="pres">
+      <dgm:prSet presAssocID="{54AA7BE5-EADB-4BC0-A843-E4C9D9D0F62C}" presName="child" presStyleLbl="alignAccFollowNode1" presStyleIdx="5" presStyleCnt="8">
+        <dgm:presLayoutVars>
+          <dgm:chMax val="0"/>
+          <dgm:bulletEnabled val="1"/>
+        </dgm:presLayoutVars>
+      </dgm:prSet>
+      <dgm:spPr/>
+      <dgm:t>
+        <a:bodyPr/>
+        <a:lstStyle/>
+        <a:p>
+          <a:endParaRPr lang="pt-BR"/>
+        </a:p>
+      </dgm:t>
+    </dgm:pt>
+    <dgm:pt modelId="{06A8715A-E5BC-4381-BA93-8420AB28CB9E}" type="pres">
+      <dgm:prSet presAssocID="{26EABD0F-B663-4D2A-9F3D-E8686973F635}" presName="sibTrans" presStyleLbl="sibTrans2D1" presStyleIdx="6" presStyleCnt="8"/>
+      <dgm:spPr/>
+    </dgm:pt>
+    <dgm:pt modelId="{45B76775-2F8C-42F0-A215-833BE956260A}" type="pres">
+      <dgm:prSet presAssocID="{1BCFAF3C-4E31-4874-9908-DFC5DBF15CA3}" presName="child" presStyleLbl="alignAccFollowNode1" presStyleIdx="6" presStyleCnt="8">
+        <dgm:presLayoutVars>
+          <dgm:chMax val="0"/>
+          <dgm:bulletEnabled val="1"/>
+        </dgm:presLayoutVars>
+      </dgm:prSet>
+      <dgm:spPr/>
+      <dgm:t>
+        <a:bodyPr/>
+        <a:lstStyle/>
+        <a:p>
+          <a:endParaRPr lang="pt-BR"/>
+        </a:p>
+      </dgm:t>
+    </dgm:pt>
+    <dgm:pt modelId="{074435A4-7163-418E-9BC7-F11045AF0B1C}" type="pres">
+      <dgm:prSet presAssocID="{9B8BBA53-2521-48E5-84F1-D8842481005F}" presName="sibTrans" presStyleLbl="sibTrans2D1" presStyleIdx="7" presStyleCnt="8"/>
+      <dgm:spPr/>
+    </dgm:pt>
+    <dgm:pt modelId="{2CD8420F-DBF0-4F2E-9622-5721D86E74D3}" type="pres">
+      <dgm:prSet presAssocID="{B828F596-42F3-43D2-A297-7EDA6DCAB987}" presName="child" presStyleLbl="alignAccFollowNode1" presStyleIdx="7" presStyleCnt="8">
+        <dgm:presLayoutVars>
+          <dgm:chMax val="0"/>
+          <dgm:bulletEnabled val="1"/>
+        </dgm:presLayoutVars>
+      </dgm:prSet>
+      <dgm:spPr/>
+      <dgm:t>
+        <a:bodyPr/>
+        <a:lstStyle/>
+        <a:p>
+          <a:endParaRPr lang="pt-BR"/>
+        </a:p>
+      </dgm:t>
+    </dgm:pt>
+  </dgm:ptLst>
+  <dgm:cxnLst>
+    <dgm:cxn modelId="{BA2EFFBE-456B-41E1-8F42-B3BCE651FF85}" type="presOf" srcId="{08CBE1EF-291F-49FF-9216-BF8D24382816}" destId="{9F2717B7-3380-4165-890D-62CC02ECD9AA}" srcOrd="0" destOrd="0" presId="urn:microsoft.com/office/officeart/2005/8/layout/lProcess1"/>
+    <dgm:cxn modelId="{E86C58BD-2D10-4916-9899-DFE4F4BCFD1C}" type="presOf" srcId="{11A335D1-3501-4BB2-BFF4-28AF98744FE5}" destId="{B63D4747-32C5-4078-8878-D43DB91220BE}" srcOrd="0" destOrd="0" presId="urn:microsoft.com/office/officeart/2005/8/layout/lProcess1"/>
+    <dgm:cxn modelId="{F6DAD805-CC76-4141-89E9-838651480B44}" type="presOf" srcId="{1C471375-47A6-4259-A8F0-7565C4E89DE1}" destId="{66ABFDD4-9BE7-48A4-92DD-70A11C4983E0}" srcOrd="0" destOrd="0" presId="urn:microsoft.com/office/officeart/2005/8/layout/lProcess1"/>
+    <dgm:cxn modelId="{96690A56-0AA6-4282-A428-44C13AF4C27F}" type="presOf" srcId="{B828F596-42F3-43D2-A297-7EDA6DCAB987}" destId="{2CD8420F-DBF0-4F2E-9622-5721D86E74D3}" srcOrd="0" destOrd="0" presId="urn:microsoft.com/office/officeart/2005/8/layout/lProcess1"/>
+    <dgm:cxn modelId="{B3E6A449-828C-4B9D-BACC-E4144EF2975E}" type="presOf" srcId="{F2E66BA7-0AAD-4C29-939B-23D4ECB3456B}" destId="{D9552F57-97F9-4C41-89AA-F8DADC43E49E}" srcOrd="0" destOrd="0" presId="urn:microsoft.com/office/officeart/2005/8/layout/lProcess1"/>
+    <dgm:cxn modelId="{54AB107E-84AE-4BE2-B37D-0CE9E30EF230}" srcId="{43329A8B-63C6-441F-B1E3-F6E8FCD1EC1A}" destId="{708FA8A1-AA7B-438F-9398-C17DFEFEE604}" srcOrd="2" destOrd="0" parTransId="{E6C8A4BD-32E8-4303-9A4E-85B5A26A5306}" sibTransId="{A836BDE3-C82E-483C-A787-DA3D67672402}"/>
+    <dgm:cxn modelId="{ABE0448D-FDDC-4618-BB95-43615F171BAF}" srcId="{43329A8B-63C6-441F-B1E3-F6E8FCD1EC1A}" destId="{E7E826FF-50B9-4B81-B7D8-F1CE96E1C0CD}" srcOrd="1" destOrd="0" parTransId="{379562AC-787A-4479-A913-1E9D6900C776}" sibTransId="{F2E66BA7-0AAD-4C29-939B-23D4ECB3456B}"/>
+    <dgm:cxn modelId="{62B166D7-5498-42AE-9D18-B9096321F1F5}" type="presOf" srcId="{708FA8A1-AA7B-438F-9398-C17DFEFEE604}" destId="{98272109-4C91-4FD0-920B-7A34009054A0}" srcOrd="0" destOrd="0" presId="urn:microsoft.com/office/officeart/2005/8/layout/lProcess1"/>
+    <dgm:cxn modelId="{1BBE8533-A4AE-42A1-A05D-912E0078045A}" type="presOf" srcId="{745977E7-9818-4702-AD20-7ACEE032D72D}" destId="{E8E10B6A-D5AD-49A5-989A-5F447CD06E0B}" srcOrd="0" destOrd="0" presId="urn:microsoft.com/office/officeart/2005/8/layout/lProcess1"/>
+    <dgm:cxn modelId="{970797E9-678B-4462-A6A7-7C660602CB21}" type="presOf" srcId="{A836BDE3-C82E-483C-A787-DA3D67672402}" destId="{48F3A7AD-E76E-4BF2-9BDC-12EB7DDCF419}" srcOrd="0" destOrd="0" presId="urn:microsoft.com/office/officeart/2005/8/layout/lProcess1"/>
+    <dgm:cxn modelId="{B1C73869-0791-4AFB-BF5D-8FA41CF341AC}" type="presOf" srcId="{6B4DAAA9-845D-4644-A427-408668200732}" destId="{4BC6E0E7-8026-4D09-BB0F-88A6C7F93518}" srcOrd="0" destOrd="0" presId="urn:microsoft.com/office/officeart/2005/8/layout/lProcess1"/>
+    <dgm:cxn modelId="{66C726BD-0B9C-452E-B607-9DB343D50DAC}" type="presOf" srcId="{26EABD0F-B663-4D2A-9F3D-E8686973F635}" destId="{06A8715A-E5BC-4381-BA93-8420AB28CB9E}" srcOrd="0" destOrd="0" presId="urn:microsoft.com/office/officeart/2005/8/layout/lProcess1"/>
+    <dgm:cxn modelId="{4B59379A-4560-4E3F-8FFD-8245C0A47504}" type="presOf" srcId="{46EB8D28-3B3A-487C-8EE4-41612BB2EDF7}" destId="{EB346F6E-073C-4711-B080-19C9D517FCD5}" srcOrd="0" destOrd="0" presId="urn:microsoft.com/office/officeart/2005/8/layout/lProcess1"/>
+    <dgm:cxn modelId="{2592A9C9-6FD4-43E5-8817-2B72C36BCF45}" type="presOf" srcId="{E7E826FF-50B9-4B81-B7D8-F1CE96E1C0CD}" destId="{8FF414BD-7C31-4FC9-9341-0D8062979814}" srcOrd="0" destOrd="0" presId="urn:microsoft.com/office/officeart/2005/8/layout/lProcess1"/>
+    <dgm:cxn modelId="{8E55268C-65AF-485E-BFFB-6CBAB8A23874}" type="presOf" srcId="{54AA7BE5-EADB-4BC0-A843-E4C9D9D0F62C}" destId="{7EB3E8EB-066D-4CDC-A05D-4FACC6ABFD5D}" srcOrd="0" destOrd="0" presId="urn:microsoft.com/office/officeart/2005/8/layout/lProcess1"/>
+    <dgm:cxn modelId="{2C0526AD-4D1E-472E-B157-EF6FAC3BF0CE}" type="presOf" srcId="{F44EA5C5-25C1-45A0-92EB-93132EC62890}" destId="{7AD39B0E-3A28-448D-BBC1-18828EDF3B58}" srcOrd="0" destOrd="0" presId="urn:microsoft.com/office/officeart/2005/8/layout/lProcess1"/>
+    <dgm:cxn modelId="{BDF0AC40-7701-4EAB-8FB5-03B33C012FCD}" type="presOf" srcId="{1BCFAF3C-4E31-4874-9908-DFC5DBF15CA3}" destId="{45B76775-2F8C-42F0-A215-833BE956260A}" srcOrd="0" destOrd="0" presId="urn:microsoft.com/office/officeart/2005/8/layout/lProcess1"/>
+    <dgm:cxn modelId="{1D33B055-1BF4-4B76-8DD5-E926AD058C91}" srcId="{08CBE1EF-291F-49FF-9216-BF8D24382816}" destId="{43329A8B-63C6-441F-B1E3-F6E8FCD1EC1A}" srcOrd="0" destOrd="0" parTransId="{E74B7A14-BFAE-4A83-90ED-42D4A4A23220}" sibTransId="{DD92D6D8-0371-4BDE-9D96-40965A36D424}"/>
+    <dgm:cxn modelId="{5ED5C52A-13DC-407A-8C04-16D3D9831050}" srcId="{6B4DAAA9-845D-4644-A427-408668200732}" destId="{B828F596-42F3-43D2-A297-7EDA6DCAB987}" srcOrd="3" destOrd="0" parTransId="{F200FC10-0F45-4575-BD01-0F67D05FB0A7}" sibTransId="{E3FA57E8-82A1-489B-A3BD-8AB5451B74A3}"/>
+    <dgm:cxn modelId="{36B0EE48-46EA-4728-82C9-0493388BBD14}" srcId="{43329A8B-63C6-441F-B1E3-F6E8FCD1EC1A}" destId="{B0E81785-8565-4450-A3D2-1EAB3CE74B86}" srcOrd="3" destOrd="0" parTransId="{44D89BFC-4E8A-41BF-B9C6-37B13425A654}" sibTransId="{BC2C6D29-FFE8-4884-BC2E-E34CF68A5A0A}"/>
+    <dgm:cxn modelId="{86D7E904-ECDB-4DE7-9D8B-EABE279E16FA}" type="presOf" srcId="{B0E81785-8565-4450-A3D2-1EAB3CE74B86}" destId="{BF8ADBA3-1B47-41F1-8570-2480BD817452}" srcOrd="0" destOrd="0" presId="urn:microsoft.com/office/officeart/2005/8/layout/lProcess1"/>
+    <dgm:cxn modelId="{53DAC3BB-ABE3-45A0-B732-18A5E09E19E9}" srcId="{6B4DAAA9-845D-4644-A427-408668200732}" destId="{54AA7BE5-EADB-4BC0-A843-E4C9D9D0F62C}" srcOrd="1" destOrd="0" parTransId="{76999992-1168-404B-B796-89636DE5FFD7}" sibTransId="{26EABD0F-B663-4D2A-9F3D-E8686973F635}"/>
+    <dgm:cxn modelId="{496739E9-FFEE-4C35-82AE-0383D4A7A2E4}" srcId="{6B4DAAA9-845D-4644-A427-408668200732}" destId="{11A335D1-3501-4BB2-BFF4-28AF98744FE5}" srcOrd="0" destOrd="0" parTransId="{745977E7-9818-4702-AD20-7ACEE032D72D}" sibTransId="{F97DBA86-0182-4621-905A-95725171634D}"/>
+    <dgm:cxn modelId="{0132F82F-4DBB-4374-92E5-BB9D9FE0637B}" type="presOf" srcId="{9B8BBA53-2521-48E5-84F1-D8842481005F}" destId="{074435A4-7163-418E-9BC7-F11045AF0B1C}" srcOrd="0" destOrd="0" presId="urn:microsoft.com/office/officeart/2005/8/layout/lProcess1"/>
+    <dgm:cxn modelId="{5A3EF93C-07EF-45DE-B501-100E6B971DE5}" srcId="{43329A8B-63C6-441F-B1E3-F6E8FCD1EC1A}" destId="{F44EA5C5-25C1-45A0-92EB-93132EC62890}" srcOrd="0" destOrd="0" parTransId="{46EB8D28-3B3A-487C-8EE4-41612BB2EDF7}" sibTransId="{1C471375-47A6-4259-A8F0-7565C4E89DE1}"/>
+    <dgm:cxn modelId="{6F037319-268E-47D9-9BB0-D63998FFCAFD}" srcId="{08CBE1EF-291F-49FF-9216-BF8D24382816}" destId="{6B4DAAA9-845D-4644-A427-408668200732}" srcOrd="1" destOrd="0" parTransId="{3C350C4A-706A-4916-A5C2-56E969C98563}" sibTransId="{331D5DC8-0DCA-4857-BBB7-B4AB744EDA8C}"/>
+    <dgm:cxn modelId="{9810544E-8A8B-4229-BEC9-13BE815088D0}" type="presOf" srcId="{43329A8B-63C6-441F-B1E3-F6E8FCD1EC1A}" destId="{8A37306F-A061-4A09-8F33-E88AF0E2EE9F}" srcOrd="0" destOrd="0" presId="urn:microsoft.com/office/officeart/2005/8/layout/lProcess1"/>
+    <dgm:cxn modelId="{3BD43FB7-27AB-4B61-B822-04999A544E0E}" type="presOf" srcId="{F97DBA86-0182-4621-905A-95725171634D}" destId="{681729CB-94B7-48B2-9C0E-8630256798B7}" srcOrd="0" destOrd="0" presId="urn:microsoft.com/office/officeart/2005/8/layout/lProcess1"/>
+    <dgm:cxn modelId="{BEE2420D-3853-4223-AB1C-03ABE5A06AFA}" srcId="{6B4DAAA9-845D-4644-A427-408668200732}" destId="{1BCFAF3C-4E31-4874-9908-DFC5DBF15CA3}" srcOrd="2" destOrd="0" parTransId="{5A39F900-C640-4D33-A1D0-5F819FDE151D}" sibTransId="{9B8BBA53-2521-48E5-84F1-D8842481005F}"/>
+    <dgm:cxn modelId="{29FA2C82-5756-4B51-B023-4822BB9869E9}" type="presParOf" srcId="{9F2717B7-3380-4165-890D-62CC02ECD9AA}" destId="{C3FBB71A-BB96-4D6D-865B-29EF8030F87F}" srcOrd="0" destOrd="0" presId="urn:microsoft.com/office/officeart/2005/8/layout/lProcess1"/>
+    <dgm:cxn modelId="{D23910F7-C994-480D-B3ED-DA945EFE08E5}" type="presParOf" srcId="{C3FBB71A-BB96-4D6D-865B-29EF8030F87F}" destId="{8A37306F-A061-4A09-8F33-E88AF0E2EE9F}" srcOrd="0" destOrd="0" presId="urn:microsoft.com/office/officeart/2005/8/layout/lProcess1"/>
+    <dgm:cxn modelId="{C000A423-B876-4E0B-A404-E5CA24F470F4}" type="presParOf" srcId="{C3FBB71A-BB96-4D6D-865B-29EF8030F87F}" destId="{EB346F6E-073C-4711-B080-19C9D517FCD5}" srcOrd="1" destOrd="0" presId="urn:microsoft.com/office/officeart/2005/8/layout/lProcess1"/>
+    <dgm:cxn modelId="{DB91D3B6-118B-432D-B67B-5643D2AA313C}" type="presParOf" srcId="{C3FBB71A-BB96-4D6D-865B-29EF8030F87F}" destId="{7AD39B0E-3A28-448D-BBC1-18828EDF3B58}" srcOrd="2" destOrd="0" presId="urn:microsoft.com/office/officeart/2005/8/layout/lProcess1"/>
+    <dgm:cxn modelId="{A7BBF68B-FEBD-4F13-B6AF-0E2FA52FE54C}" type="presParOf" srcId="{C3FBB71A-BB96-4D6D-865B-29EF8030F87F}" destId="{66ABFDD4-9BE7-48A4-92DD-70A11C4983E0}" srcOrd="3" destOrd="0" presId="urn:microsoft.com/office/officeart/2005/8/layout/lProcess1"/>
+    <dgm:cxn modelId="{6CFABF8A-DC38-41A4-B6ED-CEA03E6FF805}" type="presParOf" srcId="{C3FBB71A-BB96-4D6D-865B-29EF8030F87F}" destId="{8FF414BD-7C31-4FC9-9341-0D8062979814}" srcOrd="4" destOrd="0" presId="urn:microsoft.com/office/officeart/2005/8/layout/lProcess1"/>
+    <dgm:cxn modelId="{033E8B21-9032-416A-93CD-03C1E53A23DC}" type="presParOf" srcId="{C3FBB71A-BB96-4D6D-865B-29EF8030F87F}" destId="{D9552F57-97F9-4C41-89AA-F8DADC43E49E}" srcOrd="5" destOrd="0" presId="urn:microsoft.com/office/officeart/2005/8/layout/lProcess1"/>
+    <dgm:cxn modelId="{F8D67423-2E6A-44AB-96BA-5A7CAA166522}" type="presParOf" srcId="{C3FBB71A-BB96-4D6D-865B-29EF8030F87F}" destId="{98272109-4C91-4FD0-920B-7A34009054A0}" srcOrd="6" destOrd="0" presId="urn:microsoft.com/office/officeart/2005/8/layout/lProcess1"/>
+    <dgm:cxn modelId="{C9E0B8DD-B31C-4924-8500-DA0CF9C147ED}" type="presParOf" srcId="{C3FBB71A-BB96-4D6D-865B-29EF8030F87F}" destId="{48F3A7AD-E76E-4BF2-9BDC-12EB7DDCF419}" srcOrd="7" destOrd="0" presId="urn:microsoft.com/office/officeart/2005/8/layout/lProcess1"/>
+    <dgm:cxn modelId="{B7494E9B-7288-4F45-B2C3-96B2742B2EFC}" type="presParOf" srcId="{C3FBB71A-BB96-4D6D-865B-29EF8030F87F}" destId="{BF8ADBA3-1B47-41F1-8570-2480BD817452}" srcOrd="8" destOrd="0" presId="urn:microsoft.com/office/officeart/2005/8/layout/lProcess1"/>
+    <dgm:cxn modelId="{7518E4D8-ED47-419C-A236-F34DD2246107}" type="presParOf" srcId="{9F2717B7-3380-4165-890D-62CC02ECD9AA}" destId="{B5BD2078-B2C6-41B8-B66C-C04434038FAC}" srcOrd="1" destOrd="0" presId="urn:microsoft.com/office/officeart/2005/8/layout/lProcess1"/>
+    <dgm:cxn modelId="{907FCDDC-4089-48AF-A9F2-BC46E4CE3696}" type="presParOf" srcId="{9F2717B7-3380-4165-890D-62CC02ECD9AA}" destId="{89587F93-689F-46D3-AB39-967263F85ABD}" srcOrd="2" destOrd="0" presId="urn:microsoft.com/office/officeart/2005/8/layout/lProcess1"/>
+    <dgm:cxn modelId="{DE377959-B180-4565-BD80-149CB68B0495}" type="presParOf" srcId="{89587F93-689F-46D3-AB39-967263F85ABD}" destId="{4BC6E0E7-8026-4D09-BB0F-88A6C7F93518}" srcOrd="0" destOrd="0" presId="urn:microsoft.com/office/officeart/2005/8/layout/lProcess1"/>
+    <dgm:cxn modelId="{3286AA3E-31FE-43C9-A7B8-420791067E7E}" type="presParOf" srcId="{89587F93-689F-46D3-AB39-967263F85ABD}" destId="{E8E10B6A-D5AD-49A5-989A-5F447CD06E0B}" srcOrd="1" destOrd="0" presId="urn:microsoft.com/office/officeart/2005/8/layout/lProcess1"/>
+    <dgm:cxn modelId="{BF99CE11-8470-4C48-B060-DAF91A6DDDE0}" type="presParOf" srcId="{89587F93-689F-46D3-AB39-967263F85ABD}" destId="{B63D4747-32C5-4078-8878-D43DB91220BE}" srcOrd="2" destOrd="0" presId="urn:microsoft.com/office/officeart/2005/8/layout/lProcess1"/>
+    <dgm:cxn modelId="{E4973740-3DFC-48B0-8C03-2458FA95CE6D}" type="presParOf" srcId="{89587F93-689F-46D3-AB39-967263F85ABD}" destId="{681729CB-94B7-48B2-9C0E-8630256798B7}" srcOrd="3" destOrd="0" presId="urn:microsoft.com/office/officeart/2005/8/layout/lProcess1"/>
+    <dgm:cxn modelId="{2FEBF5A7-4574-4F01-B247-8064DCFE1882}" type="presParOf" srcId="{89587F93-689F-46D3-AB39-967263F85ABD}" destId="{7EB3E8EB-066D-4CDC-A05D-4FACC6ABFD5D}" srcOrd="4" destOrd="0" presId="urn:microsoft.com/office/officeart/2005/8/layout/lProcess1"/>
+    <dgm:cxn modelId="{72694DE6-2CC1-40B1-8E5D-B41FCAF7BAA9}" type="presParOf" srcId="{89587F93-689F-46D3-AB39-967263F85ABD}" destId="{06A8715A-E5BC-4381-BA93-8420AB28CB9E}" srcOrd="5" destOrd="0" presId="urn:microsoft.com/office/officeart/2005/8/layout/lProcess1"/>
+    <dgm:cxn modelId="{9A4440DC-7F95-4A7F-BB8E-3F607C6706FB}" type="presParOf" srcId="{89587F93-689F-46D3-AB39-967263F85ABD}" destId="{45B76775-2F8C-42F0-A215-833BE956260A}" srcOrd="6" destOrd="0" presId="urn:microsoft.com/office/officeart/2005/8/layout/lProcess1"/>
+    <dgm:cxn modelId="{55892451-6F31-46CD-9964-9CB717D2D835}" type="presParOf" srcId="{89587F93-689F-46D3-AB39-967263F85ABD}" destId="{074435A4-7163-418E-9BC7-F11045AF0B1C}" srcOrd="7" destOrd="0" presId="urn:microsoft.com/office/officeart/2005/8/layout/lProcess1"/>
+    <dgm:cxn modelId="{4E65BA45-49EF-48B5-B58F-73B87441D533}" type="presParOf" srcId="{89587F93-689F-46D3-AB39-967263F85ABD}" destId="{2CD8420F-DBF0-4F2E-9622-5721D86E74D3}" srcOrd="8" destOrd="0" presId="urn:microsoft.com/office/officeart/2005/8/layout/lProcess1"/>
+  </dgm:cxnLst>
+  <dgm:bg>
+    <a:effectLst>
+      <a:outerShdw blurRad="76200" dist="12700" dir="8100000" sy="-23000" kx="800400" algn="br" rotWithShape="0">
+        <a:prstClr val="black">
+          <a:alpha val="20000"/>
+        </a:prstClr>
+      </a:outerShdw>
+    </a:effectLst>
+  </dgm:bg>
+  <dgm:whole/>
+</dgm:dataModel>
+</file>
+
+<file path=ppt/diagrams/data7.xml><?xml version="1.0" encoding="utf-8"?>
+<dgm:dataModel xmlns:dgm="http://schemas.openxmlformats.org/drawingml/2006/diagram" xmlns:a="http://schemas.openxmlformats.org/drawingml/2006/main">
+  <dgm:ptLst>
+    <dgm:pt modelId="{08CBE1EF-291F-49FF-9216-BF8D24382816}" type="doc">
+      <dgm:prSet loTypeId="urn:microsoft.com/office/officeart/2005/8/layout/lProcess1" loCatId="process" qsTypeId="urn:microsoft.com/office/officeart/2005/8/quickstyle/3d2" qsCatId="3D" csTypeId="urn:microsoft.com/office/officeart/2005/8/colors/colorful4" csCatId="colorful" phldr="1"/>
+      <dgm:spPr/>
+      <dgm:t>
+        <a:bodyPr/>
+        <a:lstStyle/>
+        <a:p>
+          <a:endParaRPr lang="pt-BR"/>
+        </a:p>
+      </dgm:t>
+    </dgm:pt>
+    <dgm:pt modelId="{43329A8B-63C6-441F-B1E3-F6E8FCD1EC1A}">
+      <dgm:prSet phldrT="[Texto]" custT="1"/>
+      <dgm:spPr/>
+      <dgm:t>
+        <a:bodyPr/>
+        <a:lstStyle/>
+        <a:p>
+          <a:pPr algn="ctr"/>
+          <a:r>
             <a:rPr lang="pt-BR" sz="1600" b="1" i="1" u="none" dirty="0" smtClean="0"/>
             <a:t>Release 1</a:t>
           </a:r>
@@ -9492,6 +10863,13 @@
         </dgm:presLayoutVars>
       </dgm:prSet>
       <dgm:spPr/>
+      <dgm:t>
+        <a:bodyPr/>
+        <a:lstStyle/>
+        <a:p>
+          <a:endParaRPr lang="pt-BR"/>
+        </a:p>
+      </dgm:t>
     </dgm:pt>
     <dgm:pt modelId="{C3FBB71A-BB96-4D6D-865B-29EF8030F87F}" type="pres">
       <dgm:prSet presAssocID="{43329A8B-63C6-441F-B1E3-F6E8FCD1EC1A}" presName="vertFlow" presStyleCnt="0"/>
@@ -9511,6 +10889,13 @@
     <dgm:pt modelId="{81B043A6-1673-42C4-9536-85A29608B541}" type="pres">
       <dgm:prSet presAssocID="{C8EB748E-9265-43C0-A346-5F47BC87917D}" presName="parTrans" presStyleLbl="sibTrans2D1" presStyleIdx="0" presStyleCnt="11"/>
       <dgm:spPr/>
+      <dgm:t>
+        <a:bodyPr/>
+        <a:lstStyle/>
+        <a:p>
+          <a:endParaRPr lang="pt-BR"/>
+        </a:p>
+      </dgm:t>
     </dgm:pt>
     <dgm:pt modelId="{0809B1D5-6061-4412-86D9-3D2B96F46388}" type="pres">
       <dgm:prSet presAssocID="{744FF24C-69D0-4EB4-984D-AF4738F5E9C8}" presName="child" presStyleLbl="alignAccFollowNode1" presStyleIdx="0" presStyleCnt="11">
@@ -9531,6 +10916,13 @@
     <dgm:pt modelId="{B6A55B43-9E3B-4C8D-A577-B2BAD5C9A5C1}" type="pres">
       <dgm:prSet presAssocID="{5F026416-2235-49D3-BE9D-A374D00BC487}" presName="sibTrans" presStyleLbl="sibTrans2D1" presStyleIdx="1" presStyleCnt="11"/>
       <dgm:spPr/>
+      <dgm:t>
+        <a:bodyPr/>
+        <a:lstStyle/>
+        <a:p>
+          <a:endParaRPr lang="pt-BR"/>
+        </a:p>
+      </dgm:t>
     </dgm:pt>
     <dgm:pt modelId="{F9743E05-9636-451A-B637-329C9E4B5400}" type="pres">
       <dgm:prSet presAssocID="{A2CBC3B7-75D9-469D-BDA3-6411BB1BC7DB}" presName="child" presStyleLbl="alignAccFollowNode1" presStyleIdx="1" presStyleCnt="11">
@@ -9551,6 +10943,13 @@
     <dgm:pt modelId="{AF30F932-037C-469C-8ACA-377B56DB57DA}" type="pres">
       <dgm:prSet presAssocID="{6BE1AAEB-4927-4191-86E1-4DAAA175B91A}" presName="sibTrans" presStyleLbl="sibTrans2D1" presStyleIdx="2" presStyleCnt="11"/>
       <dgm:spPr/>
+      <dgm:t>
+        <a:bodyPr/>
+        <a:lstStyle/>
+        <a:p>
+          <a:endParaRPr lang="pt-BR"/>
+        </a:p>
+      </dgm:t>
     </dgm:pt>
     <dgm:pt modelId="{943F080E-13B7-4E2E-8435-F47A0F93C646}" type="pres">
       <dgm:prSet presAssocID="{A5333483-E781-4A00-9E98-7DF80E3FACA8}" presName="child" presStyleLbl="alignAccFollowNode1" presStyleIdx="2" presStyleCnt="11">
@@ -9571,6 +10970,13 @@
     <dgm:pt modelId="{59C80538-021E-455B-AD37-CF58DCF2878B}" type="pres">
       <dgm:prSet presAssocID="{EC295865-BC50-4F6C-A82F-5E86EBA6E3C2}" presName="sibTrans" presStyleLbl="sibTrans2D1" presStyleIdx="3" presStyleCnt="11"/>
       <dgm:spPr/>
+      <dgm:t>
+        <a:bodyPr/>
+        <a:lstStyle/>
+        <a:p>
+          <a:endParaRPr lang="pt-BR"/>
+        </a:p>
+      </dgm:t>
     </dgm:pt>
     <dgm:pt modelId="{34E6B915-77A5-4804-AA33-3613DAECE3EF}" type="pres">
       <dgm:prSet presAssocID="{CA939E67-7602-4D69-A2E1-5C288BF3E907}" presName="child" presStyleLbl="alignAccFollowNode1" presStyleIdx="3" presStyleCnt="11">
@@ -9580,10 +10986,24 @@
         </dgm:presLayoutVars>
       </dgm:prSet>
       <dgm:spPr/>
+      <dgm:t>
+        <a:bodyPr/>
+        <a:lstStyle/>
+        <a:p>
+          <a:endParaRPr lang="pt-BR"/>
+        </a:p>
+      </dgm:t>
     </dgm:pt>
     <dgm:pt modelId="{6EE3B040-B326-4EAA-9592-A483B763CB3C}" type="pres">
       <dgm:prSet presAssocID="{A41E8926-6BFE-4EC7-A27E-27AC655F4303}" presName="sibTrans" presStyleLbl="sibTrans2D1" presStyleIdx="4" presStyleCnt="11"/>
       <dgm:spPr/>
+      <dgm:t>
+        <a:bodyPr/>
+        <a:lstStyle/>
+        <a:p>
+          <a:endParaRPr lang="pt-BR"/>
+        </a:p>
+      </dgm:t>
     </dgm:pt>
     <dgm:pt modelId="{7A5630D2-47E4-4CDE-BBA9-D05D409F6A70}" type="pres">
       <dgm:prSet presAssocID="{91534C4B-1138-4717-A312-B23D3E03A770}" presName="child" presStyleLbl="alignAccFollowNode1" presStyleIdx="4" presStyleCnt="11">
@@ -9593,10 +11013,24 @@
         </dgm:presLayoutVars>
       </dgm:prSet>
       <dgm:spPr/>
+      <dgm:t>
+        <a:bodyPr/>
+        <a:lstStyle/>
+        <a:p>
+          <a:endParaRPr lang="pt-BR"/>
+        </a:p>
+      </dgm:t>
     </dgm:pt>
     <dgm:pt modelId="{ABABB3A3-7097-433A-A35C-77965505420B}" type="pres">
       <dgm:prSet presAssocID="{17D8CA5B-E7C0-4450-9B5C-2A675B3AEC97}" presName="sibTrans" presStyleLbl="sibTrans2D1" presStyleIdx="5" presStyleCnt="11"/>
       <dgm:spPr/>
+      <dgm:t>
+        <a:bodyPr/>
+        <a:lstStyle/>
+        <a:p>
+          <a:endParaRPr lang="pt-BR"/>
+        </a:p>
+      </dgm:t>
     </dgm:pt>
     <dgm:pt modelId="{E707F098-B1B0-45B2-8FC7-015C401134BB}" type="pres">
       <dgm:prSet presAssocID="{631F98EA-4031-4546-82D9-417307E2D4AA}" presName="child" presStyleLbl="alignAccFollowNode1" presStyleIdx="5" presStyleCnt="11">
@@ -9625,10 +11059,24 @@
     <dgm:pt modelId="{16D60CF6-9903-4D11-8498-A3EB09A9E487}" type="pres">
       <dgm:prSet presAssocID="{617614FE-E530-43A9-8AC9-538491EDEF08}" presName="header" presStyleLbl="node1" presStyleIdx="1" presStyleCnt="4"/>
       <dgm:spPr/>
+      <dgm:t>
+        <a:bodyPr/>
+        <a:lstStyle/>
+        <a:p>
+          <a:endParaRPr lang="pt-BR"/>
+        </a:p>
+      </dgm:t>
     </dgm:pt>
     <dgm:pt modelId="{ED9907A9-154D-4DD0-8F2F-A5B0D372CE77}" type="pres">
       <dgm:prSet presAssocID="{2D18B9FD-D050-413A-8608-1F0EFCDA2870}" presName="parTrans" presStyleLbl="sibTrans2D1" presStyleIdx="6" presStyleCnt="11"/>
       <dgm:spPr/>
+      <dgm:t>
+        <a:bodyPr/>
+        <a:lstStyle/>
+        <a:p>
+          <a:endParaRPr lang="pt-BR"/>
+        </a:p>
+      </dgm:t>
     </dgm:pt>
     <dgm:pt modelId="{9A14B7EB-32F3-4993-B804-934357FA0DC0}" type="pres">
       <dgm:prSet presAssocID="{FC534FAE-712D-430A-B199-FB89DE8FF734}" presName="child" presStyleLbl="alignAccFollowNode1" presStyleIdx="6" presStyleCnt="11">
@@ -9649,6 +11097,13 @@
     <dgm:pt modelId="{511BCF1A-F2D5-47F0-A548-E02E1DE02789}" type="pres">
       <dgm:prSet presAssocID="{645B1FFA-DC29-47C4-A779-2F174A48204E}" presName="sibTrans" presStyleLbl="sibTrans2D1" presStyleIdx="7" presStyleCnt="11"/>
       <dgm:spPr/>
+      <dgm:t>
+        <a:bodyPr/>
+        <a:lstStyle/>
+        <a:p>
+          <a:endParaRPr lang="pt-BR"/>
+        </a:p>
+      </dgm:t>
     </dgm:pt>
     <dgm:pt modelId="{5C7C4A2E-74BC-4C3E-8D63-1BD9FA0D9B89}" type="pres">
       <dgm:prSet presAssocID="{9E8ED7B3-0626-4074-B4B3-2404FB2F103B}" presName="child" presStyleLbl="alignAccFollowNode1" presStyleIdx="7" presStyleCnt="11">
@@ -9658,6 +11113,13 @@
         </dgm:presLayoutVars>
       </dgm:prSet>
       <dgm:spPr/>
+      <dgm:t>
+        <a:bodyPr/>
+        <a:lstStyle/>
+        <a:p>
+          <a:endParaRPr lang="pt-BR"/>
+        </a:p>
+      </dgm:t>
     </dgm:pt>
     <dgm:pt modelId="{B9C6AE4E-28C9-4A41-9AB3-5E90D41442A8}" type="pres">
       <dgm:prSet presAssocID="{617614FE-E530-43A9-8AC9-538491EDEF08}" presName="hSp" presStyleCnt="0"/>
@@ -9670,10 +11132,24 @@
     <dgm:pt modelId="{AEBB3BB2-9C79-477A-AE78-5F3B4D41E8C6}" type="pres">
       <dgm:prSet presAssocID="{C681C8C0-8D40-426B-9A7F-B23E5E4E9312}" presName="header" presStyleLbl="node1" presStyleIdx="2" presStyleCnt="4"/>
       <dgm:spPr/>
+      <dgm:t>
+        <a:bodyPr/>
+        <a:lstStyle/>
+        <a:p>
+          <a:endParaRPr lang="pt-BR"/>
+        </a:p>
+      </dgm:t>
     </dgm:pt>
     <dgm:pt modelId="{96C50B93-D852-417E-97B4-B00EA7F49837}" type="pres">
       <dgm:prSet presAssocID="{600BB6D2-9366-4E29-912A-C4FA68A33DE1}" presName="parTrans" presStyleLbl="sibTrans2D1" presStyleIdx="8" presStyleCnt="11"/>
       <dgm:spPr/>
+      <dgm:t>
+        <a:bodyPr/>
+        <a:lstStyle/>
+        <a:p>
+          <a:endParaRPr lang="pt-BR"/>
+        </a:p>
+      </dgm:t>
     </dgm:pt>
     <dgm:pt modelId="{07B128CB-74F0-4777-996B-85829C58CFF0}" type="pres">
       <dgm:prSet presAssocID="{A1877C4F-8EA6-482A-8F31-985E71F339B8}" presName="child" presStyleLbl="alignAccFollowNode1" presStyleIdx="8" presStyleCnt="11">
@@ -9694,6 +11170,13 @@
     <dgm:pt modelId="{3E91ED17-4C08-4C5A-BC8C-EA0E5274E4CA}" type="pres">
       <dgm:prSet presAssocID="{A26CC204-A967-4A5E-BF6A-963FAD774A2C}" presName="sibTrans" presStyleLbl="sibTrans2D1" presStyleIdx="9" presStyleCnt="11"/>
       <dgm:spPr/>
+      <dgm:t>
+        <a:bodyPr/>
+        <a:lstStyle/>
+        <a:p>
+          <a:endParaRPr lang="pt-BR"/>
+        </a:p>
+      </dgm:t>
     </dgm:pt>
     <dgm:pt modelId="{C47DC6C5-0AA1-4E49-AB77-9669213C14CB}" type="pres">
       <dgm:prSet presAssocID="{F5E942D0-83AE-4662-B15A-50E49C2CC139}" presName="child" presStyleLbl="alignAccFollowNode1" presStyleIdx="9" presStyleCnt="11">
@@ -9703,6 +11186,13 @@
         </dgm:presLayoutVars>
       </dgm:prSet>
       <dgm:spPr/>
+      <dgm:t>
+        <a:bodyPr/>
+        <a:lstStyle/>
+        <a:p>
+          <a:endParaRPr lang="pt-BR"/>
+        </a:p>
+      </dgm:t>
     </dgm:pt>
     <dgm:pt modelId="{3CF1A0D7-1AF2-4FFB-96E2-BC1C5A50E820}" type="pres">
       <dgm:prSet presAssocID="{C681C8C0-8D40-426B-9A7F-B23E5E4E9312}" presName="hSp" presStyleCnt="0"/>
@@ -9715,10 +11205,24 @@
     <dgm:pt modelId="{6851EA84-A590-4F00-864B-5BF316947E5D}" type="pres">
       <dgm:prSet presAssocID="{AE6EEBCB-E590-4FAB-940F-9ED84416A76A}" presName="header" presStyleLbl="node1" presStyleIdx="3" presStyleCnt="4"/>
       <dgm:spPr/>
+      <dgm:t>
+        <a:bodyPr/>
+        <a:lstStyle/>
+        <a:p>
+          <a:endParaRPr lang="pt-BR"/>
+        </a:p>
+      </dgm:t>
     </dgm:pt>
     <dgm:pt modelId="{62540F93-3247-4A73-ADD1-5D25A25CE35E}" type="pres">
       <dgm:prSet presAssocID="{DB3CC4A9-E6B8-47ED-B319-393A8B447A93}" presName="parTrans" presStyleLbl="sibTrans2D1" presStyleIdx="10" presStyleCnt="11"/>
       <dgm:spPr/>
+      <dgm:t>
+        <a:bodyPr/>
+        <a:lstStyle/>
+        <a:p>
+          <a:endParaRPr lang="pt-BR"/>
+        </a:p>
+      </dgm:t>
     </dgm:pt>
     <dgm:pt modelId="{6DC5DB55-E143-4FA1-B244-8DA74A19AFC1}" type="pres">
       <dgm:prSet presAssocID="{52B6BF1E-958B-4B82-ABD8-3E3B7D937B21}" presName="child" presStyleLbl="alignAccFollowNode1" presStyleIdx="10" presStyleCnt="11">
@@ -9728,51 +11232,58 @@
         </dgm:presLayoutVars>
       </dgm:prSet>
       <dgm:spPr/>
+      <dgm:t>
+        <a:bodyPr/>
+        <a:lstStyle/>
+        <a:p>
+          <a:endParaRPr lang="pt-BR"/>
+        </a:p>
+      </dgm:t>
     </dgm:pt>
   </dgm:ptLst>
   <dgm:cxnLst>
+    <dgm:cxn modelId="{A348704B-8214-4E86-A77B-22CADECEB35F}" type="presOf" srcId="{600BB6D2-9366-4E29-912A-C4FA68A33DE1}" destId="{96C50B93-D852-417E-97B4-B00EA7F49837}" srcOrd="0" destOrd="0" presId="urn:microsoft.com/office/officeart/2005/8/layout/lProcess1"/>
+    <dgm:cxn modelId="{6EB2E467-50D5-4BCD-9883-4548F203655E}" type="presOf" srcId="{617614FE-E530-43A9-8AC9-538491EDEF08}" destId="{16D60CF6-9903-4D11-8498-A3EB09A9E487}" srcOrd="0" destOrd="0" presId="urn:microsoft.com/office/officeart/2005/8/layout/lProcess1"/>
+    <dgm:cxn modelId="{405B5E9A-3727-4C2E-BE4F-3E8C4F8AEF59}" type="presOf" srcId="{FC534FAE-712D-430A-B199-FB89DE8FF734}" destId="{9A14B7EB-32F3-4993-B804-934357FA0DC0}" srcOrd="0" destOrd="0" presId="urn:microsoft.com/office/officeart/2005/8/layout/lProcess1"/>
+    <dgm:cxn modelId="{DF2F88F5-69F0-4CCE-9413-2C80C1DBD041}" type="presOf" srcId="{A2CBC3B7-75D9-469D-BDA3-6411BB1BC7DB}" destId="{F9743E05-9636-451A-B637-329C9E4B5400}" srcOrd="0" destOrd="0" presId="urn:microsoft.com/office/officeart/2005/8/layout/lProcess1"/>
+    <dgm:cxn modelId="{C5D4FE59-33C2-429A-AF78-E1D22555B8E8}" type="presOf" srcId="{DB3CC4A9-E6B8-47ED-B319-393A8B447A93}" destId="{62540F93-3247-4A73-ADD1-5D25A25CE35E}" srcOrd="0" destOrd="0" presId="urn:microsoft.com/office/officeart/2005/8/layout/lProcess1"/>
+    <dgm:cxn modelId="{CE3E296F-914C-42C3-B689-8830303ED6F0}" srcId="{C681C8C0-8D40-426B-9A7F-B23E5E4E9312}" destId="{A1877C4F-8EA6-482A-8F31-985E71F339B8}" srcOrd="0" destOrd="0" parTransId="{600BB6D2-9366-4E29-912A-C4FA68A33DE1}" sibTransId="{A26CC204-A967-4A5E-BF6A-963FAD774A2C}"/>
+    <dgm:cxn modelId="{5AA492C6-17E1-4C5C-AD19-44738931A2B1}" srcId="{C681C8C0-8D40-426B-9A7F-B23E5E4E9312}" destId="{F5E942D0-83AE-4662-B15A-50E49C2CC139}" srcOrd="1" destOrd="0" parTransId="{A2653D4E-F734-4390-A7BE-B7CFD10EB142}" sibTransId="{13B5D9F1-5D5B-4C12-8152-31B82044A8BD}"/>
+    <dgm:cxn modelId="{E5EEC93E-F211-4478-AB30-08FA080FBB74}" type="presOf" srcId="{CA939E67-7602-4D69-A2E1-5C288BF3E907}" destId="{34E6B915-77A5-4804-AA33-3613DAECE3EF}" srcOrd="0" destOrd="0" presId="urn:microsoft.com/office/officeart/2005/8/layout/lProcess1"/>
+    <dgm:cxn modelId="{28C0784E-2DB1-48DE-A727-045879BA029A}" type="presOf" srcId="{A1877C4F-8EA6-482A-8F31-985E71F339B8}" destId="{07B128CB-74F0-4777-996B-85829C58CFF0}" srcOrd="0" destOrd="0" presId="urn:microsoft.com/office/officeart/2005/8/layout/lProcess1"/>
+    <dgm:cxn modelId="{4AF9EEFC-0CC7-4A43-9684-9279C847F0E1}" srcId="{43329A8B-63C6-441F-B1E3-F6E8FCD1EC1A}" destId="{A2CBC3B7-75D9-469D-BDA3-6411BB1BC7DB}" srcOrd="1" destOrd="0" parTransId="{E7542E70-A21E-43B1-ABFA-1B970AD53B1A}" sibTransId="{6BE1AAEB-4927-4191-86E1-4DAAA175B91A}"/>
+    <dgm:cxn modelId="{E2A58F90-FD08-4DBE-AB87-B9BFAE622983}" type="presOf" srcId="{AE6EEBCB-E590-4FAB-940F-9ED84416A76A}" destId="{6851EA84-A590-4F00-864B-5BF316947E5D}" srcOrd="0" destOrd="0" presId="urn:microsoft.com/office/officeart/2005/8/layout/lProcess1"/>
+    <dgm:cxn modelId="{F41EAFFF-15A1-4123-99E2-8494E8031022}" srcId="{43329A8B-63C6-441F-B1E3-F6E8FCD1EC1A}" destId="{91534C4B-1138-4717-A312-B23D3E03A770}" srcOrd="4" destOrd="0" parTransId="{6F3D7703-D1B5-4B37-8C2F-35424804041C}" sibTransId="{17D8CA5B-E7C0-4450-9B5C-2A675B3AEC97}"/>
+    <dgm:cxn modelId="{9A755521-C14D-4FCA-B076-BFED31A67647}" type="presOf" srcId="{43329A8B-63C6-441F-B1E3-F6E8FCD1EC1A}" destId="{8A37306F-A061-4A09-8F33-E88AF0E2EE9F}" srcOrd="0" destOrd="0" presId="urn:microsoft.com/office/officeart/2005/8/layout/lProcess1"/>
+    <dgm:cxn modelId="{2F1880F5-8494-434C-B452-4D5B431228D7}" srcId="{08CBE1EF-291F-49FF-9216-BF8D24382816}" destId="{617614FE-E530-43A9-8AC9-538491EDEF08}" srcOrd="1" destOrd="0" parTransId="{59EAAB5F-2EFD-4306-B55A-B284D8246595}" sibTransId="{AA6071C2-3FC2-4040-BAC8-D0333B1CEE68}"/>
+    <dgm:cxn modelId="{9711ADD7-0D25-450D-A5B8-F19299B8A6ED}" srcId="{08CBE1EF-291F-49FF-9216-BF8D24382816}" destId="{C681C8C0-8D40-426B-9A7F-B23E5E4E9312}" srcOrd="2" destOrd="0" parTransId="{2A9C0BA7-ECD8-4A61-AA66-98262341C9CF}" sibTransId="{6A4A3788-6223-4116-9A8C-0984CF4F7E46}"/>
+    <dgm:cxn modelId="{4FA18353-BA56-400F-83E7-FBF09F35A483}" type="presOf" srcId="{C681C8C0-8D40-426B-9A7F-B23E5E4E9312}" destId="{AEBB3BB2-9C79-477A-AE78-5F3B4D41E8C6}" srcOrd="0" destOrd="0" presId="urn:microsoft.com/office/officeart/2005/8/layout/lProcess1"/>
+    <dgm:cxn modelId="{47AD28D5-DD5E-4BC6-83AE-3B8DD7F8EDCE}" srcId="{43329A8B-63C6-441F-B1E3-F6E8FCD1EC1A}" destId="{631F98EA-4031-4546-82D9-417307E2D4AA}" srcOrd="5" destOrd="0" parTransId="{4E623B10-5821-4FD0-AEE1-F869DF0B2B3A}" sibTransId="{C416B93F-4C12-445C-9BF3-1FDCCA5D402F}"/>
+    <dgm:cxn modelId="{1D33B055-1BF4-4B76-8DD5-E926AD058C91}" srcId="{08CBE1EF-291F-49FF-9216-BF8D24382816}" destId="{43329A8B-63C6-441F-B1E3-F6E8FCD1EC1A}" srcOrd="0" destOrd="0" parTransId="{E74B7A14-BFAE-4A83-90ED-42D4A4A23220}" sibTransId="{DD92D6D8-0371-4BDE-9D96-40965A36D424}"/>
+    <dgm:cxn modelId="{36F4EB6E-A430-400E-94A6-49B9FC0A0069}" srcId="{43329A8B-63C6-441F-B1E3-F6E8FCD1EC1A}" destId="{744FF24C-69D0-4EB4-984D-AF4738F5E9C8}" srcOrd="0" destOrd="0" parTransId="{C8EB748E-9265-43C0-A346-5F47BC87917D}" sibTransId="{5F026416-2235-49D3-BE9D-A374D00BC487}"/>
+    <dgm:cxn modelId="{08111A90-7472-488B-ABD0-996F9BC86101}" type="presOf" srcId="{9E8ED7B3-0626-4074-B4B3-2404FB2F103B}" destId="{5C7C4A2E-74BC-4C3E-8D63-1BD9FA0D9B89}" srcOrd="0" destOrd="0" presId="urn:microsoft.com/office/officeart/2005/8/layout/lProcess1"/>
     <dgm:cxn modelId="{1A63CEF0-EC4A-4C8E-BF8F-66A25849A67D}" srcId="{AE6EEBCB-E590-4FAB-940F-9ED84416A76A}" destId="{52B6BF1E-958B-4B82-ABD8-3E3B7D937B21}" srcOrd="0" destOrd="0" parTransId="{DB3CC4A9-E6B8-47ED-B319-393A8B447A93}" sibTransId="{BF3ED095-4BF2-47DD-8D90-1509239AB750}"/>
+    <dgm:cxn modelId="{B858A737-BF81-4AB6-94E7-B380BD3F3F23}" type="presOf" srcId="{F5E942D0-83AE-4662-B15A-50E49C2CC139}" destId="{C47DC6C5-0AA1-4E49-AB77-9669213C14CB}" srcOrd="0" destOrd="0" presId="urn:microsoft.com/office/officeart/2005/8/layout/lProcess1"/>
     <dgm:cxn modelId="{9B5AD07C-C40D-4FA9-ADD1-C16422F751B9}" type="presOf" srcId="{91534C4B-1138-4717-A312-B23D3E03A770}" destId="{7A5630D2-47E4-4CDE-BBA9-D05D409F6A70}" srcOrd="0" destOrd="0" presId="urn:microsoft.com/office/officeart/2005/8/layout/lProcess1"/>
+    <dgm:cxn modelId="{894883AB-A943-4C53-9DA7-A9CE98896F82}" srcId="{617614FE-E530-43A9-8AC9-538491EDEF08}" destId="{FC534FAE-712D-430A-B199-FB89DE8FF734}" srcOrd="0" destOrd="0" parTransId="{2D18B9FD-D050-413A-8608-1F0EFCDA2870}" sibTransId="{645B1FFA-DC29-47C4-A779-2F174A48204E}"/>
+    <dgm:cxn modelId="{F56F0838-D9A9-40E0-9AD3-EBBEBCE77754}" srcId="{43329A8B-63C6-441F-B1E3-F6E8FCD1EC1A}" destId="{A5333483-E781-4A00-9E98-7DF80E3FACA8}" srcOrd="2" destOrd="0" parTransId="{F0120162-D28D-41B6-A5C8-623FD98EA1E4}" sibTransId="{EC295865-BC50-4F6C-A82F-5E86EBA6E3C2}"/>
+    <dgm:cxn modelId="{FBC6E468-BC62-4580-88E7-BA5ADBF02D83}" srcId="{617614FE-E530-43A9-8AC9-538491EDEF08}" destId="{9E8ED7B3-0626-4074-B4B3-2404FB2F103B}" srcOrd="1" destOrd="0" parTransId="{23426FBD-AA44-40BF-A44B-F53A5F55DD18}" sibTransId="{1EAB438D-B783-430E-81A2-DEB44E68B2DE}"/>
+    <dgm:cxn modelId="{22590268-D1DA-4E5F-A4F8-2ECCCAA0A666}" type="presOf" srcId="{A5333483-E781-4A00-9E98-7DF80E3FACA8}" destId="{943F080E-13B7-4E2E-8435-F47A0F93C646}" srcOrd="0" destOrd="0" presId="urn:microsoft.com/office/officeart/2005/8/layout/lProcess1"/>
+    <dgm:cxn modelId="{640594DA-9A1D-41F2-BAE3-20274F2E23D3}" type="presOf" srcId="{EC295865-BC50-4F6C-A82F-5E86EBA6E3C2}" destId="{59C80538-021E-455B-AD37-CF58DCF2878B}" srcOrd="0" destOrd="0" presId="urn:microsoft.com/office/officeart/2005/8/layout/lProcess1"/>
+    <dgm:cxn modelId="{6ED2CBCB-25CC-4069-B359-95825EABC0D8}" type="presOf" srcId="{6BE1AAEB-4927-4191-86E1-4DAAA175B91A}" destId="{AF30F932-037C-469C-8ACA-377B56DB57DA}" srcOrd="0" destOrd="0" presId="urn:microsoft.com/office/officeart/2005/8/layout/lProcess1"/>
+    <dgm:cxn modelId="{50FFE56D-1CEB-4D01-A2EE-AFFD16112124}" type="presOf" srcId="{2D18B9FD-D050-413A-8608-1F0EFCDA2870}" destId="{ED9907A9-154D-4DD0-8F2F-A5B0D372CE77}" srcOrd="0" destOrd="0" presId="urn:microsoft.com/office/officeart/2005/8/layout/lProcess1"/>
     <dgm:cxn modelId="{783FBFEC-A5DC-49CB-9143-39B30DB1A97F}" type="presOf" srcId="{52B6BF1E-958B-4B82-ABD8-3E3B7D937B21}" destId="{6DC5DB55-E143-4FA1-B244-8DA74A19AFC1}" srcOrd="0" destOrd="0" presId="urn:microsoft.com/office/officeart/2005/8/layout/lProcess1"/>
+    <dgm:cxn modelId="{00269D62-9BE1-4C0E-8BD3-9721C754FBAD}" type="presOf" srcId="{A26CC204-A967-4A5E-BF6A-963FAD774A2C}" destId="{3E91ED17-4C08-4C5A-BC8C-EA0E5274E4CA}" srcOrd="0" destOrd="0" presId="urn:microsoft.com/office/officeart/2005/8/layout/lProcess1"/>
+    <dgm:cxn modelId="{8445C2F4-00C1-4592-888E-7CE6BCB94106}" srcId="{08CBE1EF-291F-49FF-9216-BF8D24382816}" destId="{AE6EEBCB-E590-4FAB-940F-9ED84416A76A}" srcOrd="3" destOrd="0" parTransId="{A1275E37-0611-41F7-9CF9-E9E9BDB3C739}" sibTransId="{D6352B8D-0D3C-4492-A556-35CA4D429721}"/>
+    <dgm:cxn modelId="{DA85F2B8-4DA6-4FAD-A9AE-57A49A95BADD}" type="presOf" srcId="{C8EB748E-9265-43C0-A346-5F47BC87917D}" destId="{81B043A6-1673-42C4-9536-85A29608B541}" srcOrd="0" destOrd="0" presId="urn:microsoft.com/office/officeart/2005/8/layout/lProcess1"/>
+    <dgm:cxn modelId="{F515DEDB-D5AF-4938-8249-A7C444169DBF}" type="presOf" srcId="{631F98EA-4031-4546-82D9-417307E2D4AA}" destId="{E707F098-B1B0-45B2-8FC7-015C401134BB}" srcOrd="0" destOrd="0" presId="urn:microsoft.com/office/officeart/2005/8/layout/lProcess1"/>
+    <dgm:cxn modelId="{F64A815A-5A4D-4515-A249-86ACB22AB518}" type="presOf" srcId="{645B1FFA-DC29-47C4-A779-2F174A48204E}" destId="{511BCF1A-F2D5-47F0-A548-E02E1DE02789}" srcOrd="0" destOrd="0" presId="urn:microsoft.com/office/officeart/2005/8/layout/lProcess1"/>
+    <dgm:cxn modelId="{979BC18C-2E41-43B1-A291-D3743DAFEBFC}" type="presOf" srcId="{A41E8926-6BFE-4EC7-A27E-27AC655F4303}" destId="{6EE3B040-B326-4EAA-9592-A483B763CB3C}" srcOrd="0" destOrd="0" presId="urn:microsoft.com/office/officeart/2005/8/layout/lProcess1"/>
+    <dgm:cxn modelId="{FA27B87D-0823-4D2B-9DC3-96ECA6A836B9}" type="presOf" srcId="{5F026416-2235-49D3-BE9D-A374D00BC487}" destId="{B6A55B43-9E3B-4C8D-A577-B2BAD5C9A5C1}" srcOrd="0" destOrd="0" presId="urn:microsoft.com/office/officeart/2005/8/layout/lProcess1"/>
+    <dgm:cxn modelId="{01E8EE2B-EA3D-4491-9119-9107A477A6DC}" type="presOf" srcId="{08CBE1EF-291F-49FF-9216-BF8D24382816}" destId="{9F2717B7-3380-4165-890D-62CC02ECD9AA}" srcOrd="0" destOrd="0" presId="urn:microsoft.com/office/officeart/2005/8/layout/lProcess1"/>
     <dgm:cxn modelId="{F4D6FC7A-ED19-45BD-B2F7-EFE0C7C547A0}" srcId="{43329A8B-63C6-441F-B1E3-F6E8FCD1EC1A}" destId="{CA939E67-7602-4D69-A2E1-5C288BF3E907}" srcOrd="3" destOrd="0" parTransId="{F4F12831-ECC8-4F62-A173-04D920F72F3B}" sibTransId="{A41E8926-6BFE-4EC7-A27E-27AC655F4303}"/>
-    <dgm:cxn modelId="{4FA18353-BA56-400F-83E7-FBF09F35A483}" type="presOf" srcId="{C681C8C0-8D40-426B-9A7F-B23E5E4E9312}" destId="{AEBB3BB2-9C79-477A-AE78-5F3B4D41E8C6}" srcOrd="0" destOrd="0" presId="urn:microsoft.com/office/officeart/2005/8/layout/lProcess1"/>
-    <dgm:cxn modelId="{5AA492C6-17E1-4C5C-AD19-44738931A2B1}" srcId="{C681C8C0-8D40-426B-9A7F-B23E5E4E9312}" destId="{F5E942D0-83AE-4662-B15A-50E49C2CC139}" srcOrd="1" destOrd="0" parTransId="{A2653D4E-F734-4390-A7BE-B7CFD10EB142}" sibTransId="{13B5D9F1-5D5B-4C12-8152-31B82044A8BD}"/>
-    <dgm:cxn modelId="{50FFE56D-1CEB-4D01-A2EE-AFFD16112124}" type="presOf" srcId="{2D18B9FD-D050-413A-8608-1F0EFCDA2870}" destId="{ED9907A9-154D-4DD0-8F2F-A5B0D372CE77}" srcOrd="0" destOrd="0" presId="urn:microsoft.com/office/officeart/2005/8/layout/lProcess1"/>
-    <dgm:cxn modelId="{A348704B-8214-4E86-A77B-22CADECEB35F}" type="presOf" srcId="{600BB6D2-9366-4E29-912A-C4FA68A33DE1}" destId="{96C50B93-D852-417E-97B4-B00EA7F49837}" srcOrd="0" destOrd="0" presId="urn:microsoft.com/office/officeart/2005/8/layout/lProcess1"/>
-    <dgm:cxn modelId="{979BC18C-2E41-43B1-A291-D3743DAFEBFC}" type="presOf" srcId="{A41E8926-6BFE-4EC7-A27E-27AC655F4303}" destId="{6EE3B040-B326-4EAA-9592-A483B763CB3C}" srcOrd="0" destOrd="0" presId="urn:microsoft.com/office/officeart/2005/8/layout/lProcess1"/>
-    <dgm:cxn modelId="{4AF9EEFC-0CC7-4A43-9684-9279C847F0E1}" srcId="{43329A8B-63C6-441F-B1E3-F6E8FCD1EC1A}" destId="{A2CBC3B7-75D9-469D-BDA3-6411BB1BC7DB}" srcOrd="1" destOrd="0" parTransId="{E7542E70-A21E-43B1-ABFA-1B970AD53B1A}" sibTransId="{6BE1AAEB-4927-4191-86E1-4DAAA175B91A}"/>
-    <dgm:cxn modelId="{36F4EB6E-A430-400E-94A6-49B9FC0A0069}" srcId="{43329A8B-63C6-441F-B1E3-F6E8FCD1EC1A}" destId="{744FF24C-69D0-4EB4-984D-AF4738F5E9C8}" srcOrd="0" destOrd="0" parTransId="{C8EB748E-9265-43C0-A346-5F47BC87917D}" sibTransId="{5F026416-2235-49D3-BE9D-A374D00BC487}"/>
-    <dgm:cxn modelId="{00269D62-9BE1-4C0E-8BD3-9721C754FBAD}" type="presOf" srcId="{A26CC204-A967-4A5E-BF6A-963FAD774A2C}" destId="{3E91ED17-4C08-4C5A-BC8C-EA0E5274E4CA}" srcOrd="0" destOrd="0" presId="urn:microsoft.com/office/officeart/2005/8/layout/lProcess1"/>
-    <dgm:cxn modelId="{E2A58F90-FD08-4DBE-AB87-B9BFAE622983}" type="presOf" srcId="{AE6EEBCB-E590-4FAB-940F-9ED84416A76A}" destId="{6851EA84-A590-4F00-864B-5BF316947E5D}" srcOrd="0" destOrd="0" presId="urn:microsoft.com/office/officeart/2005/8/layout/lProcess1"/>
+    <dgm:cxn modelId="{45A25F50-AF87-4EB7-A6E2-A964C23D158B}" type="presOf" srcId="{17D8CA5B-E7C0-4450-9B5C-2A675B3AEC97}" destId="{ABABB3A3-7097-433A-A35C-77965505420B}" srcOrd="0" destOrd="0" presId="urn:microsoft.com/office/officeart/2005/8/layout/lProcess1"/>
     <dgm:cxn modelId="{053E304C-ADF1-4BCE-970E-A48D176D299A}" type="presOf" srcId="{744FF24C-69D0-4EB4-984D-AF4738F5E9C8}" destId="{0809B1D5-6061-4412-86D9-3D2B96F46388}" srcOrd="0" destOrd="0" presId="urn:microsoft.com/office/officeart/2005/8/layout/lProcess1"/>
-    <dgm:cxn modelId="{640594DA-9A1D-41F2-BAE3-20274F2E23D3}" type="presOf" srcId="{EC295865-BC50-4F6C-A82F-5E86EBA6E3C2}" destId="{59C80538-021E-455B-AD37-CF58DCF2878B}" srcOrd="0" destOrd="0" presId="urn:microsoft.com/office/officeart/2005/8/layout/lProcess1"/>
-    <dgm:cxn modelId="{22590268-D1DA-4E5F-A4F8-2ECCCAA0A666}" type="presOf" srcId="{A5333483-E781-4A00-9E98-7DF80E3FACA8}" destId="{943F080E-13B7-4E2E-8435-F47A0F93C646}" srcOrd="0" destOrd="0" presId="urn:microsoft.com/office/officeart/2005/8/layout/lProcess1"/>
-    <dgm:cxn modelId="{FBC6E468-BC62-4580-88E7-BA5ADBF02D83}" srcId="{617614FE-E530-43A9-8AC9-538491EDEF08}" destId="{9E8ED7B3-0626-4074-B4B3-2404FB2F103B}" srcOrd="1" destOrd="0" parTransId="{23426FBD-AA44-40BF-A44B-F53A5F55DD18}" sibTransId="{1EAB438D-B783-430E-81A2-DEB44E68B2DE}"/>
-    <dgm:cxn modelId="{45A25F50-AF87-4EB7-A6E2-A964C23D158B}" type="presOf" srcId="{17D8CA5B-E7C0-4450-9B5C-2A675B3AEC97}" destId="{ABABB3A3-7097-433A-A35C-77965505420B}" srcOrd="0" destOrd="0" presId="urn:microsoft.com/office/officeart/2005/8/layout/lProcess1"/>
-    <dgm:cxn modelId="{8445C2F4-00C1-4592-888E-7CE6BCB94106}" srcId="{08CBE1EF-291F-49FF-9216-BF8D24382816}" destId="{AE6EEBCB-E590-4FAB-940F-9ED84416A76A}" srcOrd="3" destOrd="0" parTransId="{A1275E37-0611-41F7-9CF9-E9E9BDB3C739}" sibTransId="{D6352B8D-0D3C-4492-A556-35CA4D429721}"/>
-    <dgm:cxn modelId="{01E8EE2B-EA3D-4491-9119-9107A477A6DC}" type="presOf" srcId="{08CBE1EF-291F-49FF-9216-BF8D24382816}" destId="{9F2717B7-3380-4165-890D-62CC02ECD9AA}" srcOrd="0" destOrd="0" presId="urn:microsoft.com/office/officeart/2005/8/layout/lProcess1"/>
-    <dgm:cxn modelId="{F56F0838-D9A9-40E0-9AD3-EBBEBCE77754}" srcId="{43329A8B-63C6-441F-B1E3-F6E8FCD1EC1A}" destId="{A5333483-E781-4A00-9E98-7DF80E3FACA8}" srcOrd="2" destOrd="0" parTransId="{F0120162-D28D-41B6-A5C8-623FD98EA1E4}" sibTransId="{EC295865-BC50-4F6C-A82F-5E86EBA6E3C2}"/>
-    <dgm:cxn modelId="{F515DEDB-D5AF-4938-8249-A7C444169DBF}" type="presOf" srcId="{631F98EA-4031-4546-82D9-417307E2D4AA}" destId="{E707F098-B1B0-45B2-8FC7-015C401134BB}" srcOrd="0" destOrd="0" presId="urn:microsoft.com/office/officeart/2005/8/layout/lProcess1"/>
-    <dgm:cxn modelId="{6ED2CBCB-25CC-4069-B359-95825EABC0D8}" type="presOf" srcId="{6BE1AAEB-4927-4191-86E1-4DAAA175B91A}" destId="{AF30F932-037C-469C-8ACA-377B56DB57DA}" srcOrd="0" destOrd="0" presId="urn:microsoft.com/office/officeart/2005/8/layout/lProcess1"/>
-    <dgm:cxn modelId="{2F1880F5-8494-434C-B452-4D5B431228D7}" srcId="{08CBE1EF-291F-49FF-9216-BF8D24382816}" destId="{617614FE-E530-43A9-8AC9-538491EDEF08}" srcOrd="1" destOrd="0" parTransId="{59EAAB5F-2EFD-4306-B55A-B284D8246595}" sibTransId="{AA6071C2-3FC2-4040-BAC8-D0333B1CEE68}"/>
-    <dgm:cxn modelId="{C5D4FE59-33C2-429A-AF78-E1D22555B8E8}" type="presOf" srcId="{DB3CC4A9-E6B8-47ED-B319-393A8B447A93}" destId="{62540F93-3247-4A73-ADD1-5D25A25CE35E}" srcOrd="0" destOrd="0" presId="urn:microsoft.com/office/officeart/2005/8/layout/lProcess1"/>
-    <dgm:cxn modelId="{405B5E9A-3727-4C2E-BE4F-3E8C4F8AEF59}" type="presOf" srcId="{FC534FAE-712D-430A-B199-FB89DE8FF734}" destId="{9A14B7EB-32F3-4993-B804-934357FA0DC0}" srcOrd="0" destOrd="0" presId="urn:microsoft.com/office/officeart/2005/8/layout/lProcess1"/>
-    <dgm:cxn modelId="{E5EEC93E-F211-4478-AB30-08FA080FBB74}" type="presOf" srcId="{CA939E67-7602-4D69-A2E1-5C288BF3E907}" destId="{34E6B915-77A5-4804-AA33-3613DAECE3EF}" srcOrd="0" destOrd="0" presId="urn:microsoft.com/office/officeart/2005/8/layout/lProcess1"/>
-    <dgm:cxn modelId="{CE3E296F-914C-42C3-B689-8830303ED6F0}" srcId="{C681C8C0-8D40-426B-9A7F-B23E5E4E9312}" destId="{A1877C4F-8EA6-482A-8F31-985E71F339B8}" srcOrd="0" destOrd="0" parTransId="{600BB6D2-9366-4E29-912A-C4FA68A33DE1}" sibTransId="{A26CC204-A967-4A5E-BF6A-963FAD774A2C}"/>
-    <dgm:cxn modelId="{F64A815A-5A4D-4515-A249-86ACB22AB518}" type="presOf" srcId="{645B1FFA-DC29-47C4-A779-2F174A48204E}" destId="{511BCF1A-F2D5-47F0-A548-E02E1DE02789}" srcOrd="0" destOrd="0" presId="urn:microsoft.com/office/officeart/2005/8/layout/lProcess1"/>
-    <dgm:cxn modelId="{894883AB-A943-4C53-9DA7-A9CE98896F82}" srcId="{617614FE-E530-43A9-8AC9-538491EDEF08}" destId="{FC534FAE-712D-430A-B199-FB89DE8FF734}" srcOrd="0" destOrd="0" parTransId="{2D18B9FD-D050-413A-8608-1F0EFCDA2870}" sibTransId="{645B1FFA-DC29-47C4-A779-2F174A48204E}"/>
-    <dgm:cxn modelId="{DA85F2B8-4DA6-4FAD-A9AE-57A49A95BADD}" type="presOf" srcId="{C8EB748E-9265-43C0-A346-5F47BC87917D}" destId="{81B043A6-1673-42C4-9536-85A29608B541}" srcOrd="0" destOrd="0" presId="urn:microsoft.com/office/officeart/2005/8/layout/lProcess1"/>
-    <dgm:cxn modelId="{1D33B055-1BF4-4B76-8DD5-E926AD058C91}" srcId="{08CBE1EF-291F-49FF-9216-BF8D24382816}" destId="{43329A8B-63C6-441F-B1E3-F6E8FCD1EC1A}" srcOrd="0" destOrd="0" parTransId="{E74B7A14-BFAE-4A83-90ED-42D4A4A23220}" sibTransId="{DD92D6D8-0371-4BDE-9D96-40965A36D424}"/>
-    <dgm:cxn modelId="{47AD28D5-DD5E-4BC6-83AE-3B8DD7F8EDCE}" srcId="{43329A8B-63C6-441F-B1E3-F6E8FCD1EC1A}" destId="{631F98EA-4031-4546-82D9-417307E2D4AA}" srcOrd="5" destOrd="0" parTransId="{4E623B10-5821-4FD0-AEE1-F869DF0B2B3A}" sibTransId="{C416B93F-4C12-445C-9BF3-1FDCCA5D402F}"/>
-    <dgm:cxn modelId="{9A755521-C14D-4FCA-B076-BFED31A67647}" type="presOf" srcId="{43329A8B-63C6-441F-B1E3-F6E8FCD1EC1A}" destId="{8A37306F-A061-4A09-8F33-E88AF0E2EE9F}" srcOrd="0" destOrd="0" presId="urn:microsoft.com/office/officeart/2005/8/layout/lProcess1"/>
-    <dgm:cxn modelId="{DF2F88F5-69F0-4CCE-9413-2C80C1DBD041}" type="presOf" srcId="{A2CBC3B7-75D9-469D-BDA3-6411BB1BC7DB}" destId="{F9743E05-9636-451A-B637-329C9E4B5400}" srcOrd="0" destOrd="0" presId="urn:microsoft.com/office/officeart/2005/8/layout/lProcess1"/>
-    <dgm:cxn modelId="{28C0784E-2DB1-48DE-A727-045879BA029A}" type="presOf" srcId="{A1877C4F-8EA6-482A-8F31-985E71F339B8}" destId="{07B128CB-74F0-4777-996B-85829C58CFF0}" srcOrd="0" destOrd="0" presId="urn:microsoft.com/office/officeart/2005/8/layout/lProcess1"/>
-    <dgm:cxn modelId="{08111A90-7472-488B-ABD0-996F9BC86101}" type="presOf" srcId="{9E8ED7B3-0626-4074-B4B3-2404FB2F103B}" destId="{5C7C4A2E-74BC-4C3E-8D63-1BD9FA0D9B89}" srcOrd="0" destOrd="0" presId="urn:microsoft.com/office/officeart/2005/8/layout/lProcess1"/>
-    <dgm:cxn modelId="{B858A737-BF81-4AB6-94E7-B380BD3F3F23}" type="presOf" srcId="{F5E942D0-83AE-4662-B15A-50E49C2CC139}" destId="{C47DC6C5-0AA1-4E49-AB77-9669213C14CB}" srcOrd="0" destOrd="0" presId="urn:microsoft.com/office/officeart/2005/8/layout/lProcess1"/>
-    <dgm:cxn modelId="{6EB2E467-50D5-4BCD-9883-4548F203655E}" type="presOf" srcId="{617614FE-E530-43A9-8AC9-538491EDEF08}" destId="{16D60CF6-9903-4D11-8498-A3EB09A9E487}" srcOrd="0" destOrd="0" presId="urn:microsoft.com/office/officeart/2005/8/layout/lProcess1"/>
-    <dgm:cxn modelId="{FA27B87D-0823-4D2B-9DC3-96ECA6A836B9}" type="presOf" srcId="{5F026416-2235-49D3-BE9D-A374D00BC487}" destId="{B6A55B43-9E3B-4C8D-A577-B2BAD5C9A5C1}" srcOrd="0" destOrd="0" presId="urn:microsoft.com/office/officeart/2005/8/layout/lProcess1"/>
-    <dgm:cxn modelId="{9711ADD7-0D25-450D-A5B8-F19299B8A6ED}" srcId="{08CBE1EF-291F-49FF-9216-BF8D24382816}" destId="{C681C8C0-8D40-426B-9A7F-B23E5E4E9312}" srcOrd="2" destOrd="0" parTransId="{2A9C0BA7-ECD8-4A61-AA66-98262341C9CF}" sibTransId="{6A4A3788-6223-4116-9A8C-0984CF4F7E46}"/>
-    <dgm:cxn modelId="{F41EAFFF-15A1-4123-99E2-8494E8031022}" srcId="{43329A8B-63C6-441F-B1E3-F6E8FCD1EC1A}" destId="{91534C4B-1138-4717-A312-B23D3E03A770}" srcOrd="4" destOrd="0" parTransId="{6F3D7703-D1B5-4B37-8C2F-35424804041C}" sibTransId="{17D8CA5B-E7C0-4450-9B5C-2A675B3AEC97}"/>
     <dgm:cxn modelId="{B34015DF-80EF-4988-B610-C3EE3BA5B41B}" type="presParOf" srcId="{9F2717B7-3380-4165-890D-62CC02ECD9AA}" destId="{C3FBB71A-BB96-4D6D-865B-29EF8030F87F}" srcOrd="0" destOrd="0" presId="urn:microsoft.com/office/officeart/2005/8/layout/lProcess1"/>
     <dgm:cxn modelId="{B239439D-572F-43D7-AB4D-0D0F1000C2C7}" type="presParOf" srcId="{C3FBB71A-BB96-4D6D-865B-29EF8030F87F}" destId="{8A37306F-A061-4A09-8F33-E88AF0E2EE9F}" srcOrd="0" destOrd="0" presId="urn:microsoft.com/office/officeart/2005/8/layout/lProcess1"/>
     <dgm:cxn modelId="{305533ED-CB25-4DE4-A520-AB67DA44344B}" type="presParOf" srcId="{C3FBB71A-BB96-4D6D-865B-29EF8030F87F}" destId="{81B043A6-1673-42C4-9536-85A29608B541}" srcOrd="1" destOrd="0" presId="urn:microsoft.com/office/officeart/2005/8/layout/lProcess1"/>
@@ -9820,7 +11331,7 @@
 </dgm:dataModel>
 </file>
 
-<file path=ppt/diagrams/data7.xml><?xml version="1.0" encoding="utf-8"?>
+<file path=ppt/diagrams/data8.xml><?xml version="1.0" encoding="utf-8"?>
 <dgm:dataModel xmlns:dgm="http://schemas.openxmlformats.org/drawingml/2006/diagram" xmlns:a="http://schemas.openxmlformats.org/drawingml/2006/main">
   <dgm:ptLst>
     <dgm:pt modelId="{08CBE1EF-291F-49FF-9216-BF8D24382816}" type="doc">
@@ -10645,6 +12156,13 @@
         </dgm:presLayoutVars>
       </dgm:prSet>
       <dgm:spPr/>
+      <dgm:t>
+        <a:bodyPr/>
+        <a:lstStyle/>
+        <a:p>
+          <a:endParaRPr lang="pt-BR"/>
+        </a:p>
+      </dgm:t>
     </dgm:pt>
     <dgm:pt modelId="{A87F66D8-A15C-4546-ADBE-B58B224F8DDB}" type="pres">
       <dgm:prSet presAssocID="{744FF24C-69D0-4EB4-984D-AF4738F5E9C8}" presName="vertFlow" presStyleCnt="0"/>
@@ -10664,6 +12182,13 @@
     <dgm:pt modelId="{9A3BEF2C-655B-4ECF-9C45-EDE4B315BF0C}" type="pres">
       <dgm:prSet presAssocID="{E54D0672-6625-486A-8C2C-D5310C2A0AFC}" presName="parTrans" presStyleLbl="sibTrans2D1" presStyleIdx="0" presStyleCnt="15"/>
       <dgm:spPr/>
+      <dgm:t>
+        <a:bodyPr/>
+        <a:lstStyle/>
+        <a:p>
+          <a:endParaRPr lang="pt-BR"/>
+        </a:p>
+      </dgm:t>
     </dgm:pt>
     <dgm:pt modelId="{EBA5B0C2-39EA-49EF-A580-FF0B0787A7B0}" type="pres">
       <dgm:prSet presAssocID="{FBEF9470-08CC-477F-B838-E0D771C67E35}" presName="child" presStyleLbl="alignAccFollowNode1" presStyleIdx="0" presStyleCnt="15">
@@ -10673,10 +12198,24 @@
         </dgm:presLayoutVars>
       </dgm:prSet>
       <dgm:spPr/>
+      <dgm:t>
+        <a:bodyPr/>
+        <a:lstStyle/>
+        <a:p>
+          <a:endParaRPr lang="pt-BR"/>
+        </a:p>
+      </dgm:t>
     </dgm:pt>
     <dgm:pt modelId="{DDAE3AD4-0EF6-4185-A134-DB95B445BE8A}" type="pres">
       <dgm:prSet presAssocID="{C822E28B-F95D-4CBA-9D31-3185629CBB00}" presName="sibTrans" presStyleLbl="sibTrans2D1" presStyleIdx="1" presStyleCnt="15"/>
       <dgm:spPr/>
+      <dgm:t>
+        <a:bodyPr/>
+        <a:lstStyle/>
+        <a:p>
+          <a:endParaRPr lang="pt-BR"/>
+        </a:p>
+      </dgm:t>
     </dgm:pt>
     <dgm:pt modelId="{18A1EC84-BE5C-4679-871B-8C5826CFC9F5}" type="pres">
       <dgm:prSet presAssocID="{224E5FC4-2DE4-46EF-9F7F-984AA9C6D975}" presName="child" presStyleLbl="alignAccFollowNode1" presStyleIdx="1" presStyleCnt="15">
@@ -10686,10 +12225,24 @@
         </dgm:presLayoutVars>
       </dgm:prSet>
       <dgm:spPr/>
+      <dgm:t>
+        <a:bodyPr/>
+        <a:lstStyle/>
+        <a:p>
+          <a:endParaRPr lang="pt-BR"/>
+        </a:p>
+      </dgm:t>
     </dgm:pt>
     <dgm:pt modelId="{4EC43152-D9CC-4791-874A-A26DD4FA1BF9}" type="pres">
       <dgm:prSet presAssocID="{FEEA06EF-412E-420A-B7F0-2EA146B28E6F}" presName="sibTrans" presStyleLbl="sibTrans2D1" presStyleIdx="2" presStyleCnt="15"/>
       <dgm:spPr/>
+      <dgm:t>
+        <a:bodyPr/>
+        <a:lstStyle/>
+        <a:p>
+          <a:endParaRPr lang="pt-BR"/>
+        </a:p>
+      </dgm:t>
     </dgm:pt>
     <dgm:pt modelId="{240B0ECE-FDB1-4F36-99FF-F2323C487EFE}" type="pres">
       <dgm:prSet presAssocID="{158F2CFE-34E2-4318-AF0A-2F0698C637C1}" presName="child" presStyleLbl="alignAccFollowNode1" presStyleIdx="2" presStyleCnt="15">
@@ -10718,10 +12271,24 @@
     <dgm:pt modelId="{916DFFB0-1678-4D3B-9DF3-60DA56BDEAAB}" type="pres">
       <dgm:prSet presAssocID="{A2CBC3B7-75D9-469D-BDA3-6411BB1BC7DB}" presName="header" presStyleLbl="node1" presStyleIdx="1" presStyleCnt="6"/>
       <dgm:spPr/>
+      <dgm:t>
+        <a:bodyPr/>
+        <a:lstStyle/>
+        <a:p>
+          <a:endParaRPr lang="pt-BR"/>
+        </a:p>
+      </dgm:t>
     </dgm:pt>
     <dgm:pt modelId="{C8B657BD-1C18-4C49-B13C-C6B9FFCA2F98}" type="pres">
       <dgm:prSet presAssocID="{F1CD3BBE-073A-4FE4-9334-95376BD385FE}" presName="parTrans" presStyleLbl="sibTrans2D1" presStyleIdx="3" presStyleCnt="15"/>
       <dgm:spPr/>
+      <dgm:t>
+        <a:bodyPr/>
+        <a:lstStyle/>
+        <a:p>
+          <a:endParaRPr lang="pt-BR"/>
+        </a:p>
+      </dgm:t>
     </dgm:pt>
     <dgm:pt modelId="{C34A9751-E0D2-4AC0-9476-7C8B882B4D8A}" type="pres">
       <dgm:prSet presAssocID="{A2CB7D17-CABE-48E3-B8A1-8FC0AB12A600}" presName="child" presStyleLbl="alignAccFollowNode1" presStyleIdx="3" presStyleCnt="15">
@@ -10731,10 +12298,24 @@
         </dgm:presLayoutVars>
       </dgm:prSet>
       <dgm:spPr/>
+      <dgm:t>
+        <a:bodyPr/>
+        <a:lstStyle/>
+        <a:p>
+          <a:endParaRPr lang="pt-BR"/>
+        </a:p>
+      </dgm:t>
     </dgm:pt>
     <dgm:pt modelId="{70D87D9F-F58A-49BC-AFD3-AC2197A5A45F}" type="pres">
       <dgm:prSet presAssocID="{BA7ED5E3-9F9C-4C3D-881D-6522675EB9A3}" presName="sibTrans" presStyleLbl="sibTrans2D1" presStyleIdx="4" presStyleCnt="15"/>
       <dgm:spPr/>
+      <dgm:t>
+        <a:bodyPr/>
+        <a:lstStyle/>
+        <a:p>
+          <a:endParaRPr lang="pt-BR"/>
+        </a:p>
+      </dgm:t>
     </dgm:pt>
     <dgm:pt modelId="{5BC2BF60-E6BD-4B63-B451-8CE0C60F880A}" type="pres">
       <dgm:prSet presAssocID="{9F188D8E-258A-4833-8DA2-D98DB84EC810}" presName="child" presStyleLbl="alignAccFollowNode1" presStyleIdx="4" presStyleCnt="15">
@@ -10744,6 +12325,13 @@
         </dgm:presLayoutVars>
       </dgm:prSet>
       <dgm:spPr/>
+      <dgm:t>
+        <a:bodyPr/>
+        <a:lstStyle/>
+        <a:p>
+          <a:endParaRPr lang="pt-BR"/>
+        </a:p>
+      </dgm:t>
     </dgm:pt>
     <dgm:pt modelId="{5DA6E681-6905-4019-815F-7F075B200E2F}" type="pres">
       <dgm:prSet presAssocID="{A2CBC3B7-75D9-469D-BDA3-6411BB1BC7DB}" presName="hSp" presStyleCnt="0"/>
@@ -10756,10 +12344,24 @@
     <dgm:pt modelId="{968AE4B9-562A-4E9E-B0B6-4117AC988BD9}" type="pres">
       <dgm:prSet presAssocID="{A5333483-E781-4A00-9E98-7DF80E3FACA8}" presName="header" presStyleLbl="node1" presStyleIdx="2" presStyleCnt="6"/>
       <dgm:spPr/>
+      <dgm:t>
+        <a:bodyPr/>
+        <a:lstStyle/>
+        <a:p>
+          <a:endParaRPr lang="pt-BR"/>
+        </a:p>
+      </dgm:t>
     </dgm:pt>
     <dgm:pt modelId="{F5349D68-19FF-497B-B5FA-41A56FE5935E}" type="pres">
       <dgm:prSet presAssocID="{6934C40F-1098-45E9-91F2-FC4391E9064D}" presName="parTrans" presStyleLbl="sibTrans2D1" presStyleIdx="5" presStyleCnt="15"/>
       <dgm:spPr/>
+      <dgm:t>
+        <a:bodyPr/>
+        <a:lstStyle/>
+        <a:p>
+          <a:endParaRPr lang="pt-BR"/>
+        </a:p>
+      </dgm:t>
     </dgm:pt>
     <dgm:pt modelId="{98050D83-4B71-4526-A15F-47B73B09E898}" type="pres">
       <dgm:prSet presAssocID="{25474FEB-0F5B-4530-9B15-B677D196F721}" presName="child" presStyleLbl="alignAccFollowNode1" presStyleIdx="5" presStyleCnt="15">
@@ -10780,6 +12382,13 @@
     <dgm:pt modelId="{B89F1001-07BA-4B7A-9051-8FB2C0F8EA28}" type="pres">
       <dgm:prSet presAssocID="{78E686A3-0F90-4C0E-A04F-203C038FDAFD}" presName="sibTrans" presStyleLbl="sibTrans2D1" presStyleIdx="6" presStyleCnt="15"/>
       <dgm:spPr/>
+      <dgm:t>
+        <a:bodyPr/>
+        <a:lstStyle/>
+        <a:p>
+          <a:endParaRPr lang="pt-BR"/>
+        </a:p>
+      </dgm:t>
     </dgm:pt>
     <dgm:pt modelId="{CD6734AE-1061-4EDF-836C-5E608F3D66AF}" type="pres">
       <dgm:prSet presAssocID="{1D479B16-C996-424D-929B-D0EC42C569D6}" presName="child" presStyleLbl="alignAccFollowNode1" presStyleIdx="6" presStyleCnt="15">
@@ -10800,6 +12409,13 @@
     <dgm:pt modelId="{306C3070-2537-49CF-988F-4CAC875E58D5}" type="pres">
       <dgm:prSet presAssocID="{E6EF8B61-760B-43D2-9180-61CA6C3505B4}" presName="sibTrans" presStyleLbl="sibTrans2D1" presStyleIdx="7" presStyleCnt="15"/>
       <dgm:spPr/>
+      <dgm:t>
+        <a:bodyPr/>
+        <a:lstStyle/>
+        <a:p>
+          <a:endParaRPr lang="pt-BR"/>
+        </a:p>
+      </dgm:t>
     </dgm:pt>
     <dgm:pt modelId="{E4164011-35BA-451D-BAAE-DD51DA846860}" type="pres">
       <dgm:prSet presAssocID="{05775754-91B1-4D11-8A23-09347D8EEA29}" presName="child" presStyleLbl="alignAccFollowNode1" presStyleIdx="7" presStyleCnt="15" custScaleY="153556">
@@ -10828,10 +12444,24 @@
     <dgm:pt modelId="{ECEDC40F-0ED1-4FEF-971F-36C82BEB5F39}" type="pres">
       <dgm:prSet presAssocID="{CA939E67-7602-4D69-A2E1-5C288BF3E907}" presName="header" presStyleLbl="node1" presStyleIdx="3" presStyleCnt="6"/>
       <dgm:spPr/>
+      <dgm:t>
+        <a:bodyPr/>
+        <a:lstStyle/>
+        <a:p>
+          <a:endParaRPr lang="pt-BR"/>
+        </a:p>
+      </dgm:t>
     </dgm:pt>
     <dgm:pt modelId="{657EF2F9-5595-4BD6-82C0-3C16E05EF3F3}" type="pres">
       <dgm:prSet presAssocID="{B0C38001-2B2A-4A7D-ABF0-3A5B26DEF34F}" presName="parTrans" presStyleLbl="sibTrans2D1" presStyleIdx="8" presStyleCnt="15"/>
       <dgm:spPr/>
+      <dgm:t>
+        <a:bodyPr/>
+        <a:lstStyle/>
+        <a:p>
+          <a:endParaRPr lang="pt-BR"/>
+        </a:p>
+      </dgm:t>
     </dgm:pt>
     <dgm:pt modelId="{598A6816-5905-4C63-9DC3-FC1AE33AFD56}" type="pres">
       <dgm:prSet presAssocID="{2D843B6B-DA4A-4C7D-8445-F9D1E0F50C06}" presName="child" presStyleLbl="alignAccFollowNode1" presStyleIdx="8" presStyleCnt="15">
@@ -10852,6 +12482,13 @@
     <dgm:pt modelId="{E88E8A3D-4DE4-4DDC-8096-E2CB8C30C0D2}" type="pres">
       <dgm:prSet presAssocID="{8418CAAA-CD4A-46E4-B98E-FA5DBB181758}" presName="sibTrans" presStyleLbl="sibTrans2D1" presStyleIdx="9" presStyleCnt="15"/>
       <dgm:spPr/>
+      <dgm:t>
+        <a:bodyPr/>
+        <a:lstStyle/>
+        <a:p>
+          <a:endParaRPr lang="pt-BR"/>
+        </a:p>
+      </dgm:t>
     </dgm:pt>
     <dgm:pt modelId="{48B96856-BD59-499B-9468-830BFD6D1B14}" type="pres">
       <dgm:prSet presAssocID="{F0A9532A-78FC-4563-A1B4-B153B7F33269}" presName="child" presStyleLbl="alignAccFollowNode1" presStyleIdx="9" presStyleCnt="15">
@@ -10861,6 +12498,13 @@
         </dgm:presLayoutVars>
       </dgm:prSet>
       <dgm:spPr/>
+      <dgm:t>
+        <a:bodyPr/>
+        <a:lstStyle/>
+        <a:p>
+          <a:endParaRPr lang="pt-BR"/>
+        </a:p>
+      </dgm:t>
     </dgm:pt>
     <dgm:pt modelId="{507EDC4F-60C3-4D56-B4CA-142B7C12AE0C}" type="pres">
       <dgm:prSet presAssocID="{CA939E67-7602-4D69-A2E1-5C288BF3E907}" presName="hSp" presStyleCnt="0"/>
@@ -10873,10 +12517,24 @@
     <dgm:pt modelId="{1B52D138-12C6-44FA-84A9-63FC437D7FF6}" type="pres">
       <dgm:prSet presAssocID="{91534C4B-1138-4717-A312-B23D3E03A770}" presName="header" presStyleLbl="node1" presStyleIdx="4" presStyleCnt="6"/>
       <dgm:spPr/>
+      <dgm:t>
+        <a:bodyPr/>
+        <a:lstStyle/>
+        <a:p>
+          <a:endParaRPr lang="pt-BR"/>
+        </a:p>
+      </dgm:t>
     </dgm:pt>
     <dgm:pt modelId="{259BB797-E452-40BA-A18C-0BA8ECE9ED7F}" type="pres">
       <dgm:prSet presAssocID="{426D3710-8EA4-450E-9949-9689F762BC7B}" presName="parTrans" presStyleLbl="sibTrans2D1" presStyleIdx="10" presStyleCnt="15"/>
       <dgm:spPr/>
+      <dgm:t>
+        <a:bodyPr/>
+        <a:lstStyle/>
+        <a:p>
+          <a:endParaRPr lang="pt-BR"/>
+        </a:p>
+      </dgm:t>
     </dgm:pt>
     <dgm:pt modelId="{0D4DA637-48C5-4027-83CA-3801B7B635A0}" type="pres">
       <dgm:prSet presAssocID="{1C63FE3F-8344-4698-A667-041A0F76FF50}" presName="child" presStyleLbl="alignAccFollowNode1" presStyleIdx="10" presStyleCnt="15">
@@ -10886,6 +12544,13 @@
         </dgm:presLayoutVars>
       </dgm:prSet>
       <dgm:spPr/>
+      <dgm:t>
+        <a:bodyPr/>
+        <a:lstStyle/>
+        <a:p>
+          <a:endParaRPr lang="pt-BR"/>
+        </a:p>
+      </dgm:t>
     </dgm:pt>
     <dgm:pt modelId="{0DD66011-C66B-41A7-BF3F-078D17E3F079}" type="pres">
       <dgm:prSet presAssocID="{91534C4B-1138-4717-A312-B23D3E03A770}" presName="hSp" presStyleCnt="0"/>
@@ -10898,10 +12563,24 @@
     <dgm:pt modelId="{DCEB2D3F-B942-4891-B99D-17A59933F586}" type="pres">
       <dgm:prSet presAssocID="{631F98EA-4031-4546-82D9-417307E2D4AA}" presName="header" presStyleLbl="node1" presStyleIdx="5" presStyleCnt="6"/>
       <dgm:spPr/>
+      <dgm:t>
+        <a:bodyPr/>
+        <a:lstStyle/>
+        <a:p>
+          <a:endParaRPr lang="pt-BR"/>
+        </a:p>
+      </dgm:t>
     </dgm:pt>
     <dgm:pt modelId="{2A8673D7-15BB-4B5F-B181-09B3E729655E}" type="pres">
       <dgm:prSet presAssocID="{70A51621-76A0-4033-90F6-72CD0F7E5743}" presName="parTrans" presStyleLbl="sibTrans2D1" presStyleIdx="11" presStyleCnt="15"/>
       <dgm:spPr/>
+      <dgm:t>
+        <a:bodyPr/>
+        <a:lstStyle/>
+        <a:p>
+          <a:endParaRPr lang="pt-BR"/>
+        </a:p>
+      </dgm:t>
     </dgm:pt>
     <dgm:pt modelId="{11AAAB05-6556-46C4-A229-104F56D6B44E}" type="pres">
       <dgm:prSet presAssocID="{5FF42AD8-D032-443B-9E2C-E57FC5ADE282}" presName="child" presStyleLbl="alignAccFollowNode1" presStyleIdx="11" presStyleCnt="15">
@@ -10911,10 +12590,24 @@
         </dgm:presLayoutVars>
       </dgm:prSet>
       <dgm:spPr/>
+      <dgm:t>
+        <a:bodyPr/>
+        <a:lstStyle/>
+        <a:p>
+          <a:endParaRPr lang="pt-BR"/>
+        </a:p>
+      </dgm:t>
     </dgm:pt>
     <dgm:pt modelId="{64F45301-7B43-47CE-B46A-8A3156A19C9F}" type="pres">
       <dgm:prSet presAssocID="{0D0E48F9-D7D6-4B77-99AB-5E7E8C935518}" presName="sibTrans" presStyleLbl="sibTrans2D1" presStyleIdx="12" presStyleCnt="15"/>
       <dgm:spPr/>
+      <dgm:t>
+        <a:bodyPr/>
+        <a:lstStyle/>
+        <a:p>
+          <a:endParaRPr lang="pt-BR"/>
+        </a:p>
+      </dgm:t>
     </dgm:pt>
     <dgm:pt modelId="{B49923C6-9D8C-4886-B8D1-0E1E45C7F349}" type="pres">
       <dgm:prSet presAssocID="{EDEEA573-D38A-45EA-B467-27B9117C9860}" presName="child" presStyleLbl="alignAccFollowNode1" presStyleIdx="12" presStyleCnt="15">
@@ -10924,10 +12617,24 @@
         </dgm:presLayoutVars>
       </dgm:prSet>
       <dgm:spPr/>
+      <dgm:t>
+        <a:bodyPr/>
+        <a:lstStyle/>
+        <a:p>
+          <a:endParaRPr lang="pt-BR"/>
+        </a:p>
+      </dgm:t>
     </dgm:pt>
     <dgm:pt modelId="{2C1CA3F1-2CF8-4D6A-AB7E-26A1ADD88D35}" type="pres">
       <dgm:prSet presAssocID="{E0081FC8-C679-4D39-813B-39BBFDB271E9}" presName="sibTrans" presStyleLbl="sibTrans2D1" presStyleIdx="13" presStyleCnt="15"/>
       <dgm:spPr/>
+      <dgm:t>
+        <a:bodyPr/>
+        <a:lstStyle/>
+        <a:p>
+          <a:endParaRPr lang="pt-BR"/>
+        </a:p>
+      </dgm:t>
     </dgm:pt>
     <dgm:pt modelId="{BF8FA5ED-7228-4C15-BA76-61C744E4E155}" type="pres">
       <dgm:prSet presAssocID="{0211971A-4E4C-4A80-8D3D-D22691A4B425}" presName="child" presStyleLbl="alignAccFollowNode1" presStyleIdx="13" presStyleCnt="15">
@@ -10937,10 +12644,24 @@
         </dgm:presLayoutVars>
       </dgm:prSet>
       <dgm:spPr/>
+      <dgm:t>
+        <a:bodyPr/>
+        <a:lstStyle/>
+        <a:p>
+          <a:endParaRPr lang="pt-BR"/>
+        </a:p>
+      </dgm:t>
     </dgm:pt>
     <dgm:pt modelId="{F452A3A4-ACD5-4836-B618-A0D3595B2609}" type="pres">
       <dgm:prSet presAssocID="{50B83E3C-5D75-4D91-95D0-CAEA1ACE68C5}" presName="sibTrans" presStyleLbl="sibTrans2D1" presStyleIdx="14" presStyleCnt="15"/>
       <dgm:spPr/>
+      <dgm:t>
+        <a:bodyPr/>
+        <a:lstStyle/>
+        <a:p>
+          <a:endParaRPr lang="pt-BR"/>
+        </a:p>
+      </dgm:t>
     </dgm:pt>
     <dgm:pt modelId="{3AD81A4B-B9B8-4F32-BAA0-D9035582CB74}" type="pres">
       <dgm:prSet presAssocID="{88FE3291-3DF5-4BFC-ADAF-1A82433FA976}" presName="child" presStyleLbl="alignAccFollowNode1" presStyleIdx="14" presStyleCnt="15">
@@ -10950,67 +12671,74 @@
         </dgm:presLayoutVars>
       </dgm:prSet>
       <dgm:spPr/>
+      <dgm:t>
+        <a:bodyPr/>
+        <a:lstStyle/>
+        <a:p>
+          <a:endParaRPr lang="pt-BR"/>
+        </a:p>
+      </dgm:t>
     </dgm:pt>
   </dgm:ptLst>
   <dgm:cxnLst>
-    <dgm:cxn modelId="{6E72790D-72B9-4102-AE65-1B47BD0DA3BD}" type="presOf" srcId="{50B83E3C-5D75-4D91-95D0-CAEA1ACE68C5}" destId="{F452A3A4-ACD5-4836-B618-A0D3595B2609}" srcOrd="0" destOrd="0" presId="urn:microsoft.com/office/officeart/2005/8/layout/lProcess1"/>
-    <dgm:cxn modelId="{9756F31A-6280-4373-B8A6-2FEE3E5B754D}" type="presOf" srcId="{A2CB7D17-CABE-48E3-B8A1-8FC0AB12A600}" destId="{C34A9751-E0D2-4AC0-9476-7C8B882B4D8A}" srcOrd="0" destOrd="0" presId="urn:microsoft.com/office/officeart/2005/8/layout/lProcess1"/>
-    <dgm:cxn modelId="{C54C0D90-B3BE-48B6-ACD7-313002DEFCC2}" srcId="{631F98EA-4031-4546-82D9-417307E2D4AA}" destId="{0211971A-4E4C-4A80-8D3D-D22691A4B425}" srcOrd="2" destOrd="0" parTransId="{7B5E6B93-1A33-41E0-BD45-F760FF371E2A}" sibTransId="{50B83E3C-5D75-4D91-95D0-CAEA1ACE68C5}"/>
-    <dgm:cxn modelId="{9B98AA2B-82DA-40FC-B9D8-2E9A936A7A6F}" type="presOf" srcId="{6934C40F-1098-45E9-91F2-FC4391E9064D}" destId="{F5349D68-19FF-497B-B5FA-41A56FE5935E}" srcOrd="0" destOrd="0" presId="urn:microsoft.com/office/officeart/2005/8/layout/lProcess1"/>
-    <dgm:cxn modelId="{608D3917-8CDC-4DE9-84CC-DA58B5BF2AA1}" type="presOf" srcId="{224E5FC4-2DE4-46EF-9F7F-984AA9C6D975}" destId="{18A1EC84-BE5C-4679-871B-8C5826CFC9F5}" srcOrd="0" destOrd="0" presId="urn:microsoft.com/office/officeart/2005/8/layout/lProcess1"/>
-    <dgm:cxn modelId="{F41EAFFF-15A1-4123-99E2-8494E8031022}" srcId="{08CBE1EF-291F-49FF-9216-BF8D24382816}" destId="{91534C4B-1138-4717-A312-B23D3E03A770}" srcOrd="4" destOrd="0" parTransId="{6F3D7703-D1B5-4B37-8C2F-35424804041C}" sibTransId="{17D8CA5B-E7C0-4450-9B5C-2A675B3AEC97}"/>
-    <dgm:cxn modelId="{924CDADD-4C94-4433-98B2-1FBBC9DE8639}" type="presOf" srcId="{FBEF9470-08CC-477F-B838-E0D771C67E35}" destId="{EBA5B0C2-39EA-49EF-A580-FF0B0787A7B0}" srcOrd="0" destOrd="0" presId="urn:microsoft.com/office/officeart/2005/8/layout/lProcess1"/>
-    <dgm:cxn modelId="{4114244D-D555-43F9-BCC2-AA9803A02A86}" srcId="{744FF24C-69D0-4EB4-984D-AF4738F5E9C8}" destId="{158F2CFE-34E2-4318-AF0A-2F0698C637C1}" srcOrd="2" destOrd="0" parTransId="{F88B8E6B-8880-49B4-9828-A4BC3FDC0B39}" sibTransId="{8C4AB4C0-B241-4996-AB9D-FF12356DAE8C}"/>
-    <dgm:cxn modelId="{AFEACD29-9209-4781-877B-E0BFDF5EB007}" type="presOf" srcId="{08CBE1EF-291F-49FF-9216-BF8D24382816}" destId="{9F2717B7-3380-4165-890D-62CC02ECD9AA}" srcOrd="0" destOrd="0" presId="urn:microsoft.com/office/officeart/2005/8/layout/lProcess1"/>
-    <dgm:cxn modelId="{9AB0A90B-5E7F-4CDE-83E6-C8A9D3873E55}" srcId="{A2CBC3B7-75D9-469D-BDA3-6411BB1BC7DB}" destId="{A2CB7D17-CABE-48E3-B8A1-8FC0AB12A600}" srcOrd="0" destOrd="0" parTransId="{F1CD3BBE-073A-4FE4-9334-95376BD385FE}" sibTransId="{BA7ED5E3-9F9C-4C3D-881D-6522675EB9A3}"/>
-    <dgm:cxn modelId="{F4D6FC7A-ED19-45BD-B2F7-EFE0C7C547A0}" srcId="{08CBE1EF-291F-49FF-9216-BF8D24382816}" destId="{CA939E67-7602-4D69-A2E1-5C288BF3E907}" srcOrd="3" destOrd="0" parTransId="{F4F12831-ECC8-4F62-A173-04D920F72F3B}" sibTransId="{A41E8926-6BFE-4EC7-A27E-27AC655F4303}"/>
-    <dgm:cxn modelId="{2AA68EF0-F93D-476A-88F0-EBFADA6DF668}" type="presOf" srcId="{744FF24C-69D0-4EB4-984D-AF4738F5E9C8}" destId="{C7211971-B484-4A90-817C-9C127CAB119B}" srcOrd="0" destOrd="0" presId="urn:microsoft.com/office/officeart/2005/8/layout/lProcess1"/>
-    <dgm:cxn modelId="{B5D613AD-8680-4A54-9212-CB2CEB25BD5B}" type="presOf" srcId="{70A51621-76A0-4033-90F6-72CD0F7E5743}" destId="{2A8673D7-15BB-4B5F-B181-09B3E729655E}" srcOrd="0" destOrd="0" presId="urn:microsoft.com/office/officeart/2005/8/layout/lProcess1"/>
-    <dgm:cxn modelId="{DE6DBF97-A35D-4517-A2F0-28831095D040}" type="presOf" srcId="{8418CAAA-CD4A-46E4-B98E-FA5DBB181758}" destId="{E88E8A3D-4DE4-4DDC-8096-E2CB8C30C0D2}" srcOrd="0" destOrd="0" presId="urn:microsoft.com/office/officeart/2005/8/layout/lProcess1"/>
-    <dgm:cxn modelId="{DE1D0A09-23BB-4360-AF86-1DBD9FC6BF92}" srcId="{91534C4B-1138-4717-A312-B23D3E03A770}" destId="{1C63FE3F-8344-4698-A667-041A0F76FF50}" srcOrd="0" destOrd="0" parTransId="{426D3710-8EA4-450E-9949-9689F762BC7B}" sibTransId="{79D71A92-F922-4202-8947-351CB4DCBB90}"/>
-    <dgm:cxn modelId="{6122C297-1EB2-4063-9A32-4321A437D9CF}" type="presOf" srcId="{05775754-91B1-4D11-8A23-09347D8EEA29}" destId="{E4164011-35BA-451D-BAAE-DD51DA846860}" srcOrd="0" destOrd="0" presId="urn:microsoft.com/office/officeart/2005/8/layout/lProcess1"/>
-    <dgm:cxn modelId="{8B8B6D21-804B-4228-858D-B2B12BC86413}" type="presOf" srcId="{FEEA06EF-412E-420A-B7F0-2EA146B28E6F}" destId="{4EC43152-D9CC-4791-874A-A26DD4FA1BF9}" srcOrd="0" destOrd="0" presId="urn:microsoft.com/office/officeart/2005/8/layout/lProcess1"/>
-    <dgm:cxn modelId="{B113C0DE-7709-40F7-B5A4-DCE043ED7D1D}" srcId="{744FF24C-69D0-4EB4-984D-AF4738F5E9C8}" destId="{224E5FC4-2DE4-46EF-9F7F-984AA9C6D975}" srcOrd="1" destOrd="0" parTransId="{9709682D-676C-4C47-88A1-5EFA863D061D}" sibTransId="{FEEA06EF-412E-420A-B7F0-2EA146B28E6F}"/>
-    <dgm:cxn modelId="{2E962CCC-E321-4CB1-AEF5-BB1E7FE9571B}" type="presOf" srcId="{F1CD3BBE-073A-4FE4-9334-95376BD385FE}" destId="{C8B657BD-1C18-4C49-B13C-C6B9FFCA2F98}" srcOrd="0" destOrd="0" presId="urn:microsoft.com/office/officeart/2005/8/layout/lProcess1"/>
-    <dgm:cxn modelId="{24278B64-D90B-400A-8BED-1FCEC273AEC1}" srcId="{A5333483-E781-4A00-9E98-7DF80E3FACA8}" destId="{1D479B16-C996-424D-929B-D0EC42C569D6}" srcOrd="1" destOrd="0" parTransId="{D1425BE4-AE3F-4011-89A7-84C757314F8B}" sibTransId="{E6EF8B61-760B-43D2-9180-61CA6C3505B4}"/>
-    <dgm:cxn modelId="{4F0AE47B-7206-4408-8167-360C1C1B25EB}" srcId="{A5333483-E781-4A00-9E98-7DF80E3FACA8}" destId="{05775754-91B1-4D11-8A23-09347D8EEA29}" srcOrd="2" destOrd="0" parTransId="{DF8F97B8-5EDE-40ED-954D-4910C87F003C}" sibTransId="{E6642216-0A33-45B2-B865-21DA0F2D140D}"/>
-    <dgm:cxn modelId="{CB4B9127-8E47-48F1-B305-F3F9C3B48AE6}" type="presOf" srcId="{E6EF8B61-760B-43D2-9180-61CA6C3505B4}" destId="{306C3070-2537-49CF-988F-4CAC875E58D5}" srcOrd="0" destOrd="0" presId="urn:microsoft.com/office/officeart/2005/8/layout/lProcess1"/>
-    <dgm:cxn modelId="{09AB2742-C9B7-444F-A112-EA415F2912D3}" type="presOf" srcId="{631F98EA-4031-4546-82D9-417307E2D4AA}" destId="{DCEB2D3F-B942-4891-B99D-17A59933F586}" srcOrd="0" destOrd="0" presId="urn:microsoft.com/office/officeart/2005/8/layout/lProcess1"/>
-    <dgm:cxn modelId="{A3D25BA4-A971-41ED-B089-DE374A7C8D51}" type="presOf" srcId="{0211971A-4E4C-4A80-8D3D-D22691A4B425}" destId="{BF8FA5ED-7228-4C15-BA76-61C744E4E155}" srcOrd="0" destOrd="0" presId="urn:microsoft.com/office/officeart/2005/8/layout/lProcess1"/>
+    <dgm:cxn modelId="{5B5C2A78-5F14-4681-9415-4993701DE589}" srcId="{744FF24C-69D0-4EB4-984D-AF4738F5E9C8}" destId="{FBEF9470-08CC-477F-B838-E0D771C67E35}" srcOrd="0" destOrd="0" parTransId="{E54D0672-6625-486A-8C2C-D5310C2A0AFC}" sibTransId="{C822E28B-F95D-4CBA-9D31-3185629CBB00}"/>
     <dgm:cxn modelId="{5A718BC5-9494-4978-9D97-9808834490A2}" type="presOf" srcId="{EDEEA573-D38A-45EA-B467-27B9117C9860}" destId="{B49923C6-9D8C-4886-B8D1-0E1E45C7F349}" srcOrd="0" destOrd="0" presId="urn:microsoft.com/office/officeart/2005/8/layout/lProcess1"/>
     <dgm:cxn modelId="{44FD0EA3-E4DE-4509-A16D-20DBDBCE2D93}" type="presOf" srcId="{5FF42AD8-D032-443B-9E2C-E57FC5ADE282}" destId="{11AAAB05-6556-46C4-A229-104F56D6B44E}" srcOrd="0" destOrd="0" presId="urn:microsoft.com/office/officeart/2005/8/layout/lProcess1"/>
+    <dgm:cxn modelId="{6E72790D-72B9-4102-AE65-1B47BD0DA3BD}" type="presOf" srcId="{50B83E3C-5D75-4D91-95D0-CAEA1ACE68C5}" destId="{F452A3A4-ACD5-4836-B618-A0D3595B2609}" srcOrd="0" destOrd="0" presId="urn:microsoft.com/office/officeart/2005/8/layout/lProcess1"/>
     <dgm:cxn modelId="{087C1AF4-7362-4526-893D-591A788CA896}" type="presOf" srcId="{E0081FC8-C679-4D39-813B-39BBFDB271E9}" destId="{2C1CA3F1-2CF8-4D6A-AB7E-26A1ADD88D35}" srcOrd="0" destOrd="0" presId="urn:microsoft.com/office/officeart/2005/8/layout/lProcess1"/>
+    <dgm:cxn modelId="{24278B64-D90B-400A-8BED-1FCEC273AEC1}" srcId="{A5333483-E781-4A00-9E98-7DF80E3FACA8}" destId="{1D479B16-C996-424D-929B-D0EC42C569D6}" srcOrd="1" destOrd="0" parTransId="{D1425BE4-AE3F-4011-89A7-84C757314F8B}" sibTransId="{E6EF8B61-760B-43D2-9180-61CA6C3505B4}"/>
+    <dgm:cxn modelId="{09AB2742-C9B7-444F-A112-EA415F2912D3}" type="presOf" srcId="{631F98EA-4031-4546-82D9-417307E2D4AA}" destId="{DCEB2D3F-B942-4891-B99D-17A59933F586}" srcOrd="0" destOrd="0" presId="urn:microsoft.com/office/officeart/2005/8/layout/lProcess1"/>
+    <dgm:cxn modelId="{2E962CCC-E321-4CB1-AEF5-BB1E7FE9571B}" type="presOf" srcId="{F1CD3BBE-073A-4FE4-9334-95376BD385FE}" destId="{C8B657BD-1C18-4C49-B13C-C6B9FFCA2F98}" srcOrd="0" destOrd="0" presId="urn:microsoft.com/office/officeart/2005/8/layout/lProcess1"/>
+    <dgm:cxn modelId="{9B98AA2B-82DA-40FC-B9D8-2E9A936A7A6F}" type="presOf" srcId="{6934C40F-1098-45E9-91F2-FC4391E9064D}" destId="{F5349D68-19FF-497B-B5FA-41A56FE5935E}" srcOrd="0" destOrd="0" presId="urn:microsoft.com/office/officeart/2005/8/layout/lProcess1"/>
+    <dgm:cxn modelId="{9756F31A-6280-4373-B8A6-2FEE3E5B754D}" type="presOf" srcId="{A2CB7D17-CABE-48E3-B8A1-8FC0AB12A600}" destId="{C34A9751-E0D2-4AC0-9476-7C8B882B4D8A}" srcOrd="0" destOrd="0" presId="urn:microsoft.com/office/officeart/2005/8/layout/lProcess1"/>
+    <dgm:cxn modelId="{1EF0F61A-BFED-44DA-8B3A-54058CC325A4}" srcId="{A5333483-E781-4A00-9E98-7DF80E3FACA8}" destId="{25474FEB-0F5B-4530-9B15-B677D196F721}" srcOrd="0" destOrd="0" parTransId="{6934C40F-1098-45E9-91F2-FC4391E9064D}" sibTransId="{78E686A3-0F90-4C0E-A04F-203C038FDAFD}"/>
+    <dgm:cxn modelId="{B113C0DE-7709-40F7-B5A4-DCE043ED7D1D}" srcId="{744FF24C-69D0-4EB4-984D-AF4738F5E9C8}" destId="{224E5FC4-2DE4-46EF-9F7F-984AA9C6D975}" srcOrd="1" destOrd="0" parTransId="{9709682D-676C-4C47-88A1-5EFA863D061D}" sibTransId="{FEEA06EF-412E-420A-B7F0-2EA146B28E6F}"/>
+    <dgm:cxn modelId="{CB4B9127-8E47-48F1-B305-F3F9C3B48AE6}" type="presOf" srcId="{E6EF8B61-760B-43D2-9180-61CA6C3505B4}" destId="{306C3070-2537-49CF-988F-4CAC875E58D5}" srcOrd="0" destOrd="0" presId="urn:microsoft.com/office/officeart/2005/8/layout/lProcess1"/>
+    <dgm:cxn modelId="{7BAC8883-2A8F-4624-B2D2-F04B0BE591E6}" type="presOf" srcId="{F0A9532A-78FC-4563-A1B4-B153B7F33269}" destId="{48B96856-BD59-499B-9468-830BFD6D1B14}" srcOrd="0" destOrd="0" presId="urn:microsoft.com/office/officeart/2005/8/layout/lProcess1"/>
+    <dgm:cxn modelId="{2AA68EF0-F93D-476A-88F0-EBFADA6DF668}" type="presOf" srcId="{744FF24C-69D0-4EB4-984D-AF4738F5E9C8}" destId="{C7211971-B484-4A90-817C-9C127CAB119B}" srcOrd="0" destOrd="0" presId="urn:microsoft.com/office/officeart/2005/8/layout/lProcess1"/>
+    <dgm:cxn modelId="{36F4EB6E-A430-400E-94A6-49B9FC0A0069}" srcId="{08CBE1EF-291F-49FF-9216-BF8D24382816}" destId="{744FF24C-69D0-4EB4-984D-AF4738F5E9C8}" srcOrd="0" destOrd="0" parTransId="{C8EB748E-9265-43C0-A346-5F47BC87917D}" sibTransId="{5F026416-2235-49D3-BE9D-A374D00BC487}"/>
+    <dgm:cxn modelId="{9AB0A90B-5E7F-4CDE-83E6-C8A9D3873E55}" srcId="{A2CBC3B7-75D9-469D-BDA3-6411BB1BC7DB}" destId="{A2CB7D17-CABE-48E3-B8A1-8FC0AB12A600}" srcOrd="0" destOrd="0" parTransId="{F1CD3BBE-073A-4FE4-9334-95376BD385FE}" sibTransId="{BA7ED5E3-9F9C-4C3D-881D-6522675EB9A3}"/>
+    <dgm:cxn modelId="{A3D25BA4-A971-41ED-B089-DE374A7C8D51}" type="presOf" srcId="{0211971A-4E4C-4A80-8D3D-D22691A4B425}" destId="{BF8FA5ED-7228-4C15-BA76-61C744E4E155}" srcOrd="0" destOrd="0" presId="urn:microsoft.com/office/officeart/2005/8/layout/lProcess1"/>
+    <dgm:cxn modelId="{74F2FDFE-7B9E-45D7-B912-330262B6EEE5}" type="presOf" srcId="{88FE3291-3DF5-4BFC-ADAF-1A82433FA976}" destId="{3AD81A4B-B9B8-4F32-BAA0-D9035582CB74}" srcOrd="0" destOrd="0" presId="urn:microsoft.com/office/officeart/2005/8/layout/lProcess1"/>
     <dgm:cxn modelId="{9479A1B4-1023-4BEB-94E1-DC26FD686760}" type="presOf" srcId="{E54D0672-6625-486A-8C2C-D5310C2A0AFC}" destId="{9A3BEF2C-655B-4ECF-9C45-EDE4B315BF0C}" srcOrd="0" destOrd="0" presId="urn:microsoft.com/office/officeart/2005/8/layout/lProcess1"/>
-    <dgm:cxn modelId="{E0C96B15-56F4-4ADA-A1AB-2EB1CE3FBB7C}" type="presOf" srcId="{426D3710-8EA4-450E-9949-9689F762BC7B}" destId="{259BB797-E452-40BA-A18C-0BA8ECE9ED7F}" srcOrd="0" destOrd="0" presId="urn:microsoft.com/office/officeart/2005/8/layout/lProcess1"/>
-    <dgm:cxn modelId="{36F4EB6E-A430-400E-94A6-49B9FC0A0069}" srcId="{08CBE1EF-291F-49FF-9216-BF8D24382816}" destId="{744FF24C-69D0-4EB4-984D-AF4738F5E9C8}" srcOrd="0" destOrd="0" parTransId="{C8EB748E-9265-43C0-A346-5F47BC87917D}" sibTransId="{5F026416-2235-49D3-BE9D-A374D00BC487}"/>
-    <dgm:cxn modelId="{5B5C2A78-5F14-4681-9415-4993701DE589}" srcId="{744FF24C-69D0-4EB4-984D-AF4738F5E9C8}" destId="{FBEF9470-08CC-477F-B838-E0D771C67E35}" srcOrd="0" destOrd="0" parTransId="{E54D0672-6625-486A-8C2C-D5310C2A0AFC}" sibTransId="{C822E28B-F95D-4CBA-9D31-3185629CBB00}"/>
+    <dgm:cxn modelId="{14C0F088-87EA-42BF-8031-B7AAAE63C3D3}" type="presOf" srcId="{91534C4B-1138-4717-A312-B23D3E03A770}" destId="{1B52D138-12C6-44FA-84A9-63FC437D7FF6}" srcOrd="0" destOrd="0" presId="urn:microsoft.com/office/officeart/2005/8/layout/lProcess1"/>
+    <dgm:cxn modelId="{608D3917-8CDC-4DE9-84CC-DA58B5BF2AA1}" type="presOf" srcId="{224E5FC4-2DE4-46EF-9F7F-984AA9C6D975}" destId="{18A1EC84-BE5C-4679-871B-8C5826CFC9F5}" srcOrd="0" destOrd="0" presId="urn:microsoft.com/office/officeart/2005/8/layout/lProcess1"/>
+    <dgm:cxn modelId="{C17F0A08-4B4E-4908-BE31-05E3AA59973A}" type="presOf" srcId="{A5333483-E781-4A00-9E98-7DF80E3FACA8}" destId="{968AE4B9-562A-4E9E-B0B6-4117AC988BD9}" srcOrd="0" destOrd="0" presId="urn:microsoft.com/office/officeart/2005/8/layout/lProcess1"/>
+    <dgm:cxn modelId="{F4D6FC7A-ED19-45BD-B2F7-EFE0C7C547A0}" srcId="{08CBE1EF-291F-49FF-9216-BF8D24382816}" destId="{CA939E67-7602-4D69-A2E1-5C288BF3E907}" srcOrd="3" destOrd="0" parTransId="{F4F12831-ECC8-4F62-A173-04D920F72F3B}" sibTransId="{A41E8926-6BFE-4EC7-A27E-27AC655F4303}"/>
+    <dgm:cxn modelId="{F968BF31-CF87-400E-A0CF-89DA0266249D}" srcId="{631F98EA-4031-4546-82D9-417307E2D4AA}" destId="{EDEEA573-D38A-45EA-B467-27B9117C9860}" srcOrd="1" destOrd="0" parTransId="{0AA9A608-B988-4A3A-A6C3-175ABD2896B5}" sibTransId="{E0081FC8-C679-4D39-813B-39BBFDB271E9}"/>
+    <dgm:cxn modelId="{DE1D0A09-23BB-4360-AF86-1DBD9FC6BF92}" srcId="{91534C4B-1138-4717-A312-B23D3E03A770}" destId="{1C63FE3F-8344-4698-A667-041A0F76FF50}" srcOrd="0" destOrd="0" parTransId="{426D3710-8EA4-450E-9949-9689F762BC7B}" sibTransId="{79D71A92-F922-4202-8947-351CB4DCBB90}"/>
+    <dgm:cxn modelId="{4F0AE47B-7206-4408-8167-360C1C1B25EB}" srcId="{A5333483-E781-4A00-9E98-7DF80E3FACA8}" destId="{05775754-91B1-4D11-8A23-09347D8EEA29}" srcOrd="2" destOrd="0" parTransId="{DF8F97B8-5EDE-40ED-954D-4910C87F003C}" sibTransId="{E6642216-0A33-45B2-B865-21DA0F2D140D}"/>
+    <dgm:cxn modelId="{6E271C15-7040-45B6-858C-F7FFD8D6A672}" type="presOf" srcId="{25474FEB-0F5B-4530-9B15-B677D196F721}" destId="{98050D83-4B71-4526-A15F-47B73B09E898}" srcOrd="0" destOrd="0" presId="urn:microsoft.com/office/officeart/2005/8/layout/lProcess1"/>
     <dgm:cxn modelId="{ED4BDD94-E1E4-40C3-ADBE-9C1D866A39F2}" type="presOf" srcId="{158F2CFE-34E2-4318-AF0A-2F0698C637C1}" destId="{240B0ECE-FDB1-4F36-99FF-F2323C487EFE}" srcOrd="0" destOrd="0" presId="urn:microsoft.com/office/officeart/2005/8/layout/lProcess1"/>
     <dgm:cxn modelId="{55148FEA-0EFA-44E8-BA00-CAB665FC753A}" srcId="{631F98EA-4031-4546-82D9-417307E2D4AA}" destId="{88FE3291-3DF5-4BFC-ADAF-1A82433FA976}" srcOrd="3" destOrd="0" parTransId="{7D02101A-CE2E-4BE9-85ED-30E1C4C54184}" sibTransId="{57B46689-91E8-4AFD-90D0-E9752880D724}"/>
+    <dgm:cxn modelId="{4AF9EEFC-0CC7-4A43-9684-9279C847F0E1}" srcId="{08CBE1EF-291F-49FF-9216-BF8D24382816}" destId="{A2CBC3B7-75D9-469D-BDA3-6411BB1BC7DB}" srcOrd="1" destOrd="0" parTransId="{E7542E70-A21E-43B1-ABFA-1B970AD53B1A}" sibTransId="{6BE1AAEB-4927-4191-86E1-4DAAA175B91A}"/>
+    <dgm:cxn modelId="{C5A0ED2E-BAAD-4EE2-BC06-C0A827D1D7E4}" type="presOf" srcId="{B0C38001-2B2A-4A7D-ABF0-3A5B26DEF34F}" destId="{657EF2F9-5595-4BD6-82C0-3C16E05EF3F3}" srcOrd="0" destOrd="0" presId="urn:microsoft.com/office/officeart/2005/8/layout/lProcess1"/>
+    <dgm:cxn modelId="{C54C0D90-B3BE-48B6-ACD7-313002DEFCC2}" srcId="{631F98EA-4031-4546-82D9-417307E2D4AA}" destId="{0211971A-4E4C-4A80-8D3D-D22691A4B425}" srcOrd="2" destOrd="0" parTransId="{7B5E6B93-1A33-41E0-BD45-F760FF371E2A}" sibTransId="{50B83E3C-5D75-4D91-95D0-CAEA1ACE68C5}"/>
+    <dgm:cxn modelId="{8FDFA034-4588-4A64-B8B9-1D09F6C440F9}" type="presOf" srcId="{1D479B16-C996-424D-929B-D0EC42C569D6}" destId="{CD6734AE-1061-4EDF-836C-5E608F3D66AF}" srcOrd="0" destOrd="0" presId="urn:microsoft.com/office/officeart/2005/8/layout/lProcess1"/>
+    <dgm:cxn modelId="{F7963497-95F3-4E15-8AB8-24231BD8A7E9}" type="presOf" srcId="{1C63FE3F-8344-4698-A667-041A0F76FF50}" destId="{0D4DA637-48C5-4027-83CA-3801B7B635A0}" srcOrd="0" destOrd="0" presId="urn:microsoft.com/office/officeart/2005/8/layout/lProcess1"/>
+    <dgm:cxn modelId="{15AE17A5-F1DE-400D-B8BC-4EFEC791563C}" type="presOf" srcId="{CA939E67-7602-4D69-A2E1-5C288BF3E907}" destId="{ECEDC40F-0ED1-4FEF-971F-36C82BEB5F39}" srcOrd="0" destOrd="0" presId="urn:microsoft.com/office/officeart/2005/8/layout/lProcess1"/>
+    <dgm:cxn modelId="{A3864314-D846-48F7-AA36-6827AEA80E0C}" type="presOf" srcId="{BA7ED5E3-9F9C-4C3D-881D-6522675EB9A3}" destId="{70D87D9F-F58A-49BC-AFD3-AC2197A5A45F}" srcOrd="0" destOrd="0" presId="urn:microsoft.com/office/officeart/2005/8/layout/lProcess1"/>
+    <dgm:cxn modelId="{B5D613AD-8680-4A54-9212-CB2CEB25BD5B}" type="presOf" srcId="{70A51621-76A0-4033-90F6-72CD0F7E5743}" destId="{2A8673D7-15BB-4B5F-B181-09B3E729655E}" srcOrd="0" destOrd="0" presId="urn:microsoft.com/office/officeart/2005/8/layout/lProcess1"/>
+    <dgm:cxn modelId="{E0C96B15-56F4-4ADA-A1AB-2EB1CE3FBB7C}" type="presOf" srcId="{426D3710-8EA4-450E-9949-9689F762BC7B}" destId="{259BB797-E452-40BA-A18C-0BA8ECE9ED7F}" srcOrd="0" destOrd="0" presId="urn:microsoft.com/office/officeart/2005/8/layout/lProcess1"/>
+    <dgm:cxn modelId="{4114244D-D555-43F9-BCC2-AA9803A02A86}" srcId="{744FF24C-69D0-4EB4-984D-AF4738F5E9C8}" destId="{158F2CFE-34E2-4318-AF0A-2F0698C637C1}" srcOrd="2" destOrd="0" parTransId="{F88B8E6B-8880-49B4-9828-A4BC3FDC0B39}" sibTransId="{8C4AB4C0-B241-4996-AB9D-FF12356DAE8C}"/>
     <dgm:cxn modelId="{0514B719-3408-4138-BC77-12739974BE52}" type="presOf" srcId="{A2CBC3B7-75D9-469D-BDA3-6411BB1BC7DB}" destId="{916DFFB0-1678-4D3B-9DF3-60DA56BDEAAB}" srcOrd="0" destOrd="0" presId="urn:microsoft.com/office/officeart/2005/8/layout/lProcess1"/>
-    <dgm:cxn modelId="{8FDFA034-4588-4A64-B8B9-1D09F6C440F9}" type="presOf" srcId="{1D479B16-C996-424D-929B-D0EC42C569D6}" destId="{CD6734AE-1061-4EDF-836C-5E608F3D66AF}" srcOrd="0" destOrd="0" presId="urn:microsoft.com/office/officeart/2005/8/layout/lProcess1"/>
-    <dgm:cxn modelId="{4AF9EEFC-0CC7-4A43-9684-9279C847F0E1}" srcId="{08CBE1EF-291F-49FF-9216-BF8D24382816}" destId="{A2CBC3B7-75D9-469D-BDA3-6411BB1BC7DB}" srcOrd="1" destOrd="0" parTransId="{E7542E70-A21E-43B1-ABFA-1B970AD53B1A}" sibTransId="{6BE1AAEB-4927-4191-86E1-4DAAA175B91A}"/>
-    <dgm:cxn modelId="{15AE17A5-F1DE-400D-B8BC-4EFEC791563C}" type="presOf" srcId="{CA939E67-7602-4D69-A2E1-5C288BF3E907}" destId="{ECEDC40F-0ED1-4FEF-971F-36C82BEB5F39}" srcOrd="0" destOrd="0" presId="urn:microsoft.com/office/officeart/2005/8/layout/lProcess1"/>
+    <dgm:cxn modelId="{B4499774-C79D-4547-BBBB-8279D6B452ED}" srcId="{A2CBC3B7-75D9-469D-BDA3-6411BB1BC7DB}" destId="{9F188D8E-258A-4833-8DA2-D98DB84EC810}" srcOrd="1" destOrd="0" parTransId="{A7BBE77B-AE2B-44A4-B4C8-16A9DF095E11}" sibTransId="{3CD54928-904C-4C6C-AA97-364D74CAEE94}"/>
+    <dgm:cxn modelId="{B455F964-1CEA-45FE-9709-16BD56FAE296}" srcId="{CA939E67-7602-4D69-A2E1-5C288BF3E907}" destId="{F0A9532A-78FC-4563-A1B4-B153B7F33269}" srcOrd="1" destOrd="0" parTransId="{C3732B52-191A-423E-9BD7-A8DDC63E7245}" sibTransId="{DD68E243-693F-40C0-BF79-8D01E259A50E}"/>
+    <dgm:cxn modelId="{AFEACD29-9209-4781-877B-E0BFDF5EB007}" type="presOf" srcId="{08CBE1EF-291F-49FF-9216-BF8D24382816}" destId="{9F2717B7-3380-4165-890D-62CC02ECD9AA}" srcOrd="0" destOrd="0" presId="urn:microsoft.com/office/officeart/2005/8/layout/lProcess1"/>
+    <dgm:cxn modelId="{47AD28D5-DD5E-4BC6-83AE-3B8DD7F8EDCE}" srcId="{08CBE1EF-291F-49FF-9216-BF8D24382816}" destId="{631F98EA-4031-4546-82D9-417307E2D4AA}" srcOrd="5" destOrd="0" parTransId="{4E623B10-5821-4FD0-AEE1-F869DF0B2B3A}" sibTransId="{C416B93F-4C12-445C-9BF3-1FDCCA5D402F}"/>
+    <dgm:cxn modelId="{CAEF7E68-EFE1-49E9-85B5-894079661F9C}" type="presOf" srcId="{2D843B6B-DA4A-4C7D-8445-F9D1E0F50C06}" destId="{598A6816-5905-4C63-9DC3-FC1AE33AFD56}" srcOrd="0" destOrd="0" presId="urn:microsoft.com/office/officeart/2005/8/layout/lProcess1"/>
+    <dgm:cxn modelId="{F41EAFFF-15A1-4123-99E2-8494E8031022}" srcId="{08CBE1EF-291F-49FF-9216-BF8D24382816}" destId="{91534C4B-1138-4717-A312-B23D3E03A770}" srcOrd="4" destOrd="0" parTransId="{6F3D7703-D1B5-4B37-8C2F-35424804041C}" sibTransId="{17D8CA5B-E7C0-4450-9B5C-2A675B3AEC97}"/>
+    <dgm:cxn modelId="{A7E29451-6F86-46F7-9626-B07D0B9814C2}" type="presOf" srcId="{78E686A3-0F90-4C0E-A04F-203C038FDAFD}" destId="{B89F1001-07BA-4B7A-9051-8FB2C0F8EA28}" srcOrd="0" destOrd="0" presId="urn:microsoft.com/office/officeart/2005/8/layout/lProcess1"/>
+    <dgm:cxn modelId="{1A091199-AA1E-40A3-BF24-28FE28F24BFE}" type="presOf" srcId="{C822E28B-F95D-4CBA-9D31-3185629CBB00}" destId="{DDAE3AD4-0EF6-4185-A134-DB95B445BE8A}" srcOrd="0" destOrd="0" presId="urn:microsoft.com/office/officeart/2005/8/layout/lProcess1"/>
+    <dgm:cxn modelId="{B4DE572F-2E3C-49A8-85EA-78DAF1FB5703}" type="presOf" srcId="{9F188D8E-258A-4833-8DA2-D98DB84EC810}" destId="{5BC2BF60-E6BD-4B63-B451-8CE0C60F880A}" srcOrd="0" destOrd="0" presId="urn:microsoft.com/office/officeart/2005/8/layout/lProcess1"/>
     <dgm:cxn modelId="{F8D0446F-CCDA-4FFF-ABAC-7CD7F842EA6A}" type="presOf" srcId="{0D0E48F9-D7D6-4B77-99AB-5E7E8C935518}" destId="{64F45301-7B43-47CE-B46A-8A3156A19C9F}" srcOrd="0" destOrd="0" presId="urn:microsoft.com/office/officeart/2005/8/layout/lProcess1"/>
-    <dgm:cxn modelId="{6E271C15-7040-45B6-858C-F7FFD8D6A672}" type="presOf" srcId="{25474FEB-0F5B-4530-9B15-B677D196F721}" destId="{98050D83-4B71-4526-A15F-47B73B09E898}" srcOrd="0" destOrd="0" presId="urn:microsoft.com/office/officeart/2005/8/layout/lProcess1"/>
-    <dgm:cxn modelId="{B455F964-1CEA-45FE-9709-16BD56FAE296}" srcId="{CA939E67-7602-4D69-A2E1-5C288BF3E907}" destId="{F0A9532A-78FC-4563-A1B4-B153B7F33269}" srcOrd="1" destOrd="0" parTransId="{C3732B52-191A-423E-9BD7-A8DDC63E7245}" sibTransId="{DD68E243-693F-40C0-BF79-8D01E259A50E}"/>
-    <dgm:cxn modelId="{47AD28D5-DD5E-4BC6-83AE-3B8DD7F8EDCE}" srcId="{08CBE1EF-291F-49FF-9216-BF8D24382816}" destId="{631F98EA-4031-4546-82D9-417307E2D4AA}" srcOrd="5" destOrd="0" parTransId="{4E623B10-5821-4FD0-AEE1-F869DF0B2B3A}" sibTransId="{C416B93F-4C12-445C-9BF3-1FDCCA5D402F}"/>
-    <dgm:cxn modelId="{1A091199-AA1E-40A3-BF24-28FE28F24BFE}" type="presOf" srcId="{C822E28B-F95D-4CBA-9D31-3185629CBB00}" destId="{DDAE3AD4-0EF6-4185-A134-DB95B445BE8A}" srcOrd="0" destOrd="0" presId="urn:microsoft.com/office/officeart/2005/8/layout/lProcess1"/>
+    <dgm:cxn modelId="{BDA6858A-65AC-47A4-BDCC-BFCEDF14631D}" srcId="{CA939E67-7602-4D69-A2E1-5C288BF3E907}" destId="{2D843B6B-DA4A-4C7D-8445-F9D1E0F50C06}" srcOrd="0" destOrd="0" parTransId="{B0C38001-2B2A-4A7D-ABF0-3A5B26DEF34F}" sibTransId="{8418CAAA-CD4A-46E4-B98E-FA5DBB181758}"/>
+    <dgm:cxn modelId="{DE6DBF97-A35D-4517-A2F0-28831095D040}" type="presOf" srcId="{8418CAAA-CD4A-46E4-B98E-FA5DBB181758}" destId="{E88E8A3D-4DE4-4DDC-8096-E2CB8C30C0D2}" srcOrd="0" destOrd="0" presId="urn:microsoft.com/office/officeart/2005/8/layout/lProcess1"/>
+    <dgm:cxn modelId="{924CDADD-4C94-4433-98B2-1FBBC9DE8639}" type="presOf" srcId="{FBEF9470-08CC-477F-B838-E0D771C67E35}" destId="{EBA5B0C2-39EA-49EF-A580-FF0B0787A7B0}" srcOrd="0" destOrd="0" presId="urn:microsoft.com/office/officeart/2005/8/layout/lProcess1"/>
     <dgm:cxn modelId="{7E3BF1C9-BA1D-4E6C-A1A6-AB7C3043C529}" srcId="{631F98EA-4031-4546-82D9-417307E2D4AA}" destId="{5FF42AD8-D032-443B-9E2C-E57FC5ADE282}" srcOrd="0" destOrd="0" parTransId="{70A51621-76A0-4033-90F6-72CD0F7E5743}" sibTransId="{0D0E48F9-D7D6-4B77-99AB-5E7E8C935518}"/>
-    <dgm:cxn modelId="{B4DE572F-2E3C-49A8-85EA-78DAF1FB5703}" type="presOf" srcId="{9F188D8E-258A-4833-8DA2-D98DB84EC810}" destId="{5BC2BF60-E6BD-4B63-B451-8CE0C60F880A}" srcOrd="0" destOrd="0" presId="urn:microsoft.com/office/officeart/2005/8/layout/lProcess1"/>
-    <dgm:cxn modelId="{C5A0ED2E-BAAD-4EE2-BC06-C0A827D1D7E4}" type="presOf" srcId="{B0C38001-2B2A-4A7D-ABF0-3A5B26DEF34F}" destId="{657EF2F9-5595-4BD6-82C0-3C16E05EF3F3}" srcOrd="0" destOrd="0" presId="urn:microsoft.com/office/officeart/2005/8/layout/lProcess1"/>
-    <dgm:cxn modelId="{A3864314-D846-48F7-AA36-6827AEA80E0C}" type="presOf" srcId="{BA7ED5E3-9F9C-4C3D-881D-6522675EB9A3}" destId="{70D87D9F-F58A-49BC-AFD3-AC2197A5A45F}" srcOrd="0" destOrd="0" presId="urn:microsoft.com/office/officeart/2005/8/layout/lProcess1"/>
-    <dgm:cxn modelId="{1EF0F61A-BFED-44DA-8B3A-54058CC325A4}" srcId="{A5333483-E781-4A00-9E98-7DF80E3FACA8}" destId="{25474FEB-0F5B-4530-9B15-B677D196F721}" srcOrd="0" destOrd="0" parTransId="{6934C40F-1098-45E9-91F2-FC4391E9064D}" sibTransId="{78E686A3-0F90-4C0E-A04F-203C038FDAFD}"/>
+    <dgm:cxn modelId="{6122C297-1EB2-4063-9A32-4321A437D9CF}" type="presOf" srcId="{05775754-91B1-4D11-8A23-09347D8EEA29}" destId="{E4164011-35BA-451D-BAAE-DD51DA846860}" srcOrd="0" destOrd="0" presId="urn:microsoft.com/office/officeart/2005/8/layout/lProcess1"/>
     <dgm:cxn modelId="{F56F0838-D9A9-40E0-9AD3-EBBEBCE77754}" srcId="{08CBE1EF-291F-49FF-9216-BF8D24382816}" destId="{A5333483-E781-4A00-9E98-7DF80E3FACA8}" srcOrd="2" destOrd="0" parTransId="{F0120162-D28D-41B6-A5C8-623FD98EA1E4}" sibTransId="{EC295865-BC50-4F6C-A82F-5E86EBA6E3C2}"/>
-    <dgm:cxn modelId="{C17F0A08-4B4E-4908-BE31-05E3AA59973A}" type="presOf" srcId="{A5333483-E781-4A00-9E98-7DF80E3FACA8}" destId="{968AE4B9-562A-4E9E-B0B6-4117AC988BD9}" srcOrd="0" destOrd="0" presId="urn:microsoft.com/office/officeart/2005/8/layout/lProcess1"/>
-    <dgm:cxn modelId="{F7963497-95F3-4E15-8AB8-24231BD8A7E9}" type="presOf" srcId="{1C63FE3F-8344-4698-A667-041A0F76FF50}" destId="{0D4DA637-48C5-4027-83CA-3801B7B635A0}" srcOrd="0" destOrd="0" presId="urn:microsoft.com/office/officeart/2005/8/layout/lProcess1"/>
-    <dgm:cxn modelId="{74F2FDFE-7B9E-45D7-B912-330262B6EEE5}" type="presOf" srcId="{88FE3291-3DF5-4BFC-ADAF-1A82433FA976}" destId="{3AD81A4B-B9B8-4F32-BAA0-D9035582CB74}" srcOrd="0" destOrd="0" presId="urn:microsoft.com/office/officeart/2005/8/layout/lProcess1"/>
-    <dgm:cxn modelId="{CAEF7E68-EFE1-49E9-85B5-894079661F9C}" type="presOf" srcId="{2D843B6B-DA4A-4C7D-8445-F9D1E0F50C06}" destId="{598A6816-5905-4C63-9DC3-FC1AE33AFD56}" srcOrd="0" destOrd="0" presId="urn:microsoft.com/office/officeart/2005/8/layout/lProcess1"/>
-    <dgm:cxn modelId="{14C0F088-87EA-42BF-8031-B7AAAE63C3D3}" type="presOf" srcId="{91534C4B-1138-4717-A312-B23D3E03A770}" destId="{1B52D138-12C6-44FA-84A9-63FC437D7FF6}" srcOrd="0" destOrd="0" presId="urn:microsoft.com/office/officeart/2005/8/layout/lProcess1"/>
-    <dgm:cxn modelId="{B4499774-C79D-4547-BBBB-8279D6B452ED}" srcId="{A2CBC3B7-75D9-469D-BDA3-6411BB1BC7DB}" destId="{9F188D8E-258A-4833-8DA2-D98DB84EC810}" srcOrd="1" destOrd="0" parTransId="{A7BBE77B-AE2B-44A4-B4C8-16A9DF095E11}" sibTransId="{3CD54928-904C-4C6C-AA97-364D74CAEE94}"/>
-    <dgm:cxn modelId="{7BAC8883-2A8F-4624-B2D2-F04B0BE591E6}" type="presOf" srcId="{F0A9532A-78FC-4563-A1B4-B153B7F33269}" destId="{48B96856-BD59-499B-9468-830BFD6D1B14}" srcOrd="0" destOrd="0" presId="urn:microsoft.com/office/officeart/2005/8/layout/lProcess1"/>
-    <dgm:cxn modelId="{F968BF31-CF87-400E-A0CF-89DA0266249D}" srcId="{631F98EA-4031-4546-82D9-417307E2D4AA}" destId="{EDEEA573-D38A-45EA-B467-27B9117C9860}" srcOrd="1" destOrd="0" parTransId="{0AA9A608-B988-4A3A-A6C3-175ABD2896B5}" sibTransId="{E0081FC8-C679-4D39-813B-39BBFDB271E9}"/>
-    <dgm:cxn modelId="{BDA6858A-65AC-47A4-BDCC-BFCEDF14631D}" srcId="{CA939E67-7602-4D69-A2E1-5C288BF3E907}" destId="{2D843B6B-DA4A-4C7D-8445-F9D1E0F50C06}" srcOrd="0" destOrd="0" parTransId="{B0C38001-2B2A-4A7D-ABF0-3A5B26DEF34F}" sibTransId="{8418CAAA-CD4A-46E4-B98E-FA5DBB181758}"/>
-    <dgm:cxn modelId="{A7E29451-6F86-46F7-9626-B07D0B9814C2}" type="presOf" srcId="{78E686A3-0F90-4C0E-A04F-203C038FDAFD}" destId="{B89F1001-07BA-4B7A-9051-8FB2C0F8EA28}" srcOrd="0" destOrd="0" presId="urn:microsoft.com/office/officeart/2005/8/layout/lProcess1"/>
+    <dgm:cxn modelId="{8B8B6D21-804B-4228-858D-B2B12BC86413}" type="presOf" srcId="{FEEA06EF-412E-420A-B7F0-2EA146B28E6F}" destId="{4EC43152-D9CC-4791-874A-A26DD4FA1BF9}" srcOrd="0" destOrd="0" presId="urn:microsoft.com/office/officeart/2005/8/layout/lProcess1"/>
     <dgm:cxn modelId="{8E5CEB70-E198-4CE8-8319-E8D9774ED1A2}" type="presParOf" srcId="{9F2717B7-3380-4165-890D-62CC02ECD9AA}" destId="{A87F66D8-A15C-4546-ADBE-B58B224F8DDB}" srcOrd="0" destOrd="0" presId="urn:microsoft.com/office/officeart/2005/8/layout/lProcess1"/>
     <dgm:cxn modelId="{8EBD110B-9200-49A9-A097-60D0BD247D71}" type="presParOf" srcId="{A87F66D8-A15C-4546-ADBE-B58B224F8DDB}" destId="{C7211971-B484-4A90-817C-9C127CAB119B}" srcOrd="0" destOrd="0" presId="urn:microsoft.com/office/officeart/2005/8/layout/lProcess1"/>
     <dgm:cxn modelId="{79355313-0DCC-46C7-A09D-9C4460917AEC}" type="presParOf" srcId="{A87F66D8-A15C-4546-ADBE-B58B224F8DDB}" destId="{9A3BEF2C-655B-4ECF-9C45-EDE4B315BF0C}" srcOrd="1" destOrd="0" presId="urn:microsoft.com/office/officeart/2005/8/layout/lProcess1"/>
@@ -14289,6 +16017,268 @@
 </dgm:layoutDef>
 </file>
 
+<file path=ppt/diagrams/layout8.xml><?xml version="1.0" encoding="utf-8"?>
+<dgm:layoutDef xmlns:dgm="http://schemas.openxmlformats.org/drawingml/2006/diagram" xmlns:a="http://schemas.openxmlformats.org/drawingml/2006/main" uniqueId="urn:microsoft.com/office/officeart/2005/8/layout/lProcess1">
+  <dgm:title val=""/>
+  <dgm:desc val=""/>
+  <dgm:catLst>
+    <dgm:cat type="process" pri="15000"/>
+  </dgm:catLst>
+  <dgm:sampData>
+    <dgm:dataModel>
+      <dgm:ptLst>
+        <dgm:pt modelId="0" type="doc"/>
+        <dgm:pt modelId="1">
+          <dgm:prSet phldr="1"/>
+        </dgm:pt>
+        <dgm:pt modelId="2">
+          <dgm:prSet phldr="1"/>
+        </dgm:pt>
+        <dgm:pt modelId="21">
+          <dgm:prSet phldr="1"/>
+        </dgm:pt>
+        <dgm:pt modelId="22">
+          <dgm:prSet phldr="1"/>
+        </dgm:pt>
+        <dgm:pt modelId="3">
+          <dgm:prSet phldr="1"/>
+        </dgm:pt>
+        <dgm:pt modelId="31">
+          <dgm:prSet phldr="1"/>
+        </dgm:pt>
+      </dgm:ptLst>
+      <dgm:cxnLst>
+        <dgm:cxn modelId="4" srcId="0" destId="1" srcOrd="0" destOrd="0"/>
+        <dgm:cxn modelId="5" srcId="0" destId="2" srcOrd="0" destOrd="0"/>
+        <dgm:cxn modelId="6" srcId="1" destId="3" srcOrd="1" destOrd="0"/>
+        <dgm:cxn modelId="23" srcId="2" destId="21" srcOrd="0" destOrd="0"/>
+        <dgm:cxn modelId="24" srcId="2" destId="22" srcOrd="1" destOrd="0"/>
+        <dgm:cxn modelId="33" srcId="1" destId="31" srcOrd="0" destOrd="0"/>
+      </dgm:cxnLst>
+      <dgm:bg/>
+      <dgm:whole/>
+    </dgm:dataModel>
+  </dgm:sampData>
+  <dgm:styleData>
+    <dgm:dataModel>
+      <dgm:ptLst>
+        <dgm:pt modelId="0" type="doc"/>
+        <dgm:pt modelId="1"/>
+        <dgm:pt modelId="11"/>
+        <dgm:pt modelId="2"/>
+        <dgm:pt modelId="22"/>
+      </dgm:ptLst>
+      <dgm:cxnLst>
+        <dgm:cxn modelId="3" srcId="0" destId="1" srcOrd="0" destOrd="0"/>
+        <dgm:cxn modelId="4" srcId="0" destId="2" srcOrd="0" destOrd="0"/>
+        <dgm:cxn modelId="5" srcId="1" destId="11" srcOrd="0" destOrd="0"/>
+        <dgm:cxn modelId="6" srcId="2" destId="22" srcOrd="0" destOrd="0"/>
+      </dgm:cxnLst>
+      <dgm:bg/>
+      <dgm:whole/>
+    </dgm:dataModel>
+  </dgm:styleData>
+  <dgm:clrData>
+    <dgm:dataModel>
+      <dgm:ptLst>
+        <dgm:pt modelId="0" type="doc"/>
+        <dgm:pt modelId="1"/>
+        <dgm:pt modelId="11"/>
+        <dgm:pt modelId="2"/>
+        <dgm:pt modelId="21"/>
+        <dgm:pt modelId="3"/>
+        <dgm:pt modelId="31"/>
+        <dgm:pt modelId="4"/>
+        <dgm:pt modelId="41"/>
+      </dgm:ptLst>
+      <dgm:cxnLst>
+        <dgm:cxn modelId="5" srcId="0" destId="1" srcOrd="0" destOrd="0"/>
+        <dgm:cxn modelId="6" srcId="0" destId="2" srcOrd="1" destOrd="0"/>
+        <dgm:cxn modelId="7" srcId="0" destId="3" srcOrd="2" destOrd="0"/>
+        <dgm:cxn modelId="8" srcId="0" destId="4" srcOrd="3" destOrd="0"/>
+        <dgm:cxn modelId="51" srcId="1" destId="11" srcOrd="0" destOrd="0"/>
+        <dgm:cxn modelId="61" srcId="2" destId="21" srcOrd="0" destOrd="0"/>
+        <dgm:cxn modelId="71" srcId="3" destId="31" srcOrd="0" destOrd="0"/>
+        <dgm:cxn modelId="81" srcId="4" destId="41" srcOrd="0" destOrd="0"/>
+      </dgm:cxnLst>
+      <dgm:bg/>
+      <dgm:whole/>
+    </dgm:dataModel>
+  </dgm:clrData>
+  <dgm:layoutNode name="Name0">
+    <dgm:varLst>
+      <dgm:dir/>
+      <dgm:animLvl val="lvl"/>
+      <dgm:resizeHandles val="exact"/>
+    </dgm:varLst>
+    <dgm:choose name="Name1">
+      <dgm:if name="Name2" func="var" arg="dir" op="equ" val="norm">
+        <dgm:alg type="lin">
+          <dgm:param type="linDir" val="fromL"/>
+          <dgm:param type="vertAlign" val="mid"/>
+          <dgm:param type="nodeHorzAlign" val="l"/>
+          <dgm:param type="nodeVertAlign" val="t"/>
+          <dgm:param type="fallback" val="2D"/>
+        </dgm:alg>
+      </dgm:if>
+      <dgm:else name="Name3">
+        <dgm:alg type="lin">
+          <dgm:param type="linDir" val="fromR"/>
+          <dgm:param type="vertAlign" val="mid"/>
+          <dgm:param type="nodeHorzAlign" val="r"/>
+          <dgm:param type="nodeVertAlign" val="t"/>
+          <dgm:param type="fallback" val="2D"/>
+        </dgm:alg>
+      </dgm:else>
+    </dgm:choose>
+    <dgm:shape xmlns:r="http://schemas.openxmlformats.org/officeDocument/2006/relationships" r:blip="">
+      <dgm:adjLst/>
+    </dgm:shape>
+    <dgm:presOf/>
+    <dgm:constrLst>
+      <dgm:constr type="h" for="des" forName="header" refType="h"/>
+      <dgm:constr type="w" for="des" forName="header" refType="h" refFor="des" refForName="header" op="equ" fact="4"/>
+      <dgm:constr type="h" for="des" forName="child" refType="h" refFor="des" refForName="header" op="equ"/>
+      <dgm:constr type="w" for="des" forName="child" refType="w" refFor="des" refForName="header" op="equ"/>
+      <dgm:constr type="w" for="ch" forName="hSp" refType="w" refFor="des" refForName="header" op="equ" fact="0.14"/>
+      <dgm:constr type="h" for="des" forName="parTrans" refType="h" refFor="des" refForName="header" op="equ" fact="0.35"/>
+      <dgm:constr type="h" for="des" forName="sibTrans" refType="h" refFor="des" refForName="parTrans" op="equ"/>
+      <dgm:constr type="primFontSz" for="des" forName="child" op="equ" val="65"/>
+      <dgm:constr type="primFontSz" for="des" forName="header" op="equ" val="65"/>
+    </dgm:constrLst>
+    <dgm:ruleLst/>
+    <dgm:forEach name="Name4" axis="ch" ptType="node">
+      <dgm:layoutNode name="vertFlow">
+        <dgm:choose name="Name5">
+          <dgm:if name="Name6" func="var" arg="dir" op="equ" val="norm">
+            <dgm:alg type="lin">
+              <dgm:param type="linDir" val="fromT"/>
+              <dgm:param type="nodeHorzAlign" val="ctr"/>
+              <dgm:param type="nodeVertAlign" val="t"/>
+              <dgm:param type="fallback" val="2D"/>
+            </dgm:alg>
+          </dgm:if>
+          <dgm:else name="Name7">
+            <dgm:alg type="lin">
+              <dgm:param type="linDir" val="fromT"/>
+              <dgm:param type="nodeHorzAlign" val="ctr"/>
+              <dgm:param type="nodeVertAlign" val="t"/>
+              <dgm:param type="fallback" val="2D"/>
+            </dgm:alg>
+          </dgm:else>
+        </dgm:choose>
+        <dgm:shape xmlns:r="http://schemas.openxmlformats.org/officeDocument/2006/relationships" r:blip="">
+          <dgm:adjLst/>
+        </dgm:shape>
+        <dgm:presOf/>
+        <dgm:constrLst/>
+        <dgm:ruleLst/>
+        <dgm:layoutNode name="header" styleLbl="node1">
+          <dgm:alg type="tx"/>
+          <dgm:shape xmlns:r="http://schemas.openxmlformats.org/officeDocument/2006/relationships" type="roundRect" r:blip="">
+            <dgm:adjLst>
+              <dgm:adj idx="1" val="0.1"/>
+            </dgm:adjLst>
+          </dgm:shape>
+          <dgm:presOf axis="self"/>
+          <dgm:constrLst>
+            <dgm:constr type="tMarg" refType="primFontSz" fact="0.1"/>
+            <dgm:constr type="bMarg" refType="primFontSz" fact="0.1"/>
+            <dgm:constr type="lMarg" refType="primFontSz" fact="0.1"/>
+            <dgm:constr type="rMarg" refType="primFontSz" fact="0.1"/>
+          </dgm:constrLst>
+          <dgm:ruleLst>
+            <dgm:rule type="primFontSz" val="5" fact="NaN" max="NaN"/>
+          </dgm:ruleLst>
+        </dgm:layoutNode>
+        <dgm:forEach name="Name8" axis="ch" ptType="parTrans" cnt="1">
+          <dgm:layoutNode name="parTrans" styleLbl="sibTrans2D1">
+            <dgm:alg type="conn">
+              <dgm:param type="begPts" val="auto"/>
+              <dgm:param type="endPts" val="auto"/>
+            </dgm:alg>
+            <dgm:shape xmlns:r="http://schemas.openxmlformats.org/officeDocument/2006/relationships" type="conn" r:blip="">
+              <dgm:adjLst/>
+            </dgm:shape>
+            <dgm:presOf axis="self"/>
+            <dgm:constrLst>
+              <dgm:constr type="w" refType="h"/>
+              <dgm:constr type="connDist"/>
+              <dgm:constr type="wArH" refType="h" fact="0.25"/>
+              <dgm:constr type="hArH" refType="wArH" fact="2"/>
+              <dgm:constr type="stemThick" refType="hArH" fact="0.667"/>
+              <dgm:constr type="begPad" refType="connDist" fact="0.25"/>
+              <dgm:constr type="endPad" refType="connDist" fact="0.25"/>
+            </dgm:constrLst>
+            <dgm:ruleLst/>
+          </dgm:layoutNode>
+        </dgm:forEach>
+        <dgm:forEach name="Name9" axis="ch" ptType="node">
+          <dgm:layoutNode name="child" styleLbl="alignAccFollowNode1">
+            <dgm:varLst>
+              <dgm:chMax val="0"/>
+              <dgm:bulletEnabled val="1"/>
+            </dgm:varLst>
+            <dgm:alg type="tx"/>
+            <dgm:shape xmlns:r="http://schemas.openxmlformats.org/officeDocument/2006/relationships" type="roundRect" r:blip="">
+              <dgm:adjLst>
+                <dgm:adj idx="1" val="0.1"/>
+              </dgm:adjLst>
+            </dgm:shape>
+            <dgm:presOf axis="desOrSelf" ptType="node"/>
+            <dgm:constrLst>
+              <dgm:constr type="tMarg" refType="primFontSz" fact="0.1"/>
+              <dgm:constr type="bMarg" refType="primFontSz" fact="0.1"/>
+              <dgm:constr type="lMarg" refType="primFontSz" fact="0.1"/>
+              <dgm:constr type="rMarg" refType="primFontSz" fact="0.1"/>
+            </dgm:constrLst>
+            <dgm:ruleLst>
+              <dgm:rule type="primFontSz" val="5" fact="NaN" max="NaN"/>
+            </dgm:ruleLst>
+          </dgm:layoutNode>
+          <dgm:forEach name="Name10" axis="followSib" ptType="sibTrans" cnt="1">
+            <dgm:layoutNode name="sibTrans" styleLbl="sibTrans2D1">
+              <dgm:alg type="conn">
+                <dgm:param type="begPts" val="auto"/>
+                <dgm:param type="endPts" val="auto"/>
+              </dgm:alg>
+              <dgm:shape xmlns:r="http://schemas.openxmlformats.org/officeDocument/2006/relationships" type="conn" r:blip="">
+                <dgm:adjLst/>
+              </dgm:shape>
+              <dgm:presOf axis="self"/>
+              <dgm:constrLst>
+                <dgm:constr type="w" refType="h"/>
+                <dgm:constr type="connDist"/>
+                <dgm:constr type="wArH" refType="h" fact="0.25"/>
+                <dgm:constr type="hArH" refType="wArH" fact="2"/>
+                <dgm:constr type="stemThick" refType="hArH" fact="0.667"/>
+                <dgm:constr type="begPad" refType="w" fact="0.25"/>
+                <dgm:constr type="endPad" refType="w" fact="0.25"/>
+              </dgm:constrLst>
+              <dgm:ruleLst/>
+            </dgm:layoutNode>
+          </dgm:forEach>
+        </dgm:forEach>
+      </dgm:layoutNode>
+      <dgm:choose name="Name11">
+        <dgm:if name="Name12" axis="self" ptType="node" func="revPos" op="gte" val="2">
+          <dgm:layoutNode name="hSp">
+            <dgm:alg type="sp"/>
+            <dgm:shape xmlns:r="http://schemas.openxmlformats.org/officeDocument/2006/relationships" r:blip="">
+              <dgm:adjLst/>
+            </dgm:shape>
+            <dgm:presOf/>
+            <dgm:constrLst/>
+            <dgm:ruleLst/>
+          </dgm:layoutNode>
+        </dgm:if>
+        <dgm:else name="Name13"/>
+      </dgm:choose>
+    </dgm:forEach>
+  </dgm:layoutNode>
+</dgm:layoutDef>
+</file>
+
 <file path=ppt/diagrams/quickStyle1.xml><?xml version="1.0" encoding="utf-8"?>
 <dgm:styleDef xmlns:dgm="http://schemas.openxmlformats.org/drawingml/2006/diagram" xmlns:a="http://schemas.openxmlformats.org/drawingml/2006/main" uniqueId="urn:microsoft.com/office/officeart/2005/8/quickstyle/3d2">
   <dgm:title val=""/>
@@ -23121,6 +25111,1696 @@
     </dgm:style>
   </dgm:styleLbl>
 </dgm:styleDef>
+</file>
+
+<file path=ppt/diagrams/quickStyle8.xml><?xml version="1.0" encoding="utf-8"?>
+<dgm:styleDef xmlns:dgm="http://schemas.openxmlformats.org/drawingml/2006/diagram" xmlns:a="http://schemas.openxmlformats.org/drawingml/2006/main" uniqueId="urn:microsoft.com/office/officeart/2005/8/quickstyle/3d2">
+  <dgm:title val=""/>
+  <dgm:desc val=""/>
+  <dgm:catLst>
+    <dgm:cat type="3D" pri="11200"/>
+  </dgm:catLst>
+  <dgm:scene3d>
+    <a:camera prst="orthographicFront"/>
+    <a:lightRig rig="threePt" dir="t"/>
+  </dgm:scene3d>
+  <dgm:styleLbl name="node0">
+    <dgm:scene3d>
+      <a:camera prst="orthographicFront"/>
+      <a:lightRig rig="threePt" dir="t">
+        <a:rot lat="0" lon="0" rev="7500000"/>
+      </a:lightRig>
+    </dgm:scene3d>
+    <dgm:sp3d prstMaterial="plastic">
+      <a:bevelT w="127000" h="25400" prst="relaxedInset"/>
+    </dgm:sp3d>
+    <dgm:txPr/>
+    <dgm:style>
+      <a:lnRef idx="0">
+        <a:scrgbClr r="0" g="0" b="0"/>
+      </a:lnRef>
+      <a:fillRef idx="3">
+        <a:scrgbClr r="0" g="0" b="0"/>
+      </a:fillRef>
+      <a:effectRef idx="2">
+        <a:scrgbClr r="0" g="0" b="0"/>
+      </a:effectRef>
+      <a:fontRef idx="minor">
+        <a:schemeClr val="lt1"/>
+      </a:fontRef>
+    </dgm:style>
+  </dgm:styleLbl>
+  <dgm:styleLbl name="lnNode1">
+    <dgm:scene3d>
+      <a:camera prst="orthographicFront"/>
+      <a:lightRig rig="threePt" dir="t">
+        <a:rot lat="0" lon="0" rev="7500000"/>
+      </a:lightRig>
+    </dgm:scene3d>
+    <dgm:sp3d prstMaterial="plastic">
+      <a:bevelT w="127000" h="25400" prst="relaxedInset"/>
+    </dgm:sp3d>
+    <dgm:txPr/>
+    <dgm:style>
+      <a:lnRef idx="1">
+        <a:scrgbClr r="0" g="0" b="0"/>
+      </a:lnRef>
+      <a:fillRef idx="3">
+        <a:scrgbClr r="0" g="0" b="0"/>
+      </a:fillRef>
+      <a:effectRef idx="2">
+        <a:scrgbClr r="0" g="0" b="0"/>
+      </a:effectRef>
+      <a:fontRef idx="minor">
+        <a:schemeClr val="lt1"/>
+      </a:fontRef>
+    </dgm:style>
+  </dgm:styleLbl>
+  <dgm:styleLbl name="vennNode1">
+    <dgm:scene3d>
+      <a:camera prst="orthographicFront"/>
+      <a:lightRig rig="threePt" dir="t">
+        <a:rot lat="0" lon="0" rev="7500000"/>
+      </a:lightRig>
+    </dgm:scene3d>
+    <dgm:sp3d prstMaterial="plastic">
+      <a:bevelT w="127000" h="25400" prst="relaxedInset"/>
+    </dgm:sp3d>
+    <dgm:txPr/>
+    <dgm:style>
+      <a:lnRef idx="0">
+        <a:scrgbClr r="0" g="0" b="0"/>
+      </a:lnRef>
+      <a:fillRef idx="3">
+        <a:scrgbClr r="0" g="0" b="0"/>
+      </a:fillRef>
+      <a:effectRef idx="2">
+        <a:scrgbClr r="0" g="0" b="0"/>
+      </a:effectRef>
+      <a:fontRef idx="minor">
+        <a:schemeClr val="tx1"/>
+      </a:fontRef>
+    </dgm:style>
+  </dgm:styleLbl>
+  <dgm:styleLbl name="alingNode1">
+    <dgm:scene3d>
+      <a:camera prst="orthographicFront"/>
+      <a:lightRig rig="threePt" dir="t">
+        <a:rot lat="0" lon="0" rev="7500000"/>
+      </a:lightRig>
+    </dgm:scene3d>
+    <dgm:sp3d prstMaterial="plastic">
+      <a:bevelT w="127000" h="25400" prst="relaxedInset"/>
+    </dgm:sp3d>
+    <dgm:txPr/>
+    <dgm:style>
+      <a:lnRef idx="0">
+        <a:scrgbClr r="0" g="0" b="0"/>
+      </a:lnRef>
+      <a:fillRef idx="3">
+        <a:scrgbClr r="0" g="0" b="0"/>
+      </a:fillRef>
+      <a:effectRef idx="2">
+        <a:scrgbClr r="0" g="0" b="0"/>
+      </a:effectRef>
+      <a:fontRef idx="minor">
+        <a:schemeClr val="lt1"/>
+      </a:fontRef>
+    </dgm:style>
+  </dgm:styleLbl>
+  <dgm:styleLbl name="node1">
+    <dgm:scene3d>
+      <a:camera prst="orthographicFront"/>
+      <a:lightRig rig="threePt" dir="t">
+        <a:rot lat="0" lon="0" rev="7500000"/>
+      </a:lightRig>
+    </dgm:scene3d>
+    <dgm:sp3d prstMaterial="plastic">
+      <a:bevelT w="127000" h="25400" prst="relaxedInset"/>
+    </dgm:sp3d>
+    <dgm:txPr/>
+    <dgm:style>
+      <a:lnRef idx="0">
+        <a:scrgbClr r="0" g="0" b="0"/>
+      </a:lnRef>
+      <a:fillRef idx="3">
+        <a:scrgbClr r="0" g="0" b="0"/>
+      </a:fillRef>
+      <a:effectRef idx="2">
+        <a:scrgbClr r="0" g="0" b="0"/>
+      </a:effectRef>
+      <a:fontRef idx="minor">
+        <a:schemeClr val="lt1"/>
+      </a:fontRef>
+    </dgm:style>
+  </dgm:styleLbl>
+  <dgm:styleLbl name="node2">
+    <dgm:scene3d>
+      <a:camera prst="orthographicFront"/>
+      <a:lightRig rig="threePt" dir="t">
+        <a:rot lat="0" lon="0" rev="7500000"/>
+      </a:lightRig>
+    </dgm:scene3d>
+    <dgm:sp3d prstMaterial="plastic">
+      <a:bevelT w="127000" h="25400" prst="relaxedInset"/>
+    </dgm:sp3d>
+    <dgm:txPr/>
+    <dgm:style>
+      <a:lnRef idx="0">
+        <a:scrgbClr r="0" g="0" b="0"/>
+      </a:lnRef>
+      <a:fillRef idx="3">
+        <a:scrgbClr r="0" g="0" b="0"/>
+      </a:fillRef>
+      <a:effectRef idx="2">
+        <a:scrgbClr r="0" g="0" b="0"/>
+      </a:effectRef>
+      <a:fontRef idx="minor">
+        <a:schemeClr val="lt1"/>
+      </a:fontRef>
+    </dgm:style>
+  </dgm:styleLbl>
+  <dgm:styleLbl name="node3">
+    <dgm:scene3d>
+      <a:camera prst="orthographicFront"/>
+      <a:lightRig rig="threePt" dir="t">
+        <a:rot lat="0" lon="0" rev="7500000"/>
+      </a:lightRig>
+    </dgm:scene3d>
+    <dgm:sp3d prstMaterial="plastic">
+      <a:bevelT w="127000" h="25400" prst="relaxedInset"/>
+    </dgm:sp3d>
+    <dgm:txPr/>
+    <dgm:style>
+      <a:lnRef idx="0">
+        <a:scrgbClr r="0" g="0" b="0"/>
+      </a:lnRef>
+      <a:fillRef idx="3">
+        <a:scrgbClr r="0" g="0" b="0"/>
+      </a:fillRef>
+      <a:effectRef idx="2">
+        <a:scrgbClr r="0" g="0" b="0"/>
+      </a:effectRef>
+      <a:fontRef idx="minor">
+        <a:schemeClr val="lt1"/>
+      </a:fontRef>
+    </dgm:style>
+  </dgm:styleLbl>
+  <dgm:styleLbl name="node4">
+    <dgm:scene3d>
+      <a:camera prst="orthographicFront"/>
+      <a:lightRig rig="threePt" dir="t">
+        <a:rot lat="0" lon="0" rev="7500000"/>
+      </a:lightRig>
+    </dgm:scene3d>
+    <dgm:sp3d prstMaterial="plastic">
+      <a:bevelT w="127000" h="25400" prst="relaxedInset"/>
+    </dgm:sp3d>
+    <dgm:txPr/>
+    <dgm:style>
+      <a:lnRef idx="0">
+        <a:scrgbClr r="0" g="0" b="0"/>
+      </a:lnRef>
+      <a:fillRef idx="3">
+        <a:scrgbClr r="0" g="0" b="0"/>
+      </a:fillRef>
+      <a:effectRef idx="2">
+        <a:scrgbClr r="0" g="0" b="0"/>
+      </a:effectRef>
+      <a:fontRef idx="minor">
+        <a:schemeClr val="lt1"/>
+      </a:fontRef>
+    </dgm:style>
+  </dgm:styleLbl>
+  <dgm:styleLbl name="fgImgPlace1">
+    <dgm:scene3d>
+      <a:camera prst="orthographicFront"/>
+      <a:lightRig rig="threePt" dir="t">
+        <a:rot lat="0" lon="0" rev="7500000"/>
+      </a:lightRig>
+    </dgm:scene3d>
+    <dgm:sp3d z="152400" extrusionH="63500" prstMaterial="matte">
+      <a:bevelT w="50800" h="19050" prst="relaxedInset"/>
+      <a:contourClr>
+        <a:schemeClr val="bg1"/>
+      </a:contourClr>
+    </dgm:sp3d>
+    <dgm:txPr/>
+    <dgm:style>
+      <a:lnRef idx="0">
+        <a:scrgbClr r="0" g="0" b="0"/>
+      </a:lnRef>
+      <a:fillRef idx="1">
+        <a:scrgbClr r="0" g="0" b="0"/>
+      </a:fillRef>
+      <a:effectRef idx="0">
+        <a:scrgbClr r="0" g="0" b="0"/>
+      </a:effectRef>
+      <a:fontRef idx="minor"/>
+    </dgm:style>
+  </dgm:styleLbl>
+  <dgm:styleLbl name="alignImgPlace1">
+    <dgm:scene3d>
+      <a:camera prst="orthographicFront"/>
+      <a:lightRig rig="threePt" dir="t">
+        <a:rot lat="0" lon="0" rev="7500000"/>
+      </a:lightRig>
+    </dgm:scene3d>
+    <dgm:sp3d z="254000" extrusionH="63500" contourW="12700" prstMaterial="matte">
+      <a:contourClr>
+        <a:schemeClr val="lt1"/>
+      </a:contourClr>
+    </dgm:sp3d>
+    <dgm:txPr/>
+    <dgm:style>
+      <a:lnRef idx="0">
+        <a:scrgbClr r="0" g="0" b="0"/>
+      </a:lnRef>
+      <a:fillRef idx="1">
+        <a:scrgbClr r="0" g="0" b="0"/>
+      </a:fillRef>
+      <a:effectRef idx="0">
+        <a:scrgbClr r="0" g="0" b="0"/>
+      </a:effectRef>
+      <a:fontRef idx="minor"/>
+    </dgm:style>
+  </dgm:styleLbl>
+  <dgm:styleLbl name="bgImgPlace1">
+    <dgm:scene3d>
+      <a:camera prst="orthographicFront"/>
+      <a:lightRig rig="threePt" dir="t">
+        <a:rot lat="0" lon="0" rev="7500000"/>
+      </a:lightRig>
+    </dgm:scene3d>
+    <dgm:sp3d z="-152400" extrusionH="63500" contourW="127000" prstMaterial="matte">
+      <a:contourClr>
+        <a:schemeClr val="lt1"/>
+      </a:contourClr>
+    </dgm:sp3d>
+    <dgm:txPr/>
+    <dgm:style>
+      <a:lnRef idx="0">
+        <a:scrgbClr r="0" g="0" b="0"/>
+      </a:lnRef>
+      <a:fillRef idx="1">
+        <a:scrgbClr r="0" g="0" b="0"/>
+      </a:fillRef>
+      <a:effectRef idx="0">
+        <a:scrgbClr r="0" g="0" b="0"/>
+      </a:effectRef>
+      <a:fontRef idx="minor"/>
+    </dgm:style>
+  </dgm:styleLbl>
+  <dgm:styleLbl name="sibTrans2D1">
+    <dgm:scene3d>
+      <a:camera prst="orthographicFront"/>
+      <a:lightRig rig="threePt" dir="t">
+        <a:rot lat="0" lon="0" rev="7500000"/>
+      </a:lightRig>
+    </dgm:scene3d>
+    <dgm:sp3d z="-70000" extrusionH="63500" prstMaterial="matte">
+      <a:bevelT w="25400" h="6350" prst="relaxedInset"/>
+      <a:contourClr>
+        <a:schemeClr val="bg1"/>
+      </a:contourClr>
+    </dgm:sp3d>
+    <dgm:txPr/>
+    <dgm:style>
+      <a:lnRef idx="0">
+        <a:scrgbClr r="0" g="0" b="0"/>
+      </a:lnRef>
+      <a:fillRef idx="1">
+        <a:scrgbClr r="0" g="0" b="0"/>
+      </a:fillRef>
+      <a:effectRef idx="2">
+        <a:scrgbClr r="0" g="0" b="0"/>
+      </a:effectRef>
+      <a:fontRef idx="minor">
+        <a:schemeClr val="lt1"/>
+      </a:fontRef>
+    </dgm:style>
+  </dgm:styleLbl>
+  <dgm:styleLbl name="fgSibTrans2D1">
+    <dgm:scene3d>
+      <a:camera prst="orthographicFront"/>
+      <a:lightRig rig="threePt" dir="t">
+        <a:rot lat="0" lon="0" rev="7500000"/>
+      </a:lightRig>
+    </dgm:scene3d>
+    <dgm:sp3d z="152400" extrusionH="63500" prstMaterial="matte">
+      <a:bevelT w="25400" h="6350" prst="relaxedInset"/>
+      <a:contourClr>
+        <a:schemeClr val="bg1"/>
+      </a:contourClr>
+    </dgm:sp3d>
+    <dgm:txPr/>
+    <dgm:style>
+      <a:lnRef idx="0">
+        <a:scrgbClr r="0" g="0" b="0"/>
+      </a:lnRef>
+      <a:fillRef idx="1">
+        <a:scrgbClr r="0" g="0" b="0"/>
+      </a:fillRef>
+      <a:effectRef idx="2">
+        <a:scrgbClr r="0" g="0" b="0"/>
+      </a:effectRef>
+      <a:fontRef idx="minor">
+        <a:schemeClr val="lt1"/>
+      </a:fontRef>
+    </dgm:style>
+  </dgm:styleLbl>
+  <dgm:styleLbl name="bgSibTrans2D1">
+    <dgm:scene3d>
+      <a:camera prst="orthographicFront"/>
+      <a:lightRig rig="threePt" dir="t">
+        <a:rot lat="0" lon="0" rev="7500000"/>
+      </a:lightRig>
+    </dgm:scene3d>
+    <dgm:sp3d z="-152400" extrusionH="63500" prstMaterial="matte">
+      <a:bevelT w="25400" h="6350" prst="relaxedInset"/>
+      <a:contourClr>
+        <a:schemeClr val="bg1"/>
+      </a:contourClr>
+    </dgm:sp3d>
+    <dgm:txPr/>
+    <dgm:style>
+      <a:lnRef idx="0">
+        <a:scrgbClr r="0" g="0" b="0"/>
+      </a:lnRef>
+      <a:fillRef idx="1">
+        <a:scrgbClr r="0" g="0" b="0"/>
+      </a:fillRef>
+      <a:effectRef idx="2">
+        <a:scrgbClr r="0" g="0" b="0"/>
+      </a:effectRef>
+      <a:fontRef idx="minor">
+        <a:schemeClr val="lt1"/>
+      </a:fontRef>
+    </dgm:style>
+  </dgm:styleLbl>
+  <dgm:styleLbl name="sibTrans1D1">
+    <dgm:scene3d>
+      <a:camera prst="orthographicFront"/>
+      <a:lightRig rig="threePt" dir="t">
+        <a:rot lat="0" lon="0" rev="7500000"/>
+      </a:lightRig>
+    </dgm:scene3d>
+    <dgm:sp3d z="-40000" prstMaterial="matte"/>
+    <dgm:txPr/>
+    <dgm:style>
+      <a:lnRef idx="1">
+        <a:scrgbClr r="0" g="0" b="0"/>
+      </a:lnRef>
+      <a:fillRef idx="0">
+        <a:scrgbClr r="0" g="0" b="0"/>
+      </a:fillRef>
+      <a:effectRef idx="0">
+        <a:scrgbClr r="0" g="0" b="0"/>
+      </a:effectRef>
+      <a:fontRef idx="minor"/>
+    </dgm:style>
+  </dgm:styleLbl>
+  <dgm:styleLbl name="callout">
+    <dgm:scene3d>
+      <a:camera prst="orthographicFront"/>
+      <a:lightRig rig="threePt" dir="t">
+        <a:rot lat="0" lon="0" rev="7500000"/>
+      </a:lightRig>
+    </dgm:scene3d>
+    <dgm:sp3d z="127000" prstMaterial="matte"/>
+    <dgm:txPr/>
+    <dgm:style>
+      <a:lnRef idx="2">
+        <a:scrgbClr r="0" g="0" b="0"/>
+      </a:lnRef>
+      <a:fillRef idx="1">
+        <a:scrgbClr r="0" g="0" b="0"/>
+      </a:fillRef>
+      <a:effectRef idx="0">
+        <a:scrgbClr r="0" g="0" b="0"/>
+      </a:effectRef>
+      <a:fontRef idx="minor"/>
+    </dgm:style>
+  </dgm:styleLbl>
+  <dgm:styleLbl name="asst0">
+    <dgm:scene3d>
+      <a:camera prst="orthographicFront"/>
+      <a:lightRig rig="threePt" dir="t">
+        <a:rot lat="0" lon="0" rev="7500000"/>
+      </a:lightRig>
+    </dgm:scene3d>
+    <dgm:sp3d prstMaterial="plastic">
+      <a:bevelT w="127000" h="25400" prst="relaxedInset"/>
+    </dgm:sp3d>
+    <dgm:txPr/>
+    <dgm:style>
+      <a:lnRef idx="0">
+        <a:scrgbClr r="0" g="0" b="0"/>
+      </a:lnRef>
+      <a:fillRef idx="3">
+        <a:scrgbClr r="0" g="0" b="0"/>
+      </a:fillRef>
+      <a:effectRef idx="2">
+        <a:scrgbClr r="0" g="0" b="0"/>
+      </a:effectRef>
+      <a:fontRef idx="minor">
+        <a:schemeClr val="lt1"/>
+      </a:fontRef>
+    </dgm:style>
+  </dgm:styleLbl>
+  <dgm:styleLbl name="asst1">
+    <dgm:scene3d>
+      <a:camera prst="orthographicFront"/>
+      <a:lightRig rig="threePt" dir="t">
+        <a:rot lat="0" lon="0" rev="7500000"/>
+      </a:lightRig>
+    </dgm:scene3d>
+    <dgm:sp3d prstMaterial="plastic">
+      <a:bevelT w="127000" h="25400" prst="relaxedInset"/>
+    </dgm:sp3d>
+    <dgm:txPr/>
+    <dgm:style>
+      <a:lnRef idx="0">
+        <a:scrgbClr r="0" g="0" b="0"/>
+      </a:lnRef>
+      <a:fillRef idx="3">
+        <a:scrgbClr r="0" g="0" b="0"/>
+      </a:fillRef>
+      <a:effectRef idx="2">
+        <a:scrgbClr r="0" g="0" b="0"/>
+      </a:effectRef>
+      <a:fontRef idx="minor">
+        <a:schemeClr val="lt1"/>
+      </a:fontRef>
+    </dgm:style>
+  </dgm:styleLbl>
+  <dgm:styleLbl name="asst2">
+    <dgm:scene3d>
+      <a:camera prst="orthographicFront"/>
+      <a:lightRig rig="threePt" dir="t">
+        <a:rot lat="0" lon="0" rev="7500000"/>
+      </a:lightRig>
+    </dgm:scene3d>
+    <dgm:sp3d prstMaterial="plastic">
+      <a:bevelT w="127000" h="25400" prst="relaxedInset"/>
+    </dgm:sp3d>
+    <dgm:txPr/>
+    <dgm:style>
+      <a:lnRef idx="0">
+        <a:scrgbClr r="0" g="0" b="0"/>
+      </a:lnRef>
+      <a:fillRef idx="3">
+        <a:scrgbClr r="0" g="0" b="0"/>
+      </a:fillRef>
+      <a:effectRef idx="2">
+        <a:scrgbClr r="0" g="0" b="0"/>
+      </a:effectRef>
+      <a:fontRef idx="minor">
+        <a:schemeClr val="lt1"/>
+      </a:fontRef>
+    </dgm:style>
+  </dgm:styleLbl>
+  <dgm:styleLbl name="asst3">
+    <dgm:scene3d>
+      <a:camera prst="orthographicFront"/>
+      <a:lightRig rig="threePt" dir="t">
+        <a:rot lat="0" lon="0" rev="7500000"/>
+      </a:lightRig>
+    </dgm:scene3d>
+    <dgm:sp3d prstMaterial="plastic">
+      <a:bevelT w="127000" h="25400" prst="relaxedInset"/>
+    </dgm:sp3d>
+    <dgm:txPr/>
+    <dgm:style>
+      <a:lnRef idx="0">
+        <a:scrgbClr r="0" g="0" b="0"/>
+      </a:lnRef>
+      <a:fillRef idx="3">
+        <a:scrgbClr r="0" g="0" b="0"/>
+      </a:fillRef>
+      <a:effectRef idx="2">
+        <a:scrgbClr r="0" g="0" b="0"/>
+      </a:effectRef>
+      <a:fontRef idx="minor">
+        <a:schemeClr val="lt1"/>
+      </a:fontRef>
+    </dgm:style>
+  </dgm:styleLbl>
+  <dgm:styleLbl name="parChTrans2D1">
+    <dgm:scene3d>
+      <a:camera prst="orthographicFront"/>
+      <a:lightRig rig="threePt" dir="t">
+        <a:rot lat="0" lon="0" rev="7500000"/>
+      </a:lightRig>
+    </dgm:scene3d>
+    <dgm:sp3d extrusionH="63500" prstMaterial="matte">
+      <a:bevelT w="50800" h="19050" prst="relaxedInset"/>
+      <a:contourClr>
+        <a:schemeClr val="bg1"/>
+      </a:contourClr>
+    </dgm:sp3d>
+    <dgm:txPr/>
+    <dgm:style>
+      <a:lnRef idx="0">
+        <a:scrgbClr r="0" g="0" b="0"/>
+      </a:lnRef>
+      <a:fillRef idx="1">
+        <a:scrgbClr r="0" g="0" b="0"/>
+      </a:fillRef>
+      <a:effectRef idx="2">
+        <a:scrgbClr r="0" g="0" b="0"/>
+      </a:effectRef>
+      <a:fontRef idx="minor">
+        <a:schemeClr val="lt1"/>
+      </a:fontRef>
+    </dgm:style>
+  </dgm:styleLbl>
+  <dgm:styleLbl name="parChTrans2D2">
+    <dgm:scene3d>
+      <a:camera prst="orthographicFront"/>
+      <a:lightRig rig="threePt" dir="t">
+        <a:rot lat="0" lon="0" rev="7500000"/>
+      </a:lightRig>
+    </dgm:scene3d>
+    <dgm:sp3d extrusionH="63500" prstMaterial="matte">
+      <a:bevelT w="50800" h="19050" prst="relaxedInset"/>
+      <a:contourClr>
+        <a:schemeClr val="bg1"/>
+      </a:contourClr>
+    </dgm:sp3d>
+    <dgm:txPr/>
+    <dgm:style>
+      <a:lnRef idx="0">
+        <a:scrgbClr r="0" g="0" b="0"/>
+      </a:lnRef>
+      <a:fillRef idx="1">
+        <a:scrgbClr r="0" g="0" b="0"/>
+      </a:fillRef>
+      <a:effectRef idx="0">
+        <a:scrgbClr r="0" g="0" b="0"/>
+      </a:effectRef>
+      <a:fontRef idx="minor">
+        <a:schemeClr val="lt1"/>
+      </a:fontRef>
+    </dgm:style>
+  </dgm:styleLbl>
+  <dgm:styleLbl name="parChTrans2D3">
+    <dgm:scene3d>
+      <a:camera prst="orthographicFront"/>
+      <a:lightRig rig="threePt" dir="t">
+        <a:rot lat="0" lon="0" rev="7500000"/>
+      </a:lightRig>
+    </dgm:scene3d>
+    <dgm:sp3d z="60000" prstMaterial="flat">
+      <a:bevelT w="120900" h="88900"/>
+    </dgm:sp3d>
+    <dgm:txPr/>
+    <dgm:style>
+      <a:lnRef idx="0">
+        <a:scrgbClr r="0" g="0" b="0"/>
+      </a:lnRef>
+      <a:fillRef idx="3">
+        <a:scrgbClr r="0" g="0" b="0"/>
+      </a:fillRef>
+      <a:effectRef idx="1">
+        <a:scrgbClr r="0" g="0" b="0"/>
+      </a:effectRef>
+      <a:fontRef idx="minor">
+        <a:schemeClr val="lt1"/>
+      </a:fontRef>
+    </dgm:style>
+  </dgm:styleLbl>
+  <dgm:styleLbl name="parChTrans2D4">
+    <dgm:scene3d>
+      <a:camera prst="orthographicFront"/>
+      <a:lightRig rig="threePt" dir="t">
+        <a:rot lat="0" lon="0" rev="7500000"/>
+      </a:lightRig>
+    </dgm:scene3d>
+    <dgm:sp3d z="60000" prstMaterial="flat">
+      <a:bevelT w="120900" h="88900"/>
+    </dgm:sp3d>
+    <dgm:txPr/>
+    <dgm:style>
+      <a:lnRef idx="0">
+        <a:scrgbClr r="0" g="0" b="0"/>
+      </a:lnRef>
+      <a:fillRef idx="3">
+        <a:scrgbClr r="0" g="0" b="0"/>
+      </a:fillRef>
+      <a:effectRef idx="1">
+        <a:scrgbClr r="0" g="0" b="0"/>
+      </a:effectRef>
+      <a:fontRef idx="minor">
+        <a:schemeClr val="lt1"/>
+      </a:fontRef>
+    </dgm:style>
+  </dgm:styleLbl>
+  <dgm:styleLbl name="parChTrans1D1">
+    <dgm:scene3d>
+      <a:camera prst="orthographicFront"/>
+      <a:lightRig rig="threePt" dir="t">
+        <a:rot lat="0" lon="0" rev="7500000"/>
+      </a:lightRig>
+    </dgm:scene3d>
+    <dgm:sp3d z="-40000" prstMaterial="matte"/>
+    <dgm:txPr/>
+    <dgm:style>
+      <a:lnRef idx="2">
+        <a:scrgbClr r="0" g="0" b="0"/>
+      </a:lnRef>
+      <a:fillRef idx="0">
+        <a:scrgbClr r="0" g="0" b="0"/>
+      </a:fillRef>
+      <a:effectRef idx="0">
+        <a:scrgbClr r="0" g="0" b="0"/>
+      </a:effectRef>
+      <a:fontRef idx="minor"/>
+    </dgm:style>
+  </dgm:styleLbl>
+  <dgm:styleLbl name="parChTrans1D2">
+    <dgm:scene3d>
+      <a:camera prst="orthographicFront"/>
+      <a:lightRig rig="threePt" dir="t">
+        <a:rot lat="0" lon="0" rev="7500000"/>
+      </a:lightRig>
+    </dgm:scene3d>
+    <dgm:sp3d z="-40000" prstMaterial="matte"/>
+    <dgm:txPr/>
+    <dgm:style>
+      <a:lnRef idx="2">
+        <a:scrgbClr r="0" g="0" b="0"/>
+      </a:lnRef>
+      <a:fillRef idx="0">
+        <a:scrgbClr r="0" g="0" b="0"/>
+      </a:fillRef>
+      <a:effectRef idx="0">
+        <a:scrgbClr r="0" g="0" b="0"/>
+      </a:effectRef>
+      <a:fontRef idx="minor"/>
+    </dgm:style>
+  </dgm:styleLbl>
+  <dgm:styleLbl name="parChTrans1D3">
+    <dgm:scene3d>
+      <a:camera prst="orthographicFront"/>
+      <a:lightRig rig="threePt" dir="t">
+        <a:rot lat="0" lon="0" rev="7500000"/>
+      </a:lightRig>
+    </dgm:scene3d>
+    <dgm:sp3d z="-40000" prstMaterial="matte"/>
+    <dgm:txPr/>
+    <dgm:style>
+      <a:lnRef idx="2">
+        <a:scrgbClr r="0" g="0" b="0"/>
+      </a:lnRef>
+      <a:fillRef idx="0">
+        <a:scrgbClr r="0" g="0" b="0"/>
+      </a:fillRef>
+      <a:effectRef idx="0">
+        <a:scrgbClr r="0" g="0" b="0"/>
+      </a:effectRef>
+      <a:fontRef idx="minor"/>
+    </dgm:style>
+  </dgm:styleLbl>
+  <dgm:styleLbl name="parChTrans1D4">
+    <dgm:scene3d>
+      <a:camera prst="orthographicFront"/>
+      <a:lightRig rig="threePt" dir="t">
+        <a:rot lat="0" lon="0" rev="7500000"/>
+      </a:lightRig>
+    </dgm:scene3d>
+    <dgm:sp3d z="-40000" prstMaterial="matte"/>
+    <dgm:txPr/>
+    <dgm:style>
+      <a:lnRef idx="2">
+        <a:scrgbClr r="0" g="0" b="0"/>
+      </a:lnRef>
+      <a:fillRef idx="0">
+        <a:scrgbClr r="0" g="0" b="0"/>
+      </a:fillRef>
+      <a:effectRef idx="0">
+        <a:scrgbClr r="0" g="0" b="0"/>
+      </a:effectRef>
+      <a:fontRef idx="minor"/>
+    </dgm:style>
+  </dgm:styleLbl>
+  <dgm:styleLbl name="fgAcc1">
+    <dgm:scene3d>
+      <a:camera prst="orthographicFront"/>
+      <a:lightRig rig="threePt" dir="t">
+        <a:rot lat="0" lon="0" rev="7500000"/>
+      </a:lightRig>
+    </dgm:scene3d>
+    <dgm:sp3d z="152400" extrusionH="63500" prstMaterial="dkEdge">
+      <a:bevelT w="135400" h="16350" prst="relaxedInset"/>
+      <a:contourClr>
+        <a:schemeClr val="bg1"/>
+      </a:contourClr>
+    </dgm:sp3d>
+    <dgm:txPr/>
+    <dgm:style>
+      <a:lnRef idx="1">
+        <a:scrgbClr r="0" g="0" b="0"/>
+      </a:lnRef>
+      <a:fillRef idx="1">
+        <a:scrgbClr r="0" g="0" b="0"/>
+      </a:fillRef>
+      <a:effectRef idx="2">
+        <a:scrgbClr r="0" g="0" b="0"/>
+      </a:effectRef>
+      <a:fontRef idx="minor"/>
+    </dgm:style>
+  </dgm:styleLbl>
+  <dgm:styleLbl name="conFgAcc1">
+    <dgm:scene3d>
+      <a:camera prst="orthographicFront"/>
+      <a:lightRig rig="threePt" dir="t">
+        <a:rot lat="0" lon="0" rev="7500000"/>
+      </a:lightRig>
+    </dgm:scene3d>
+    <dgm:sp3d z="152400" extrusionH="63500" prstMaterial="dkEdge">
+      <a:bevelT w="135400" h="16350" prst="relaxedInset"/>
+      <a:contourClr>
+        <a:schemeClr val="bg1"/>
+      </a:contourClr>
+    </dgm:sp3d>
+    <dgm:txPr/>
+    <dgm:style>
+      <a:lnRef idx="1">
+        <a:scrgbClr r="0" g="0" b="0"/>
+      </a:lnRef>
+      <a:fillRef idx="1">
+        <a:scrgbClr r="0" g="0" b="0"/>
+      </a:fillRef>
+      <a:effectRef idx="2">
+        <a:scrgbClr r="0" g="0" b="0"/>
+      </a:effectRef>
+      <a:fontRef idx="minor"/>
+    </dgm:style>
+  </dgm:styleLbl>
+  <dgm:styleLbl name="alignAcc1">
+    <dgm:scene3d>
+      <a:camera prst="orthographicFront"/>
+      <a:lightRig rig="threePt" dir="t">
+        <a:rot lat="0" lon="0" rev="7500000"/>
+      </a:lightRig>
+    </dgm:scene3d>
+    <dgm:sp3d extrusionH="190500" prstMaterial="dkEdge">
+      <a:bevelT w="135400" h="16350" prst="relaxedInset"/>
+      <a:contourClr>
+        <a:schemeClr val="bg1"/>
+      </a:contourClr>
+    </dgm:sp3d>
+    <dgm:txPr/>
+    <dgm:style>
+      <a:lnRef idx="1">
+        <a:scrgbClr r="0" g="0" b="0"/>
+      </a:lnRef>
+      <a:fillRef idx="1">
+        <a:scrgbClr r="0" g="0" b="0"/>
+      </a:fillRef>
+      <a:effectRef idx="2">
+        <a:scrgbClr r="0" g="0" b="0"/>
+      </a:effectRef>
+      <a:fontRef idx="minor"/>
+    </dgm:style>
+  </dgm:styleLbl>
+  <dgm:styleLbl name="trAlignAcc1">
+    <dgm:scene3d>
+      <a:camera prst="orthographicFront"/>
+      <a:lightRig rig="threePt" dir="t">
+        <a:rot lat="0" lon="0" rev="7500000"/>
+      </a:lightRig>
+    </dgm:scene3d>
+    <dgm:sp3d prstMaterial="plastic">
+      <a:bevelT w="127000" h="35400"/>
+    </dgm:sp3d>
+    <dgm:txPr/>
+    <dgm:style>
+      <a:lnRef idx="1">
+        <a:scrgbClr r="0" g="0" b="0"/>
+      </a:lnRef>
+      <a:fillRef idx="1">
+        <a:scrgbClr r="0" g="0" b="0"/>
+      </a:fillRef>
+      <a:effectRef idx="2">
+        <a:scrgbClr r="0" g="0" b="0"/>
+      </a:effectRef>
+      <a:fontRef idx="minor">
+        <a:schemeClr val="lt1"/>
+      </a:fontRef>
+    </dgm:style>
+  </dgm:styleLbl>
+  <dgm:styleLbl name="bgAcc1">
+    <dgm:scene3d>
+      <a:camera prst="orthographicFront"/>
+      <a:lightRig rig="threePt" dir="t">
+        <a:rot lat="0" lon="0" rev="7500000"/>
+      </a:lightRig>
+    </dgm:scene3d>
+    <dgm:sp3d z="-152400" extrusionH="63500" prstMaterial="dkEdge">
+      <a:bevelT w="124450" h="16350" prst="relaxedInset"/>
+      <a:contourClr>
+        <a:schemeClr val="bg1"/>
+      </a:contourClr>
+    </dgm:sp3d>
+    <dgm:txPr/>
+    <dgm:style>
+      <a:lnRef idx="1">
+        <a:scrgbClr r="0" g="0" b="0"/>
+      </a:lnRef>
+      <a:fillRef idx="1">
+        <a:scrgbClr r="0" g="0" b="0"/>
+      </a:fillRef>
+      <a:effectRef idx="0">
+        <a:scrgbClr r="0" g="0" b="0"/>
+      </a:effectRef>
+      <a:fontRef idx="minor"/>
+    </dgm:style>
+  </dgm:styleLbl>
+  <dgm:styleLbl name="solidFgAcc1">
+    <dgm:scene3d>
+      <a:camera prst="orthographicFront"/>
+      <a:lightRig rig="threePt" dir="t">
+        <a:rot lat="0" lon="0" rev="7500000"/>
+      </a:lightRig>
+    </dgm:scene3d>
+    <dgm:sp3d z="152400" extrusionH="63500" prstMaterial="dkEdge">
+      <a:bevelT w="120800" h="19050" prst="relaxedInset"/>
+      <a:contourClr>
+        <a:schemeClr val="bg1"/>
+      </a:contourClr>
+    </dgm:sp3d>
+    <dgm:txPr/>
+    <dgm:style>
+      <a:lnRef idx="1">
+        <a:scrgbClr r="0" g="0" b="0"/>
+      </a:lnRef>
+      <a:fillRef idx="1">
+        <a:scrgbClr r="0" g="0" b="0"/>
+      </a:fillRef>
+      <a:effectRef idx="2">
+        <a:scrgbClr r="0" g="0" b="0"/>
+      </a:effectRef>
+      <a:fontRef idx="minor"/>
+    </dgm:style>
+  </dgm:styleLbl>
+  <dgm:styleLbl name="solidAlignAcc1">
+    <dgm:scene3d>
+      <a:camera prst="orthographicFront"/>
+      <a:lightRig rig="threePt" dir="t">
+        <a:rot lat="0" lon="0" rev="7500000"/>
+      </a:lightRig>
+    </dgm:scene3d>
+    <dgm:sp3d extrusionH="190500" prstMaterial="dkEdge">
+      <a:bevelT w="120650" h="38100" prst="relaxedInset"/>
+      <a:contourClr>
+        <a:schemeClr val="bg1"/>
+      </a:contourClr>
+    </dgm:sp3d>
+    <dgm:txPr/>
+    <dgm:style>
+      <a:lnRef idx="1">
+        <a:scrgbClr r="0" g="0" b="0"/>
+      </a:lnRef>
+      <a:fillRef idx="1">
+        <a:scrgbClr r="0" g="0" b="0"/>
+      </a:fillRef>
+      <a:effectRef idx="2">
+        <a:scrgbClr r="0" g="0" b="0"/>
+      </a:effectRef>
+      <a:fontRef idx="minor"/>
+    </dgm:style>
+  </dgm:styleLbl>
+  <dgm:styleLbl name="solidBgAcc1">
+    <dgm:scene3d>
+      <a:camera prst="orthographicFront"/>
+      <a:lightRig rig="threePt" dir="t">
+        <a:rot lat="0" lon="0" rev="7500000"/>
+      </a:lightRig>
+    </dgm:scene3d>
+    <dgm:sp3d z="-152400" extrusionH="63500" prstMaterial="dkEdge">
+      <a:bevelT w="144450" h="36350" prst="relaxedInset"/>
+      <a:contourClr>
+        <a:schemeClr val="bg1"/>
+      </a:contourClr>
+    </dgm:sp3d>
+    <dgm:txPr/>
+    <dgm:style>
+      <a:lnRef idx="1">
+        <a:scrgbClr r="0" g="0" b="0"/>
+      </a:lnRef>
+      <a:fillRef idx="1">
+        <a:scrgbClr r="0" g="0" b="0"/>
+      </a:fillRef>
+      <a:effectRef idx="0">
+        <a:scrgbClr r="0" g="0" b="0"/>
+      </a:effectRef>
+      <a:fontRef idx="minor"/>
+    </dgm:style>
+  </dgm:styleLbl>
+  <dgm:styleLbl name="fgAccFollowNode1">
+    <dgm:scene3d>
+      <a:camera prst="orthographicFront"/>
+      <a:lightRig rig="threePt" dir="t">
+        <a:rot lat="0" lon="0" rev="7500000"/>
+      </a:lightRig>
+    </dgm:scene3d>
+    <dgm:sp3d z="152400" extrusionH="63500" prstMaterial="dkEdge">
+      <a:bevelT w="125400" h="36350" prst="relaxedInset"/>
+      <a:contourClr>
+        <a:schemeClr val="bg1"/>
+      </a:contourClr>
+    </dgm:sp3d>
+    <dgm:txPr/>
+    <dgm:style>
+      <a:lnRef idx="1">
+        <a:scrgbClr r="0" g="0" b="0"/>
+      </a:lnRef>
+      <a:fillRef idx="1">
+        <a:scrgbClr r="0" g="0" b="0"/>
+      </a:fillRef>
+      <a:effectRef idx="0">
+        <a:scrgbClr r="0" g="0" b="0"/>
+      </a:effectRef>
+      <a:fontRef idx="minor"/>
+    </dgm:style>
+  </dgm:styleLbl>
+  <dgm:styleLbl name="alignAccFollowNode1">
+    <dgm:scene3d>
+      <a:camera prst="orthographicFront"/>
+      <a:lightRig rig="threePt" dir="t">
+        <a:rot lat="0" lon="0" rev="7500000"/>
+      </a:lightRig>
+    </dgm:scene3d>
+    <dgm:sp3d extrusionH="190500" prstMaterial="dkEdge">
+      <a:bevelT w="120650" h="38100" prst="relaxedInset"/>
+      <a:bevelB w="120650" h="57150" prst="relaxedInset"/>
+      <a:contourClr>
+        <a:schemeClr val="bg1"/>
+      </a:contourClr>
+    </dgm:sp3d>
+    <dgm:txPr/>
+    <dgm:style>
+      <a:lnRef idx="1">
+        <a:scrgbClr r="0" g="0" b="0"/>
+      </a:lnRef>
+      <a:fillRef idx="1">
+        <a:scrgbClr r="0" g="0" b="0"/>
+      </a:fillRef>
+      <a:effectRef idx="2">
+        <a:scrgbClr r="0" g="0" b="0"/>
+      </a:effectRef>
+      <a:fontRef idx="minor"/>
+    </dgm:style>
+  </dgm:styleLbl>
+  <dgm:styleLbl name="bgAccFollowNode1">
+    <dgm:scene3d>
+      <a:camera prst="orthographicFront"/>
+      <a:lightRig rig="threePt" dir="t">
+        <a:rot lat="0" lon="0" rev="7500000"/>
+      </a:lightRig>
+    </dgm:scene3d>
+    <dgm:sp3d z="-152400" extrusionH="63500" prstMaterial="dkEdge">
+      <a:bevelT w="144450" h="36350" prst="relaxedInset"/>
+      <a:contourClr>
+        <a:schemeClr val="bg1"/>
+      </a:contourClr>
+    </dgm:sp3d>
+    <dgm:txPr/>
+    <dgm:style>
+      <a:lnRef idx="1">
+        <a:scrgbClr r="0" g="0" b="0"/>
+      </a:lnRef>
+      <a:fillRef idx="1">
+        <a:scrgbClr r="0" g="0" b="0"/>
+      </a:fillRef>
+      <a:effectRef idx="2">
+        <a:scrgbClr r="0" g="0" b="0"/>
+      </a:effectRef>
+      <a:fontRef idx="minor"/>
+    </dgm:style>
+  </dgm:styleLbl>
+  <dgm:styleLbl name="fgAcc0">
+    <dgm:scene3d>
+      <a:camera prst="orthographicFront"/>
+      <a:lightRig rig="threePt" dir="t">
+        <a:rot lat="0" lon="0" rev="7500000"/>
+      </a:lightRig>
+    </dgm:scene3d>
+    <dgm:sp3d z="152400" extrusionH="63500" prstMaterial="dkEdge">
+      <a:bevelT w="125400" h="36350" prst="relaxedInset"/>
+      <a:contourClr>
+        <a:schemeClr val="bg1"/>
+      </a:contourClr>
+    </dgm:sp3d>
+    <dgm:txPr/>
+    <dgm:style>
+      <a:lnRef idx="1">
+        <a:scrgbClr r="0" g="0" b="0"/>
+      </a:lnRef>
+      <a:fillRef idx="1">
+        <a:scrgbClr r="0" g="0" b="0"/>
+      </a:fillRef>
+      <a:effectRef idx="2">
+        <a:scrgbClr r="0" g="0" b="0"/>
+      </a:effectRef>
+      <a:fontRef idx="minor"/>
+    </dgm:style>
+  </dgm:styleLbl>
+  <dgm:styleLbl name="fgAcc2">
+    <dgm:scene3d>
+      <a:camera prst="orthographicFront"/>
+      <a:lightRig rig="threePt" dir="t">
+        <a:rot lat="0" lon="0" rev="7500000"/>
+      </a:lightRig>
+    </dgm:scene3d>
+    <dgm:sp3d z="152400" extrusionH="63500" prstMaterial="dkEdge">
+      <a:bevelT w="125400" h="36350" prst="relaxedInset"/>
+      <a:contourClr>
+        <a:schemeClr val="bg1"/>
+      </a:contourClr>
+    </dgm:sp3d>
+    <dgm:txPr/>
+    <dgm:style>
+      <a:lnRef idx="1">
+        <a:scrgbClr r="0" g="0" b="0"/>
+      </a:lnRef>
+      <a:fillRef idx="1">
+        <a:scrgbClr r="0" g="0" b="0"/>
+      </a:fillRef>
+      <a:effectRef idx="2">
+        <a:scrgbClr r="0" g="0" b="0"/>
+      </a:effectRef>
+      <a:fontRef idx="minor"/>
+    </dgm:style>
+  </dgm:styleLbl>
+  <dgm:styleLbl name="fgAcc3">
+    <dgm:scene3d>
+      <a:camera prst="orthographicFront"/>
+      <a:lightRig rig="threePt" dir="t">
+        <a:rot lat="0" lon="0" rev="7500000"/>
+      </a:lightRig>
+    </dgm:scene3d>
+    <dgm:sp3d z="152400" extrusionH="63500" prstMaterial="dkEdge">
+      <a:bevelT w="125400" h="36350" prst="relaxedInset"/>
+      <a:contourClr>
+        <a:schemeClr val="bg1"/>
+      </a:contourClr>
+    </dgm:sp3d>
+    <dgm:txPr/>
+    <dgm:style>
+      <a:lnRef idx="1">
+        <a:scrgbClr r="0" g="0" b="0"/>
+      </a:lnRef>
+      <a:fillRef idx="1">
+        <a:scrgbClr r="0" g="0" b="0"/>
+      </a:fillRef>
+      <a:effectRef idx="2">
+        <a:scrgbClr r="0" g="0" b="0"/>
+      </a:effectRef>
+      <a:fontRef idx="minor"/>
+    </dgm:style>
+  </dgm:styleLbl>
+  <dgm:styleLbl name="fgAcc4">
+    <dgm:scene3d>
+      <a:camera prst="orthographicFront"/>
+      <a:lightRig rig="threePt" dir="t">
+        <a:rot lat="0" lon="0" rev="7500000"/>
+      </a:lightRig>
+    </dgm:scene3d>
+    <dgm:sp3d z="152400" extrusionH="63500" prstMaterial="dkEdge">
+      <a:bevelT w="125400" h="36350" prst="relaxedInset"/>
+      <a:contourClr>
+        <a:schemeClr val="bg1"/>
+      </a:contourClr>
+    </dgm:sp3d>
+    <dgm:txPr/>
+    <dgm:style>
+      <a:lnRef idx="1">
+        <a:scrgbClr r="0" g="0" b="0"/>
+      </a:lnRef>
+      <a:fillRef idx="1">
+        <a:scrgbClr r="0" g="0" b="0"/>
+      </a:fillRef>
+      <a:effectRef idx="2">
+        <a:scrgbClr r="0" g="0" b="0"/>
+      </a:effectRef>
+      <a:fontRef idx="minor"/>
+    </dgm:style>
+  </dgm:styleLbl>
+  <dgm:styleLbl name="bgShp">
+    <dgm:scene3d>
+      <a:camera prst="orthographicFront"/>
+      <a:lightRig rig="threePt" dir="t">
+        <a:rot lat="0" lon="0" rev="7500000"/>
+      </a:lightRig>
+    </dgm:scene3d>
+    <dgm:sp3d z="-152400" extrusionH="63500" prstMaterial="matte">
+      <a:bevelT w="144450" h="6350" prst="relaxedInset"/>
+      <a:contourClr>
+        <a:schemeClr val="bg1"/>
+      </a:contourClr>
+    </dgm:sp3d>
+    <dgm:txPr/>
+    <dgm:style>
+      <a:lnRef idx="0">
+        <a:scrgbClr r="0" g="0" b="0"/>
+      </a:lnRef>
+      <a:fillRef idx="3">
+        <a:scrgbClr r="0" g="0" b="0"/>
+      </a:fillRef>
+      <a:effectRef idx="0">
+        <a:scrgbClr r="0" g="0" b="0"/>
+      </a:effectRef>
+      <a:fontRef idx="minor"/>
+    </dgm:style>
+  </dgm:styleLbl>
+  <dgm:styleLbl name="dkBgShp">
+    <dgm:scene3d>
+      <a:camera prst="orthographicFront"/>
+      <a:lightRig rig="threePt" dir="t">
+        <a:rot lat="0" lon="0" rev="7500000"/>
+      </a:lightRig>
+    </dgm:scene3d>
+    <dgm:sp3d prstMaterial="plastic">
+      <a:bevelT w="127000" h="25400" prst="relaxedInset"/>
+      <a:bevelB w="88900" h="121750" prst="angle"/>
+    </dgm:sp3d>
+    <dgm:txPr/>
+    <dgm:style>
+      <a:lnRef idx="0">
+        <a:scrgbClr r="0" g="0" b="0"/>
+      </a:lnRef>
+      <a:fillRef idx="1">
+        <a:scrgbClr r="0" g="0" b="0"/>
+      </a:fillRef>
+      <a:effectRef idx="2">
+        <a:scrgbClr r="0" g="0" b="0"/>
+      </a:effectRef>
+      <a:fontRef idx="minor">
+        <a:schemeClr val="lt1"/>
+      </a:fontRef>
+    </dgm:style>
+  </dgm:styleLbl>
+  <dgm:styleLbl name="trBgShp">
+    <dgm:scene3d>
+      <a:camera prst="orthographicFront"/>
+      <a:lightRig rig="threePt" dir="t"/>
+    </dgm:scene3d>
+    <dgm:sp3d z="-152400" prstMaterial="matte"/>
+    <dgm:txPr/>
+    <dgm:style>
+      <a:lnRef idx="0">
+        <a:scrgbClr r="0" g="0" b="0"/>
+      </a:lnRef>
+      <a:fillRef idx="1">
+        <a:scrgbClr r="0" g="0" b="0"/>
+      </a:fillRef>
+      <a:effectRef idx="0">
+        <a:scrgbClr r="0" g="0" b="0"/>
+      </a:effectRef>
+      <a:fontRef idx="minor"/>
+    </dgm:style>
+  </dgm:styleLbl>
+  <dgm:styleLbl name="fgShp">
+    <dgm:scene3d>
+      <a:camera prst="orthographicFront"/>
+      <a:lightRig rig="threePt" dir="t">
+        <a:rot lat="0" lon="0" rev="7500000"/>
+      </a:lightRig>
+    </dgm:scene3d>
+    <dgm:sp3d z="152400" extrusionH="63500" prstMaterial="matte">
+      <a:bevelT w="50800" h="19050" prst="relaxedInset"/>
+      <a:contourClr>
+        <a:schemeClr val="bg1"/>
+      </a:contourClr>
+    </dgm:sp3d>
+    <dgm:txPr/>
+    <dgm:style>
+      <a:lnRef idx="0">
+        <a:scrgbClr r="0" g="0" b="0"/>
+      </a:lnRef>
+      <a:fillRef idx="1">
+        <a:scrgbClr r="0" g="0" b="0"/>
+      </a:fillRef>
+      <a:effectRef idx="2">
+        <a:scrgbClr r="0" g="0" b="0"/>
+      </a:effectRef>
+      <a:fontRef idx="minor">
+        <a:schemeClr val="lt1"/>
+      </a:fontRef>
+    </dgm:style>
+  </dgm:styleLbl>
+  <dgm:styleLbl name="revTx">
+    <dgm:scene3d>
+      <a:camera prst="orthographicFront"/>
+      <a:lightRig rig="threePt" dir="t"/>
+    </dgm:scene3d>
+    <dgm:sp3d/>
+    <dgm:txPr/>
+    <dgm:style>
+      <a:lnRef idx="0">
+        <a:scrgbClr r="0" g="0" b="0"/>
+      </a:lnRef>
+      <a:fillRef idx="0">
+        <a:scrgbClr r="0" g="0" b="0"/>
+      </a:fillRef>
+      <a:effectRef idx="0">
+        <a:scrgbClr r="0" g="0" b="0"/>
+      </a:effectRef>
+      <a:fontRef idx="minor"/>
+    </dgm:style>
+  </dgm:styleLbl>
+</dgm:styleDef>
+</file>
+
+<file path=ppt/notesMasters/notesMaster1.xml><?xml version="1.0" encoding="utf-8"?>
+<p:notesMaster xmlns:a="http://schemas.openxmlformats.org/drawingml/2006/main" xmlns:r="http://schemas.openxmlformats.org/officeDocument/2006/relationships" xmlns:p="http://schemas.openxmlformats.org/presentationml/2006/main">
+  <p:cSld>
+    <p:bg>
+      <p:bgRef idx="1001">
+        <a:schemeClr val="bg1"/>
+      </p:bgRef>
+    </p:bg>
+    <p:spTree>
+      <p:nvGrpSpPr>
+        <p:cNvPr id="1" name=""/>
+        <p:cNvGrpSpPr/>
+        <p:nvPr/>
+      </p:nvGrpSpPr>
+      <p:grpSpPr>
+        <a:xfrm>
+          <a:off x="0" y="0"/>
+          <a:ext cx="0" cy="0"/>
+          <a:chOff x="0" y="0"/>
+          <a:chExt cx="0" cy="0"/>
+        </a:xfrm>
+      </p:grpSpPr>
+      <p:sp>
+        <p:nvSpPr>
+          <p:cNvPr id="2" name="Espaço Reservado para Cabeçalho 1"/>
+          <p:cNvSpPr>
+            <a:spLocks noGrp="1"/>
+          </p:cNvSpPr>
+          <p:nvPr>
+            <p:ph type="hdr" sz="quarter"/>
+          </p:nvPr>
+        </p:nvSpPr>
+        <p:spPr>
+          <a:xfrm>
+            <a:off x="0" y="0"/>
+            <a:ext cx="2971800" cy="457200"/>
+          </a:xfrm>
+          <a:prstGeom prst="rect">
+            <a:avLst/>
+          </a:prstGeom>
+        </p:spPr>
+        <p:txBody>
+          <a:bodyPr vert="horz" lIns="91440" tIns="45720" rIns="91440" bIns="45720" rtlCol="0"/>
+          <a:lstStyle>
+            <a:lvl1pPr algn="l">
+              <a:defRPr sz="1200"/>
+            </a:lvl1pPr>
+          </a:lstStyle>
+          <a:p>
+            <a:endParaRPr lang="pt-BR"/>
+          </a:p>
+        </p:txBody>
+      </p:sp>
+      <p:sp>
+        <p:nvSpPr>
+          <p:cNvPr id="3" name="Espaço Reservado para Data 2"/>
+          <p:cNvSpPr>
+            <a:spLocks noGrp="1"/>
+          </p:cNvSpPr>
+          <p:nvPr>
+            <p:ph type="dt" idx="1"/>
+          </p:nvPr>
+        </p:nvSpPr>
+        <p:spPr>
+          <a:xfrm>
+            <a:off x="3884613" y="0"/>
+            <a:ext cx="2971800" cy="457200"/>
+          </a:xfrm>
+          <a:prstGeom prst="rect">
+            <a:avLst/>
+          </a:prstGeom>
+        </p:spPr>
+        <p:txBody>
+          <a:bodyPr vert="horz" lIns="91440" tIns="45720" rIns="91440" bIns="45720" rtlCol="0"/>
+          <a:lstStyle>
+            <a:lvl1pPr algn="r">
+              <a:defRPr sz="1200"/>
+            </a:lvl1pPr>
+          </a:lstStyle>
+          <a:p>
+            <a:fld id="{55264E0B-48D8-4403-928E-C7326521DAE7}" type="datetimeFigureOut">
+              <a:rPr lang="pt-BR" smtClean="0"/>
+              <a:t>23/10/2008</a:t>
+            </a:fld>
+            <a:endParaRPr lang="pt-BR"/>
+          </a:p>
+        </p:txBody>
+      </p:sp>
+      <p:sp>
+        <p:nvSpPr>
+          <p:cNvPr id="4" name="Espaço Reservado para Imagem de Slide 3"/>
+          <p:cNvSpPr>
+            <a:spLocks noGrp="1" noRot="1" noChangeAspect="1"/>
+          </p:cNvSpPr>
+          <p:nvPr>
+            <p:ph type="sldImg" idx="2"/>
+          </p:nvPr>
+        </p:nvSpPr>
+        <p:spPr>
+          <a:xfrm>
+            <a:off x="1143000" y="685800"/>
+            <a:ext cx="4572000" cy="3429000"/>
+          </a:xfrm>
+          <a:prstGeom prst="rect">
+            <a:avLst/>
+          </a:prstGeom>
+          <a:noFill/>
+          <a:ln w="12700">
+            <a:solidFill>
+              <a:prstClr val="black"/>
+            </a:solidFill>
+          </a:ln>
+        </p:spPr>
+        <p:txBody>
+          <a:bodyPr vert="horz" lIns="91440" tIns="45720" rIns="91440" bIns="45720" rtlCol="0" anchor="ctr"/>
+          <a:lstStyle/>
+          <a:p>
+            <a:endParaRPr lang="pt-BR"/>
+          </a:p>
+        </p:txBody>
+      </p:sp>
+      <p:sp>
+        <p:nvSpPr>
+          <p:cNvPr id="5" name="Espaço Reservado para Anotações 4"/>
+          <p:cNvSpPr>
+            <a:spLocks noGrp="1"/>
+          </p:cNvSpPr>
+          <p:nvPr>
+            <p:ph type="body" sz="quarter" idx="3"/>
+          </p:nvPr>
+        </p:nvSpPr>
+        <p:spPr>
+          <a:xfrm>
+            <a:off x="685800" y="4343400"/>
+            <a:ext cx="5486400" cy="4114800"/>
+          </a:xfrm>
+          <a:prstGeom prst="rect">
+            <a:avLst/>
+          </a:prstGeom>
+        </p:spPr>
+        <p:txBody>
+          <a:bodyPr vert="horz" lIns="91440" tIns="45720" rIns="91440" bIns="45720" rtlCol="0">
+            <a:normAutofit/>
+          </a:bodyPr>
+          <a:lstStyle/>
+          <a:p>
+            <a:pPr lvl="0"/>
+            <a:r>
+              <a:rPr lang="pt-BR" smtClean="0"/>
+              <a:t>Clique para editar os estilos do texto mestre</a:t>
+            </a:r>
+          </a:p>
+          <a:p>
+            <a:pPr lvl="1"/>
+            <a:r>
+              <a:rPr lang="pt-BR" smtClean="0"/>
+              <a:t>Segundo nível</a:t>
+            </a:r>
+          </a:p>
+          <a:p>
+            <a:pPr lvl="2"/>
+            <a:r>
+              <a:rPr lang="pt-BR" smtClean="0"/>
+              <a:t>Terceiro nível</a:t>
+            </a:r>
+          </a:p>
+          <a:p>
+            <a:pPr lvl="3"/>
+            <a:r>
+              <a:rPr lang="pt-BR" smtClean="0"/>
+              <a:t>Quarto nível</a:t>
+            </a:r>
+          </a:p>
+          <a:p>
+            <a:pPr lvl="4"/>
+            <a:r>
+              <a:rPr lang="pt-BR" smtClean="0"/>
+              <a:t>Quinto nível</a:t>
+            </a:r>
+            <a:endParaRPr lang="pt-BR"/>
+          </a:p>
+        </p:txBody>
+      </p:sp>
+      <p:sp>
+        <p:nvSpPr>
+          <p:cNvPr id="6" name="Espaço Reservado para Rodapé 5"/>
+          <p:cNvSpPr>
+            <a:spLocks noGrp="1"/>
+          </p:cNvSpPr>
+          <p:nvPr>
+            <p:ph type="ftr" sz="quarter" idx="4"/>
+          </p:nvPr>
+        </p:nvSpPr>
+        <p:spPr>
+          <a:xfrm>
+            <a:off x="0" y="8685213"/>
+            <a:ext cx="2971800" cy="457200"/>
+          </a:xfrm>
+          <a:prstGeom prst="rect">
+            <a:avLst/>
+          </a:prstGeom>
+        </p:spPr>
+        <p:txBody>
+          <a:bodyPr vert="horz" lIns="91440" tIns="45720" rIns="91440" bIns="45720" rtlCol="0" anchor="b"/>
+          <a:lstStyle>
+            <a:lvl1pPr algn="l">
+              <a:defRPr sz="1200"/>
+            </a:lvl1pPr>
+          </a:lstStyle>
+          <a:p>
+            <a:endParaRPr lang="pt-BR"/>
+          </a:p>
+        </p:txBody>
+      </p:sp>
+      <p:sp>
+        <p:nvSpPr>
+          <p:cNvPr id="7" name="Espaço Reservado para Número de Slide 6"/>
+          <p:cNvSpPr>
+            <a:spLocks noGrp="1"/>
+          </p:cNvSpPr>
+          <p:nvPr>
+            <p:ph type="sldNum" sz="quarter" idx="5"/>
+          </p:nvPr>
+        </p:nvSpPr>
+        <p:spPr>
+          <a:xfrm>
+            <a:off x="3884613" y="8685213"/>
+            <a:ext cx="2971800" cy="457200"/>
+          </a:xfrm>
+          <a:prstGeom prst="rect">
+            <a:avLst/>
+          </a:prstGeom>
+        </p:spPr>
+        <p:txBody>
+          <a:bodyPr vert="horz" lIns="91440" tIns="45720" rIns="91440" bIns="45720" rtlCol="0" anchor="b"/>
+          <a:lstStyle>
+            <a:lvl1pPr algn="r">
+              <a:defRPr sz="1200"/>
+            </a:lvl1pPr>
+          </a:lstStyle>
+          <a:p>
+            <a:fld id="{013577B0-C118-42AF-A3EA-95046379E669}" type="slidenum">
+              <a:rPr lang="pt-BR" smtClean="0"/>
+              <a:t>‹nº›</a:t>
+            </a:fld>
+            <a:endParaRPr lang="pt-BR"/>
+          </a:p>
+        </p:txBody>
+      </p:sp>
+    </p:spTree>
+  </p:cSld>
+  <p:clrMap bg1="lt1" tx1="dk1" bg2="lt2" tx2="dk2" accent1="accent1" accent2="accent2" accent3="accent3" accent4="accent4" accent5="accent5" accent6="accent6" hlink="hlink" folHlink="folHlink"/>
+  <p:notesStyle>
+    <a:lvl1pPr marL="0" algn="l" defTabSz="914400" rtl="0" eaLnBrk="1" latinLnBrk="0" hangingPunct="1">
+      <a:defRPr sz="1200" kern="1200">
+        <a:solidFill>
+          <a:schemeClr val="tx1"/>
+        </a:solidFill>
+        <a:latin typeface="+mn-lt"/>
+        <a:ea typeface="+mn-ea"/>
+        <a:cs typeface="+mn-cs"/>
+      </a:defRPr>
+    </a:lvl1pPr>
+    <a:lvl2pPr marL="457200" algn="l" defTabSz="914400" rtl="0" eaLnBrk="1" latinLnBrk="0" hangingPunct="1">
+      <a:defRPr sz="1200" kern="1200">
+        <a:solidFill>
+          <a:schemeClr val="tx1"/>
+        </a:solidFill>
+        <a:latin typeface="+mn-lt"/>
+        <a:ea typeface="+mn-ea"/>
+        <a:cs typeface="+mn-cs"/>
+      </a:defRPr>
+    </a:lvl2pPr>
+    <a:lvl3pPr marL="914400" algn="l" defTabSz="914400" rtl="0" eaLnBrk="1" latinLnBrk="0" hangingPunct="1">
+      <a:defRPr sz="1200" kern="1200">
+        <a:solidFill>
+          <a:schemeClr val="tx1"/>
+        </a:solidFill>
+        <a:latin typeface="+mn-lt"/>
+        <a:ea typeface="+mn-ea"/>
+        <a:cs typeface="+mn-cs"/>
+      </a:defRPr>
+    </a:lvl3pPr>
+    <a:lvl4pPr marL="1371600" algn="l" defTabSz="914400" rtl="0" eaLnBrk="1" latinLnBrk="0" hangingPunct="1">
+      <a:defRPr sz="1200" kern="1200">
+        <a:solidFill>
+          <a:schemeClr val="tx1"/>
+        </a:solidFill>
+        <a:latin typeface="+mn-lt"/>
+        <a:ea typeface="+mn-ea"/>
+        <a:cs typeface="+mn-cs"/>
+      </a:defRPr>
+    </a:lvl4pPr>
+    <a:lvl5pPr marL="1828800" algn="l" defTabSz="914400" rtl="0" eaLnBrk="1" latinLnBrk="0" hangingPunct="1">
+      <a:defRPr sz="1200" kern="1200">
+        <a:solidFill>
+          <a:schemeClr val="tx1"/>
+        </a:solidFill>
+        <a:latin typeface="+mn-lt"/>
+        <a:ea typeface="+mn-ea"/>
+        <a:cs typeface="+mn-cs"/>
+      </a:defRPr>
+    </a:lvl5pPr>
+    <a:lvl6pPr marL="2286000" algn="l" defTabSz="914400" rtl="0" eaLnBrk="1" latinLnBrk="0" hangingPunct="1">
+      <a:defRPr sz="1200" kern="1200">
+        <a:solidFill>
+          <a:schemeClr val="tx1"/>
+        </a:solidFill>
+        <a:latin typeface="+mn-lt"/>
+        <a:ea typeface="+mn-ea"/>
+        <a:cs typeface="+mn-cs"/>
+      </a:defRPr>
+    </a:lvl6pPr>
+    <a:lvl7pPr marL="2743200" algn="l" defTabSz="914400" rtl="0" eaLnBrk="1" latinLnBrk="0" hangingPunct="1">
+      <a:defRPr sz="1200" kern="1200">
+        <a:solidFill>
+          <a:schemeClr val="tx1"/>
+        </a:solidFill>
+        <a:latin typeface="+mn-lt"/>
+        <a:ea typeface="+mn-ea"/>
+        <a:cs typeface="+mn-cs"/>
+      </a:defRPr>
+    </a:lvl7pPr>
+    <a:lvl8pPr marL="3200400" algn="l" defTabSz="914400" rtl="0" eaLnBrk="1" latinLnBrk="0" hangingPunct="1">
+      <a:defRPr sz="1200" kern="1200">
+        <a:solidFill>
+          <a:schemeClr val="tx1"/>
+        </a:solidFill>
+        <a:latin typeface="+mn-lt"/>
+        <a:ea typeface="+mn-ea"/>
+        <a:cs typeface="+mn-cs"/>
+      </a:defRPr>
+    </a:lvl8pPr>
+    <a:lvl9pPr marL="3657600" algn="l" defTabSz="914400" rtl="0" eaLnBrk="1" latinLnBrk="0" hangingPunct="1">
+      <a:defRPr sz="1200" kern="1200">
+        <a:solidFill>
+          <a:schemeClr val="tx1"/>
+        </a:solidFill>
+        <a:latin typeface="+mn-lt"/>
+        <a:ea typeface="+mn-ea"/>
+        <a:cs typeface="+mn-cs"/>
+      </a:defRPr>
+    </a:lvl9pPr>
+  </p:notesStyle>
+</p:notesMaster>
+</file>
+
+<file path=ppt/notesSlides/notesSlide1.xml><?xml version="1.0" encoding="utf-8"?>
+<p:notes xmlns:a="http://schemas.openxmlformats.org/drawingml/2006/main" xmlns:r="http://schemas.openxmlformats.org/officeDocument/2006/relationships" xmlns:p="http://schemas.openxmlformats.org/presentationml/2006/main">
+  <p:cSld>
+    <p:spTree>
+      <p:nvGrpSpPr>
+        <p:cNvPr id="1" name=""/>
+        <p:cNvGrpSpPr/>
+        <p:nvPr/>
+      </p:nvGrpSpPr>
+      <p:grpSpPr>
+        <a:xfrm>
+          <a:off x="0" y="0"/>
+          <a:ext cx="0" cy="0"/>
+          <a:chOff x="0" y="0"/>
+          <a:chExt cx="0" cy="0"/>
+        </a:xfrm>
+      </p:grpSpPr>
+      <p:sp>
+        <p:nvSpPr>
+          <p:cNvPr id="2" name="Espaço Reservado para Imagem de Slide 1"/>
+          <p:cNvSpPr>
+            <a:spLocks noGrp="1" noRot="1" noChangeAspect="1"/>
+          </p:cNvSpPr>
+          <p:nvPr>
+            <p:ph type="sldImg"/>
+          </p:nvPr>
+        </p:nvSpPr>
+        <p:spPr/>
+      </p:sp>
+      <p:sp>
+        <p:nvSpPr>
+          <p:cNvPr id="3" name="Espaço Reservado para Anotações 2"/>
+          <p:cNvSpPr>
+            <a:spLocks noGrp="1"/>
+          </p:cNvSpPr>
+          <p:nvPr>
+            <p:ph type="body" idx="1"/>
+          </p:nvPr>
+        </p:nvSpPr>
+        <p:spPr/>
+        <p:txBody>
+          <a:bodyPr>
+            <a:normAutofit/>
+          </a:bodyPr>
+          <a:lstStyle/>
+          <a:p>
+            <a:endParaRPr lang="pt-BR" dirty="0"/>
+          </a:p>
+        </p:txBody>
+      </p:sp>
+      <p:sp>
+        <p:nvSpPr>
+          <p:cNvPr id="4" name="Espaço Reservado para Número de Slide 3"/>
+          <p:cNvSpPr>
+            <a:spLocks noGrp="1"/>
+          </p:cNvSpPr>
+          <p:nvPr>
+            <p:ph type="sldNum" sz="quarter" idx="10"/>
+          </p:nvPr>
+        </p:nvSpPr>
+        <p:spPr/>
+        <p:txBody>
+          <a:bodyPr/>
+          <a:lstStyle/>
+          <a:p>
+            <a:fld id="{013577B0-C118-42AF-A3EA-95046379E669}" type="slidenum">
+              <a:rPr lang="pt-BR" smtClean="0"/>
+              <a:t>1</a:t>
+            </a:fld>
+            <a:endParaRPr lang="pt-BR"/>
+          </a:p>
+        </p:txBody>
+      </p:sp>
+    </p:spTree>
+  </p:cSld>
+  <p:clrMapOvr>
+    <a:masterClrMapping/>
+  </p:clrMapOvr>
+</p:notes>
 </file>
 
 <file path=ppt/slideLayouts/slideLayout1.xml><?xml version="1.0" encoding="utf-8"?>
@@ -23296,7 +26976,8 @@
           <a:p>
             <a:fld id="{4BE2003D-53D3-4187-A83F-C8CB924D4CBF}" type="datetimeFigureOut">
               <a:rPr lang="pt-BR" smtClean="0"/>
-              <a:t>22/10/2008</a:t>
+              <a:pPr/>
+              <a:t>23/10/2008</a:t>
             </a:fld>
             <a:endParaRPr lang="pt-BR" dirty="0"/>
           </a:p>
@@ -23338,6 +27019,7 @@
           <a:p>
             <a:fld id="{D74F951A-82DA-4748-B955-592992A29E0C}" type="slidenum">
               <a:rPr lang="pt-BR" smtClean="0"/>
+              <a:pPr/>
               <a:t>‹nº›</a:t>
             </a:fld>
             <a:endParaRPr lang="pt-BR" dirty="0"/>
@@ -23461,7 +27143,8 @@
           <a:p>
             <a:fld id="{4BE2003D-53D3-4187-A83F-C8CB924D4CBF}" type="datetimeFigureOut">
               <a:rPr lang="pt-BR" smtClean="0"/>
-              <a:t>22/10/2008</a:t>
+              <a:pPr/>
+              <a:t>23/10/2008</a:t>
             </a:fld>
             <a:endParaRPr lang="pt-BR" dirty="0"/>
           </a:p>
@@ -23503,6 +27186,7 @@
           <a:p>
             <a:fld id="{D74F951A-82DA-4748-B955-592992A29E0C}" type="slidenum">
               <a:rPr lang="pt-BR" smtClean="0"/>
+              <a:pPr/>
               <a:t>‹nº›</a:t>
             </a:fld>
             <a:endParaRPr lang="pt-BR" dirty="0"/>
@@ -23636,7 +27320,8 @@
           <a:p>
             <a:fld id="{4BE2003D-53D3-4187-A83F-C8CB924D4CBF}" type="datetimeFigureOut">
               <a:rPr lang="pt-BR" smtClean="0"/>
-              <a:t>22/10/2008</a:t>
+              <a:pPr/>
+              <a:t>23/10/2008</a:t>
             </a:fld>
             <a:endParaRPr lang="pt-BR" dirty="0"/>
           </a:p>
@@ -23678,6 +27363,7 @@
           <a:p>
             <a:fld id="{D74F951A-82DA-4748-B955-592992A29E0C}" type="slidenum">
               <a:rPr lang="pt-BR" smtClean="0"/>
+              <a:pPr/>
               <a:t>‹nº›</a:t>
             </a:fld>
             <a:endParaRPr lang="pt-BR" dirty="0"/>
@@ -23801,7 +27487,8 @@
           <a:p>
             <a:fld id="{4BE2003D-53D3-4187-A83F-C8CB924D4CBF}" type="datetimeFigureOut">
               <a:rPr lang="pt-BR" smtClean="0"/>
-              <a:t>22/10/2008</a:t>
+              <a:pPr/>
+              <a:t>23/10/2008</a:t>
             </a:fld>
             <a:endParaRPr lang="pt-BR" dirty="0"/>
           </a:p>
@@ -23843,6 +27530,7 @@
           <a:p>
             <a:fld id="{D74F951A-82DA-4748-B955-592992A29E0C}" type="slidenum">
               <a:rPr lang="pt-BR" smtClean="0"/>
+              <a:pPr/>
               <a:t>‹nº›</a:t>
             </a:fld>
             <a:endParaRPr lang="pt-BR" dirty="0"/>
@@ -24043,7 +27731,8 @@
           <a:p>
             <a:fld id="{4BE2003D-53D3-4187-A83F-C8CB924D4CBF}" type="datetimeFigureOut">
               <a:rPr lang="pt-BR" smtClean="0"/>
-              <a:t>22/10/2008</a:t>
+              <a:pPr/>
+              <a:t>23/10/2008</a:t>
             </a:fld>
             <a:endParaRPr lang="pt-BR" dirty="0"/>
           </a:p>
@@ -24085,6 +27774,7 @@
           <a:p>
             <a:fld id="{D74F951A-82DA-4748-B955-592992A29E0C}" type="slidenum">
               <a:rPr lang="pt-BR" smtClean="0"/>
+              <a:pPr/>
               <a:t>‹nº›</a:t>
             </a:fld>
             <a:endParaRPr lang="pt-BR" dirty="0"/>
@@ -24307,7 +27997,8 @@
           <a:p>
             <a:fld id="{4BE2003D-53D3-4187-A83F-C8CB924D4CBF}" type="datetimeFigureOut">
               <a:rPr lang="pt-BR" smtClean="0"/>
-              <a:t>22/10/2008</a:t>
+              <a:pPr/>
+              <a:t>23/10/2008</a:t>
             </a:fld>
             <a:endParaRPr lang="pt-BR" dirty="0"/>
           </a:p>
@@ -24349,6 +28040,7 @@
           <a:p>
             <a:fld id="{D74F951A-82DA-4748-B955-592992A29E0C}" type="slidenum">
               <a:rPr lang="pt-BR" smtClean="0"/>
+              <a:pPr/>
               <a:t>‹nº›</a:t>
             </a:fld>
             <a:endParaRPr lang="pt-BR" dirty="0"/>
@@ -24685,7 +28377,8 @@
           <a:p>
             <a:fld id="{4BE2003D-53D3-4187-A83F-C8CB924D4CBF}" type="datetimeFigureOut">
               <a:rPr lang="pt-BR" smtClean="0"/>
-              <a:t>22/10/2008</a:t>
+              <a:pPr/>
+              <a:t>23/10/2008</a:t>
             </a:fld>
             <a:endParaRPr lang="pt-BR" dirty="0"/>
           </a:p>
@@ -24727,6 +28420,7 @@
           <a:p>
             <a:fld id="{D74F951A-82DA-4748-B955-592992A29E0C}" type="slidenum">
               <a:rPr lang="pt-BR" smtClean="0"/>
+              <a:pPr/>
               <a:t>‹nº›</a:t>
             </a:fld>
             <a:endParaRPr lang="pt-BR" dirty="0"/>
@@ -24835,7 +28529,8 @@
           <a:p>
             <a:fld id="{4BE2003D-53D3-4187-A83F-C8CB924D4CBF}" type="datetimeFigureOut">
               <a:rPr lang="pt-BR" smtClean="0"/>
-              <a:t>22/10/2008</a:t>
+              <a:pPr/>
+              <a:t>23/10/2008</a:t>
             </a:fld>
             <a:endParaRPr lang="pt-BR" dirty="0"/>
           </a:p>
@@ -24877,6 +28572,7 @@
           <a:p>
             <a:fld id="{D74F951A-82DA-4748-B955-592992A29E0C}" type="slidenum">
               <a:rPr lang="pt-BR" smtClean="0"/>
+              <a:pPr/>
               <a:t>‹nº›</a:t>
             </a:fld>
             <a:endParaRPr lang="pt-BR" dirty="0"/>
@@ -24925,7 +28621,8 @@
           <a:p>
             <a:fld id="{4BE2003D-53D3-4187-A83F-C8CB924D4CBF}" type="datetimeFigureOut">
               <a:rPr lang="pt-BR" smtClean="0"/>
-              <a:t>22/10/2008</a:t>
+              <a:pPr/>
+              <a:t>23/10/2008</a:t>
             </a:fld>
             <a:endParaRPr lang="pt-BR" dirty="0"/>
           </a:p>
@@ -24967,6 +28664,7 @@
           <a:p>
             <a:fld id="{D74F951A-82DA-4748-B955-592992A29E0C}" type="slidenum">
               <a:rPr lang="pt-BR" smtClean="0"/>
+              <a:pPr/>
               <a:t>‹nº›</a:t>
             </a:fld>
             <a:endParaRPr lang="pt-BR" dirty="0"/>
@@ -25186,7 +28884,8 @@
           <a:p>
             <a:fld id="{4BE2003D-53D3-4187-A83F-C8CB924D4CBF}" type="datetimeFigureOut">
               <a:rPr lang="pt-BR" smtClean="0"/>
-              <a:t>22/10/2008</a:t>
+              <a:pPr/>
+              <a:t>23/10/2008</a:t>
             </a:fld>
             <a:endParaRPr lang="pt-BR" dirty="0"/>
           </a:p>
@@ -25228,6 +28927,7 @@
           <a:p>
             <a:fld id="{D74F951A-82DA-4748-B955-592992A29E0C}" type="slidenum">
               <a:rPr lang="pt-BR" smtClean="0"/>
+              <a:pPr/>
               <a:t>‹nº›</a:t>
             </a:fld>
             <a:endParaRPr lang="pt-BR" dirty="0"/>
@@ -25474,7 +29174,8 @@
           <a:p>
             <a:fld id="{4BE2003D-53D3-4187-A83F-C8CB924D4CBF}" type="datetimeFigureOut">
               <a:rPr lang="pt-BR" smtClean="0"/>
-              <a:t>22/10/2008</a:t>
+              <a:pPr/>
+              <a:t>23/10/2008</a:t>
             </a:fld>
             <a:endParaRPr lang="pt-BR" dirty="0"/>
           </a:p>
@@ -25521,6 +29222,7 @@
           <a:p>
             <a:fld id="{D74F951A-82DA-4748-B955-592992A29E0C}" type="slidenum">
               <a:rPr lang="pt-BR" smtClean="0"/>
+              <a:pPr/>
               <a:t>‹nº›</a:t>
             </a:fld>
             <a:endParaRPr lang="pt-BR" dirty="0"/>
@@ -26245,7 +29947,8 @@
           <a:p>
             <a:fld id="{4BE2003D-53D3-4187-A83F-C8CB924D4CBF}" type="datetimeFigureOut">
               <a:rPr lang="pt-BR" smtClean="0"/>
-              <a:t>22/10/2008</a:t>
+              <a:pPr/>
+              <a:t>23/10/2008</a:t>
             </a:fld>
             <a:endParaRPr lang="pt-BR" dirty="0"/>
           </a:p>
@@ -26323,6 +30026,7 @@
           <a:p>
             <a:fld id="{D74F951A-82DA-4748-B955-592992A29E0C}" type="slidenum">
               <a:rPr lang="pt-BR" smtClean="0"/>
+              <a:pPr/>
               <a:t>‹nº›</a:t>
             </a:fld>
             <a:endParaRPr lang="pt-BR" dirty="0"/>
@@ -27075,7 +30779,7 @@
         </p:xfrm>
         <a:graphic>
           <a:graphicData uri="http://schemas.openxmlformats.org/drawingml/2006/diagram">
-            <dgm:relIds xmlns:dgm="http://schemas.openxmlformats.org/drawingml/2006/diagram" xmlns:r="http://schemas.openxmlformats.org/officeDocument/2006/relationships" r:dm="rId2" r:lo="rId3" r:qs="rId4" r:cs="rId5"/>
+            <dgm:relIds xmlns:dgm="http://schemas.openxmlformats.org/drawingml/2006/diagram" xmlns:r="http://schemas.openxmlformats.org/officeDocument/2006/relationships" r:dm="rId3" r:lo="rId4" r:qs="rId5" r:cs="rId6"/>
           </a:graphicData>
         </a:graphic>
       </p:graphicFrame>
@@ -28323,7 +32027,7 @@
         <p:spPr>
           <a:xfrm>
             <a:off x="428596" y="1571612"/>
-            <a:ext cx="3380029" cy="584775"/>
+            <a:ext cx="5101012" cy="584775"/>
           </a:xfrm>
           <a:prstGeom prst="rect">
             <a:avLst/>
@@ -28375,19 +32079,6 @@
           <a:p>
             <a:pPr algn="ctr"/>
             <a:r>
-              <a:rPr lang="pt-BR" sz="3200" b="1" cap="all" spc="0" dirty="0" err="1" smtClean="0">
-                <a:ln w="0"/>
-                <a:solidFill>
-                  <a:srgbClr val="90F319"/>
-                </a:solidFill>
-                <a:effectLst>
-                  <a:reflection blurRad="12700" stA="50000" endPos="50000" dist="5000" dir="5400000" sy="-100000" rotWithShape="0"/>
-                </a:effectLst>
-                <a:latin typeface="+mj-lt"/>
-              </a:rPr>
-              <a:t>Knowledge</a:t>
-            </a:r>
-            <a:r>
               <a:rPr lang="pt-BR" sz="3200" b="1" cap="all" spc="0" dirty="0" smtClean="0">
                 <a:ln w="0"/>
                 <a:solidFill>
@@ -28398,7 +32089,7 @@
                 </a:effectLst>
                 <a:latin typeface="+mj-lt"/>
               </a:rPr>
-              <a:t> Base</a:t>
+              <a:t>Tecnologias Empregadas</a:t>
             </a:r>
             <a:endParaRPr lang="pt-BR" sz="3200" b="1" cap="all" spc="0" dirty="0">
               <a:ln w="0"/>
@@ -28429,6 +32120,335 @@
 </file>
 
 <file path=ppt/slides/slide6.xml><?xml version="1.0" encoding="utf-8"?>
+<p:sld xmlns:a="http://schemas.openxmlformats.org/drawingml/2006/main" xmlns:r="http://schemas.openxmlformats.org/officeDocument/2006/relationships" xmlns:p="http://schemas.openxmlformats.org/presentationml/2006/main">
+  <p:cSld>
+    <p:spTree>
+      <p:nvGrpSpPr>
+        <p:cNvPr id="1" name=""/>
+        <p:cNvGrpSpPr/>
+        <p:nvPr/>
+      </p:nvGrpSpPr>
+      <p:grpSpPr>
+        <a:xfrm>
+          <a:off x="0" y="0"/>
+          <a:ext cx="0" cy="0"/>
+          <a:chOff x="0" y="0"/>
+          <a:chExt cx="0" cy="0"/>
+        </a:xfrm>
+      </p:grpSpPr>
+      <p:graphicFrame>
+        <p:nvGraphicFramePr>
+          <p:cNvPr id="8" name="Diagrama 7"/>
+          <p:cNvGraphicFramePr/>
+          <p:nvPr/>
+        </p:nvGraphicFramePr>
+        <p:xfrm>
+          <a:off x="285720" y="2143116"/>
+          <a:ext cx="8572560" cy="4500594"/>
+        </p:xfrm>
+        <a:graphic>
+          <a:graphicData uri="http://schemas.openxmlformats.org/drawingml/2006/diagram">
+            <dgm:relIds xmlns:dgm="http://schemas.openxmlformats.org/drawingml/2006/diagram" xmlns:r="http://schemas.openxmlformats.org/officeDocument/2006/relationships" r:dm="rId2" r:lo="rId3" r:qs="rId4" r:cs="rId5"/>
+          </a:graphicData>
+        </a:graphic>
+      </p:graphicFrame>
+      <p:grpSp>
+        <p:nvGrpSpPr>
+          <p:cNvPr id="2" name="Grupo 8"/>
+          <p:cNvGrpSpPr/>
+          <p:nvPr/>
+        </p:nvGrpSpPr>
+        <p:grpSpPr>
+          <a:xfrm>
+            <a:off x="500034" y="357166"/>
+            <a:ext cx="8215370" cy="923330"/>
+            <a:chOff x="500034" y="357166"/>
+            <a:chExt cx="8215370" cy="923330"/>
+          </a:xfrm>
+        </p:grpSpPr>
+        <p:sp>
+          <p:nvSpPr>
+            <p:cNvPr id="4" name="Retângulo 3"/>
+            <p:cNvSpPr/>
+            <p:nvPr/>
+          </p:nvSpPr>
+          <p:spPr>
+            <a:xfrm>
+              <a:off x="500034" y="357166"/>
+              <a:ext cx="2211439" cy="923330"/>
+            </a:xfrm>
+            <a:prstGeom prst="rect">
+              <a:avLst/>
+            </a:prstGeom>
+            <a:noFill/>
+            <a:ln>
+              <a:noFill/>
+            </a:ln>
+            <a:effectLst>
+              <a:outerShdw blurRad="44450" dist="27940" dir="5400000" algn="ctr">
+                <a:srgbClr val="000000">
+                  <a:alpha val="32000"/>
+                </a:srgbClr>
+              </a:outerShdw>
+            </a:effectLst>
+            <a:scene3d>
+              <a:camera prst="orthographicFront">
+                <a:rot lat="0" lon="0" rev="0"/>
+              </a:camera>
+              <a:lightRig rig="balanced" dir="t">
+                <a:rot lat="0" lon="0" rev="8700000"/>
+              </a:lightRig>
+            </a:scene3d>
+            <a:sp3d>
+              <a:bevelT w="190500" h="38100"/>
+            </a:sp3d>
+          </p:spPr>
+          <p:txBody>
+            <a:bodyPr wrap="none" lIns="91440" tIns="45720" rIns="91440" bIns="45720">
+              <a:spAutoFit/>
+              <a:scene3d>
+                <a:camera prst="orthographicFront">
+                  <a:rot lat="0" lon="0" rev="0"/>
+                </a:camera>
+                <a:lightRig rig="contrasting" dir="t">
+                  <a:rot lat="0" lon="0" rev="4500000"/>
+                </a:lightRig>
+              </a:scene3d>
+              <a:sp3d contourW="6350" prstMaterial="metal">
+                <a:bevelT w="127000" h="31750" prst="relaxedInset"/>
+                <a:contourClr>
+                  <a:schemeClr val="accent1">
+                    <a:shade val="75000"/>
+                  </a:schemeClr>
+                </a:contourClr>
+              </a:sp3d>
+            </a:bodyPr>
+            <a:lstStyle/>
+            <a:p>
+              <a:pPr algn="ctr"/>
+              <a:r>
+                <a:rPr lang="pt-BR" sz="5400" b="1" cap="all" spc="0" dirty="0" err="1" smtClean="0">
+                  <a:ln w="0"/>
+                  <a:solidFill>
+                    <a:srgbClr val="90F319"/>
+                  </a:solidFill>
+                  <a:effectLst>
+                    <a:reflection blurRad="12700" stA="50000" endPos="50000" dist="5000" dir="5400000" sy="-100000" rotWithShape="0"/>
+                  </a:effectLst>
+                </a:rPr>
+                <a:t>Bpad</a:t>
+              </a:r>
+              <a:r>
+                <a:rPr lang="pt-BR" sz="5400" b="1" cap="all" spc="0" dirty="0" smtClean="0">
+                  <a:ln w="0"/>
+                  <a:solidFill>
+                    <a:srgbClr val="90F319"/>
+                  </a:solidFill>
+                  <a:effectLst>
+                    <a:reflection blurRad="12700" stA="50000" endPos="50000" dist="5000" dir="5400000" sy="-100000" rotWithShape="0"/>
+                  </a:effectLst>
+                </a:rPr>
+                <a:t> </a:t>
+              </a:r>
+              <a:endParaRPr lang="pt-BR" sz="5400" b="1" cap="all" spc="0" dirty="0">
+                <a:ln w="0"/>
+                <a:solidFill>
+                  <a:srgbClr val="90F319"/>
+                </a:solidFill>
+                <a:effectLst>
+                  <a:reflection blurRad="12700" stA="50000" endPos="50000" dist="5000" dir="5400000" sy="-100000" rotWithShape="0"/>
+                </a:effectLst>
+              </a:endParaRPr>
+            </a:p>
+          </p:txBody>
+        </p:sp>
+        <p:sp>
+          <p:nvSpPr>
+            <p:cNvPr id="5" name="Retângulo 4"/>
+            <p:cNvSpPr/>
+            <p:nvPr/>
+          </p:nvSpPr>
+          <p:spPr>
+            <a:xfrm>
+              <a:off x="2500298" y="716443"/>
+              <a:ext cx="6215106" cy="400110"/>
+            </a:xfrm>
+            <a:prstGeom prst="rect">
+              <a:avLst/>
+            </a:prstGeom>
+            <a:noFill/>
+            <a:ln>
+              <a:noFill/>
+            </a:ln>
+            <a:effectLst>
+              <a:outerShdw blurRad="44450" dist="27940" dir="5400000" algn="ctr">
+                <a:srgbClr val="000000">
+                  <a:alpha val="32000"/>
+                </a:srgbClr>
+              </a:outerShdw>
+              <a:reflection blurRad="6350" stA="50000" endA="300" endPos="55000" dir="5400000" sy="-100000" algn="bl" rotWithShape="0"/>
+            </a:effectLst>
+            <a:scene3d>
+              <a:camera prst="orthographicFront">
+                <a:rot lat="0" lon="0" rev="0"/>
+              </a:camera>
+              <a:lightRig rig="balanced" dir="t">
+                <a:rot lat="0" lon="0" rev="8700000"/>
+              </a:lightRig>
+            </a:scene3d>
+            <a:sp3d>
+              <a:bevelT w="190500" h="38100"/>
+            </a:sp3d>
+          </p:spPr>
+          <p:txBody>
+            <a:bodyPr wrap="square" lIns="91440" tIns="45720" rIns="91440" bIns="45720">
+              <a:spAutoFit/>
+              <a:scene3d>
+                <a:camera prst="orthographicFront">
+                  <a:rot lat="0" lon="0" rev="0"/>
+                </a:camera>
+                <a:lightRig rig="contrasting" dir="t">
+                  <a:rot lat="0" lon="0" rev="4500000"/>
+                </a:lightRig>
+              </a:scene3d>
+              <a:sp3d contourW="6350" prstMaterial="metal">
+                <a:bevelT w="127000" h="31750" prst="relaxedInset"/>
+                <a:contourClr>
+                  <a:schemeClr val="accent1">
+                    <a:shade val="75000"/>
+                  </a:schemeClr>
+                </a:contourClr>
+              </a:sp3d>
+            </a:bodyPr>
+            <a:lstStyle/>
+            <a:p>
+              <a:r>
+                <a:rPr lang="pt-BR" sz="2000" b="1" cap="all" spc="0" dirty="0" smtClean="0">
+                  <a:ln w="0"/>
+                  <a:solidFill>
+                    <a:srgbClr val="90F319"/>
+                  </a:solidFill>
+                  <a:effectLst>
+                    <a:reflection blurRad="12700" stA="50000" endPos="50000" dist="5000" dir="5400000" sy="-100000" rotWithShape="0"/>
+                  </a:effectLst>
+                </a:rPr>
+                <a:t>Boletim de produção Ambulatorial</a:t>
+              </a:r>
+              <a:endParaRPr lang="pt-BR" sz="2000" b="1" cap="all" spc="0" dirty="0">
+                <a:ln w="0"/>
+                <a:solidFill>
+                  <a:srgbClr val="90F319"/>
+                </a:solidFill>
+                <a:effectLst>
+                  <a:reflection blurRad="12700" stA="50000" endPos="50000" dist="5000" dir="5400000" sy="-100000" rotWithShape="0"/>
+                </a:effectLst>
+              </a:endParaRPr>
+            </a:p>
+          </p:txBody>
+        </p:sp>
+      </p:grpSp>
+      <p:sp>
+        <p:nvSpPr>
+          <p:cNvPr id="6" name="Retângulo 5"/>
+          <p:cNvSpPr/>
+          <p:nvPr/>
+        </p:nvSpPr>
+        <p:spPr>
+          <a:xfrm>
+            <a:off x="428596" y="1571612"/>
+            <a:ext cx="5355312" cy="584775"/>
+          </a:xfrm>
+          <a:prstGeom prst="rect">
+            <a:avLst/>
+          </a:prstGeom>
+          <a:noFill/>
+          <a:ln>
+            <a:noFill/>
+          </a:ln>
+          <a:effectLst>
+            <a:outerShdw blurRad="44450" dist="27940" dir="5400000" algn="ctr">
+              <a:srgbClr val="000000">
+                <a:alpha val="32000"/>
+              </a:srgbClr>
+            </a:outerShdw>
+          </a:effectLst>
+          <a:scene3d>
+            <a:camera prst="orthographicFront">
+              <a:rot lat="0" lon="0" rev="0"/>
+            </a:camera>
+            <a:lightRig rig="balanced" dir="t">
+              <a:rot lat="0" lon="0" rev="8700000"/>
+            </a:lightRig>
+          </a:scene3d>
+          <a:sp3d>
+            <a:bevelT w="190500" h="38100"/>
+          </a:sp3d>
+        </p:spPr>
+        <p:txBody>
+          <a:bodyPr wrap="none" lIns="91440" tIns="45720" rIns="91440" bIns="45720">
+            <a:spAutoFit/>
+            <a:scene3d>
+              <a:camera prst="orthographicFront">
+                <a:rot lat="0" lon="0" rev="0"/>
+              </a:camera>
+              <a:lightRig rig="contrasting" dir="t">
+                <a:rot lat="0" lon="0" rev="4500000"/>
+              </a:lightRig>
+            </a:scene3d>
+            <a:sp3d contourW="6350" prstMaterial="metal">
+              <a:bevelT w="127000" h="31750" prst="relaxedInset"/>
+              <a:contourClr>
+                <a:schemeClr val="accent1">
+                  <a:shade val="75000"/>
+                </a:schemeClr>
+              </a:contourClr>
+            </a:sp3d>
+          </a:bodyPr>
+          <a:lstStyle/>
+          <a:p>
+            <a:pPr algn="ctr"/>
+            <a:r>
+              <a:rPr lang="pt-BR" sz="3200" b="1" cap="all" spc="0" dirty="0" smtClean="0">
+                <a:ln w="0"/>
+                <a:solidFill>
+                  <a:srgbClr val="90F319"/>
+                </a:solidFill>
+                <a:effectLst>
+                  <a:reflection blurRad="12700" stA="50000" endPos="50000" dist="5000" dir="5400000" sy="-100000" rotWithShape="0"/>
+                </a:effectLst>
+                <a:latin typeface="+mj-lt"/>
+              </a:rPr>
+              <a:t>Dificuldades Encontradas</a:t>
+            </a:r>
+            <a:endParaRPr lang="pt-BR" sz="3200" b="1" cap="all" spc="0" dirty="0">
+              <a:ln w="0"/>
+              <a:solidFill>
+                <a:srgbClr val="90F319"/>
+              </a:solidFill>
+              <a:effectLst>
+                <a:reflection blurRad="12700" stA="50000" endPos="50000" dist="5000" dir="5400000" sy="-100000" rotWithShape="0"/>
+              </a:effectLst>
+              <a:latin typeface="+mj-lt"/>
+            </a:endParaRPr>
+          </a:p>
+        </p:txBody>
+      </p:sp>
+    </p:spTree>
+  </p:cSld>
+  <p:clrMapOvr>
+    <a:masterClrMapping/>
+  </p:clrMapOvr>
+  <p:timing>
+    <p:tnLst>
+      <p:par>
+        <p:cTn id="1" dur="indefinite" restart="never" nodeType="tmRoot"/>
+      </p:par>
+    </p:tnLst>
+  </p:timing>
+</p:sld>
+</file>
+
+<file path=ppt/slides/slide7.xml><?xml version="1.0" encoding="utf-8"?>
 <p:sld xmlns:a="http://schemas.openxmlformats.org/drawingml/2006/main" xmlns:r="http://schemas.openxmlformats.org/officeDocument/2006/relationships" xmlns:p="http://schemas.openxmlformats.org/presentationml/2006/main">
   <p:cSld>
     <p:spTree>
@@ -28757,7 +32777,7 @@
 </p:sld>
 </file>
 
-<file path=ppt/slides/slide7.xml><?xml version="1.0" encoding="utf-8"?>
+<file path=ppt/slides/slide8.xml><?xml version="1.0" encoding="utf-8"?>
 <p:sld xmlns:a="http://schemas.openxmlformats.org/drawingml/2006/main" xmlns:r="http://schemas.openxmlformats.org/officeDocument/2006/relationships" xmlns:p="http://schemas.openxmlformats.org/presentationml/2006/main">
   <p:cSld>
     <p:spTree>
@@ -29086,7 +33106,7 @@
 </p:sld>
 </file>
 
-<file path=ppt/slides/slide8.xml><?xml version="1.0" encoding="utf-8"?>
+<file path=ppt/slides/slide9.xml><?xml version="1.0" encoding="utf-8"?>
 <p:sld xmlns:a="http://schemas.openxmlformats.org/drawingml/2006/main" xmlns:r="http://schemas.openxmlformats.org/officeDocument/2006/relationships" xmlns:p="http://schemas.openxmlformats.org/presentationml/2006/main">
   <p:cSld>
     <p:spTree>
@@ -29694,4 +33714,287 @@
   <a:objectDefaults/>
   <a:extraClrSchemeLst/>
 </a:theme>
+</file>
+
+<file path=ppt/theme/theme2.xml><?xml version="1.0" encoding="utf-8"?>
+<a:theme xmlns:a="http://schemas.openxmlformats.org/drawingml/2006/main" name="Tema do Office">
+  <a:themeElements>
+    <a:clrScheme name="Escritório">
+      <a:dk1>
+        <a:sysClr val="windowText" lastClr="000000"/>
+      </a:dk1>
+      <a:lt1>
+        <a:sysClr val="window" lastClr="FFFFFF"/>
+      </a:lt1>
+      <a:dk2>
+        <a:srgbClr val="1F497D"/>
+      </a:dk2>
+      <a:lt2>
+        <a:srgbClr val="EEECE1"/>
+      </a:lt2>
+      <a:accent1>
+        <a:srgbClr val="4F81BD"/>
+      </a:accent1>
+      <a:accent2>
+        <a:srgbClr val="C0504D"/>
+      </a:accent2>
+      <a:accent3>
+        <a:srgbClr val="9BBB59"/>
+      </a:accent3>
+      <a:accent4>
+        <a:srgbClr val="8064A2"/>
+      </a:accent4>
+      <a:accent5>
+        <a:srgbClr val="4BACC6"/>
+      </a:accent5>
+      <a:accent6>
+        <a:srgbClr val="F79646"/>
+      </a:accent6>
+      <a:hlink>
+        <a:srgbClr val="0000FF"/>
+      </a:hlink>
+      <a:folHlink>
+        <a:srgbClr val="800080"/>
+      </a:folHlink>
+    </a:clrScheme>
+    <a:fontScheme name="Escritório">
+      <a:majorFont>
+        <a:latin typeface="Calibri"/>
+        <a:ea typeface=""/>
+        <a:cs typeface=""/>
+        <a:font script="Jpan" typeface="ＭＳ Ｐゴシック"/>
+        <a:font script="Hang" typeface="맑은 고딕"/>
+        <a:font script="Hans" typeface="宋体"/>
+        <a:font script="Hant" typeface="新細明體"/>
+        <a:font script="Arab" typeface="Times New Roman"/>
+        <a:font script="Hebr" typeface="Times New Roman"/>
+        <a:font script="Thai" typeface="Angsana New"/>
+        <a:font script="Ethi" typeface="Nyala"/>
+        <a:font script="Beng" typeface="Vrinda"/>
+        <a:font script="Gujr" typeface="Shruti"/>
+        <a:font script="Khmr" typeface="MoolBoran"/>
+        <a:font script="Knda" typeface="Tunga"/>
+        <a:font script="Guru" typeface="Raavi"/>
+        <a:font script="Cans" typeface="Euphemia"/>
+        <a:font script="Cher" typeface="Plantagenet Cherokee"/>
+        <a:font script="Yiii" typeface="Microsoft Yi Baiti"/>
+        <a:font script="Tibt" typeface="Microsoft Himalaya"/>
+        <a:font script="Thaa" typeface="MV Boli"/>
+        <a:font script="Deva" typeface="Mangal"/>
+        <a:font script="Telu" typeface="Gautami"/>
+        <a:font script="Taml" typeface="Latha"/>
+        <a:font script="Syrc" typeface="Estrangelo Edessa"/>
+        <a:font script="Orya" typeface="Kalinga"/>
+        <a:font script="Mlym" typeface="Kartika"/>
+        <a:font script="Laoo" typeface="DokChampa"/>
+        <a:font script="Sinh" typeface="Iskoola Pota"/>
+        <a:font script="Mong" typeface="Mongolian Baiti"/>
+        <a:font script="Viet" typeface="Times New Roman"/>
+        <a:font script="Uigh" typeface="Microsoft Uighur"/>
+      </a:majorFont>
+      <a:minorFont>
+        <a:latin typeface="Calibri"/>
+        <a:ea typeface=""/>
+        <a:cs typeface=""/>
+        <a:font script="Jpan" typeface="ＭＳ Ｐゴシック"/>
+        <a:font script="Hang" typeface="맑은 고딕"/>
+        <a:font script="Hans" typeface="宋体"/>
+        <a:font script="Hant" typeface="新細明體"/>
+        <a:font script="Arab" typeface="Arial"/>
+        <a:font script="Hebr" typeface="Arial"/>
+        <a:font script="Thai" typeface="Cordia New"/>
+        <a:font script="Ethi" typeface="Nyala"/>
+        <a:font script="Beng" typeface="Vrinda"/>
+        <a:font script="Gujr" typeface="Shruti"/>
+        <a:font script="Khmr" typeface="DaunPenh"/>
+        <a:font script="Knda" typeface="Tunga"/>
+        <a:font script="Guru" typeface="Raavi"/>
+        <a:font script="Cans" typeface="Euphemia"/>
+        <a:font script="Cher" typeface="Plantagenet Cherokee"/>
+        <a:font script="Yiii" typeface="Microsoft Yi Baiti"/>
+        <a:font script="Tibt" typeface="Microsoft Himalaya"/>
+        <a:font script="Thaa" typeface="MV Boli"/>
+        <a:font script="Deva" typeface="Mangal"/>
+        <a:font script="Telu" typeface="Gautami"/>
+        <a:font script="Taml" typeface="Latha"/>
+        <a:font script="Syrc" typeface="Estrangelo Edessa"/>
+        <a:font script="Orya" typeface="Kalinga"/>
+        <a:font script="Mlym" typeface="Kartika"/>
+        <a:font script="Laoo" typeface="DokChampa"/>
+        <a:font script="Sinh" typeface="Iskoola Pota"/>
+        <a:font script="Mong" typeface="Mongolian Baiti"/>
+        <a:font script="Viet" typeface="Arial"/>
+        <a:font script="Uigh" typeface="Microsoft Uighur"/>
+      </a:minorFont>
+    </a:fontScheme>
+    <a:fmtScheme name="Escritório">
+      <a:fillStyleLst>
+        <a:solidFill>
+          <a:schemeClr val="phClr"/>
+        </a:solidFill>
+        <a:gradFill rotWithShape="1">
+          <a:gsLst>
+            <a:gs pos="0">
+              <a:schemeClr val="phClr">
+                <a:tint val="50000"/>
+                <a:satMod val="300000"/>
+              </a:schemeClr>
+            </a:gs>
+            <a:gs pos="35000">
+              <a:schemeClr val="phClr">
+                <a:tint val="37000"/>
+                <a:satMod val="300000"/>
+              </a:schemeClr>
+            </a:gs>
+            <a:gs pos="100000">
+              <a:schemeClr val="phClr">
+                <a:tint val="15000"/>
+                <a:satMod val="350000"/>
+              </a:schemeClr>
+            </a:gs>
+          </a:gsLst>
+          <a:lin ang="16200000" scaled="1"/>
+        </a:gradFill>
+        <a:gradFill rotWithShape="1">
+          <a:gsLst>
+            <a:gs pos="0">
+              <a:schemeClr val="phClr">
+                <a:shade val="51000"/>
+                <a:satMod val="130000"/>
+              </a:schemeClr>
+            </a:gs>
+            <a:gs pos="80000">
+              <a:schemeClr val="phClr">
+                <a:shade val="93000"/>
+                <a:satMod val="130000"/>
+              </a:schemeClr>
+            </a:gs>
+            <a:gs pos="100000">
+              <a:schemeClr val="phClr">
+                <a:shade val="94000"/>
+                <a:satMod val="135000"/>
+              </a:schemeClr>
+            </a:gs>
+          </a:gsLst>
+          <a:lin ang="16200000" scaled="0"/>
+        </a:gradFill>
+      </a:fillStyleLst>
+      <a:lnStyleLst>
+        <a:ln w="9525" cap="flat" cmpd="sng" algn="ctr">
+          <a:solidFill>
+            <a:schemeClr val="phClr">
+              <a:shade val="95000"/>
+              <a:satMod val="105000"/>
+            </a:schemeClr>
+          </a:solidFill>
+          <a:prstDash val="solid"/>
+        </a:ln>
+        <a:ln w="25400" cap="flat" cmpd="sng" algn="ctr">
+          <a:solidFill>
+            <a:schemeClr val="phClr"/>
+          </a:solidFill>
+          <a:prstDash val="solid"/>
+        </a:ln>
+        <a:ln w="38100" cap="flat" cmpd="sng" algn="ctr">
+          <a:solidFill>
+            <a:schemeClr val="phClr"/>
+          </a:solidFill>
+          <a:prstDash val="solid"/>
+        </a:ln>
+      </a:lnStyleLst>
+      <a:effectStyleLst>
+        <a:effectStyle>
+          <a:effectLst>
+            <a:outerShdw blurRad="40000" dist="20000" dir="5400000" rotWithShape="0">
+              <a:srgbClr val="000000">
+                <a:alpha val="38000"/>
+              </a:srgbClr>
+            </a:outerShdw>
+          </a:effectLst>
+        </a:effectStyle>
+        <a:effectStyle>
+          <a:effectLst>
+            <a:outerShdw blurRad="40000" dist="23000" dir="5400000" rotWithShape="0">
+              <a:srgbClr val="000000">
+                <a:alpha val="35000"/>
+              </a:srgbClr>
+            </a:outerShdw>
+          </a:effectLst>
+        </a:effectStyle>
+        <a:effectStyle>
+          <a:effectLst>
+            <a:outerShdw blurRad="40000" dist="23000" dir="5400000" rotWithShape="0">
+              <a:srgbClr val="000000">
+                <a:alpha val="35000"/>
+              </a:srgbClr>
+            </a:outerShdw>
+          </a:effectLst>
+          <a:scene3d>
+            <a:camera prst="orthographicFront">
+              <a:rot lat="0" lon="0" rev="0"/>
+            </a:camera>
+            <a:lightRig rig="threePt" dir="t">
+              <a:rot lat="0" lon="0" rev="1200000"/>
+            </a:lightRig>
+          </a:scene3d>
+          <a:sp3d>
+            <a:bevelT w="63500" h="25400"/>
+          </a:sp3d>
+        </a:effectStyle>
+      </a:effectStyleLst>
+      <a:bgFillStyleLst>
+        <a:solidFill>
+          <a:schemeClr val="phClr"/>
+        </a:solidFill>
+        <a:gradFill rotWithShape="1">
+          <a:gsLst>
+            <a:gs pos="0">
+              <a:schemeClr val="phClr">
+                <a:tint val="40000"/>
+                <a:satMod val="350000"/>
+              </a:schemeClr>
+            </a:gs>
+            <a:gs pos="40000">
+              <a:schemeClr val="phClr">
+                <a:tint val="45000"/>
+                <a:shade val="99000"/>
+                <a:satMod val="350000"/>
+              </a:schemeClr>
+            </a:gs>
+            <a:gs pos="100000">
+              <a:schemeClr val="phClr">
+                <a:shade val="20000"/>
+                <a:satMod val="255000"/>
+              </a:schemeClr>
+            </a:gs>
+          </a:gsLst>
+          <a:path path="circle">
+            <a:fillToRect l="50000" t="-80000" r="50000" b="180000"/>
+          </a:path>
+        </a:gradFill>
+        <a:gradFill rotWithShape="1">
+          <a:gsLst>
+            <a:gs pos="0">
+              <a:schemeClr val="phClr">
+                <a:tint val="80000"/>
+                <a:satMod val="300000"/>
+              </a:schemeClr>
+            </a:gs>
+            <a:gs pos="100000">
+              <a:schemeClr val="phClr">
+                <a:shade val="30000"/>
+                <a:satMod val="200000"/>
+              </a:schemeClr>
+            </a:gs>
+          </a:gsLst>
+          <a:path path="circle">
+            <a:fillToRect l="50000" t="50000" r="50000" b="50000"/>
+          </a:path>
+        </a:gradFill>
+      </a:bgFillStyleLst>
+    </a:fmtScheme>
+  </a:themeElements>
+  <a:objectDefaults/>
+  <a:extraClrSchemeLst/>
+</a:theme>
 </file>
--- a/trunk/PM-DOCS/Apresentação_Release1_Bpad.pptx
+++ b/trunk/PM-DOCS/Apresentação_Release1_Bpad.pptx
@@ -6559,7 +6559,11 @@
         <a:p>
           <a:r>
             <a:rPr lang="pt-BR" sz="1600" b="1" i="1" u="none" dirty="0" smtClean="0"/>
-            <a:t>Tecnologias Empregadas</a:t>
+            <a:t>Tecnologias </a:t>
+          </a:r>
+          <a:r>
+            <a:rPr lang="pt-BR" sz="1600" b="1" i="1" u="none" smtClean="0"/>
+            <a:t>Empregadas </a:t>
           </a:r>
           <a:endParaRPr lang="pt-BR" sz="1600" b="1" i="1" u="none" dirty="0" smtClean="0"/>
         </a:p>
@@ -6609,7 +6613,7 @@
       </dgm:t>
     </dgm:pt>
     <dgm:pt modelId="{B2867352-014C-483D-9BD5-64325426E6D6}" type="pres">
-      <dgm:prSet presAssocID="{08CBE1EF-291F-49FF-9216-BF8D24382816}" presName="arrow" presStyleLbl="bgShp" presStyleIdx="0" presStyleCnt="1" custLinFactNeighborX="-417" custLinFactNeighborY="-667"/>
+      <dgm:prSet presAssocID="{08CBE1EF-291F-49FF-9216-BF8D24382816}" presName="arrow" presStyleLbl="bgShp" presStyleIdx="0" presStyleCnt="1"/>
       <dgm:spPr/>
       <dgm:t>
         <a:bodyPr/>
@@ -6622,10 +6626,24 @@
     <dgm:pt modelId="{4D5B342F-D205-4BF5-BEA8-594D781B3EF4}" type="pres">
       <dgm:prSet presAssocID="{08CBE1EF-291F-49FF-9216-BF8D24382816}" presName="arrowDiagram5" presStyleCnt="0"/>
       <dgm:spPr/>
+      <dgm:t>
+        <a:bodyPr/>
+        <a:lstStyle/>
+        <a:p>
+          <a:endParaRPr lang="pt-BR"/>
+        </a:p>
+      </dgm:t>
     </dgm:pt>
     <dgm:pt modelId="{DF8C3DFF-785B-45E3-92D8-0B0856007626}" type="pres">
       <dgm:prSet presAssocID="{7FA5D023-37F5-41EE-AF51-EABC453F5AEB}" presName="bullet5a" presStyleLbl="node1" presStyleIdx="0" presStyleCnt="5" custLinFactNeighborX="-24109" custLinFactNeighborY="18546"/>
       <dgm:spPr/>
+      <dgm:t>
+        <a:bodyPr/>
+        <a:lstStyle/>
+        <a:p>
+          <a:endParaRPr lang="pt-BR"/>
+        </a:p>
+      </dgm:t>
     </dgm:pt>
     <dgm:pt modelId="{19E18522-A7B8-42BA-B19C-7B510F9E2865}" type="pres">
       <dgm:prSet presAssocID="{7FA5D023-37F5-41EE-AF51-EABC453F5AEB}" presName="textBox5a" presStyleLbl="revTx" presStyleIdx="0" presStyleCnt="5" custScaleX="159957" custLinFactNeighborX="27684" custLinFactNeighborY="5756">
@@ -6645,6 +6663,13 @@
     <dgm:pt modelId="{6D0EC764-D125-4AA7-B833-E5B205AB327C}" type="pres">
       <dgm:prSet presAssocID="{1626BC9A-5DBD-4704-B269-A285FCB64C85}" presName="bullet5b" presStyleLbl="node1" presStyleIdx="1" presStyleCnt="5" custLinFactNeighborX="54575" custLinFactNeighborY="-39563"/>
       <dgm:spPr/>
+      <dgm:t>
+        <a:bodyPr/>
+        <a:lstStyle/>
+        <a:p>
+          <a:endParaRPr lang="pt-BR"/>
+        </a:p>
+      </dgm:t>
     </dgm:pt>
     <dgm:pt modelId="{1C265FB0-3ED5-4848-86C8-F96FF564235B}" type="pres">
       <dgm:prSet presAssocID="{1626BC9A-5DBD-4704-B269-A285FCB64C85}" presName="textBox5b" presStyleLbl="revTx" presStyleIdx="1" presStyleCnt="5" custScaleX="207527" custLinFactNeighborX="64205" custLinFactNeighborY="-4773">
@@ -6664,6 +6689,13 @@
     <dgm:pt modelId="{B7E16290-337B-41D7-8D8A-5EB982F24171}" type="pres">
       <dgm:prSet presAssocID="{5E3071CD-FEF5-47BD-BEBC-71DF2D1D861B}" presName="bullet5c" presStyleLbl="node1" presStyleIdx="2" presStyleCnt="5" custLinFactNeighborX="56945" custLinFactNeighborY="-21354"/>
       <dgm:spPr/>
+      <dgm:t>
+        <a:bodyPr/>
+        <a:lstStyle/>
+        <a:p>
+          <a:endParaRPr lang="pt-BR"/>
+        </a:p>
+      </dgm:t>
     </dgm:pt>
     <dgm:pt modelId="{B209CBD2-A69F-4F8A-8F81-AE0DD2A5DC01}" type="pres">
       <dgm:prSet presAssocID="{5E3071CD-FEF5-47BD-BEBC-71DF2D1D861B}" presName="textBox5c" presStyleLbl="revTx" presStyleIdx="2" presStyleCnt="5" custLinFactNeighborX="13644" custLinFactNeighborY="-3203">
